--- a/Documentação/Apresentação - Sprint 1 - 4 sem.pptx
+++ b/Documentação/Apresentação - Sprint 1 - 4 sem.pptx
@@ -132,6 +132,30 @@
 
 <file path=ppt/changesInfos/changesInfo1.xml><?xml version="1.0" encoding="utf-8"?>
 <pc:chgInfo xmlns:a="http://schemas.openxmlformats.org/drawingml/2006/main" xmlns:r="http://schemas.openxmlformats.org/officeDocument/2006/relationships" xmlns:ac="http://schemas.microsoft.com/office/drawing/2013/main/command" xmlns:pc="http://schemas.microsoft.com/office/powerpoint/2013/main/command">
+  <pc:docChgLst>
+    <pc:chgData name="FERNANDO CARAÇA CORREA" userId="f74cac89-c2d4-49a5-a449-297b6cf72afe" providerId="ADAL" clId="{4B05C8BE-9EBD-4AAE-B979-8020645BB90A}"/>
+    <pc:docChg chg="addSld modSld sldOrd">
+      <pc:chgData name="FERNANDO CARAÇA CORREA" userId="f74cac89-c2d4-49a5-a449-297b6cf72afe" providerId="ADAL" clId="{4B05C8BE-9EBD-4AAE-B979-8020645BB90A}" dt="2020-09-02T22:55:05.507" v="3"/>
+      <pc:docMkLst>
+        <pc:docMk/>
+      </pc:docMkLst>
+      <pc:sldChg chg="addSp new mod ord">
+        <pc:chgData name="FERNANDO CARAÇA CORREA" userId="f74cac89-c2d4-49a5-a449-297b6cf72afe" providerId="ADAL" clId="{4B05C8BE-9EBD-4AAE-B979-8020645BB90A}" dt="2020-09-02T22:55:05.507" v="3"/>
+        <pc:sldMkLst>
+          <pc:docMk/>
+          <pc:sldMk cId="1243418590" sldId="401"/>
+        </pc:sldMkLst>
+        <pc:picChg chg="add">
+          <ac:chgData name="FERNANDO CARAÇA CORREA" userId="f74cac89-c2d4-49a5-a449-297b6cf72afe" providerId="ADAL" clId="{4B05C8BE-9EBD-4AAE-B979-8020645BB90A}" dt="2020-09-02T22:54:13.009" v="1" actId="22"/>
+          <ac:picMkLst>
+            <pc:docMk/>
+            <pc:sldMk cId="1243418590" sldId="401"/>
+            <ac:picMk id="3" creationId="{B77C0C7E-BF5D-4C7A-BFC4-06C9304EE89A}"/>
+          </ac:picMkLst>
+        </pc:picChg>
+      </pc:sldChg>
+    </pc:docChg>
+  </pc:docChgLst>
   <pc:docChgLst>
     <pc:chgData name="FERNANDO CARAÇA CORREA" userId="f74cac89-c2d4-49a5-a449-297b6cf72afe" providerId="ADAL" clId="{79B2A993-FCCA-4410-A130-43EBC2458013}"/>
     <pc:docChg chg="undo custSel addSld delSld modSld sldOrd">
@@ -1660,30 +1684,6 @@
             <ac:graphicFrameMk id="5" creationId="{00000000-0000-0000-0000-000000000000}"/>
           </ac:graphicFrameMkLst>
         </pc:graphicFrameChg>
-      </pc:sldChg>
-    </pc:docChg>
-  </pc:docChgLst>
-  <pc:docChgLst>
-    <pc:chgData name="FERNANDO CARAÇA CORREA" userId="f74cac89-c2d4-49a5-a449-297b6cf72afe" providerId="ADAL" clId="{4B05C8BE-9EBD-4AAE-B979-8020645BB90A}"/>
-    <pc:docChg chg="addSld modSld sldOrd">
-      <pc:chgData name="FERNANDO CARAÇA CORREA" userId="f74cac89-c2d4-49a5-a449-297b6cf72afe" providerId="ADAL" clId="{4B05C8BE-9EBD-4AAE-B979-8020645BB90A}" dt="2020-09-02T22:55:05.507" v="3"/>
-      <pc:docMkLst>
-        <pc:docMk/>
-      </pc:docMkLst>
-      <pc:sldChg chg="addSp new mod ord">
-        <pc:chgData name="FERNANDO CARAÇA CORREA" userId="f74cac89-c2d4-49a5-a449-297b6cf72afe" providerId="ADAL" clId="{4B05C8BE-9EBD-4AAE-B979-8020645BB90A}" dt="2020-09-02T22:55:05.507" v="3"/>
-        <pc:sldMkLst>
-          <pc:docMk/>
-          <pc:sldMk cId="1243418590" sldId="401"/>
-        </pc:sldMkLst>
-        <pc:picChg chg="add">
-          <ac:chgData name="FERNANDO CARAÇA CORREA" userId="f74cac89-c2d4-49a5-a449-297b6cf72afe" providerId="ADAL" clId="{4B05C8BE-9EBD-4AAE-B979-8020645BB90A}" dt="2020-09-02T22:54:13.009" v="1" actId="22"/>
-          <ac:picMkLst>
-            <pc:docMk/>
-            <pc:sldMk cId="1243418590" sldId="401"/>
-            <ac:picMk id="3" creationId="{B77C0C7E-BF5D-4C7A-BFC4-06C9304EE89A}"/>
-          </ac:picMkLst>
-        </pc:picChg>
       </pc:sldChg>
     </pc:docChg>
   </pc:docChgLst>
@@ -24667,7 +24667,7 @@
           <a:p>
             <a:fld id="{93AE73D3-A46B-4B9C-965A-78B4CFA46842}" type="datetimeFigureOut">
               <a:rPr lang="pt-BR" smtClean="0"/>
-              <a:t>09/09/2020</a:t>
+              <a:t>15/09/2020</a:t>
             </a:fld>
             <a:endParaRPr lang="pt-BR"/>
           </a:p>
@@ -24865,7 +24865,7 @@
           <a:p>
             <a:fld id="{93AE73D3-A46B-4B9C-965A-78B4CFA46842}" type="datetimeFigureOut">
               <a:rPr lang="pt-BR" smtClean="0"/>
-              <a:t>09/09/2020</a:t>
+              <a:t>15/09/2020</a:t>
             </a:fld>
             <a:endParaRPr lang="pt-BR"/>
           </a:p>
@@ -25073,7 +25073,7 @@
           <a:p>
             <a:fld id="{93AE73D3-A46B-4B9C-965A-78B4CFA46842}" type="datetimeFigureOut">
               <a:rPr lang="pt-BR" smtClean="0"/>
-              <a:t>09/09/2020</a:t>
+              <a:t>15/09/2020</a:t>
             </a:fld>
             <a:endParaRPr lang="pt-BR"/>
           </a:p>
@@ -25271,7 +25271,7 @@
           <a:p>
             <a:fld id="{93AE73D3-A46B-4B9C-965A-78B4CFA46842}" type="datetimeFigureOut">
               <a:rPr lang="pt-BR" smtClean="0"/>
-              <a:t>09/09/2020</a:t>
+              <a:t>15/09/2020</a:t>
             </a:fld>
             <a:endParaRPr lang="pt-BR"/>
           </a:p>
@@ -25546,7 +25546,7 @@
           <a:p>
             <a:fld id="{93AE73D3-A46B-4B9C-965A-78B4CFA46842}" type="datetimeFigureOut">
               <a:rPr lang="pt-BR" smtClean="0"/>
-              <a:t>09/09/2020</a:t>
+              <a:t>15/09/2020</a:t>
             </a:fld>
             <a:endParaRPr lang="pt-BR"/>
           </a:p>
@@ -25811,7 +25811,7 @@
           <a:p>
             <a:fld id="{93AE73D3-A46B-4B9C-965A-78B4CFA46842}" type="datetimeFigureOut">
               <a:rPr lang="pt-BR" smtClean="0"/>
-              <a:t>09/09/2020</a:t>
+              <a:t>15/09/2020</a:t>
             </a:fld>
             <a:endParaRPr lang="pt-BR"/>
           </a:p>
@@ -26223,7 +26223,7 @@
           <a:p>
             <a:fld id="{93AE73D3-A46B-4B9C-965A-78B4CFA46842}" type="datetimeFigureOut">
               <a:rPr lang="pt-BR" smtClean="0"/>
-              <a:t>09/09/2020</a:t>
+              <a:t>15/09/2020</a:t>
             </a:fld>
             <a:endParaRPr lang="pt-BR"/>
           </a:p>
@@ -26364,7 +26364,7 @@
           <a:p>
             <a:fld id="{93AE73D3-A46B-4B9C-965A-78B4CFA46842}" type="datetimeFigureOut">
               <a:rPr lang="pt-BR" smtClean="0"/>
-              <a:t>09/09/2020</a:t>
+              <a:t>15/09/2020</a:t>
             </a:fld>
             <a:endParaRPr lang="pt-BR"/>
           </a:p>
@@ -26477,7 +26477,7 @@
           <a:p>
             <a:fld id="{93AE73D3-A46B-4B9C-965A-78B4CFA46842}" type="datetimeFigureOut">
               <a:rPr lang="pt-BR" smtClean="0"/>
-              <a:t>09/09/2020</a:t>
+              <a:t>15/09/2020</a:t>
             </a:fld>
             <a:endParaRPr lang="pt-BR"/>
           </a:p>
@@ -26788,7 +26788,7 @@
           <a:p>
             <a:fld id="{93AE73D3-A46B-4B9C-965A-78B4CFA46842}" type="datetimeFigureOut">
               <a:rPr lang="pt-BR" smtClean="0"/>
-              <a:t>09/09/2020</a:t>
+              <a:t>15/09/2020</a:t>
             </a:fld>
             <a:endParaRPr lang="pt-BR"/>
           </a:p>
@@ -27076,7 +27076,7 @@
           <a:p>
             <a:fld id="{93AE73D3-A46B-4B9C-965A-78B4CFA46842}" type="datetimeFigureOut">
               <a:rPr lang="pt-BR" smtClean="0"/>
-              <a:t>09/09/2020</a:t>
+              <a:t>15/09/2020</a:t>
             </a:fld>
             <a:endParaRPr lang="pt-BR"/>
           </a:p>
@@ -27317,7 +27317,7 @@
           <a:p>
             <a:fld id="{93AE73D3-A46B-4B9C-965A-78B4CFA46842}" type="datetimeFigureOut">
               <a:rPr lang="pt-BR" smtClean="0"/>
-              <a:t>09/09/2020</a:t>
+              <a:t>15/09/2020</a:t>
             </a:fld>
             <a:endParaRPr lang="pt-BR"/>
           </a:p>
@@ -27843,7 +27843,7 @@
             </a:pPr>
             <a:r>
               <a:rPr lang="en-US" dirty="0"/>
-              <a:t>Lucas Abreu – 01191</a:t>
+              <a:t>Lucas Pires - 01191097</a:t>
             </a:r>
           </a:p>
           <a:p>

--- a/Documentação/Apresentação - Sprint 1 - 4 sem.pptx
+++ b/Documentação/Apresentação - Sprint 1 - 4 sem.pptx
@@ -15,7 +15,8 @@
     <p:sldId id="404" r:id="rId9"/>
     <p:sldId id="300" r:id="rId10"/>
     <p:sldId id="294" r:id="rId11"/>
-    <p:sldId id="287" r:id="rId12"/>
+    <p:sldId id="406" r:id="rId12"/>
+    <p:sldId id="287" r:id="rId13"/>
   </p:sldIdLst>
   <p:sldSz cx="12192000" cy="6858000"/>
   <p:notesSz cx="6858000" cy="9144000"/>
@@ -24667,7 +24668,7 @@
           <a:p>
             <a:fld id="{93AE73D3-A46B-4B9C-965A-78B4CFA46842}" type="datetimeFigureOut">
               <a:rPr lang="pt-BR" smtClean="0"/>
-              <a:t>15/09/2020</a:t>
+              <a:t>16/09/2020</a:t>
             </a:fld>
             <a:endParaRPr lang="pt-BR"/>
           </a:p>
@@ -24865,7 +24866,7 @@
           <a:p>
             <a:fld id="{93AE73D3-A46B-4B9C-965A-78B4CFA46842}" type="datetimeFigureOut">
               <a:rPr lang="pt-BR" smtClean="0"/>
-              <a:t>15/09/2020</a:t>
+              <a:t>16/09/2020</a:t>
             </a:fld>
             <a:endParaRPr lang="pt-BR"/>
           </a:p>
@@ -25073,7 +25074,7 @@
           <a:p>
             <a:fld id="{93AE73D3-A46B-4B9C-965A-78B4CFA46842}" type="datetimeFigureOut">
               <a:rPr lang="pt-BR" smtClean="0"/>
-              <a:t>15/09/2020</a:t>
+              <a:t>16/09/2020</a:t>
             </a:fld>
             <a:endParaRPr lang="pt-BR"/>
           </a:p>
@@ -25271,7 +25272,7 @@
           <a:p>
             <a:fld id="{93AE73D3-A46B-4B9C-965A-78B4CFA46842}" type="datetimeFigureOut">
               <a:rPr lang="pt-BR" smtClean="0"/>
-              <a:t>15/09/2020</a:t>
+              <a:t>16/09/2020</a:t>
             </a:fld>
             <a:endParaRPr lang="pt-BR"/>
           </a:p>
@@ -25546,7 +25547,7 @@
           <a:p>
             <a:fld id="{93AE73D3-A46B-4B9C-965A-78B4CFA46842}" type="datetimeFigureOut">
               <a:rPr lang="pt-BR" smtClean="0"/>
-              <a:t>15/09/2020</a:t>
+              <a:t>16/09/2020</a:t>
             </a:fld>
             <a:endParaRPr lang="pt-BR"/>
           </a:p>
@@ -25811,7 +25812,7 @@
           <a:p>
             <a:fld id="{93AE73D3-A46B-4B9C-965A-78B4CFA46842}" type="datetimeFigureOut">
               <a:rPr lang="pt-BR" smtClean="0"/>
-              <a:t>15/09/2020</a:t>
+              <a:t>16/09/2020</a:t>
             </a:fld>
             <a:endParaRPr lang="pt-BR"/>
           </a:p>
@@ -26223,7 +26224,7 @@
           <a:p>
             <a:fld id="{93AE73D3-A46B-4B9C-965A-78B4CFA46842}" type="datetimeFigureOut">
               <a:rPr lang="pt-BR" smtClean="0"/>
-              <a:t>15/09/2020</a:t>
+              <a:t>16/09/2020</a:t>
             </a:fld>
             <a:endParaRPr lang="pt-BR"/>
           </a:p>
@@ -26364,7 +26365,7 @@
           <a:p>
             <a:fld id="{93AE73D3-A46B-4B9C-965A-78B4CFA46842}" type="datetimeFigureOut">
               <a:rPr lang="pt-BR" smtClean="0"/>
-              <a:t>15/09/2020</a:t>
+              <a:t>16/09/2020</a:t>
             </a:fld>
             <a:endParaRPr lang="pt-BR"/>
           </a:p>
@@ -26477,7 +26478,7 @@
           <a:p>
             <a:fld id="{93AE73D3-A46B-4B9C-965A-78B4CFA46842}" type="datetimeFigureOut">
               <a:rPr lang="pt-BR" smtClean="0"/>
-              <a:t>15/09/2020</a:t>
+              <a:t>16/09/2020</a:t>
             </a:fld>
             <a:endParaRPr lang="pt-BR"/>
           </a:p>
@@ -26788,7 +26789,7 @@
           <a:p>
             <a:fld id="{93AE73D3-A46B-4B9C-965A-78B4CFA46842}" type="datetimeFigureOut">
               <a:rPr lang="pt-BR" smtClean="0"/>
-              <a:t>15/09/2020</a:t>
+              <a:t>16/09/2020</a:t>
             </a:fld>
             <a:endParaRPr lang="pt-BR"/>
           </a:p>
@@ -27076,7 +27077,7 @@
           <a:p>
             <a:fld id="{93AE73D3-A46B-4B9C-965A-78B4CFA46842}" type="datetimeFigureOut">
               <a:rPr lang="pt-BR" smtClean="0"/>
-              <a:t>15/09/2020</a:t>
+              <a:t>16/09/2020</a:t>
             </a:fld>
             <a:endParaRPr lang="pt-BR"/>
           </a:p>
@@ -27317,7 +27318,7 @@
           <a:p>
             <a:fld id="{93AE73D3-A46B-4B9C-965A-78B4CFA46842}" type="datetimeFigureOut">
               <a:rPr lang="pt-BR" smtClean="0"/>
-              <a:t>15/09/2020</a:t>
+              <a:t>16/09/2020</a:t>
             </a:fld>
             <a:endParaRPr lang="pt-BR"/>
           </a:p>
@@ -27843,7 +27844,7 @@
             </a:pPr>
             <a:r>
               <a:rPr lang="en-US" dirty="0"/>
-              <a:t>Lucas Pires - 01191097</a:t>
+              <a:t>Lucas Abreu – 01191097</a:t>
             </a:r>
           </a:p>
           <a:p>
@@ -28776,6 +28777,759 @@
 </file>
 
 <file path=ppt/slides/slide11.xml><?xml version="1.0" encoding="utf-8"?>
+<p:sld xmlns:a="http://schemas.openxmlformats.org/drawingml/2006/main" xmlns:r="http://schemas.openxmlformats.org/officeDocument/2006/relationships" xmlns:p="http://schemas.openxmlformats.org/presentationml/2006/main">
+  <p:cSld>
+    <p:spTree>
+      <p:nvGrpSpPr>
+        <p:cNvPr id="1" name=""/>
+        <p:cNvGrpSpPr/>
+        <p:nvPr/>
+      </p:nvGrpSpPr>
+      <p:grpSpPr>
+        <a:xfrm>
+          <a:off x="0" y="0"/>
+          <a:ext cx="0" cy="0"/>
+          <a:chOff x="0" y="0"/>
+          <a:chExt cx="0" cy="0"/>
+        </a:xfrm>
+      </p:grpSpPr>
+      <p:sp useBgFill="1">
+        <p:nvSpPr>
+          <p:cNvPr id="10" name="Rectangle 9"/>
+          <p:cNvSpPr>
+            <a:spLocks noGrp="1" noRot="1" noChangeAspect="1" noMove="1" noResize="1" noEditPoints="1" noAdjustHandles="1" noChangeArrowheads="1" noChangeShapeType="1" noTextEdit="1"/>
+          </p:cNvSpPr>
+          <p:nvPr/>
+        </p:nvSpPr>
+        <p:spPr>
+          <a:xfrm>
+            <a:off x="0" y="0"/>
+            <a:ext cx="12192000" cy="6858000"/>
+          </a:xfrm>
+          <a:prstGeom prst="rect">
+            <a:avLst/>
+          </a:prstGeom>
+          <a:ln>
+            <a:noFill/>
+          </a:ln>
+        </p:spPr>
+        <p:style>
+          <a:lnRef idx="2">
+            <a:schemeClr val="accent1">
+              <a:shade val="50000"/>
+            </a:schemeClr>
+          </a:lnRef>
+          <a:fillRef idx="1">
+            <a:schemeClr val="accent1"/>
+          </a:fillRef>
+          <a:effectRef idx="0">
+            <a:schemeClr val="accent1"/>
+          </a:effectRef>
+          <a:fontRef idx="minor">
+            <a:schemeClr val="lt1"/>
+          </a:fontRef>
+        </p:style>
+        <p:txBody>
+          <a:bodyPr rtlCol="0" anchor="ctr"/>
+          <a:lstStyle/>
+          <a:p>
+            <a:pPr algn="ctr"/>
+            <a:endParaRPr lang="en-US" dirty="0"/>
+          </a:p>
+        </p:txBody>
+      </p:sp>
+      <p:sp>
+        <p:nvSpPr>
+          <p:cNvPr id="20" name="CaixaDeTexto 19">
+            <a:extLst>
+              <a:ext uri="{FF2B5EF4-FFF2-40B4-BE49-F238E27FC236}">
+                <a16:creationId xmlns:a16="http://schemas.microsoft.com/office/drawing/2014/main" id="{5B526848-867A-48AA-8A3A-D54E0A419896}"/>
+              </a:ext>
+            </a:extLst>
+          </p:cNvPr>
+          <p:cNvSpPr txBox="1"/>
+          <p:nvPr/>
+        </p:nvSpPr>
+        <p:spPr>
+          <a:xfrm>
+            <a:off x="7709972" y="1320341"/>
+            <a:ext cx="2070837" cy="338554"/>
+          </a:xfrm>
+          <a:prstGeom prst="rect">
+            <a:avLst/>
+          </a:prstGeom>
+          <a:noFill/>
+        </p:spPr>
+        <p:txBody>
+          <a:bodyPr wrap="square" rtlCol="0">
+            <a:spAutoFit/>
+          </a:bodyPr>
+          <a:lstStyle/>
+          <a:p>
+            <a:r>
+              <a:rPr lang="pt-BR" sz="1600" dirty="0">
+                <a:solidFill>
+                  <a:schemeClr val="bg1"/>
+                </a:solidFill>
+              </a:rPr>
+              <a:t>Planilha de Software</a:t>
+            </a:r>
+          </a:p>
+        </p:txBody>
+      </p:sp>
+      <p:sp>
+        <p:nvSpPr>
+          <p:cNvPr id="21" name="CaixaDeTexto 20">
+            <a:extLst>
+              <a:ext uri="{FF2B5EF4-FFF2-40B4-BE49-F238E27FC236}">
+                <a16:creationId xmlns:a16="http://schemas.microsoft.com/office/drawing/2014/main" id="{66EB59FA-89AE-4F0D-A3A6-FCAD79115ED1}"/>
+              </a:ext>
+            </a:extLst>
+          </p:cNvPr>
+          <p:cNvSpPr txBox="1"/>
+          <p:nvPr/>
+        </p:nvSpPr>
+        <p:spPr>
+          <a:xfrm>
+            <a:off x="9820309" y="1301938"/>
+            <a:ext cx="2277975" cy="369332"/>
+          </a:xfrm>
+          <a:prstGeom prst="rect">
+            <a:avLst/>
+          </a:prstGeom>
+          <a:noFill/>
+          <a:effectLst/>
+        </p:spPr>
+        <p:txBody>
+          <a:bodyPr wrap="square" rtlCol="0">
+            <a:spAutoFit/>
+          </a:bodyPr>
+          <a:lstStyle/>
+          <a:p>
+            <a:r>
+              <a:rPr lang="pt-BR" dirty="0">
+                <a:ln>
+                  <a:solidFill>
+                    <a:schemeClr val="bg1"/>
+                  </a:solidFill>
+                </a:ln>
+                <a:solidFill>
+                  <a:schemeClr val="bg1"/>
+                </a:solidFill>
+                <a:effectLst/>
+              </a:rPr>
+              <a:t>Desenho de Solução</a:t>
+            </a:r>
+          </a:p>
+        </p:txBody>
+      </p:sp>
+      <p:sp>
+        <p:nvSpPr>
+          <p:cNvPr id="2" name="Título 1"/>
+          <p:cNvSpPr>
+            <a:spLocks noGrp="1"/>
+          </p:cNvSpPr>
+          <p:nvPr>
+            <p:ph type="title"/>
+          </p:nvPr>
+        </p:nvSpPr>
+        <p:spPr>
+          <a:xfrm>
+            <a:off x="1812897" y="518649"/>
+            <a:ext cx="9882278" cy="1067634"/>
+          </a:xfrm>
+        </p:spPr>
+        <p:txBody>
+          <a:bodyPr anchor="ctr">
+            <a:normAutofit/>
+          </a:bodyPr>
+          <a:lstStyle/>
+          <a:p>
+            <a:r>
+              <a:rPr lang="pt-BR" dirty="0"/>
+              <a:t>Desenho de Solução</a:t>
+            </a:r>
+          </a:p>
+        </p:txBody>
+      </p:sp>
+      <p:grpSp>
+        <p:nvGrpSpPr>
+          <p:cNvPr id="12" name="Group 11"/>
+          <p:cNvGrpSpPr>
+            <a:grpSpLocks noGrp="1" noUngrp="1" noRot="1" noChangeAspect="1" noMove="1" noResize="1"/>
+          </p:cNvGrpSpPr>
+          <p:nvPr/>
+        </p:nvGrpSpPr>
+        <p:grpSpPr>
+          <a:xfrm>
+            <a:off x="472021" y="628863"/>
+            <a:ext cx="1128382" cy="847206"/>
+            <a:chOff x="8183879" y="1000124"/>
+            <a:chExt cx="1562267" cy="1172973"/>
+          </a:xfrm>
+        </p:grpSpPr>
+        <p:sp>
+          <p:nvSpPr>
+            <p:cNvPr id="13" name="Freeform 5"/>
+            <p:cNvSpPr/>
+            <p:nvPr/>
+          </p:nvSpPr>
+          <p:spPr bwMode="auto">
+            <a:xfrm>
+              <a:off x="8183879" y="1348782"/>
+              <a:ext cx="935037" cy="824315"/>
+            </a:xfrm>
+            <a:custGeom>
+              <a:avLst/>
+              <a:gdLst>
+                <a:gd name="T0" fmla="*/ 225 w 785"/>
+                <a:gd name="T1" fmla="*/ 692 h 692"/>
+                <a:gd name="T2" fmla="*/ 177 w 785"/>
+                <a:gd name="T3" fmla="*/ 665 h 692"/>
+                <a:gd name="T4" fmla="*/ 9 w 785"/>
+                <a:gd name="T5" fmla="*/ 374 h 692"/>
+                <a:gd name="T6" fmla="*/ 9 w 785"/>
+                <a:gd name="T7" fmla="*/ 318 h 692"/>
+                <a:gd name="T8" fmla="*/ 177 w 785"/>
+                <a:gd name="T9" fmla="*/ 27 h 692"/>
+                <a:gd name="T10" fmla="*/ 225 w 785"/>
+                <a:gd name="T11" fmla="*/ 0 h 692"/>
+                <a:gd name="T12" fmla="*/ 561 w 785"/>
+                <a:gd name="T13" fmla="*/ 0 h 692"/>
+                <a:gd name="T14" fmla="*/ 609 w 785"/>
+                <a:gd name="T15" fmla="*/ 27 h 692"/>
+                <a:gd name="T16" fmla="*/ 777 w 785"/>
+                <a:gd name="T17" fmla="*/ 318 h 692"/>
+                <a:gd name="T18" fmla="*/ 777 w 785"/>
+                <a:gd name="T19" fmla="*/ 374 h 692"/>
+                <a:gd name="T20" fmla="*/ 609 w 785"/>
+                <a:gd name="T21" fmla="*/ 665 h 692"/>
+                <a:gd name="T22" fmla="*/ 561 w 785"/>
+                <a:gd name="T23" fmla="*/ 692 h 692"/>
+                <a:gd name="T24" fmla="*/ 225 w 785"/>
+                <a:gd name="T25" fmla="*/ 692 h 692"/>
+              </a:gdLst>
+              <a:ahLst/>
+              <a:cxnLst>
+                <a:cxn ang="0">
+                  <a:pos x="T0" y="T1"/>
+                </a:cxn>
+                <a:cxn ang="0">
+                  <a:pos x="T2" y="T3"/>
+                </a:cxn>
+                <a:cxn ang="0">
+                  <a:pos x="T4" y="T5"/>
+                </a:cxn>
+                <a:cxn ang="0">
+                  <a:pos x="T6" y="T7"/>
+                </a:cxn>
+                <a:cxn ang="0">
+                  <a:pos x="T8" y="T9"/>
+                </a:cxn>
+                <a:cxn ang="0">
+                  <a:pos x="T10" y="T11"/>
+                </a:cxn>
+                <a:cxn ang="0">
+                  <a:pos x="T12" y="T13"/>
+                </a:cxn>
+                <a:cxn ang="0">
+                  <a:pos x="T14" y="T15"/>
+                </a:cxn>
+                <a:cxn ang="0">
+                  <a:pos x="T16" y="T17"/>
+                </a:cxn>
+                <a:cxn ang="0">
+                  <a:pos x="T18" y="T19"/>
+                </a:cxn>
+                <a:cxn ang="0">
+                  <a:pos x="T20" y="T21"/>
+                </a:cxn>
+                <a:cxn ang="0">
+                  <a:pos x="T22" y="T23"/>
+                </a:cxn>
+                <a:cxn ang="0">
+                  <a:pos x="T24" y="T25"/>
+                </a:cxn>
+              </a:cxnLst>
+              <a:rect l="0" t="0" r="r" b="b"/>
+              <a:pathLst>
+                <a:path w="785" h="692">
+                  <a:moveTo>
+                    <a:pt x="225" y="692"/>
+                  </a:moveTo>
+                  <a:cubicBezTo>
+                    <a:pt x="207" y="692"/>
+                    <a:pt x="185" y="680"/>
+                    <a:pt x="177" y="665"/>
+                  </a:cubicBezTo>
+                  <a:cubicBezTo>
+                    <a:pt x="9" y="374"/>
+                    <a:pt x="9" y="374"/>
+                    <a:pt x="9" y="374"/>
+                  </a:cubicBezTo>
+                  <a:cubicBezTo>
+                    <a:pt x="0" y="358"/>
+                    <a:pt x="0" y="334"/>
+                    <a:pt x="9" y="318"/>
+                  </a:cubicBezTo>
+                  <a:cubicBezTo>
+                    <a:pt x="177" y="27"/>
+                    <a:pt x="177" y="27"/>
+                    <a:pt x="177" y="27"/>
+                  </a:cubicBezTo>
+                  <a:cubicBezTo>
+                    <a:pt x="185" y="12"/>
+                    <a:pt x="207" y="0"/>
+                    <a:pt x="225" y="0"/>
+                  </a:cubicBezTo>
+                  <a:cubicBezTo>
+                    <a:pt x="561" y="0"/>
+                    <a:pt x="561" y="0"/>
+                    <a:pt x="561" y="0"/>
+                  </a:cubicBezTo>
+                  <a:cubicBezTo>
+                    <a:pt x="578" y="0"/>
+                    <a:pt x="600" y="12"/>
+                    <a:pt x="609" y="27"/>
+                  </a:cubicBezTo>
+                  <a:cubicBezTo>
+                    <a:pt x="777" y="318"/>
+                    <a:pt x="777" y="318"/>
+                    <a:pt x="777" y="318"/>
+                  </a:cubicBezTo>
+                  <a:cubicBezTo>
+                    <a:pt x="785" y="334"/>
+                    <a:pt x="785" y="358"/>
+                    <a:pt x="777" y="374"/>
+                  </a:cubicBezTo>
+                  <a:cubicBezTo>
+                    <a:pt x="609" y="665"/>
+                    <a:pt x="609" y="665"/>
+                    <a:pt x="609" y="665"/>
+                  </a:cubicBezTo>
+                  <a:cubicBezTo>
+                    <a:pt x="600" y="680"/>
+                    <a:pt x="578" y="692"/>
+                    <a:pt x="561" y="692"/>
+                  </a:cubicBezTo>
+                  <a:lnTo>
+                    <a:pt x="225" y="692"/>
+                  </a:lnTo>
+                  <a:close/>
+                </a:path>
+              </a:pathLst>
+            </a:custGeom>
+            <a:noFill/>
+            <a:ln w="28575" cmpd="sng">
+              <a:solidFill>
+                <a:schemeClr val="tx1"/>
+              </a:solidFill>
+            </a:ln>
+          </p:spPr>
+          <p:txBody>
+            <a:bodyPr vert="horz" wrap="square" lIns="91440" tIns="45720" rIns="91440" bIns="45720" numCol="1" anchor="t" anchorCtr="0" compatLnSpc="1"/>
+            <a:lstStyle/>
+            <a:p>
+              <a:endParaRPr lang="en-US"/>
+            </a:p>
+          </p:txBody>
+        </p:sp>
+        <p:sp>
+          <p:nvSpPr>
+            <p:cNvPr id="14" name="Freeform 5"/>
+            <p:cNvSpPr/>
+            <p:nvPr/>
+          </p:nvSpPr>
+          <p:spPr bwMode="auto">
+            <a:xfrm>
+              <a:off x="8983979" y="1000124"/>
+              <a:ext cx="762167" cy="671915"/>
+            </a:xfrm>
+            <a:custGeom>
+              <a:avLst/>
+              <a:gdLst>
+                <a:gd name="T0" fmla="*/ 225 w 785"/>
+                <a:gd name="T1" fmla="*/ 692 h 692"/>
+                <a:gd name="T2" fmla="*/ 177 w 785"/>
+                <a:gd name="T3" fmla="*/ 665 h 692"/>
+                <a:gd name="T4" fmla="*/ 9 w 785"/>
+                <a:gd name="T5" fmla="*/ 374 h 692"/>
+                <a:gd name="T6" fmla="*/ 9 w 785"/>
+                <a:gd name="T7" fmla="*/ 318 h 692"/>
+                <a:gd name="T8" fmla="*/ 177 w 785"/>
+                <a:gd name="T9" fmla="*/ 27 h 692"/>
+                <a:gd name="T10" fmla="*/ 225 w 785"/>
+                <a:gd name="T11" fmla="*/ 0 h 692"/>
+                <a:gd name="T12" fmla="*/ 561 w 785"/>
+                <a:gd name="T13" fmla="*/ 0 h 692"/>
+                <a:gd name="T14" fmla="*/ 609 w 785"/>
+                <a:gd name="T15" fmla="*/ 27 h 692"/>
+                <a:gd name="T16" fmla="*/ 777 w 785"/>
+                <a:gd name="T17" fmla="*/ 318 h 692"/>
+                <a:gd name="T18" fmla="*/ 777 w 785"/>
+                <a:gd name="T19" fmla="*/ 374 h 692"/>
+                <a:gd name="T20" fmla="*/ 609 w 785"/>
+                <a:gd name="T21" fmla="*/ 665 h 692"/>
+                <a:gd name="T22" fmla="*/ 561 w 785"/>
+                <a:gd name="T23" fmla="*/ 692 h 692"/>
+                <a:gd name="T24" fmla="*/ 225 w 785"/>
+                <a:gd name="T25" fmla="*/ 692 h 692"/>
+              </a:gdLst>
+              <a:ahLst/>
+              <a:cxnLst>
+                <a:cxn ang="0">
+                  <a:pos x="T0" y="T1"/>
+                </a:cxn>
+                <a:cxn ang="0">
+                  <a:pos x="T2" y="T3"/>
+                </a:cxn>
+                <a:cxn ang="0">
+                  <a:pos x="T4" y="T5"/>
+                </a:cxn>
+                <a:cxn ang="0">
+                  <a:pos x="T6" y="T7"/>
+                </a:cxn>
+                <a:cxn ang="0">
+                  <a:pos x="T8" y="T9"/>
+                </a:cxn>
+                <a:cxn ang="0">
+                  <a:pos x="T10" y="T11"/>
+                </a:cxn>
+                <a:cxn ang="0">
+                  <a:pos x="T12" y="T13"/>
+                </a:cxn>
+                <a:cxn ang="0">
+                  <a:pos x="T14" y="T15"/>
+                </a:cxn>
+                <a:cxn ang="0">
+                  <a:pos x="T16" y="T17"/>
+                </a:cxn>
+                <a:cxn ang="0">
+                  <a:pos x="T18" y="T19"/>
+                </a:cxn>
+                <a:cxn ang="0">
+                  <a:pos x="T20" y="T21"/>
+                </a:cxn>
+                <a:cxn ang="0">
+                  <a:pos x="T22" y="T23"/>
+                </a:cxn>
+                <a:cxn ang="0">
+                  <a:pos x="T24" y="T25"/>
+                </a:cxn>
+              </a:cxnLst>
+              <a:rect l="0" t="0" r="r" b="b"/>
+              <a:pathLst>
+                <a:path w="785" h="692">
+                  <a:moveTo>
+                    <a:pt x="225" y="692"/>
+                  </a:moveTo>
+                  <a:cubicBezTo>
+                    <a:pt x="207" y="692"/>
+                    <a:pt x="185" y="680"/>
+                    <a:pt x="177" y="665"/>
+                  </a:cubicBezTo>
+                  <a:cubicBezTo>
+                    <a:pt x="9" y="374"/>
+                    <a:pt x="9" y="374"/>
+                    <a:pt x="9" y="374"/>
+                  </a:cubicBezTo>
+                  <a:cubicBezTo>
+                    <a:pt x="0" y="358"/>
+                    <a:pt x="0" y="334"/>
+                    <a:pt x="9" y="318"/>
+                  </a:cubicBezTo>
+                  <a:cubicBezTo>
+                    <a:pt x="177" y="27"/>
+                    <a:pt x="177" y="27"/>
+                    <a:pt x="177" y="27"/>
+                  </a:cubicBezTo>
+                  <a:cubicBezTo>
+                    <a:pt x="185" y="12"/>
+                    <a:pt x="207" y="0"/>
+                    <a:pt x="225" y="0"/>
+                  </a:cubicBezTo>
+                  <a:cubicBezTo>
+                    <a:pt x="561" y="0"/>
+                    <a:pt x="561" y="0"/>
+                    <a:pt x="561" y="0"/>
+                  </a:cubicBezTo>
+                  <a:cubicBezTo>
+                    <a:pt x="578" y="0"/>
+                    <a:pt x="600" y="12"/>
+                    <a:pt x="609" y="27"/>
+                  </a:cubicBezTo>
+                  <a:cubicBezTo>
+                    <a:pt x="777" y="318"/>
+                    <a:pt x="777" y="318"/>
+                    <a:pt x="777" y="318"/>
+                  </a:cubicBezTo>
+                  <a:cubicBezTo>
+                    <a:pt x="785" y="334"/>
+                    <a:pt x="785" y="358"/>
+                    <a:pt x="777" y="374"/>
+                  </a:cubicBezTo>
+                  <a:cubicBezTo>
+                    <a:pt x="609" y="665"/>
+                    <a:pt x="609" y="665"/>
+                    <a:pt x="609" y="665"/>
+                  </a:cubicBezTo>
+                  <a:cubicBezTo>
+                    <a:pt x="600" y="680"/>
+                    <a:pt x="578" y="692"/>
+                    <a:pt x="561" y="692"/>
+                  </a:cubicBezTo>
+                  <a:lnTo>
+                    <a:pt x="225" y="692"/>
+                  </a:lnTo>
+                  <a:close/>
+                </a:path>
+              </a:pathLst>
+            </a:custGeom>
+            <a:noFill/>
+            <a:ln w="28575" cmpd="sng">
+              <a:solidFill>
+                <a:schemeClr val="tx1"/>
+              </a:solidFill>
+            </a:ln>
+          </p:spPr>
+          <p:txBody>
+            <a:bodyPr vert="horz" wrap="square" lIns="91440" tIns="45720" rIns="91440" bIns="45720" numCol="1" anchor="t" anchorCtr="0" compatLnSpc="1"/>
+            <a:lstStyle/>
+            <a:p>
+              <a:endParaRPr lang="en-US"/>
+            </a:p>
+          </p:txBody>
+        </p:sp>
+      </p:grpSp>
+      <p:sp>
+        <p:nvSpPr>
+          <p:cNvPr id="11" name="CaixaDeTexto 10">
+            <a:extLst>
+              <a:ext uri="{FF2B5EF4-FFF2-40B4-BE49-F238E27FC236}">
+                <a16:creationId xmlns:a16="http://schemas.microsoft.com/office/drawing/2014/main" id="{8EDF2009-2F02-48C7-BDA7-12762DFBACAD}"/>
+              </a:ext>
+            </a:extLst>
+          </p:cNvPr>
+          <p:cNvSpPr txBox="1"/>
+          <p:nvPr/>
+        </p:nvSpPr>
+        <p:spPr>
+          <a:xfrm>
+            <a:off x="2244588" y="1320341"/>
+            <a:ext cx="1597469" cy="338554"/>
+          </a:xfrm>
+          <a:prstGeom prst="rect">
+            <a:avLst/>
+          </a:prstGeom>
+          <a:noFill/>
+          <a:effectLst/>
+        </p:spPr>
+        <p:txBody>
+          <a:bodyPr wrap="square" rtlCol="0">
+            <a:spAutoFit/>
+          </a:bodyPr>
+          <a:lstStyle/>
+          <a:p>
+            <a:r>
+              <a:rPr lang="pt-BR" sz="1600" dirty="0">
+                <a:solidFill>
+                  <a:schemeClr val="bg1"/>
+                </a:solidFill>
+              </a:rPr>
+              <a:t>Proto-persona</a:t>
+            </a:r>
+            <a:endParaRPr lang="pt-BR" dirty="0">
+              <a:solidFill>
+                <a:schemeClr val="bg1"/>
+              </a:solidFill>
+            </a:endParaRPr>
+          </a:p>
+        </p:txBody>
+      </p:sp>
+      <p:sp>
+        <p:nvSpPr>
+          <p:cNvPr id="15" name="CaixaDeTexto 14">
+            <a:extLst>
+              <a:ext uri="{FF2B5EF4-FFF2-40B4-BE49-F238E27FC236}">
+                <a16:creationId xmlns:a16="http://schemas.microsoft.com/office/drawing/2014/main" id="{09C80A9F-46E9-4D57-BC1B-12B5ACE33AC8}"/>
+              </a:ext>
+            </a:extLst>
+          </p:cNvPr>
+          <p:cNvSpPr txBox="1"/>
+          <p:nvPr/>
+        </p:nvSpPr>
+        <p:spPr>
+          <a:xfrm>
+            <a:off x="3847413" y="1310816"/>
+            <a:ext cx="1321542" cy="338554"/>
+          </a:xfrm>
+          <a:prstGeom prst="rect">
+            <a:avLst/>
+          </a:prstGeom>
+          <a:noFill/>
+          <a:effectLst/>
+        </p:spPr>
+        <p:txBody>
+          <a:bodyPr wrap="square" rtlCol="0">
+            <a:spAutoFit/>
+          </a:bodyPr>
+          <a:lstStyle/>
+          <a:p>
+            <a:r>
+              <a:rPr lang="pt-BR" sz="1600" dirty="0">
+                <a:solidFill>
+                  <a:schemeClr val="bg1"/>
+                </a:solidFill>
+              </a:rPr>
+              <a:t>StoryBoard</a:t>
+            </a:r>
+            <a:endParaRPr lang="pt-BR" dirty="0">
+              <a:solidFill>
+                <a:schemeClr val="bg1"/>
+              </a:solidFill>
+            </a:endParaRPr>
+          </a:p>
+        </p:txBody>
+      </p:sp>
+      <p:sp>
+        <p:nvSpPr>
+          <p:cNvPr id="16" name="CaixaDeTexto 15">
+            <a:extLst>
+              <a:ext uri="{FF2B5EF4-FFF2-40B4-BE49-F238E27FC236}">
+                <a16:creationId xmlns:a16="http://schemas.microsoft.com/office/drawing/2014/main" id="{5A45E2C7-6875-4531-89AC-DFCCC35DF660}"/>
+              </a:ext>
+            </a:extLst>
+          </p:cNvPr>
+          <p:cNvSpPr txBox="1"/>
+          <p:nvPr/>
+        </p:nvSpPr>
+        <p:spPr>
+          <a:xfrm>
+            <a:off x="5285150" y="1320341"/>
+            <a:ext cx="1199701" cy="338554"/>
+          </a:xfrm>
+          <a:prstGeom prst="rect">
+            <a:avLst/>
+          </a:prstGeom>
+          <a:noFill/>
+          <a:effectLst/>
+        </p:spPr>
+        <p:txBody>
+          <a:bodyPr wrap="square" rtlCol="0">
+            <a:spAutoFit/>
+          </a:bodyPr>
+          <a:lstStyle/>
+          <a:p>
+            <a:r>
+              <a:rPr lang="pt-BR" sz="1600" dirty="0">
+                <a:solidFill>
+                  <a:schemeClr val="bg1"/>
+                </a:solidFill>
+              </a:rPr>
+              <a:t>Requisitos</a:t>
+            </a:r>
+            <a:endParaRPr lang="pt-BR" dirty="0">
+              <a:solidFill>
+                <a:schemeClr val="bg1"/>
+              </a:solidFill>
+            </a:endParaRPr>
+          </a:p>
+        </p:txBody>
+      </p:sp>
+      <p:sp>
+        <p:nvSpPr>
+          <p:cNvPr id="17" name="CaixaDeTexto 16">
+            <a:extLst>
+              <a:ext uri="{FF2B5EF4-FFF2-40B4-BE49-F238E27FC236}">
+                <a16:creationId xmlns:a16="http://schemas.microsoft.com/office/drawing/2014/main" id="{901B5BC6-D638-4BE0-B37B-1A203C864D2E}"/>
+              </a:ext>
+            </a:extLst>
+          </p:cNvPr>
+          <p:cNvSpPr txBox="1"/>
+          <p:nvPr/>
+        </p:nvSpPr>
+        <p:spPr>
+          <a:xfrm>
+            <a:off x="6661200" y="1320341"/>
+            <a:ext cx="898530" cy="338554"/>
+          </a:xfrm>
+          <a:prstGeom prst="rect">
+            <a:avLst/>
+          </a:prstGeom>
+          <a:noFill/>
+        </p:spPr>
+        <p:txBody>
+          <a:bodyPr wrap="square" rtlCol="0">
+            <a:spAutoFit/>
+          </a:bodyPr>
+          <a:lstStyle/>
+          <a:p>
+            <a:r>
+              <a:rPr lang="pt-BR" sz="1600" dirty="0">
+                <a:solidFill>
+                  <a:schemeClr val="bg1"/>
+                </a:solidFill>
+              </a:rPr>
+              <a:t>BPMN</a:t>
+            </a:r>
+            <a:endParaRPr lang="pt-BR" dirty="0">
+              <a:solidFill>
+                <a:schemeClr val="bg1"/>
+              </a:solidFill>
+            </a:endParaRPr>
+          </a:p>
+        </p:txBody>
+      </p:sp>
+      <p:pic>
+        <p:nvPicPr>
+          <p:cNvPr id="4" name="Imagem 3">
+            <a:extLst>
+              <a:ext uri="{FF2B5EF4-FFF2-40B4-BE49-F238E27FC236}">
+                <a16:creationId xmlns:a16="http://schemas.microsoft.com/office/drawing/2014/main" id="{FD1B6424-26DC-4D80-B77C-4C45E0907517}"/>
+              </a:ext>
+            </a:extLst>
+          </p:cNvPr>
+          <p:cNvPicPr>
+            <a:picLocks noChangeAspect="1"/>
+          </p:cNvPicPr>
+          <p:nvPr/>
+        </p:nvPicPr>
+        <p:blipFill>
+          <a:blip r:embed="rId2">
+            <a:extLst>
+              <a:ext uri="{28A0092B-C50C-407E-A947-70E740481C1C}">
+                <a14:useLocalDpi xmlns:a14="http://schemas.microsoft.com/office/drawing/2010/main" val="0"/>
+              </a:ext>
+            </a:extLst>
+          </a:blip>
+          <a:stretch>
+            <a:fillRect/>
+          </a:stretch>
+        </p:blipFill>
+        <p:spPr>
+          <a:xfrm>
+            <a:off x="1400243" y="1595808"/>
+            <a:ext cx="9391514" cy="4940753"/>
+          </a:xfrm>
+          <a:prstGeom prst="rect">
+            <a:avLst/>
+          </a:prstGeom>
+        </p:spPr>
+      </p:pic>
+    </p:spTree>
+    <p:extLst>
+      <p:ext uri="{BB962C8B-B14F-4D97-AF65-F5344CB8AC3E}">
+        <p14:creationId xmlns:p14="http://schemas.microsoft.com/office/powerpoint/2010/main" val="620166273"/>
+      </p:ext>
+    </p:extLst>
+  </p:cSld>
+  <p:clrMapOvr>
+    <a:masterClrMapping/>
+  </p:clrMapOvr>
+</p:sld>
+</file>
+
+<file path=ppt/slides/slide12.xml><?xml version="1.0" encoding="utf-8"?>
 <p:sld xmlns:a="http://schemas.openxmlformats.org/drawingml/2006/main" xmlns:r="http://schemas.openxmlformats.org/officeDocument/2006/relationships" xmlns:p="http://schemas.openxmlformats.org/presentationml/2006/main">
   <p:cSld>
     <p:spTree>
@@ -37374,7 +38128,7 @@
             <a:p>
               <a:r>
                 <a:rPr lang="pt-BR" sz="800" dirty="0"/>
-                <a:t>Vinicius Oliveira é um jovem adolescente apaixonado por games. Se tornou expert em jogos virtuais aos 14 anos, o que o fez levar esse hobby a se tornar uma possível profissão. </a:t>
+                <a:t>Vinicius Oliveira é um jovem adolescente apaixonado por games. Se tornou expert em jogos virtuais aos 16 anos, o que o fez levar esse hobby a se tornar uma possível profissão. </a:t>
               </a:r>
             </a:p>
             <a:p>

--- a/Documentação/Apresentação - Sprint 1 - 4 sem.pptx
+++ b/Documentação/Apresentação - Sprint 1 - 4 sem.pptx
@@ -35824,6 +35824,49 @@
           </a:prstGeom>
         </p:spPr>
       </p:pic>
+      <p:sp>
+        <p:nvSpPr>
+          <p:cNvPr id="3" name="CaixaDeTexto 2">
+            <a:extLst>
+              <a:ext uri="{FF2B5EF4-FFF2-40B4-BE49-F238E27FC236}">
+                <a16:creationId xmlns:a16="http://schemas.microsoft.com/office/drawing/2014/main" id="{BE4DCBCD-A14C-415E-B9CE-5F44C57435DB}"/>
+              </a:ext>
+            </a:extLst>
+          </p:cNvPr>
+          <p:cNvSpPr txBox="1"/>
+          <p:nvPr/>
+        </p:nvSpPr>
+        <p:spPr>
+          <a:xfrm>
+            <a:off x="5361473" y="1770104"/>
+            <a:ext cx="1241912" cy="415498"/>
+          </a:xfrm>
+          <a:prstGeom prst="rect">
+            <a:avLst/>
+          </a:prstGeom>
+          <a:solidFill>
+            <a:schemeClr val="bg1"/>
+          </a:solidFill>
+        </p:spPr>
+        <p:txBody>
+          <a:bodyPr wrap="square" rtlCol="0">
+            <a:spAutoFit/>
+          </a:bodyPr>
+          <a:lstStyle/>
+          <a:p>
+            <a:r>
+              <a:rPr lang="pt-BR" sz="700" dirty="0"/>
+              <a:t>Jogadores de jogos online</a:t>
+            </a:r>
+          </a:p>
+          <a:p>
+            <a:endParaRPr lang="pt-BR" sz="700" dirty="0"/>
+          </a:p>
+          <a:p>
+            <a:endParaRPr lang="pt-BR" sz="700" dirty="0"/>
+          </a:p>
+        </p:txBody>
+      </p:sp>
     </p:spTree>
     <p:extLst>
       <p:ext uri="{BB962C8B-B14F-4D97-AF65-F5344CB8AC3E}">

--- a/Documentação/Apresentação - Sprint 1 - 4 sem.pptx
+++ b/Documentação/Apresentação - Sprint 1 - 4 sem.pptx
@@ -27844,7 +27844,15 @@
             </a:pPr>
             <a:r>
               <a:rPr lang="en-US" dirty="0"/>
-              <a:t>Lucas Abreu – 01191097</a:t>
+              <a:t>Lucas Pires </a:t>
+            </a:r>
+            <a:r>
+              <a:rPr lang="en-US" dirty="0" err="1"/>
+              <a:t>França</a:t>
+            </a:r>
+            <a:r>
+              <a:rPr lang="en-US" dirty="0"/>
+              <a:t> – 01191097</a:t>
             </a:r>
           </a:p>
           <a:p>
@@ -33426,7 +33434,7 @@
                 </a:solidFill>
                 <a:latin typeface="Calibri" panose="020F0502020204030204"/>
               </a:rPr>
-              <a:t>Criar uma grande comunidade</a:t>
+              <a:t>Grande comunidade</a:t>
             </a:r>
           </a:p>
           <a:p>
@@ -33442,7 +33450,7 @@
                 </a:solidFill>
                 <a:latin typeface="Calibri" panose="020F0502020204030204"/>
               </a:rPr>
-              <a:t>Não ter como principal negócio a organização de campeonatos</a:t>
+              <a:t>Diversos jogos</a:t>
             </a:r>
           </a:p>
           <a:p>
@@ -33458,7 +33466,39 @@
                 </a:solidFill>
                 <a:latin typeface="Calibri" panose="020F0502020204030204"/>
               </a:rPr>
-              <a:t>Foco em como o jogador vai se sentir utilizando a nossa aplicação</a:t>
+              <a:t>Foco não ser organização de campeonatos</a:t>
+            </a:r>
+          </a:p>
+          <a:p>
+            <a:r>
+              <a:rPr lang="pt-BR" sz="1600" dirty="0">
+                <a:solidFill>
+                  <a:prstClr val="black">
+                    <a:hueOff val="0"/>
+                    <a:satOff val="0"/>
+                    <a:lumOff val="0"/>
+                    <a:alphaOff val="0"/>
+                  </a:prstClr>
+                </a:solidFill>
+                <a:latin typeface="Calibri" panose="020F0502020204030204"/>
+              </a:rPr>
+              <a:t>Multiplataforma</a:t>
+            </a:r>
+          </a:p>
+          <a:p>
+            <a:r>
+              <a:rPr lang="pt-BR" sz="1600" dirty="0">
+                <a:solidFill>
+                  <a:prstClr val="black">
+                    <a:hueOff val="0"/>
+                    <a:satOff val="0"/>
+                    <a:lumOff val="0"/>
+                    <a:alphaOff val="0"/>
+                  </a:prstClr>
+                </a:solidFill>
+                <a:latin typeface="Calibri" panose="020F0502020204030204"/>
+              </a:rPr>
+              <a:t>UX</a:t>
             </a:r>
           </a:p>
         </p:txBody>

--- a/Documentação/Apresentação - Sprint 1 - 4 sem.pptx
+++ b/Documentação/Apresentação - Sprint 1 - 4 sem.pptx
@@ -13,10 +13,13 @@
     <p:sldId id="310" r:id="rId7"/>
     <p:sldId id="403" r:id="rId8"/>
     <p:sldId id="404" r:id="rId9"/>
-    <p:sldId id="300" r:id="rId10"/>
-    <p:sldId id="294" r:id="rId11"/>
-    <p:sldId id="406" r:id="rId12"/>
-    <p:sldId id="287" r:id="rId13"/>
+    <p:sldId id="408" r:id="rId10"/>
+    <p:sldId id="407" r:id="rId11"/>
+    <p:sldId id="409" r:id="rId12"/>
+    <p:sldId id="300" r:id="rId13"/>
+    <p:sldId id="294" r:id="rId14"/>
+    <p:sldId id="406" r:id="rId15"/>
+    <p:sldId id="287" r:id="rId16"/>
   </p:sldIdLst>
   <p:sldSz cx="12192000" cy="6858000"/>
   <p:notesSz cx="6858000" cy="9144000"/>
@@ -10202,7 +10205,7 @@
     <dgm:pt modelId="{08E7DCE9-8596-467F-8A72-49B9C12A5F46}" type="pres">
       <dgm:prSet presAssocID="{A0A795E9-37AF-4675-BB24-E3A58366F43C}" presName="iconRect" presStyleLbl="node1" presStyleIdx="0" presStyleCnt="1" custScaleX="106053" custScaleY="106053"/>
       <dgm:spPr>
-        <a:blipFill>
+        <a:blipFill rotWithShape="1">
           <a:blip xmlns:r="http://schemas.openxmlformats.org/officeDocument/2006/relationships" r:embed="rId1"/>
           <a:srcRect/>
           <a:stretch>
@@ -11743,7 +11746,7 @@
         <a:prstGeom prst="rect">
           <a:avLst/>
         </a:prstGeom>
-        <a:blipFill>
+        <a:blipFill rotWithShape="1">
           <a:blip xmlns:r="http://schemas.openxmlformats.org/officeDocument/2006/relationships" r:embed="rId1"/>
           <a:srcRect/>
           <a:stretch>
@@ -24668,7 +24671,7 @@
           <a:p>
             <a:fld id="{93AE73D3-A46B-4B9C-965A-78B4CFA46842}" type="datetimeFigureOut">
               <a:rPr lang="pt-BR" smtClean="0"/>
-              <a:t>16/09/2020</a:t>
+              <a:t>21/10/2020</a:t>
             </a:fld>
             <a:endParaRPr lang="pt-BR"/>
           </a:p>
@@ -24866,7 +24869,7 @@
           <a:p>
             <a:fld id="{93AE73D3-A46B-4B9C-965A-78B4CFA46842}" type="datetimeFigureOut">
               <a:rPr lang="pt-BR" smtClean="0"/>
-              <a:t>16/09/2020</a:t>
+              <a:t>21/10/2020</a:t>
             </a:fld>
             <a:endParaRPr lang="pt-BR"/>
           </a:p>
@@ -25074,7 +25077,7 @@
           <a:p>
             <a:fld id="{93AE73D3-A46B-4B9C-965A-78B4CFA46842}" type="datetimeFigureOut">
               <a:rPr lang="pt-BR" smtClean="0"/>
-              <a:t>16/09/2020</a:t>
+              <a:t>21/10/2020</a:t>
             </a:fld>
             <a:endParaRPr lang="pt-BR"/>
           </a:p>
@@ -25272,7 +25275,7 @@
           <a:p>
             <a:fld id="{93AE73D3-A46B-4B9C-965A-78B4CFA46842}" type="datetimeFigureOut">
               <a:rPr lang="pt-BR" smtClean="0"/>
-              <a:t>16/09/2020</a:t>
+              <a:t>21/10/2020</a:t>
             </a:fld>
             <a:endParaRPr lang="pt-BR"/>
           </a:p>
@@ -25547,7 +25550,7 @@
           <a:p>
             <a:fld id="{93AE73D3-A46B-4B9C-965A-78B4CFA46842}" type="datetimeFigureOut">
               <a:rPr lang="pt-BR" smtClean="0"/>
-              <a:t>16/09/2020</a:t>
+              <a:t>21/10/2020</a:t>
             </a:fld>
             <a:endParaRPr lang="pt-BR"/>
           </a:p>
@@ -25812,7 +25815,7 @@
           <a:p>
             <a:fld id="{93AE73D3-A46B-4B9C-965A-78B4CFA46842}" type="datetimeFigureOut">
               <a:rPr lang="pt-BR" smtClean="0"/>
-              <a:t>16/09/2020</a:t>
+              <a:t>21/10/2020</a:t>
             </a:fld>
             <a:endParaRPr lang="pt-BR"/>
           </a:p>
@@ -26224,7 +26227,7 @@
           <a:p>
             <a:fld id="{93AE73D3-A46B-4B9C-965A-78B4CFA46842}" type="datetimeFigureOut">
               <a:rPr lang="pt-BR" smtClean="0"/>
-              <a:t>16/09/2020</a:t>
+              <a:t>21/10/2020</a:t>
             </a:fld>
             <a:endParaRPr lang="pt-BR"/>
           </a:p>
@@ -26365,7 +26368,7 @@
           <a:p>
             <a:fld id="{93AE73D3-A46B-4B9C-965A-78B4CFA46842}" type="datetimeFigureOut">
               <a:rPr lang="pt-BR" smtClean="0"/>
-              <a:t>16/09/2020</a:t>
+              <a:t>21/10/2020</a:t>
             </a:fld>
             <a:endParaRPr lang="pt-BR"/>
           </a:p>
@@ -26478,7 +26481,7 @@
           <a:p>
             <a:fld id="{93AE73D3-A46B-4B9C-965A-78B4CFA46842}" type="datetimeFigureOut">
               <a:rPr lang="pt-BR" smtClean="0"/>
-              <a:t>16/09/2020</a:t>
+              <a:t>21/10/2020</a:t>
             </a:fld>
             <a:endParaRPr lang="pt-BR"/>
           </a:p>
@@ -26789,7 +26792,7 @@
           <a:p>
             <a:fld id="{93AE73D3-A46B-4B9C-965A-78B4CFA46842}" type="datetimeFigureOut">
               <a:rPr lang="pt-BR" smtClean="0"/>
-              <a:t>16/09/2020</a:t>
+              <a:t>21/10/2020</a:t>
             </a:fld>
             <a:endParaRPr lang="pt-BR"/>
           </a:p>
@@ -27077,7 +27080,7 @@
           <a:p>
             <a:fld id="{93AE73D3-A46B-4B9C-965A-78B4CFA46842}" type="datetimeFigureOut">
               <a:rPr lang="pt-BR" smtClean="0"/>
-              <a:t>16/09/2020</a:t>
+              <a:t>21/10/2020</a:t>
             </a:fld>
             <a:endParaRPr lang="pt-BR"/>
           </a:p>
@@ -27318,7 +27321,7 @@
           <a:p>
             <a:fld id="{93AE73D3-A46B-4B9C-965A-78B4CFA46842}" type="datetimeFigureOut">
               <a:rPr lang="pt-BR" smtClean="0"/>
-              <a:t>16/09/2020</a:t>
+              <a:t>21/10/2020</a:t>
             </a:fld>
             <a:endParaRPr lang="pt-BR"/>
           </a:p>
@@ -28032,6 +28035,3249 @@
 </file>
 
 <file path=ppt/slides/slide10.xml><?xml version="1.0" encoding="utf-8"?>
+<p:sld xmlns:a="http://schemas.openxmlformats.org/drawingml/2006/main" xmlns:r="http://schemas.openxmlformats.org/officeDocument/2006/relationships" xmlns:p="http://schemas.openxmlformats.org/presentationml/2006/main">
+  <p:cSld>
+    <p:spTree>
+      <p:nvGrpSpPr>
+        <p:cNvPr id="1" name=""/>
+        <p:cNvGrpSpPr/>
+        <p:nvPr/>
+      </p:nvGrpSpPr>
+      <p:grpSpPr>
+        <a:xfrm>
+          <a:off x="0" y="0"/>
+          <a:ext cx="0" cy="0"/>
+          <a:chOff x="0" y="0"/>
+          <a:chExt cx="0" cy="0"/>
+        </a:xfrm>
+      </p:grpSpPr>
+      <p:sp>
+        <p:nvSpPr>
+          <p:cNvPr id="2" name="Título 1"/>
+          <p:cNvSpPr>
+            <a:spLocks noGrp="1"/>
+          </p:cNvSpPr>
+          <p:nvPr>
+            <p:ph type="title"/>
+          </p:nvPr>
+        </p:nvSpPr>
+        <p:spPr>
+          <a:xfrm>
+            <a:off x="1876329" y="7247"/>
+            <a:ext cx="9882278" cy="1067634"/>
+          </a:xfrm>
+        </p:spPr>
+        <p:txBody>
+          <a:bodyPr anchor="ctr">
+            <a:normAutofit/>
+          </a:bodyPr>
+          <a:lstStyle/>
+          <a:p>
+            <a:r>
+              <a:rPr lang="pt-BR" dirty="0"/>
+              <a:t>Jornada do Usuário 1.1</a:t>
+            </a:r>
+          </a:p>
+        </p:txBody>
+      </p:sp>
+      <p:grpSp>
+        <p:nvGrpSpPr>
+          <p:cNvPr id="12" name="Group 11"/>
+          <p:cNvGrpSpPr>
+            <a:grpSpLocks noGrp="1" noUngrp="1" noRot="1" noChangeAspect="1" noMove="1" noResize="1"/>
+          </p:cNvGrpSpPr>
+          <p:nvPr/>
+        </p:nvGrpSpPr>
+        <p:grpSpPr>
+          <a:xfrm>
+            <a:off x="444125" y="66801"/>
+            <a:ext cx="1128378" cy="847206"/>
+            <a:chOff x="8145259" y="221938"/>
+            <a:chExt cx="1562262" cy="1172973"/>
+          </a:xfrm>
+        </p:grpSpPr>
+        <p:sp>
+          <p:nvSpPr>
+            <p:cNvPr id="13" name="Freeform 5"/>
+            <p:cNvSpPr/>
+            <p:nvPr/>
+          </p:nvSpPr>
+          <p:spPr bwMode="auto">
+            <a:xfrm>
+              <a:off x="8145259" y="570596"/>
+              <a:ext cx="935036" cy="824315"/>
+            </a:xfrm>
+            <a:custGeom>
+              <a:avLst/>
+              <a:gdLst>
+                <a:gd name="T0" fmla="*/ 225 w 785"/>
+                <a:gd name="T1" fmla="*/ 692 h 692"/>
+                <a:gd name="T2" fmla="*/ 177 w 785"/>
+                <a:gd name="T3" fmla="*/ 665 h 692"/>
+                <a:gd name="T4" fmla="*/ 9 w 785"/>
+                <a:gd name="T5" fmla="*/ 374 h 692"/>
+                <a:gd name="T6" fmla="*/ 9 w 785"/>
+                <a:gd name="T7" fmla="*/ 318 h 692"/>
+                <a:gd name="T8" fmla="*/ 177 w 785"/>
+                <a:gd name="T9" fmla="*/ 27 h 692"/>
+                <a:gd name="T10" fmla="*/ 225 w 785"/>
+                <a:gd name="T11" fmla="*/ 0 h 692"/>
+                <a:gd name="T12" fmla="*/ 561 w 785"/>
+                <a:gd name="T13" fmla="*/ 0 h 692"/>
+                <a:gd name="T14" fmla="*/ 609 w 785"/>
+                <a:gd name="T15" fmla="*/ 27 h 692"/>
+                <a:gd name="T16" fmla="*/ 777 w 785"/>
+                <a:gd name="T17" fmla="*/ 318 h 692"/>
+                <a:gd name="T18" fmla="*/ 777 w 785"/>
+                <a:gd name="T19" fmla="*/ 374 h 692"/>
+                <a:gd name="T20" fmla="*/ 609 w 785"/>
+                <a:gd name="T21" fmla="*/ 665 h 692"/>
+                <a:gd name="T22" fmla="*/ 561 w 785"/>
+                <a:gd name="T23" fmla="*/ 692 h 692"/>
+                <a:gd name="T24" fmla="*/ 225 w 785"/>
+                <a:gd name="T25" fmla="*/ 692 h 692"/>
+              </a:gdLst>
+              <a:ahLst/>
+              <a:cxnLst>
+                <a:cxn ang="0">
+                  <a:pos x="T0" y="T1"/>
+                </a:cxn>
+                <a:cxn ang="0">
+                  <a:pos x="T2" y="T3"/>
+                </a:cxn>
+                <a:cxn ang="0">
+                  <a:pos x="T4" y="T5"/>
+                </a:cxn>
+                <a:cxn ang="0">
+                  <a:pos x="T6" y="T7"/>
+                </a:cxn>
+                <a:cxn ang="0">
+                  <a:pos x="T8" y="T9"/>
+                </a:cxn>
+                <a:cxn ang="0">
+                  <a:pos x="T10" y="T11"/>
+                </a:cxn>
+                <a:cxn ang="0">
+                  <a:pos x="T12" y="T13"/>
+                </a:cxn>
+                <a:cxn ang="0">
+                  <a:pos x="T14" y="T15"/>
+                </a:cxn>
+                <a:cxn ang="0">
+                  <a:pos x="T16" y="T17"/>
+                </a:cxn>
+                <a:cxn ang="0">
+                  <a:pos x="T18" y="T19"/>
+                </a:cxn>
+                <a:cxn ang="0">
+                  <a:pos x="T20" y="T21"/>
+                </a:cxn>
+                <a:cxn ang="0">
+                  <a:pos x="T22" y="T23"/>
+                </a:cxn>
+                <a:cxn ang="0">
+                  <a:pos x="T24" y="T25"/>
+                </a:cxn>
+              </a:cxnLst>
+              <a:rect l="0" t="0" r="r" b="b"/>
+              <a:pathLst>
+                <a:path w="785" h="692">
+                  <a:moveTo>
+                    <a:pt x="225" y="692"/>
+                  </a:moveTo>
+                  <a:cubicBezTo>
+                    <a:pt x="207" y="692"/>
+                    <a:pt x="185" y="680"/>
+                    <a:pt x="177" y="665"/>
+                  </a:cubicBezTo>
+                  <a:cubicBezTo>
+                    <a:pt x="9" y="374"/>
+                    <a:pt x="9" y="374"/>
+                    <a:pt x="9" y="374"/>
+                  </a:cubicBezTo>
+                  <a:cubicBezTo>
+                    <a:pt x="0" y="358"/>
+                    <a:pt x="0" y="334"/>
+                    <a:pt x="9" y="318"/>
+                  </a:cubicBezTo>
+                  <a:cubicBezTo>
+                    <a:pt x="177" y="27"/>
+                    <a:pt x="177" y="27"/>
+                    <a:pt x="177" y="27"/>
+                  </a:cubicBezTo>
+                  <a:cubicBezTo>
+                    <a:pt x="185" y="12"/>
+                    <a:pt x="207" y="0"/>
+                    <a:pt x="225" y="0"/>
+                  </a:cubicBezTo>
+                  <a:cubicBezTo>
+                    <a:pt x="561" y="0"/>
+                    <a:pt x="561" y="0"/>
+                    <a:pt x="561" y="0"/>
+                  </a:cubicBezTo>
+                  <a:cubicBezTo>
+                    <a:pt x="578" y="0"/>
+                    <a:pt x="600" y="12"/>
+                    <a:pt x="609" y="27"/>
+                  </a:cubicBezTo>
+                  <a:cubicBezTo>
+                    <a:pt x="777" y="318"/>
+                    <a:pt x="777" y="318"/>
+                    <a:pt x="777" y="318"/>
+                  </a:cubicBezTo>
+                  <a:cubicBezTo>
+                    <a:pt x="785" y="334"/>
+                    <a:pt x="785" y="358"/>
+                    <a:pt x="777" y="374"/>
+                  </a:cubicBezTo>
+                  <a:cubicBezTo>
+                    <a:pt x="609" y="665"/>
+                    <a:pt x="609" y="665"/>
+                    <a:pt x="609" y="665"/>
+                  </a:cubicBezTo>
+                  <a:cubicBezTo>
+                    <a:pt x="600" y="680"/>
+                    <a:pt x="578" y="692"/>
+                    <a:pt x="561" y="692"/>
+                  </a:cubicBezTo>
+                  <a:lnTo>
+                    <a:pt x="225" y="692"/>
+                  </a:lnTo>
+                  <a:close/>
+                </a:path>
+              </a:pathLst>
+            </a:custGeom>
+            <a:noFill/>
+            <a:ln w="28575" cmpd="sng">
+              <a:solidFill>
+                <a:schemeClr val="tx1"/>
+              </a:solidFill>
+            </a:ln>
+          </p:spPr>
+          <p:txBody>
+            <a:bodyPr vert="horz" wrap="square" lIns="91440" tIns="45720" rIns="91440" bIns="45720" numCol="1" anchor="t" anchorCtr="0" compatLnSpc="1"/>
+            <a:lstStyle/>
+            <a:p>
+              <a:endParaRPr lang="en-US"/>
+            </a:p>
+          </p:txBody>
+        </p:sp>
+        <p:sp>
+          <p:nvSpPr>
+            <p:cNvPr id="14" name="Freeform 5"/>
+            <p:cNvSpPr/>
+            <p:nvPr/>
+          </p:nvSpPr>
+          <p:spPr bwMode="auto">
+            <a:xfrm>
+              <a:off x="8945354" y="221938"/>
+              <a:ext cx="762167" cy="671915"/>
+            </a:xfrm>
+            <a:custGeom>
+              <a:avLst/>
+              <a:gdLst>
+                <a:gd name="T0" fmla="*/ 225 w 785"/>
+                <a:gd name="T1" fmla="*/ 692 h 692"/>
+                <a:gd name="T2" fmla="*/ 177 w 785"/>
+                <a:gd name="T3" fmla="*/ 665 h 692"/>
+                <a:gd name="T4" fmla="*/ 9 w 785"/>
+                <a:gd name="T5" fmla="*/ 374 h 692"/>
+                <a:gd name="T6" fmla="*/ 9 w 785"/>
+                <a:gd name="T7" fmla="*/ 318 h 692"/>
+                <a:gd name="T8" fmla="*/ 177 w 785"/>
+                <a:gd name="T9" fmla="*/ 27 h 692"/>
+                <a:gd name="T10" fmla="*/ 225 w 785"/>
+                <a:gd name="T11" fmla="*/ 0 h 692"/>
+                <a:gd name="T12" fmla="*/ 561 w 785"/>
+                <a:gd name="T13" fmla="*/ 0 h 692"/>
+                <a:gd name="T14" fmla="*/ 609 w 785"/>
+                <a:gd name="T15" fmla="*/ 27 h 692"/>
+                <a:gd name="T16" fmla="*/ 777 w 785"/>
+                <a:gd name="T17" fmla="*/ 318 h 692"/>
+                <a:gd name="T18" fmla="*/ 777 w 785"/>
+                <a:gd name="T19" fmla="*/ 374 h 692"/>
+                <a:gd name="T20" fmla="*/ 609 w 785"/>
+                <a:gd name="T21" fmla="*/ 665 h 692"/>
+                <a:gd name="T22" fmla="*/ 561 w 785"/>
+                <a:gd name="T23" fmla="*/ 692 h 692"/>
+                <a:gd name="T24" fmla="*/ 225 w 785"/>
+                <a:gd name="T25" fmla="*/ 692 h 692"/>
+              </a:gdLst>
+              <a:ahLst/>
+              <a:cxnLst>
+                <a:cxn ang="0">
+                  <a:pos x="T0" y="T1"/>
+                </a:cxn>
+                <a:cxn ang="0">
+                  <a:pos x="T2" y="T3"/>
+                </a:cxn>
+                <a:cxn ang="0">
+                  <a:pos x="T4" y="T5"/>
+                </a:cxn>
+                <a:cxn ang="0">
+                  <a:pos x="T6" y="T7"/>
+                </a:cxn>
+                <a:cxn ang="0">
+                  <a:pos x="T8" y="T9"/>
+                </a:cxn>
+                <a:cxn ang="0">
+                  <a:pos x="T10" y="T11"/>
+                </a:cxn>
+                <a:cxn ang="0">
+                  <a:pos x="T12" y="T13"/>
+                </a:cxn>
+                <a:cxn ang="0">
+                  <a:pos x="T14" y="T15"/>
+                </a:cxn>
+                <a:cxn ang="0">
+                  <a:pos x="T16" y="T17"/>
+                </a:cxn>
+                <a:cxn ang="0">
+                  <a:pos x="T18" y="T19"/>
+                </a:cxn>
+                <a:cxn ang="0">
+                  <a:pos x="T20" y="T21"/>
+                </a:cxn>
+                <a:cxn ang="0">
+                  <a:pos x="T22" y="T23"/>
+                </a:cxn>
+                <a:cxn ang="0">
+                  <a:pos x="T24" y="T25"/>
+                </a:cxn>
+              </a:cxnLst>
+              <a:rect l="0" t="0" r="r" b="b"/>
+              <a:pathLst>
+                <a:path w="785" h="692">
+                  <a:moveTo>
+                    <a:pt x="225" y="692"/>
+                  </a:moveTo>
+                  <a:cubicBezTo>
+                    <a:pt x="207" y="692"/>
+                    <a:pt x="185" y="680"/>
+                    <a:pt x="177" y="665"/>
+                  </a:cubicBezTo>
+                  <a:cubicBezTo>
+                    <a:pt x="9" y="374"/>
+                    <a:pt x="9" y="374"/>
+                    <a:pt x="9" y="374"/>
+                  </a:cubicBezTo>
+                  <a:cubicBezTo>
+                    <a:pt x="0" y="358"/>
+                    <a:pt x="0" y="334"/>
+                    <a:pt x="9" y="318"/>
+                  </a:cubicBezTo>
+                  <a:cubicBezTo>
+                    <a:pt x="177" y="27"/>
+                    <a:pt x="177" y="27"/>
+                    <a:pt x="177" y="27"/>
+                  </a:cubicBezTo>
+                  <a:cubicBezTo>
+                    <a:pt x="185" y="12"/>
+                    <a:pt x="207" y="0"/>
+                    <a:pt x="225" y="0"/>
+                  </a:cubicBezTo>
+                  <a:cubicBezTo>
+                    <a:pt x="561" y="0"/>
+                    <a:pt x="561" y="0"/>
+                    <a:pt x="561" y="0"/>
+                  </a:cubicBezTo>
+                  <a:cubicBezTo>
+                    <a:pt x="578" y="0"/>
+                    <a:pt x="600" y="12"/>
+                    <a:pt x="609" y="27"/>
+                  </a:cubicBezTo>
+                  <a:cubicBezTo>
+                    <a:pt x="777" y="318"/>
+                    <a:pt x="777" y="318"/>
+                    <a:pt x="777" y="318"/>
+                  </a:cubicBezTo>
+                  <a:cubicBezTo>
+                    <a:pt x="785" y="334"/>
+                    <a:pt x="785" y="358"/>
+                    <a:pt x="777" y="374"/>
+                  </a:cubicBezTo>
+                  <a:cubicBezTo>
+                    <a:pt x="609" y="665"/>
+                    <a:pt x="609" y="665"/>
+                    <a:pt x="609" y="665"/>
+                  </a:cubicBezTo>
+                  <a:cubicBezTo>
+                    <a:pt x="600" y="680"/>
+                    <a:pt x="578" y="692"/>
+                    <a:pt x="561" y="692"/>
+                  </a:cubicBezTo>
+                  <a:lnTo>
+                    <a:pt x="225" y="692"/>
+                  </a:lnTo>
+                  <a:close/>
+                </a:path>
+              </a:pathLst>
+            </a:custGeom>
+            <a:noFill/>
+            <a:ln w="28575" cmpd="sng">
+              <a:solidFill>
+                <a:schemeClr val="tx1"/>
+              </a:solidFill>
+            </a:ln>
+          </p:spPr>
+          <p:txBody>
+            <a:bodyPr vert="horz" wrap="square" lIns="91440" tIns="45720" rIns="91440" bIns="45720" numCol="1" anchor="t" anchorCtr="0" compatLnSpc="1"/>
+            <a:lstStyle/>
+            <a:p>
+              <a:endParaRPr lang="en-US"/>
+            </a:p>
+          </p:txBody>
+        </p:sp>
+      </p:grpSp>
+      <p:grpSp>
+        <p:nvGrpSpPr>
+          <p:cNvPr id="7174" name="Agrupar 7173">
+            <a:extLst>
+              <a:ext uri="{FF2B5EF4-FFF2-40B4-BE49-F238E27FC236}">
+                <a16:creationId xmlns:a16="http://schemas.microsoft.com/office/drawing/2014/main" id="{96CEF808-EB6E-4B8A-979D-3B4E4956E640}"/>
+              </a:ext>
+            </a:extLst>
+          </p:cNvPr>
+          <p:cNvGrpSpPr/>
+          <p:nvPr/>
+        </p:nvGrpSpPr>
+        <p:grpSpPr>
+          <a:xfrm>
+            <a:off x="540673" y="1326707"/>
+            <a:ext cx="11054382" cy="4000113"/>
+            <a:chOff x="314177" y="1153991"/>
+            <a:chExt cx="11054382" cy="4000113"/>
+          </a:xfrm>
+        </p:grpSpPr>
+        <p:sp>
+          <p:nvSpPr>
+            <p:cNvPr id="17" name="CaixaDeTexto 16">
+              <a:extLst>
+                <a:ext uri="{FF2B5EF4-FFF2-40B4-BE49-F238E27FC236}">
+                  <a16:creationId xmlns:a16="http://schemas.microsoft.com/office/drawing/2014/main" id="{F7374B40-D7D8-4146-9028-B7AE3FA19233}"/>
+                </a:ext>
+              </a:extLst>
+            </p:cNvPr>
+            <p:cNvSpPr txBox="1"/>
+            <p:nvPr/>
+          </p:nvSpPr>
+          <p:spPr>
+            <a:xfrm>
+              <a:off x="3338899" y="1467384"/>
+              <a:ext cx="1321542" cy="338554"/>
+            </a:xfrm>
+            <a:prstGeom prst="rect">
+              <a:avLst/>
+            </a:prstGeom>
+            <a:noFill/>
+          </p:spPr>
+          <p:txBody>
+            <a:bodyPr wrap="square" rtlCol="0">
+              <a:spAutoFit/>
+            </a:bodyPr>
+            <a:lstStyle/>
+            <a:p>
+              <a:r>
+                <a:rPr lang="pt-BR" sz="1600" dirty="0">
+                  <a:solidFill>
+                    <a:schemeClr val="bg1"/>
+                  </a:solidFill>
+                </a:rPr>
+                <a:t>StoryBoard</a:t>
+              </a:r>
+              <a:endParaRPr lang="pt-BR" dirty="0">
+                <a:solidFill>
+                  <a:schemeClr val="bg1"/>
+                </a:solidFill>
+              </a:endParaRPr>
+            </a:p>
+          </p:txBody>
+        </p:sp>
+        <p:sp>
+          <p:nvSpPr>
+            <p:cNvPr id="3" name="Seta: Divisa 2">
+              <a:extLst>
+                <a:ext uri="{FF2B5EF4-FFF2-40B4-BE49-F238E27FC236}">
+                  <a16:creationId xmlns:a16="http://schemas.microsoft.com/office/drawing/2014/main" id="{CED53B77-56AD-4C64-8490-0F754678B737}"/>
+                </a:ext>
+              </a:extLst>
+            </p:cNvPr>
+            <p:cNvSpPr/>
+            <p:nvPr/>
+          </p:nvSpPr>
+          <p:spPr>
+            <a:xfrm>
+              <a:off x="314177" y="3108705"/>
+              <a:ext cx="1656922" cy="469230"/>
+            </a:xfrm>
+            <a:prstGeom prst="chevron">
+              <a:avLst/>
+            </a:prstGeom>
+            <a:solidFill>
+              <a:srgbClr val="70AD47"/>
+            </a:solidFill>
+            <a:ln>
+              <a:noFill/>
+            </a:ln>
+            <a:effectLst/>
+          </p:spPr>
+          <p:txBody>
+            <a:bodyPr rtlCol="0" anchor="ctr"/>
+            <a:lstStyle/>
+            <a:p>
+              <a:pPr algn="ctr"/>
+              <a:endParaRPr lang="pt-BR">
+                <a:solidFill>
+                  <a:schemeClr val="tx1"/>
+                </a:solidFill>
+              </a:endParaRPr>
+            </a:p>
+          </p:txBody>
+        </p:sp>
+        <p:sp>
+          <p:nvSpPr>
+            <p:cNvPr id="4" name="Fluxograma: Conector 3">
+              <a:extLst>
+                <a:ext uri="{FF2B5EF4-FFF2-40B4-BE49-F238E27FC236}">
+                  <a16:creationId xmlns:a16="http://schemas.microsoft.com/office/drawing/2014/main" id="{ADEC9DDE-AED3-4091-93AC-8A7011C23AE8}"/>
+                </a:ext>
+              </a:extLst>
+            </p:cNvPr>
+            <p:cNvSpPr/>
+            <p:nvPr/>
+          </p:nvSpPr>
+          <p:spPr>
+            <a:xfrm>
+              <a:off x="1076212" y="3273611"/>
+              <a:ext cx="132852" cy="135417"/>
+            </a:xfrm>
+            <a:prstGeom prst="flowChartConnector">
+              <a:avLst/>
+            </a:prstGeom>
+            <a:solidFill>
+              <a:schemeClr val="bg1"/>
+            </a:solidFill>
+            <a:ln>
+              <a:solidFill>
+                <a:schemeClr val="bg1"/>
+              </a:solidFill>
+            </a:ln>
+          </p:spPr>
+          <p:style>
+            <a:lnRef idx="2">
+              <a:schemeClr val="accent1">
+                <a:shade val="50000"/>
+              </a:schemeClr>
+            </a:lnRef>
+            <a:fillRef idx="1">
+              <a:schemeClr val="accent1"/>
+            </a:fillRef>
+            <a:effectRef idx="0">
+              <a:schemeClr val="accent1"/>
+            </a:effectRef>
+            <a:fontRef idx="minor">
+              <a:schemeClr val="lt1"/>
+            </a:fontRef>
+          </p:style>
+          <p:txBody>
+            <a:bodyPr rtlCol="0" anchor="ctr"/>
+            <a:lstStyle/>
+            <a:p>
+              <a:pPr algn="ctr"/>
+              <a:endParaRPr lang="pt-BR" dirty="0"/>
+            </a:p>
+          </p:txBody>
+        </p:sp>
+        <p:sp>
+          <p:nvSpPr>
+            <p:cNvPr id="7" name="Seta: Divisa 6">
+              <a:extLst>
+                <a:ext uri="{FF2B5EF4-FFF2-40B4-BE49-F238E27FC236}">
+                  <a16:creationId xmlns:a16="http://schemas.microsoft.com/office/drawing/2014/main" id="{55D738AF-A1B1-4A42-90BE-9116375C1DA8}"/>
+                </a:ext>
+              </a:extLst>
+            </p:cNvPr>
+            <p:cNvSpPr/>
+            <p:nvPr/>
+          </p:nvSpPr>
+          <p:spPr>
+            <a:xfrm>
+              <a:off x="4034077" y="3104653"/>
+              <a:ext cx="1700573" cy="469230"/>
+            </a:xfrm>
+            <a:prstGeom prst="chevron">
+              <a:avLst/>
+            </a:prstGeom>
+            <a:solidFill>
+              <a:srgbClr val="70AD47"/>
+            </a:solidFill>
+            <a:ln>
+              <a:noFill/>
+            </a:ln>
+            <a:effectLst/>
+          </p:spPr>
+          <p:txBody>
+            <a:bodyPr rtlCol="0" anchor="ctr"/>
+            <a:lstStyle/>
+            <a:p>
+              <a:pPr algn="ctr"/>
+              <a:endParaRPr lang="pt-BR">
+                <a:solidFill>
+                  <a:schemeClr val="tx1"/>
+                </a:solidFill>
+              </a:endParaRPr>
+            </a:p>
+          </p:txBody>
+        </p:sp>
+        <p:sp>
+          <p:nvSpPr>
+            <p:cNvPr id="8" name="Fluxograma: Conector 7">
+              <a:extLst>
+                <a:ext uri="{FF2B5EF4-FFF2-40B4-BE49-F238E27FC236}">
+                  <a16:creationId xmlns:a16="http://schemas.microsoft.com/office/drawing/2014/main" id="{CFA53C1E-C90C-4D1F-8F0E-B07D73B3DF0F}"/>
+                </a:ext>
+              </a:extLst>
+            </p:cNvPr>
+            <p:cNvSpPr/>
+            <p:nvPr/>
+          </p:nvSpPr>
+          <p:spPr>
+            <a:xfrm>
+              <a:off x="4817937" y="3289244"/>
+              <a:ext cx="132852" cy="135417"/>
+            </a:xfrm>
+            <a:prstGeom prst="flowChartConnector">
+              <a:avLst/>
+            </a:prstGeom>
+            <a:solidFill>
+              <a:schemeClr val="bg1"/>
+            </a:solidFill>
+            <a:ln>
+              <a:solidFill>
+                <a:schemeClr val="bg1"/>
+              </a:solidFill>
+            </a:ln>
+          </p:spPr>
+          <p:style>
+            <a:lnRef idx="2">
+              <a:schemeClr val="accent1">
+                <a:shade val="50000"/>
+              </a:schemeClr>
+            </a:lnRef>
+            <a:fillRef idx="1">
+              <a:schemeClr val="accent1"/>
+            </a:fillRef>
+            <a:effectRef idx="0">
+              <a:schemeClr val="accent1"/>
+            </a:effectRef>
+            <a:fontRef idx="minor">
+              <a:schemeClr val="lt1"/>
+            </a:fontRef>
+          </p:style>
+          <p:txBody>
+            <a:bodyPr rtlCol="0" anchor="ctr"/>
+            <a:lstStyle/>
+            <a:p>
+              <a:pPr algn="ctr"/>
+              <a:endParaRPr lang="pt-BR"/>
+            </a:p>
+          </p:txBody>
+        </p:sp>
+        <p:sp>
+          <p:nvSpPr>
+            <p:cNvPr id="9" name="Seta: Divisa 8">
+              <a:extLst>
+                <a:ext uri="{FF2B5EF4-FFF2-40B4-BE49-F238E27FC236}">
+                  <a16:creationId xmlns:a16="http://schemas.microsoft.com/office/drawing/2014/main" id="{A7FB240F-A0C1-4419-98A2-48806BAF26FF}"/>
+                </a:ext>
+              </a:extLst>
+            </p:cNvPr>
+            <p:cNvSpPr/>
+            <p:nvPr/>
+          </p:nvSpPr>
+          <p:spPr>
+            <a:xfrm>
+              <a:off x="5829315" y="3104653"/>
+              <a:ext cx="1656922" cy="469230"/>
+            </a:xfrm>
+            <a:prstGeom prst="chevron">
+              <a:avLst/>
+            </a:prstGeom>
+            <a:solidFill>
+              <a:srgbClr val="70AD47"/>
+            </a:solidFill>
+            <a:ln>
+              <a:noFill/>
+            </a:ln>
+            <a:effectLst/>
+          </p:spPr>
+          <p:txBody>
+            <a:bodyPr rtlCol="0" anchor="ctr"/>
+            <a:lstStyle/>
+            <a:p>
+              <a:pPr algn="ctr"/>
+              <a:endParaRPr lang="pt-BR">
+                <a:solidFill>
+                  <a:schemeClr val="tx1"/>
+                </a:solidFill>
+              </a:endParaRPr>
+            </a:p>
+          </p:txBody>
+        </p:sp>
+        <p:sp>
+          <p:nvSpPr>
+            <p:cNvPr id="10" name="Fluxograma: Conector 9">
+              <a:extLst>
+                <a:ext uri="{FF2B5EF4-FFF2-40B4-BE49-F238E27FC236}">
+                  <a16:creationId xmlns:a16="http://schemas.microsoft.com/office/drawing/2014/main" id="{6CB1BB23-6361-4565-B8BE-D10C08D1B81B}"/>
+                </a:ext>
+              </a:extLst>
+            </p:cNvPr>
+            <p:cNvSpPr/>
+            <p:nvPr/>
+          </p:nvSpPr>
+          <p:spPr>
+            <a:xfrm>
+              <a:off x="6591350" y="3289244"/>
+              <a:ext cx="132852" cy="135417"/>
+            </a:xfrm>
+            <a:prstGeom prst="flowChartConnector">
+              <a:avLst/>
+            </a:prstGeom>
+            <a:solidFill>
+              <a:schemeClr val="bg1"/>
+            </a:solidFill>
+            <a:ln>
+              <a:solidFill>
+                <a:schemeClr val="bg1"/>
+              </a:solidFill>
+            </a:ln>
+          </p:spPr>
+          <p:style>
+            <a:lnRef idx="2">
+              <a:schemeClr val="accent1">
+                <a:shade val="50000"/>
+              </a:schemeClr>
+            </a:lnRef>
+            <a:fillRef idx="1">
+              <a:schemeClr val="accent1"/>
+            </a:fillRef>
+            <a:effectRef idx="0">
+              <a:schemeClr val="accent1"/>
+            </a:effectRef>
+            <a:fontRef idx="minor">
+              <a:schemeClr val="lt1"/>
+            </a:fontRef>
+          </p:style>
+          <p:txBody>
+            <a:bodyPr rtlCol="0" anchor="ctr"/>
+            <a:lstStyle/>
+            <a:p>
+              <a:pPr algn="ctr"/>
+              <a:endParaRPr lang="pt-BR"/>
+            </a:p>
+          </p:txBody>
+        </p:sp>
+        <p:sp>
+          <p:nvSpPr>
+            <p:cNvPr id="11" name="Seta: Divisa 10">
+              <a:extLst>
+                <a:ext uri="{FF2B5EF4-FFF2-40B4-BE49-F238E27FC236}">
+                  <a16:creationId xmlns:a16="http://schemas.microsoft.com/office/drawing/2014/main" id="{427354E3-7F11-4DD2-9170-A8E8B1D4C92E}"/>
+                </a:ext>
+              </a:extLst>
+            </p:cNvPr>
+            <p:cNvSpPr/>
+            <p:nvPr/>
+          </p:nvSpPr>
+          <p:spPr>
+            <a:xfrm>
+              <a:off x="7593769" y="3120177"/>
+              <a:ext cx="1656922" cy="469230"/>
+            </a:xfrm>
+            <a:prstGeom prst="chevron">
+              <a:avLst/>
+            </a:prstGeom>
+            <a:solidFill>
+              <a:srgbClr val="70AD47"/>
+            </a:solidFill>
+            <a:ln>
+              <a:noFill/>
+            </a:ln>
+            <a:effectLst/>
+          </p:spPr>
+          <p:txBody>
+            <a:bodyPr rtlCol="0" anchor="ctr"/>
+            <a:lstStyle/>
+            <a:p>
+              <a:pPr algn="ctr"/>
+              <a:endParaRPr lang="pt-BR">
+                <a:solidFill>
+                  <a:schemeClr val="tx1"/>
+                </a:solidFill>
+              </a:endParaRPr>
+            </a:p>
+          </p:txBody>
+        </p:sp>
+        <p:sp>
+          <p:nvSpPr>
+            <p:cNvPr id="74" name="Fluxograma: Conector 73">
+              <a:extLst>
+                <a:ext uri="{FF2B5EF4-FFF2-40B4-BE49-F238E27FC236}">
+                  <a16:creationId xmlns:a16="http://schemas.microsoft.com/office/drawing/2014/main" id="{32FF19E8-C580-4817-8428-F3BD437CA451}"/>
+                </a:ext>
+              </a:extLst>
+            </p:cNvPr>
+            <p:cNvSpPr/>
+            <p:nvPr/>
+          </p:nvSpPr>
+          <p:spPr>
+            <a:xfrm>
+              <a:off x="8355804" y="3289244"/>
+              <a:ext cx="132852" cy="135417"/>
+            </a:xfrm>
+            <a:prstGeom prst="flowChartConnector">
+              <a:avLst/>
+            </a:prstGeom>
+            <a:solidFill>
+              <a:schemeClr val="bg1"/>
+            </a:solidFill>
+            <a:ln>
+              <a:solidFill>
+                <a:schemeClr val="bg1"/>
+              </a:solidFill>
+            </a:ln>
+          </p:spPr>
+          <p:style>
+            <a:lnRef idx="2">
+              <a:schemeClr val="accent1">
+                <a:shade val="50000"/>
+              </a:schemeClr>
+            </a:lnRef>
+            <a:fillRef idx="1">
+              <a:schemeClr val="accent1"/>
+            </a:fillRef>
+            <a:effectRef idx="0">
+              <a:schemeClr val="accent1"/>
+            </a:effectRef>
+            <a:fontRef idx="minor">
+              <a:schemeClr val="lt1"/>
+            </a:fontRef>
+          </p:style>
+          <p:txBody>
+            <a:bodyPr rtlCol="0" anchor="ctr"/>
+            <a:lstStyle/>
+            <a:p>
+              <a:pPr algn="ctr"/>
+              <a:endParaRPr lang="pt-BR"/>
+            </a:p>
+          </p:txBody>
+        </p:sp>
+        <p:pic>
+          <p:nvPicPr>
+            <p:cNvPr id="1026" name="Picture 2" descr="Pesquisar ícone de círculo - Baixar PNG/SVG Transparente">
+              <a:extLst>
+                <a:ext uri="{FF2B5EF4-FFF2-40B4-BE49-F238E27FC236}">
+                  <a16:creationId xmlns:a16="http://schemas.microsoft.com/office/drawing/2014/main" id="{77ADA266-DFF6-4C83-B7A3-0EE340D31D60}"/>
+                </a:ext>
+              </a:extLst>
+            </p:cNvPr>
+            <p:cNvPicPr>
+              <a:picLocks noChangeAspect="1" noChangeArrowheads="1"/>
+            </p:cNvPicPr>
+            <p:nvPr/>
+          </p:nvPicPr>
+          <p:blipFill>
+            <a:blip r:embed="rId2">
+              <a:extLst>
+                <a:ext uri="{28A0092B-C50C-407E-A947-70E740481C1C}">
+                  <a14:useLocalDpi xmlns:a14="http://schemas.microsoft.com/office/drawing/2010/main" val="0"/>
+                </a:ext>
+              </a:extLst>
+            </a:blip>
+            <a:srcRect/>
+            <a:stretch>
+              <a:fillRect/>
+            </a:stretch>
+          </p:blipFill>
+          <p:spPr bwMode="auto">
+            <a:xfrm>
+              <a:off x="802375" y="1604910"/>
+              <a:ext cx="727999" cy="727999"/>
+            </a:xfrm>
+            <a:prstGeom prst="rect">
+              <a:avLst/>
+            </a:prstGeom>
+            <a:solidFill>
+              <a:srgbClr val="70AD47"/>
+            </a:solidFill>
+          </p:spPr>
+        </p:pic>
+        <p:sp>
+          <p:nvSpPr>
+            <p:cNvPr id="15" name="CaixaDeTexto 14">
+              <a:extLst>
+                <a:ext uri="{FF2B5EF4-FFF2-40B4-BE49-F238E27FC236}">
+                  <a16:creationId xmlns:a16="http://schemas.microsoft.com/office/drawing/2014/main" id="{F1227811-99C8-4195-9C15-D825BD5EBC5C}"/>
+                </a:ext>
+              </a:extLst>
+            </p:cNvPr>
+            <p:cNvSpPr txBox="1"/>
+            <p:nvPr/>
+          </p:nvSpPr>
+          <p:spPr>
+            <a:xfrm>
+              <a:off x="325166" y="3930543"/>
+              <a:ext cx="1914826" cy="461665"/>
+            </a:xfrm>
+            <a:prstGeom prst="rect">
+              <a:avLst/>
+            </a:prstGeom>
+            <a:noFill/>
+          </p:spPr>
+          <p:txBody>
+            <a:bodyPr wrap="square" rtlCol="0">
+              <a:spAutoFit/>
+            </a:bodyPr>
+            <a:lstStyle/>
+            <a:p>
+              <a:r>
+                <a:rPr lang="pt-BR" sz="1200" dirty="0"/>
+                <a:t>Procura plataforma de jogos em equipes</a:t>
+              </a:r>
+            </a:p>
+          </p:txBody>
+        </p:sp>
+        <p:sp>
+          <p:nvSpPr>
+            <p:cNvPr id="16" name="CaixaDeTexto 15">
+              <a:extLst>
+                <a:ext uri="{FF2B5EF4-FFF2-40B4-BE49-F238E27FC236}">
+                  <a16:creationId xmlns:a16="http://schemas.microsoft.com/office/drawing/2014/main" id="{3AE35AB6-F9F6-4AD5-85B8-60242A1AF721}"/>
+                </a:ext>
+              </a:extLst>
+            </p:cNvPr>
+            <p:cNvSpPr txBox="1"/>
+            <p:nvPr/>
+          </p:nvSpPr>
+          <p:spPr>
+            <a:xfrm>
+              <a:off x="2575009" y="2272254"/>
+              <a:ext cx="1554023" cy="461665"/>
+            </a:xfrm>
+            <a:prstGeom prst="rect">
+              <a:avLst/>
+            </a:prstGeom>
+            <a:noFill/>
+          </p:spPr>
+          <p:txBody>
+            <a:bodyPr wrap="square" rtlCol="0">
+              <a:spAutoFit/>
+            </a:bodyPr>
+            <a:lstStyle>
+              <a:defPPr>
+                <a:defRPr lang="pt-BR"/>
+              </a:defPPr>
+              <a:lvl1pPr>
+                <a:defRPr sz="1200"/>
+              </a:lvl1pPr>
+            </a:lstStyle>
+            <a:p>
+              <a:r>
+                <a:rPr lang="pt-BR" dirty="0"/>
+                <a:t>Acessa nossa plataforma</a:t>
+              </a:r>
+            </a:p>
+          </p:txBody>
+        </p:sp>
+        <p:sp>
+          <p:nvSpPr>
+            <p:cNvPr id="22" name="CaixaDeTexto 21">
+              <a:extLst>
+                <a:ext uri="{FF2B5EF4-FFF2-40B4-BE49-F238E27FC236}">
+                  <a16:creationId xmlns:a16="http://schemas.microsoft.com/office/drawing/2014/main" id="{1A7C2DA4-C445-4AAD-919F-F12F63A96B3B}"/>
+                </a:ext>
+              </a:extLst>
+            </p:cNvPr>
+            <p:cNvSpPr txBox="1"/>
+            <p:nvPr/>
+          </p:nvSpPr>
+          <p:spPr>
+            <a:xfrm>
+              <a:off x="4256819" y="3913036"/>
+              <a:ext cx="1477831" cy="646331"/>
+            </a:xfrm>
+            <a:prstGeom prst="rect">
+              <a:avLst/>
+            </a:prstGeom>
+            <a:noFill/>
+          </p:spPr>
+          <p:txBody>
+            <a:bodyPr wrap="square" rtlCol="0">
+              <a:spAutoFit/>
+            </a:bodyPr>
+            <a:lstStyle>
+              <a:defPPr>
+                <a:defRPr lang="pt-BR"/>
+              </a:defPPr>
+              <a:lvl1pPr>
+                <a:defRPr sz="1200"/>
+              </a:lvl1pPr>
+            </a:lstStyle>
+            <a:p>
+              <a:r>
+                <a:rPr lang="pt-BR" dirty="0"/>
+                <a:t>Primeira utilização inserido em uma equipe</a:t>
+              </a:r>
+            </a:p>
+          </p:txBody>
+        </p:sp>
+        <p:sp>
+          <p:nvSpPr>
+            <p:cNvPr id="23" name="CaixaDeTexto 22">
+              <a:extLst>
+                <a:ext uri="{FF2B5EF4-FFF2-40B4-BE49-F238E27FC236}">
+                  <a16:creationId xmlns:a16="http://schemas.microsoft.com/office/drawing/2014/main" id="{E2789D45-E782-443F-A9FE-A2E2C5D8BB8B}"/>
+                </a:ext>
+              </a:extLst>
+            </p:cNvPr>
+            <p:cNvSpPr txBox="1"/>
+            <p:nvPr/>
+          </p:nvSpPr>
+          <p:spPr>
+            <a:xfrm>
+              <a:off x="5980385" y="2274914"/>
+              <a:ext cx="1405391" cy="461665"/>
+            </a:xfrm>
+            <a:prstGeom prst="rect">
+              <a:avLst/>
+            </a:prstGeom>
+            <a:noFill/>
+          </p:spPr>
+          <p:txBody>
+            <a:bodyPr wrap="square" rtlCol="0">
+              <a:spAutoFit/>
+            </a:bodyPr>
+            <a:lstStyle>
+              <a:defPPr>
+                <a:defRPr lang="pt-BR"/>
+              </a:defPPr>
+              <a:lvl1pPr>
+                <a:defRPr sz="1200"/>
+              </a:lvl1pPr>
+            </a:lstStyle>
+            <a:p>
+              <a:r>
+                <a:rPr lang="pt-BR" dirty="0"/>
+                <a:t>Descobre mais sobre a plataforma</a:t>
+              </a:r>
+            </a:p>
+          </p:txBody>
+        </p:sp>
+        <p:sp>
+          <p:nvSpPr>
+            <p:cNvPr id="24" name="CaixaDeTexto 23">
+              <a:extLst>
+                <a:ext uri="{FF2B5EF4-FFF2-40B4-BE49-F238E27FC236}">
+                  <a16:creationId xmlns:a16="http://schemas.microsoft.com/office/drawing/2014/main" id="{D1A42427-6C0E-4F30-9DB3-663B16C7DD7D}"/>
+                </a:ext>
+              </a:extLst>
+            </p:cNvPr>
+            <p:cNvSpPr txBox="1"/>
+            <p:nvPr/>
+          </p:nvSpPr>
+          <p:spPr>
+            <a:xfrm>
+              <a:off x="7712822" y="3930542"/>
+              <a:ext cx="1846466" cy="461665"/>
+            </a:xfrm>
+            <a:prstGeom prst="rect">
+              <a:avLst/>
+            </a:prstGeom>
+            <a:noFill/>
+          </p:spPr>
+          <p:txBody>
+            <a:bodyPr wrap="square" rtlCol="0">
+              <a:spAutoFit/>
+            </a:bodyPr>
+            <a:lstStyle>
+              <a:defPPr>
+                <a:defRPr lang="pt-BR"/>
+              </a:defPPr>
+              <a:lvl1pPr>
+                <a:defRPr sz="1200"/>
+              </a:lvl1pPr>
+            </a:lstStyle>
+            <a:p>
+              <a:r>
+                <a:rPr lang="pt-BR" dirty="0"/>
+                <a:t>Inicia suas próprias equipes</a:t>
+              </a:r>
+            </a:p>
+          </p:txBody>
+        </p:sp>
+        <p:sp>
+          <p:nvSpPr>
+            <p:cNvPr id="25" name="Seta: Divisa 24">
+              <a:extLst>
+                <a:ext uri="{FF2B5EF4-FFF2-40B4-BE49-F238E27FC236}">
+                  <a16:creationId xmlns:a16="http://schemas.microsoft.com/office/drawing/2014/main" id="{D6E4BBEE-55BA-4CB3-B662-BFC224A690D1}"/>
+                </a:ext>
+              </a:extLst>
+            </p:cNvPr>
+            <p:cNvSpPr/>
+            <p:nvPr/>
+          </p:nvSpPr>
+          <p:spPr>
+            <a:xfrm>
+              <a:off x="9522093" y="3120177"/>
+              <a:ext cx="1656922" cy="469230"/>
+            </a:xfrm>
+            <a:prstGeom prst="chevron">
+              <a:avLst/>
+            </a:prstGeom>
+            <a:solidFill>
+              <a:srgbClr val="70AD47"/>
+            </a:solidFill>
+            <a:ln>
+              <a:noFill/>
+            </a:ln>
+            <a:effectLst/>
+          </p:spPr>
+          <p:txBody>
+            <a:bodyPr rtlCol="0" anchor="ctr"/>
+            <a:lstStyle/>
+            <a:p>
+              <a:pPr algn="ctr"/>
+              <a:endParaRPr lang="pt-BR">
+                <a:solidFill>
+                  <a:schemeClr val="tx1"/>
+                </a:solidFill>
+              </a:endParaRPr>
+            </a:p>
+          </p:txBody>
+        </p:sp>
+        <p:sp>
+          <p:nvSpPr>
+            <p:cNvPr id="27" name="Fluxograma: Conector 26">
+              <a:extLst>
+                <a:ext uri="{FF2B5EF4-FFF2-40B4-BE49-F238E27FC236}">
+                  <a16:creationId xmlns:a16="http://schemas.microsoft.com/office/drawing/2014/main" id="{07D4A557-E56B-490A-A454-34D19C02DDAB}"/>
+                </a:ext>
+              </a:extLst>
+            </p:cNvPr>
+            <p:cNvSpPr/>
+            <p:nvPr/>
+          </p:nvSpPr>
+          <p:spPr>
+            <a:xfrm>
+              <a:off x="10284128" y="3289244"/>
+              <a:ext cx="132852" cy="135417"/>
+            </a:xfrm>
+            <a:prstGeom prst="flowChartConnector">
+              <a:avLst/>
+            </a:prstGeom>
+            <a:solidFill>
+              <a:schemeClr val="bg1"/>
+            </a:solidFill>
+            <a:ln>
+              <a:solidFill>
+                <a:schemeClr val="bg1"/>
+              </a:solidFill>
+            </a:ln>
+          </p:spPr>
+          <p:style>
+            <a:lnRef idx="2">
+              <a:schemeClr val="accent1">
+                <a:shade val="50000"/>
+              </a:schemeClr>
+            </a:lnRef>
+            <a:fillRef idx="1">
+              <a:schemeClr val="accent1"/>
+            </a:fillRef>
+            <a:effectRef idx="0">
+              <a:schemeClr val="accent1"/>
+            </a:effectRef>
+            <a:fontRef idx="minor">
+              <a:schemeClr val="lt1"/>
+            </a:fontRef>
+          </p:style>
+          <p:txBody>
+            <a:bodyPr rtlCol="0" anchor="ctr"/>
+            <a:lstStyle/>
+            <a:p>
+              <a:pPr algn="ctr"/>
+              <a:endParaRPr lang="pt-BR"/>
+            </a:p>
+          </p:txBody>
+        </p:sp>
+        <p:sp>
+          <p:nvSpPr>
+            <p:cNvPr id="29" name="CaixaDeTexto 28">
+              <a:extLst>
+                <a:ext uri="{FF2B5EF4-FFF2-40B4-BE49-F238E27FC236}">
+                  <a16:creationId xmlns:a16="http://schemas.microsoft.com/office/drawing/2014/main" id="{0EF0F0EC-EA4D-4DFF-AFE7-F6932DE74418}"/>
+                </a:ext>
+              </a:extLst>
+            </p:cNvPr>
+            <p:cNvSpPr txBox="1"/>
+            <p:nvPr/>
+          </p:nvSpPr>
+          <p:spPr>
+            <a:xfrm>
+              <a:off x="9522093" y="2345402"/>
+              <a:ext cx="1846466" cy="276999"/>
+            </a:xfrm>
+            <a:prstGeom prst="rect">
+              <a:avLst/>
+            </a:prstGeom>
+            <a:noFill/>
+          </p:spPr>
+          <p:txBody>
+            <a:bodyPr wrap="square" rtlCol="0">
+              <a:spAutoFit/>
+            </a:bodyPr>
+            <a:lstStyle>
+              <a:defPPr>
+                <a:defRPr lang="pt-BR"/>
+              </a:defPPr>
+              <a:lvl1pPr>
+                <a:defRPr sz="1200"/>
+              </a:lvl1pPr>
+            </a:lstStyle>
+            <a:p>
+              <a:r>
+                <a:rPr lang="pt-BR" dirty="0"/>
+                <a:t>Divulga nossa plataforma</a:t>
+              </a:r>
+            </a:p>
+          </p:txBody>
+        </p:sp>
+        <p:sp>
+          <p:nvSpPr>
+            <p:cNvPr id="5" name="Seta: Divisa 4">
+              <a:extLst>
+                <a:ext uri="{FF2B5EF4-FFF2-40B4-BE49-F238E27FC236}">
+                  <a16:creationId xmlns:a16="http://schemas.microsoft.com/office/drawing/2014/main" id="{24FA62E5-4524-4159-8D18-B2D7DD0E77CE}"/>
+                </a:ext>
+              </a:extLst>
+            </p:cNvPr>
+            <p:cNvSpPr/>
+            <p:nvPr/>
+          </p:nvSpPr>
+          <p:spPr>
+            <a:xfrm>
+              <a:off x="2254670" y="3120177"/>
+              <a:ext cx="1656922" cy="469230"/>
+            </a:xfrm>
+            <a:prstGeom prst="chevron">
+              <a:avLst/>
+            </a:prstGeom>
+            <a:solidFill>
+              <a:srgbClr val="70AD47"/>
+            </a:solidFill>
+            <a:ln>
+              <a:noFill/>
+            </a:ln>
+            <a:effectLst/>
+          </p:spPr>
+          <p:txBody>
+            <a:bodyPr rtlCol="0" anchor="ctr"/>
+            <a:lstStyle/>
+            <a:p>
+              <a:pPr algn="ctr"/>
+              <a:endParaRPr lang="pt-BR">
+                <a:solidFill>
+                  <a:schemeClr val="tx1"/>
+                </a:solidFill>
+              </a:endParaRPr>
+            </a:p>
+          </p:txBody>
+        </p:sp>
+        <p:sp>
+          <p:nvSpPr>
+            <p:cNvPr id="6" name="Fluxograma: Conector 5">
+              <a:extLst>
+                <a:ext uri="{FF2B5EF4-FFF2-40B4-BE49-F238E27FC236}">
+                  <a16:creationId xmlns:a16="http://schemas.microsoft.com/office/drawing/2014/main" id="{CDD3821E-CC9B-40D2-A0A0-2868D09A5952}"/>
+                </a:ext>
+              </a:extLst>
+            </p:cNvPr>
+            <p:cNvSpPr/>
+            <p:nvPr/>
+          </p:nvSpPr>
+          <p:spPr>
+            <a:xfrm>
+              <a:off x="3016705" y="3289244"/>
+              <a:ext cx="132852" cy="135417"/>
+            </a:xfrm>
+            <a:prstGeom prst="flowChartConnector">
+              <a:avLst/>
+            </a:prstGeom>
+            <a:solidFill>
+              <a:schemeClr val="bg1"/>
+            </a:solidFill>
+            <a:ln>
+              <a:solidFill>
+                <a:schemeClr val="bg1"/>
+              </a:solidFill>
+            </a:ln>
+          </p:spPr>
+          <p:style>
+            <a:lnRef idx="2">
+              <a:schemeClr val="accent1">
+                <a:shade val="50000"/>
+              </a:schemeClr>
+            </a:lnRef>
+            <a:fillRef idx="1">
+              <a:schemeClr val="accent1"/>
+            </a:fillRef>
+            <a:effectRef idx="0">
+              <a:schemeClr val="accent1"/>
+            </a:effectRef>
+            <a:fontRef idx="minor">
+              <a:schemeClr val="lt1"/>
+            </a:fontRef>
+          </p:style>
+          <p:txBody>
+            <a:bodyPr rtlCol="0" anchor="ctr"/>
+            <a:lstStyle/>
+            <a:p>
+              <a:pPr algn="ctr"/>
+              <a:endParaRPr lang="pt-BR"/>
+            </a:p>
+          </p:txBody>
+        </p:sp>
+        <p:grpSp>
+          <p:nvGrpSpPr>
+            <p:cNvPr id="34" name="Agrupar 33">
+              <a:extLst>
+                <a:ext uri="{FF2B5EF4-FFF2-40B4-BE49-F238E27FC236}">
+                  <a16:creationId xmlns:a16="http://schemas.microsoft.com/office/drawing/2014/main" id="{38F4471F-EA3A-4799-9F1D-67A7E8BE61B0}"/>
+                </a:ext>
+              </a:extLst>
+            </p:cNvPr>
+            <p:cNvGrpSpPr/>
+            <p:nvPr/>
+          </p:nvGrpSpPr>
+          <p:grpSpPr>
+            <a:xfrm>
+              <a:off x="2740092" y="4043114"/>
+              <a:ext cx="723471" cy="1110990"/>
+              <a:chOff x="2734193" y="3602472"/>
+              <a:chExt cx="723471" cy="1110990"/>
+            </a:xfrm>
+          </p:grpSpPr>
+          <p:pic>
+            <p:nvPicPr>
+              <p:cNvPr id="2050" name="Picture 2" descr="Ícone do gamepad - Baixar PNG/SVG Transparente">
+                <a:extLst>
+                  <a:ext uri="{FF2B5EF4-FFF2-40B4-BE49-F238E27FC236}">
+                    <a16:creationId xmlns:a16="http://schemas.microsoft.com/office/drawing/2014/main" id="{E9FB1CE6-5F17-424F-8339-1CD1528014AF}"/>
+                  </a:ext>
+                </a:extLst>
+              </p:cNvPr>
+              <p:cNvPicPr>
+                <a:picLocks noChangeAspect="1" noChangeArrowheads="1"/>
+              </p:cNvPicPr>
+              <p:nvPr/>
+            </p:nvPicPr>
+            <p:blipFill>
+              <a:blip r:embed="rId3">
+                <a:extLst>
+                  <a:ext uri="{28A0092B-C50C-407E-A947-70E740481C1C}">
+                    <a14:useLocalDpi xmlns:a14="http://schemas.microsoft.com/office/drawing/2010/main" val="0"/>
+                  </a:ext>
+                </a:extLst>
+              </a:blip>
+              <a:srcRect/>
+              <a:stretch>
+                <a:fillRect/>
+              </a:stretch>
+            </p:blipFill>
+            <p:spPr bwMode="auto">
+              <a:xfrm>
+                <a:off x="2734193" y="3985463"/>
+                <a:ext cx="723471" cy="727999"/>
+              </a:xfrm>
+              <a:prstGeom prst="rect">
+                <a:avLst/>
+              </a:prstGeom>
+              <a:solidFill>
+                <a:schemeClr val="accent6"/>
+              </a:solidFill>
+            </p:spPr>
+          </p:pic>
+          <p:pic>
+            <p:nvPicPr>
+              <p:cNvPr id="31" name="Imagem 30" descr="Uma imagem contendo Logotipo&#10;&#10;Descrição gerada automaticamente">
+                <a:extLst>
+                  <a:ext uri="{FF2B5EF4-FFF2-40B4-BE49-F238E27FC236}">
+                    <a16:creationId xmlns:a16="http://schemas.microsoft.com/office/drawing/2014/main" id="{7B413F85-C21F-43CC-9261-C1CAD8929637}"/>
+                  </a:ext>
+                </a:extLst>
+              </p:cNvPr>
+              <p:cNvPicPr>
+                <a:picLocks noChangeAspect="1"/>
+              </p:cNvPicPr>
+              <p:nvPr/>
+            </p:nvPicPr>
+            <p:blipFill>
+              <a:blip r:embed="rId4">
+                <a:extLst>
+                  <a:ext uri="{28A0092B-C50C-407E-A947-70E740481C1C}">
+                    <a14:useLocalDpi xmlns:a14="http://schemas.microsoft.com/office/drawing/2010/main" val="0"/>
+                  </a:ext>
+                </a:extLst>
+              </a:blip>
+              <a:stretch>
+                <a:fillRect/>
+              </a:stretch>
+            </p:blipFill>
+            <p:spPr>
+              <a:xfrm>
+                <a:off x="2852459" y="3602472"/>
+                <a:ext cx="486938" cy="469231"/>
+              </a:xfrm>
+              <a:prstGeom prst="rect">
+                <a:avLst/>
+              </a:prstGeom>
+            </p:spPr>
+          </p:pic>
+        </p:grpSp>
+        <p:grpSp>
+          <p:nvGrpSpPr>
+            <p:cNvPr id="28" name="Agrupar 27">
+              <a:extLst>
+                <a:ext uri="{FF2B5EF4-FFF2-40B4-BE49-F238E27FC236}">
+                  <a16:creationId xmlns:a16="http://schemas.microsoft.com/office/drawing/2014/main" id="{2B9F31D5-1201-4FB9-8F8D-CF79B29B9D35}"/>
+                </a:ext>
+              </a:extLst>
+            </p:cNvPr>
+            <p:cNvGrpSpPr/>
+            <p:nvPr/>
+          </p:nvGrpSpPr>
+          <p:grpSpPr>
+            <a:xfrm>
+              <a:off x="8072673" y="1153991"/>
+              <a:ext cx="1426121" cy="1092997"/>
+              <a:chOff x="4550216" y="1467384"/>
+              <a:chExt cx="1426121" cy="1092997"/>
+            </a:xfrm>
+          </p:grpSpPr>
+          <p:sp>
+            <p:nvSpPr>
+              <p:cNvPr id="26" name="Retângulo 25">
+                <a:extLst>
+                  <a:ext uri="{FF2B5EF4-FFF2-40B4-BE49-F238E27FC236}">
+                    <a16:creationId xmlns:a16="http://schemas.microsoft.com/office/drawing/2014/main" id="{29C83B49-23F2-49CF-B377-A9468098F529}"/>
+                  </a:ext>
+                </a:extLst>
+              </p:cNvPr>
+              <p:cNvSpPr/>
+              <p:nvPr/>
+            </p:nvSpPr>
+            <p:spPr>
+              <a:xfrm>
+                <a:off x="4550216" y="1832381"/>
+                <a:ext cx="679080" cy="728000"/>
+              </a:xfrm>
+              <a:prstGeom prst="rect">
+                <a:avLst/>
+              </a:prstGeom>
+              <a:solidFill>
+                <a:schemeClr val="accent6"/>
+              </a:solidFill>
+              <a:ln>
+                <a:solidFill>
+                  <a:srgbClr val="92D050"/>
+                </a:solidFill>
+              </a:ln>
+            </p:spPr>
+            <p:style>
+              <a:lnRef idx="2">
+                <a:schemeClr val="accent1">
+                  <a:shade val="50000"/>
+                </a:schemeClr>
+              </a:lnRef>
+              <a:fillRef idx="1">
+                <a:schemeClr val="accent1"/>
+              </a:fillRef>
+              <a:effectRef idx="0">
+                <a:schemeClr val="accent1"/>
+              </a:effectRef>
+              <a:fontRef idx="minor">
+                <a:schemeClr val="lt1"/>
+              </a:fontRef>
+            </p:style>
+            <p:txBody>
+              <a:bodyPr rtlCol="0" anchor="ctr"/>
+              <a:lstStyle/>
+              <a:p>
+                <a:pPr algn="ctr"/>
+                <a:endParaRPr lang="pt-BR"/>
+              </a:p>
+            </p:txBody>
+          </p:sp>
+          <p:sp>
+            <p:nvSpPr>
+              <p:cNvPr id="18" name="CaixaDeTexto 17">
+                <a:extLst>
+                  <a:ext uri="{FF2B5EF4-FFF2-40B4-BE49-F238E27FC236}">
+                    <a16:creationId xmlns:a16="http://schemas.microsoft.com/office/drawing/2014/main" id="{0579A070-173E-4D8B-98FC-347B77DB9ADE}"/>
+                  </a:ext>
+                </a:extLst>
+              </p:cNvPr>
+              <p:cNvSpPr txBox="1"/>
+              <p:nvPr/>
+            </p:nvSpPr>
+            <p:spPr>
+              <a:xfrm>
+                <a:off x="4776636" y="1467384"/>
+                <a:ext cx="1199701" cy="338554"/>
+              </a:xfrm>
+              <a:prstGeom prst="rect">
+                <a:avLst/>
+              </a:prstGeom>
+              <a:noFill/>
+              <a:effectLst/>
+            </p:spPr>
+            <p:txBody>
+              <a:bodyPr wrap="square" rtlCol="0">
+                <a:spAutoFit/>
+              </a:bodyPr>
+              <a:lstStyle/>
+              <a:p>
+                <a:r>
+                  <a:rPr lang="pt-BR" sz="1600" dirty="0">
+                    <a:solidFill>
+                      <a:schemeClr val="bg1"/>
+                    </a:solidFill>
+                  </a:rPr>
+                  <a:t>Requisitos</a:t>
+                </a:r>
+                <a:endParaRPr lang="pt-BR" dirty="0">
+                  <a:solidFill>
+                    <a:schemeClr val="bg1"/>
+                  </a:solidFill>
+                </a:endParaRPr>
+              </a:p>
+            </p:txBody>
+          </p:sp>
+          <p:pic>
+            <p:nvPicPr>
+              <p:cNvPr id="5122" name="Picture 2" descr="Mundial de LoL 2019: de Flamengo a SKT, saiba tudo sobre os 24 times que  participam do campeonato | lol | Sportv">
+                <a:extLst>
+                  <a:ext uri="{FF2B5EF4-FFF2-40B4-BE49-F238E27FC236}">
+                    <a16:creationId xmlns:a16="http://schemas.microsoft.com/office/drawing/2014/main" id="{92B622EB-51B8-4270-B8F0-9DADA0ABE146}"/>
+                  </a:ext>
+                </a:extLst>
+              </p:cNvPr>
+              <p:cNvPicPr>
+                <a:picLocks noChangeAspect="1" noChangeArrowheads="1"/>
+              </p:cNvPicPr>
+              <p:nvPr/>
+            </p:nvPicPr>
+            <p:blipFill>
+              <a:blip r:embed="rId5">
+                <a:extLst>
+                  <a:ext uri="{28A0092B-C50C-407E-A947-70E740481C1C}">
+                    <a14:useLocalDpi xmlns:a14="http://schemas.microsoft.com/office/drawing/2010/main" val="0"/>
+                  </a:ext>
+                </a:extLst>
+              </a:blip>
+              <a:srcRect/>
+              <a:stretch>
+                <a:fillRect/>
+              </a:stretch>
+            </p:blipFill>
+            <p:spPr bwMode="auto">
+              <a:xfrm>
+                <a:off x="4599213" y="1938509"/>
+                <a:ext cx="580918" cy="515743"/>
+              </a:xfrm>
+              <a:prstGeom prst="rect">
+                <a:avLst/>
+              </a:prstGeom>
+              <a:noFill/>
+              <a:extLst>
+                <a:ext uri="{909E8E84-426E-40DD-AFC4-6F175D3DCCD1}">
+                  <a14:hiddenFill xmlns:a14="http://schemas.microsoft.com/office/drawing/2010/main">
+                    <a:solidFill>
+                      <a:srgbClr val="FFFFFF"/>
+                    </a:solidFill>
+                  </a14:hiddenFill>
+                </a:ext>
+              </a:extLst>
+            </p:spPr>
+          </p:pic>
+        </p:grpSp>
+        <p:pic>
+          <p:nvPicPr>
+            <p:cNvPr id="6146" name="Picture 2" descr="Discovery - Free miscellaneous icons">
+              <a:extLst>
+                <a:ext uri="{FF2B5EF4-FFF2-40B4-BE49-F238E27FC236}">
+                  <a16:creationId xmlns:a16="http://schemas.microsoft.com/office/drawing/2014/main" id="{BDE8C2D7-AC91-45A8-97BC-6ADF3618C494}"/>
+                </a:ext>
+              </a:extLst>
+            </p:cNvPr>
+            <p:cNvPicPr>
+              <a:picLocks noChangeAspect="1" noChangeArrowheads="1"/>
+            </p:cNvPicPr>
+            <p:nvPr/>
+          </p:nvPicPr>
+          <p:blipFill>
+            <a:blip r:embed="rId6">
+              <a:extLst>
+                <a:ext uri="{28A0092B-C50C-407E-A947-70E740481C1C}">
+                  <a14:useLocalDpi xmlns:a14="http://schemas.microsoft.com/office/drawing/2010/main" val="0"/>
+                </a:ext>
+              </a:extLst>
+            </a:blip>
+            <a:srcRect/>
+            <a:stretch>
+              <a:fillRect/>
+            </a:stretch>
+          </p:blipFill>
+          <p:spPr bwMode="auto">
+            <a:xfrm>
+              <a:off x="6293777" y="4426105"/>
+              <a:ext cx="727999" cy="697097"/>
+            </a:xfrm>
+            <a:prstGeom prst="rect">
+              <a:avLst/>
+            </a:prstGeom>
+            <a:solidFill>
+              <a:schemeClr val="accent6"/>
+            </a:solidFill>
+          </p:spPr>
+        </p:pic>
+        <p:pic>
+          <p:nvPicPr>
+            <p:cNvPr id="7170" name="Picture 2" descr="Quer fazer uma equipe amadora ? [Leia] - Riot Games">
+              <a:extLst>
+                <a:ext uri="{FF2B5EF4-FFF2-40B4-BE49-F238E27FC236}">
+                  <a16:creationId xmlns:a16="http://schemas.microsoft.com/office/drawing/2014/main" id="{E128C1FB-2A35-403E-BA10-E4027229234D}"/>
+                </a:ext>
+              </a:extLst>
+            </p:cNvPr>
+            <p:cNvPicPr>
+              <a:picLocks noChangeAspect="1" noChangeArrowheads="1"/>
+            </p:cNvPicPr>
+            <p:nvPr/>
+          </p:nvPicPr>
+          <p:blipFill>
+            <a:blip r:embed="rId7">
+              <a:extLst>
+                <a:ext uri="{28A0092B-C50C-407E-A947-70E740481C1C}">
+                  <a14:useLocalDpi xmlns:a14="http://schemas.microsoft.com/office/drawing/2010/main" val="0"/>
+                </a:ext>
+              </a:extLst>
+            </a:blip>
+            <a:srcRect/>
+            <a:stretch>
+              <a:fillRect/>
+            </a:stretch>
+          </p:blipFill>
+          <p:spPr bwMode="auto">
+            <a:xfrm>
+              <a:off x="4474817" y="1604910"/>
+              <a:ext cx="794093" cy="740492"/>
+            </a:xfrm>
+            <a:prstGeom prst="rect">
+              <a:avLst/>
+            </a:prstGeom>
+            <a:solidFill>
+              <a:schemeClr val="accent6"/>
+            </a:solidFill>
+          </p:spPr>
+        </p:pic>
+        <p:grpSp>
+          <p:nvGrpSpPr>
+            <p:cNvPr id="53" name="Agrupar 52">
+              <a:extLst>
+                <a:ext uri="{FF2B5EF4-FFF2-40B4-BE49-F238E27FC236}">
+                  <a16:creationId xmlns:a16="http://schemas.microsoft.com/office/drawing/2014/main" id="{3827E9E3-E91C-488A-AA95-4413B8BCA945}"/>
+                </a:ext>
+              </a:extLst>
+            </p:cNvPr>
+            <p:cNvGrpSpPr/>
+            <p:nvPr/>
+          </p:nvGrpSpPr>
+          <p:grpSpPr>
+            <a:xfrm>
+              <a:off x="9988818" y="4077841"/>
+              <a:ext cx="723471" cy="1062195"/>
+              <a:chOff x="10055244" y="3505562"/>
+              <a:chExt cx="723471" cy="1062195"/>
+            </a:xfrm>
+          </p:grpSpPr>
+          <p:pic>
+            <p:nvPicPr>
+              <p:cNvPr id="8194" name="Picture 2" descr="crescimento icone">
+                <a:extLst>
+                  <a:ext uri="{FF2B5EF4-FFF2-40B4-BE49-F238E27FC236}">
+                    <a16:creationId xmlns:a16="http://schemas.microsoft.com/office/drawing/2014/main" id="{D47B6416-6B04-46B3-9B9E-D7D2C357E3F0}"/>
+                  </a:ext>
+                </a:extLst>
+              </p:cNvPr>
+              <p:cNvPicPr>
+                <a:picLocks noChangeAspect="1" noChangeArrowheads="1"/>
+              </p:cNvPicPr>
+              <p:nvPr/>
+            </p:nvPicPr>
+            <p:blipFill>
+              <a:blip r:embed="rId8">
+                <a:extLst>
+                  <a:ext uri="{28A0092B-C50C-407E-A947-70E740481C1C}">
+                    <a14:useLocalDpi xmlns:a14="http://schemas.microsoft.com/office/drawing/2010/main" val="0"/>
+                  </a:ext>
+                </a:extLst>
+              </a:blip>
+              <a:srcRect/>
+              <a:stretch>
+                <a:fillRect/>
+              </a:stretch>
+            </p:blipFill>
+            <p:spPr bwMode="auto">
+              <a:xfrm>
+                <a:off x="10055244" y="3878948"/>
+                <a:ext cx="723471" cy="688809"/>
+              </a:xfrm>
+              <a:prstGeom prst="rect">
+                <a:avLst/>
+              </a:prstGeom>
+              <a:solidFill>
+                <a:schemeClr val="accent6"/>
+              </a:solidFill>
+            </p:spPr>
+          </p:pic>
+          <p:pic>
+            <p:nvPicPr>
+              <p:cNvPr id="19" name="Imagem 18" descr="Uma imagem contendo Logotipo&#10;&#10;Descrição gerada automaticamente">
+                <a:extLst>
+                  <a:ext uri="{FF2B5EF4-FFF2-40B4-BE49-F238E27FC236}">
+                    <a16:creationId xmlns:a16="http://schemas.microsoft.com/office/drawing/2014/main" id="{942377C0-DA38-4348-B871-730A11CC891A}"/>
+                  </a:ext>
+                </a:extLst>
+              </p:cNvPr>
+              <p:cNvPicPr>
+                <a:picLocks noChangeAspect="1"/>
+              </p:cNvPicPr>
+              <p:nvPr/>
+            </p:nvPicPr>
+            <p:blipFill>
+              <a:blip r:embed="rId4">
+                <a:extLst>
+                  <a:ext uri="{28A0092B-C50C-407E-A947-70E740481C1C}">
+                    <a14:useLocalDpi xmlns:a14="http://schemas.microsoft.com/office/drawing/2010/main" val="0"/>
+                  </a:ext>
+                </a:extLst>
+              </a:blip>
+              <a:stretch>
+                <a:fillRect/>
+              </a:stretch>
+            </p:blipFill>
+            <p:spPr>
+              <a:xfrm>
+                <a:off x="10185039" y="3505562"/>
+                <a:ext cx="486938" cy="469231"/>
+              </a:xfrm>
+              <a:prstGeom prst="rect">
+                <a:avLst/>
+              </a:prstGeom>
+            </p:spPr>
+          </p:pic>
+        </p:grpSp>
+        <p:cxnSp>
+          <p:nvCxnSpPr>
+            <p:cNvPr id="32" name="Conector reto 31">
+              <a:extLst>
+                <a:ext uri="{FF2B5EF4-FFF2-40B4-BE49-F238E27FC236}">
+                  <a16:creationId xmlns:a16="http://schemas.microsoft.com/office/drawing/2014/main" id="{BD527B4F-0E07-4368-A6AB-69464EAF5B3A}"/>
+                </a:ext>
+              </a:extLst>
+            </p:cNvPr>
+            <p:cNvCxnSpPr>
+              <a:cxnSpLocks/>
+            </p:cNvCxnSpPr>
+            <p:nvPr/>
+          </p:nvCxnSpPr>
+          <p:spPr>
+            <a:xfrm flipH="1">
+              <a:off x="1164322" y="2332909"/>
+              <a:ext cx="4104" cy="759251"/>
+            </a:xfrm>
+            <a:prstGeom prst="line">
+              <a:avLst/>
+            </a:prstGeom>
+            <a:ln>
+              <a:solidFill>
+                <a:srgbClr val="92D050"/>
+              </a:solidFill>
+            </a:ln>
+          </p:spPr>
+          <p:style>
+            <a:lnRef idx="1">
+              <a:schemeClr val="accent1"/>
+            </a:lnRef>
+            <a:fillRef idx="0">
+              <a:schemeClr val="accent1"/>
+            </a:fillRef>
+            <a:effectRef idx="0">
+              <a:schemeClr val="accent1"/>
+            </a:effectRef>
+            <a:fontRef idx="minor">
+              <a:schemeClr val="tx1"/>
+            </a:fontRef>
+          </p:style>
+        </p:cxnSp>
+        <p:cxnSp>
+          <p:nvCxnSpPr>
+            <p:cNvPr id="35" name="Conector reto 34">
+              <a:extLst>
+                <a:ext uri="{FF2B5EF4-FFF2-40B4-BE49-F238E27FC236}">
+                  <a16:creationId xmlns:a16="http://schemas.microsoft.com/office/drawing/2014/main" id="{D46D12B5-6CDB-4E78-BCA3-BA21FC264239}"/>
+                </a:ext>
+              </a:extLst>
+            </p:cNvPr>
+            <p:cNvCxnSpPr>
+              <a:cxnSpLocks/>
+              <a:endCxn id="31" idx="0"/>
+            </p:cNvCxnSpPr>
+            <p:nvPr/>
+          </p:nvCxnSpPr>
+          <p:spPr>
+            <a:xfrm>
+              <a:off x="3095929" y="3559815"/>
+              <a:ext cx="5898" cy="483299"/>
+            </a:xfrm>
+            <a:prstGeom prst="line">
+              <a:avLst/>
+            </a:prstGeom>
+            <a:ln>
+              <a:solidFill>
+                <a:srgbClr val="92D050"/>
+              </a:solidFill>
+            </a:ln>
+          </p:spPr>
+          <p:style>
+            <a:lnRef idx="1">
+              <a:schemeClr val="accent1"/>
+            </a:lnRef>
+            <a:fillRef idx="0">
+              <a:schemeClr val="accent1"/>
+            </a:fillRef>
+            <a:effectRef idx="0">
+              <a:schemeClr val="accent1"/>
+            </a:effectRef>
+            <a:fontRef idx="minor">
+              <a:schemeClr val="tx1"/>
+            </a:fontRef>
+          </p:style>
+        </p:cxnSp>
+        <p:cxnSp>
+          <p:nvCxnSpPr>
+            <p:cNvPr id="41" name="Conector reto 40">
+              <a:extLst>
+                <a:ext uri="{FF2B5EF4-FFF2-40B4-BE49-F238E27FC236}">
+                  <a16:creationId xmlns:a16="http://schemas.microsoft.com/office/drawing/2014/main" id="{0A7E7D23-07A0-445F-91DF-B5EC2A78FAA0}"/>
+                </a:ext>
+              </a:extLst>
+            </p:cNvPr>
+            <p:cNvCxnSpPr>
+              <a:cxnSpLocks/>
+              <a:stCxn id="7170" idx="2"/>
+            </p:cNvCxnSpPr>
+            <p:nvPr/>
+          </p:nvCxnSpPr>
+          <p:spPr>
+            <a:xfrm>
+              <a:off x="4871864" y="2345402"/>
+              <a:ext cx="0" cy="759250"/>
+            </a:xfrm>
+            <a:prstGeom prst="line">
+              <a:avLst/>
+            </a:prstGeom>
+            <a:ln>
+              <a:solidFill>
+                <a:srgbClr val="92D050"/>
+              </a:solidFill>
+            </a:ln>
+          </p:spPr>
+          <p:style>
+            <a:lnRef idx="1">
+              <a:schemeClr val="accent1"/>
+            </a:lnRef>
+            <a:fillRef idx="0">
+              <a:schemeClr val="accent1"/>
+            </a:fillRef>
+            <a:effectRef idx="0">
+              <a:schemeClr val="accent1"/>
+            </a:effectRef>
+            <a:fontRef idx="minor">
+              <a:schemeClr val="tx1"/>
+            </a:fontRef>
+          </p:style>
+        </p:cxnSp>
+        <p:cxnSp>
+          <p:nvCxnSpPr>
+            <p:cNvPr id="47" name="Conector reto 46">
+              <a:extLst>
+                <a:ext uri="{FF2B5EF4-FFF2-40B4-BE49-F238E27FC236}">
+                  <a16:creationId xmlns:a16="http://schemas.microsoft.com/office/drawing/2014/main" id="{D6B92290-BE3C-455F-9BA3-1A69FACAD3A6}"/>
+                </a:ext>
+              </a:extLst>
+            </p:cNvPr>
+            <p:cNvCxnSpPr>
+              <a:cxnSpLocks/>
+              <a:endCxn id="6146" idx="0"/>
+            </p:cNvCxnSpPr>
+            <p:nvPr/>
+          </p:nvCxnSpPr>
+          <p:spPr>
+            <a:xfrm>
+              <a:off x="6657776" y="3573883"/>
+              <a:ext cx="1" cy="852222"/>
+            </a:xfrm>
+            <a:prstGeom prst="line">
+              <a:avLst/>
+            </a:prstGeom>
+            <a:ln>
+              <a:solidFill>
+                <a:srgbClr val="92D050"/>
+              </a:solidFill>
+            </a:ln>
+          </p:spPr>
+          <p:style>
+            <a:lnRef idx="1">
+              <a:schemeClr val="accent1"/>
+            </a:lnRef>
+            <a:fillRef idx="0">
+              <a:schemeClr val="accent1"/>
+            </a:fillRef>
+            <a:effectRef idx="0">
+              <a:schemeClr val="accent1"/>
+            </a:effectRef>
+            <a:fontRef idx="minor">
+              <a:schemeClr val="tx1"/>
+            </a:fontRef>
+          </p:style>
+        </p:cxnSp>
+        <p:cxnSp>
+          <p:nvCxnSpPr>
+            <p:cNvPr id="52" name="Conector reto 51">
+              <a:extLst>
+                <a:ext uri="{FF2B5EF4-FFF2-40B4-BE49-F238E27FC236}">
+                  <a16:creationId xmlns:a16="http://schemas.microsoft.com/office/drawing/2014/main" id="{6CFD0B12-0B83-441D-AAFF-DCA6B6697568}"/>
+                </a:ext>
+              </a:extLst>
+            </p:cNvPr>
+            <p:cNvCxnSpPr>
+              <a:cxnSpLocks/>
+            </p:cNvCxnSpPr>
+            <p:nvPr/>
+          </p:nvCxnSpPr>
+          <p:spPr>
+            <a:xfrm>
+              <a:off x="8416358" y="2259301"/>
+              <a:ext cx="1" cy="852222"/>
+            </a:xfrm>
+            <a:prstGeom prst="line">
+              <a:avLst/>
+            </a:prstGeom>
+            <a:ln>
+              <a:solidFill>
+                <a:srgbClr val="92D050"/>
+              </a:solidFill>
+            </a:ln>
+          </p:spPr>
+          <p:style>
+            <a:lnRef idx="1">
+              <a:schemeClr val="accent1"/>
+            </a:lnRef>
+            <a:fillRef idx="0">
+              <a:schemeClr val="accent1"/>
+            </a:fillRef>
+            <a:effectRef idx="0">
+              <a:schemeClr val="accent1"/>
+            </a:effectRef>
+            <a:fontRef idx="minor">
+              <a:schemeClr val="tx1"/>
+            </a:fontRef>
+          </p:style>
+        </p:cxnSp>
+        <p:cxnSp>
+          <p:nvCxnSpPr>
+            <p:cNvPr id="7173" name="Conector reto 7172">
+              <a:extLst>
+                <a:ext uri="{FF2B5EF4-FFF2-40B4-BE49-F238E27FC236}">
+                  <a16:creationId xmlns:a16="http://schemas.microsoft.com/office/drawing/2014/main" id="{00FA3049-508C-4A20-ACA5-29EC12003271}"/>
+                </a:ext>
+              </a:extLst>
+            </p:cNvPr>
+            <p:cNvCxnSpPr>
+              <a:cxnSpLocks/>
+            </p:cNvCxnSpPr>
+            <p:nvPr/>
+          </p:nvCxnSpPr>
+          <p:spPr>
+            <a:xfrm>
+              <a:off x="10353593" y="3588977"/>
+              <a:ext cx="5898" cy="483299"/>
+            </a:xfrm>
+            <a:prstGeom prst="line">
+              <a:avLst/>
+            </a:prstGeom>
+            <a:ln>
+              <a:solidFill>
+                <a:srgbClr val="92D050"/>
+              </a:solidFill>
+            </a:ln>
+          </p:spPr>
+          <p:style>
+            <a:lnRef idx="1">
+              <a:schemeClr val="accent1"/>
+            </a:lnRef>
+            <a:fillRef idx="0">
+              <a:schemeClr val="accent1"/>
+            </a:fillRef>
+            <a:effectRef idx="0">
+              <a:schemeClr val="accent1"/>
+            </a:effectRef>
+            <a:fontRef idx="minor">
+              <a:schemeClr val="tx1"/>
+            </a:fontRef>
+          </p:style>
+        </p:cxnSp>
+      </p:grpSp>
+    </p:spTree>
+    <p:extLst>
+      <p:ext uri="{BB962C8B-B14F-4D97-AF65-F5344CB8AC3E}">
+        <p14:creationId xmlns:p14="http://schemas.microsoft.com/office/powerpoint/2010/main" val="2556591824"/>
+      </p:ext>
+    </p:extLst>
+  </p:cSld>
+  <p:clrMapOvr>
+    <a:masterClrMapping/>
+  </p:clrMapOvr>
+</p:sld>
+</file>
+
+<file path=ppt/slides/slide11.xml><?xml version="1.0" encoding="utf-8"?>
+<p:sld xmlns:a="http://schemas.openxmlformats.org/drawingml/2006/main" xmlns:r="http://schemas.openxmlformats.org/officeDocument/2006/relationships" xmlns:p="http://schemas.openxmlformats.org/presentationml/2006/main">
+  <p:cSld>
+    <p:spTree>
+      <p:nvGrpSpPr>
+        <p:cNvPr id="1" name=""/>
+        <p:cNvGrpSpPr/>
+        <p:nvPr/>
+      </p:nvGrpSpPr>
+      <p:grpSpPr>
+        <a:xfrm>
+          <a:off x="0" y="0"/>
+          <a:ext cx="0" cy="0"/>
+          <a:chOff x="0" y="0"/>
+          <a:chExt cx="0" cy="0"/>
+        </a:xfrm>
+      </p:grpSpPr>
+      <p:sp>
+        <p:nvSpPr>
+          <p:cNvPr id="2" name="Título 1"/>
+          <p:cNvSpPr>
+            <a:spLocks noGrp="1"/>
+          </p:cNvSpPr>
+          <p:nvPr>
+            <p:ph type="title"/>
+          </p:nvPr>
+        </p:nvSpPr>
+        <p:spPr>
+          <a:xfrm>
+            <a:off x="1876329" y="7247"/>
+            <a:ext cx="9882278" cy="1067634"/>
+          </a:xfrm>
+        </p:spPr>
+        <p:txBody>
+          <a:bodyPr anchor="ctr">
+            <a:normAutofit/>
+          </a:bodyPr>
+          <a:lstStyle/>
+          <a:p>
+            <a:r>
+              <a:rPr lang="pt-BR" dirty="0"/>
+              <a:t>Matriz de Concorrência</a:t>
+            </a:r>
+          </a:p>
+        </p:txBody>
+      </p:sp>
+      <p:grpSp>
+        <p:nvGrpSpPr>
+          <p:cNvPr id="12" name="Group 11"/>
+          <p:cNvGrpSpPr>
+            <a:grpSpLocks noGrp="1" noUngrp="1" noRot="1" noChangeAspect="1" noMove="1" noResize="1"/>
+          </p:cNvGrpSpPr>
+          <p:nvPr/>
+        </p:nvGrpSpPr>
+        <p:grpSpPr>
+          <a:xfrm>
+            <a:off x="444125" y="66801"/>
+            <a:ext cx="1128378" cy="847206"/>
+            <a:chOff x="8145259" y="221938"/>
+            <a:chExt cx="1562262" cy="1172973"/>
+          </a:xfrm>
+        </p:grpSpPr>
+        <p:sp>
+          <p:nvSpPr>
+            <p:cNvPr id="13" name="Freeform 5"/>
+            <p:cNvSpPr/>
+            <p:nvPr/>
+          </p:nvSpPr>
+          <p:spPr bwMode="auto">
+            <a:xfrm>
+              <a:off x="8145259" y="570596"/>
+              <a:ext cx="935036" cy="824315"/>
+            </a:xfrm>
+            <a:custGeom>
+              <a:avLst/>
+              <a:gdLst>
+                <a:gd name="T0" fmla="*/ 225 w 785"/>
+                <a:gd name="T1" fmla="*/ 692 h 692"/>
+                <a:gd name="T2" fmla="*/ 177 w 785"/>
+                <a:gd name="T3" fmla="*/ 665 h 692"/>
+                <a:gd name="T4" fmla="*/ 9 w 785"/>
+                <a:gd name="T5" fmla="*/ 374 h 692"/>
+                <a:gd name="T6" fmla="*/ 9 w 785"/>
+                <a:gd name="T7" fmla="*/ 318 h 692"/>
+                <a:gd name="T8" fmla="*/ 177 w 785"/>
+                <a:gd name="T9" fmla="*/ 27 h 692"/>
+                <a:gd name="T10" fmla="*/ 225 w 785"/>
+                <a:gd name="T11" fmla="*/ 0 h 692"/>
+                <a:gd name="T12" fmla="*/ 561 w 785"/>
+                <a:gd name="T13" fmla="*/ 0 h 692"/>
+                <a:gd name="T14" fmla="*/ 609 w 785"/>
+                <a:gd name="T15" fmla="*/ 27 h 692"/>
+                <a:gd name="T16" fmla="*/ 777 w 785"/>
+                <a:gd name="T17" fmla="*/ 318 h 692"/>
+                <a:gd name="T18" fmla="*/ 777 w 785"/>
+                <a:gd name="T19" fmla="*/ 374 h 692"/>
+                <a:gd name="T20" fmla="*/ 609 w 785"/>
+                <a:gd name="T21" fmla="*/ 665 h 692"/>
+                <a:gd name="T22" fmla="*/ 561 w 785"/>
+                <a:gd name="T23" fmla="*/ 692 h 692"/>
+                <a:gd name="T24" fmla="*/ 225 w 785"/>
+                <a:gd name="T25" fmla="*/ 692 h 692"/>
+              </a:gdLst>
+              <a:ahLst/>
+              <a:cxnLst>
+                <a:cxn ang="0">
+                  <a:pos x="T0" y="T1"/>
+                </a:cxn>
+                <a:cxn ang="0">
+                  <a:pos x="T2" y="T3"/>
+                </a:cxn>
+                <a:cxn ang="0">
+                  <a:pos x="T4" y="T5"/>
+                </a:cxn>
+                <a:cxn ang="0">
+                  <a:pos x="T6" y="T7"/>
+                </a:cxn>
+                <a:cxn ang="0">
+                  <a:pos x="T8" y="T9"/>
+                </a:cxn>
+                <a:cxn ang="0">
+                  <a:pos x="T10" y="T11"/>
+                </a:cxn>
+                <a:cxn ang="0">
+                  <a:pos x="T12" y="T13"/>
+                </a:cxn>
+                <a:cxn ang="0">
+                  <a:pos x="T14" y="T15"/>
+                </a:cxn>
+                <a:cxn ang="0">
+                  <a:pos x="T16" y="T17"/>
+                </a:cxn>
+                <a:cxn ang="0">
+                  <a:pos x="T18" y="T19"/>
+                </a:cxn>
+                <a:cxn ang="0">
+                  <a:pos x="T20" y="T21"/>
+                </a:cxn>
+                <a:cxn ang="0">
+                  <a:pos x="T22" y="T23"/>
+                </a:cxn>
+                <a:cxn ang="0">
+                  <a:pos x="T24" y="T25"/>
+                </a:cxn>
+              </a:cxnLst>
+              <a:rect l="0" t="0" r="r" b="b"/>
+              <a:pathLst>
+                <a:path w="785" h="692">
+                  <a:moveTo>
+                    <a:pt x="225" y="692"/>
+                  </a:moveTo>
+                  <a:cubicBezTo>
+                    <a:pt x="207" y="692"/>
+                    <a:pt x="185" y="680"/>
+                    <a:pt x="177" y="665"/>
+                  </a:cubicBezTo>
+                  <a:cubicBezTo>
+                    <a:pt x="9" y="374"/>
+                    <a:pt x="9" y="374"/>
+                    <a:pt x="9" y="374"/>
+                  </a:cubicBezTo>
+                  <a:cubicBezTo>
+                    <a:pt x="0" y="358"/>
+                    <a:pt x="0" y="334"/>
+                    <a:pt x="9" y="318"/>
+                  </a:cubicBezTo>
+                  <a:cubicBezTo>
+                    <a:pt x="177" y="27"/>
+                    <a:pt x="177" y="27"/>
+                    <a:pt x="177" y="27"/>
+                  </a:cubicBezTo>
+                  <a:cubicBezTo>
+                    <a:pt x="185" y="12"/>
+                    <a:pt x="207" y="0"/>
+                    <a:pt x="225" y="0"/>
+                  </a:cubicBezTo>
+                  <a:cubicBezTo>
+                    <a:pt x="561" y="0"/>
+                    <a:pt x="561" y="0"/>
+                    <a:pt x="561" y="0"/>
+                  </a:cubicBezTo>
+                  <a:cubicBezTo>
+                    <a:pt x="578" y="0"/>
+                    <a:pt x="600" y="12"/>
+                    <a:pt x="609" y="27"/>
+                  </a:cubicBezTo>
+                  <a:cubicBezTo>
+                    <a:pt x="777" y="318"/>
+                    <a:pt x="777" y="318"/>
+                    <a:pt x="777" y="318"/>
+                  </a:cubicBezTo>
+                  <a:cubicBezTo>
+                    <a:pt x="785" y="334"/>
+                    <a:pt x="785" y="358"/>
+                    <a:pt x="777" y="374"/>
+                  </a:cubicBezTo>
+                  <a:cubicBezTo>
+                    <a:pt x="609" y="665"/>
+                    <a:pt x="609" y="665"/>
+                    <a:pt x="609" y="665"/>
+                  </a:cubicBezTo>
+                  <a:cubicBezTo>
+                    <a:pt x="600" y="680"/>
+                    <a:pt x="578" y="692"/>
+                    <a:pt x="561" y="692"/>
+                  </a:cubicBezTo>
+                  <a:lnTo>
+                    <a:pt x="225" y="692"/>
+                  </a:lnTo>
+                  <a:close/>
+                </a:path>
+              </a:pathLst>
+            </a:custGeom>
+            <a:noFill/>
+            <a:ln w="28575" cmpd="sng">
+              <a:solidFill>
+                <a:schemeClr val="tx1"/>
+              </a:solidFill>
+            </a:ln>
+          </p:spPr>
+          <p:txBody>
+            <a:bodyPr vert="horz" wrap="square" lIns="91440" tIns="45720" rIns="91440" bIns="45720" numCol="1" anchor="t" anchorCtr="0" compatLnSpc="1"/>
+            <a:lstStyle/>
+            <a:p>
+              <a:endParaRPr lang="en-US"/>
+            </a:p>
+          </p:txBody>
+        </p:sp>
+        <p:sp>
+          <p:nvSpPr>
+            <p:cNvPr id="14" name="Freeform 5"/>
+            <p:cNvSpPr/>
+            <p:nvPr/>
+          </p:nvSpPr>
+          <p:spPr bwMode="auto">
+            <a:xfrm>
+              <a:off x="8945354" y="221938"/>
+              <a:ext cx="762167" cy="671915"/>
+            </a:xfrm>
+            <a:custGeom>
+              <a:avLst/>
+              <a:gdLst>
+                <a:gd name="T0" fmla="*/ 225 w 785"/>
+                <a:gd name="T1" fmla="*/ 692 h 692"/>
+                <a:gd name="T2" fmla="*/ 177 w 785"/>
+                <a:gd name="T3" fmla="*/ 665 h 692"/>
+                <a:gd name="T4" fmla="*/ 9 w 785"/>
+                <a:gd name="T5" fmla="*/ 374 h 692"/>
+                <a:gd name="T6" fmla="*/ 9 w 785"/>
+                <a:gd name="T7" fmla="*/ 318 h 692"/>
+                <a:gd name="T8" fmla="*/ 177 w 785"/>
+                <a:gd name="T9" fmla="*/ 27 h 692"/>
+                <a:gd name="T10" fmla="*/ 225 w 785"/>
+                <a:gd name="T11" fmla="*/ 0 h 692"/>
+                <a:gd name="T12" fmla="*/ 561 w 785"/>
+                <a:gd name="T13" fmla="*/ 0 h 692"/>
+                <a:gd name="T14" fmla="*/ 609 w 785"/>
+                <a:gd name="T15" fmla="*/ 27 h 692"/>
+                <a:gd name="T16" fmla="*/ 777 w 785"/>
+                <a:gd name="T17" fmla="*/ 318 h 692"/>
+                <a:gd name="T18" fmla="*/ 777 w 785"/>
+                <a:gd name="T19" fmla="*/ 374 h 692"/>
+                <a:gd name="T20" fmla="*/ 609 w 785"/>
+                <a:gd name="T21" fmla="*/ 665 h 692"/>
+                <a:gd name="T22" fmla="*/ 561 w 785"/>
+                <a:gd name="T23" fmla="*/ 692 h 692"/>
+                <a:gd name="T24" fmla="*/ 225 w 785"/>
+                <a:gd name="T25" fmla="*/ 692 h 692"/>
+              </a:gdLst>
+              <a:ahLst/>
+              <a:cxnLst>
+                <a:cxn ang="0">
+                  <a:pos x="T0" y="T1"/>
+                </a:cxn>
+                <a:cxn ang="0">
+                  <a:pos x="T2" y="T3"/>
+                </a:cxn>
+                <a:cxn ang="0">
+                  <a:pos x="T4" y="T5"/>
+                </a:cxn>
+                <a:cxn ang="0">
+                  <a:pos x="T6" y="T7"/>
+                </a:cxn>
+                <a:cxn ang="0">
+                  <a:pos x="T8" y="T9"/>
+                </a:cxn>
+                <a:cxn ang="0">
+                  <a:pos x="T10" y="T11"/>
+                </a:cxn>
+                <a:cxn ang="0">
+                  <a:pos x="T12" y="T13"/>
+                </a:cxn>
+                <a:cxn ang="0">
+                  <a:pos x="T14" y="T15"/>
+                </a:cxn>
+                <a:cxn ang="0">
+                  <a:pos x="T16" y="T17"/>
+                </a:cxn>
+                <a:cxn ang="0">
+                  <a:pos x="T18" y="T19"/>
+                </a:cxn>
+                <a:cxn ang="0">
+                  <a:pos x="T20" y="T21"/>
+                </a:cxn>
+                <a:cxn ang="0">
+                  <a:pos x="T22" y="T23"/>
+                </a:cxn>
+                <a:cxn ang="0">
+                  <a:pos x="T24" y="T25"/>
+                </a:cxn>
+              </a:cxnLst>
+              <a:rect l="0" t="0" r="r" b="b"/>
+              <a:pathLst>
+                <a:path w="785" h="692">
+                  <a:moveTo>
+                    <a:pt x="225" y="692"/>
+                  </a:moveTo>
+                  <a:cubicBezTo>
+                    <a:pt x="207" y="692"/>
+                    <a:pt x="185" y="680"/>
+                    <a:pt x="177" y="665"/>
+                  </a:cubicBezTo>
+                  <a:cubicBezTo>
+                    <a:pt x="9" y="374"/>
+                    <a:pt x="9" y="374"/>
+                    <a:pt x="9" y="374"/>
+                  </a:cubicBezTo>
+                  <a:cubicBezTo>
+                    <a:pt x="0" y="358"/>
+                    <a:pt x="0" y="334"/>
+                    <a:pt x="9" y="318"/>
+                  </a:cubicBezTo>
+                  <a:cubicBezTo>
+                    <a:pt x="177" y="27"/>
+                    <a:pt x="177" y="27"/>
+                    <a:pt x="177" y="27"/>
+                  </a:cubicBezTo>
+                  <a:cubicBezTo>
+                    <a:pt x="185" y="12"/>
+                    <a:pt x="207" y="0"/>
+                    <a:pt x="225" y="0"/>
+                  </a:cubicBezTo>
+                  <a:cubicBezTo>
+                    <a:pt x="561" y="0"/>
+                    <a:pt x="561" y="0"/>
+                    <a:pt x="561" y="0"/>
+                  </a:cubicBezTo>
+                  <a:cubicBezTo>
+                    <a:pt x="578" y="0"/>
+                    <a:pt x="600" y="12"/>
+                    <a:pt x="609" y="27"/>
+                  </a:cubicBezTo>
+                  <a:cubicBezTo>
+                    <a:pt x="777" y="318"/>
+                    <a:pt x="777" y="318"/>
+                    <a:pt x="777" y="318"/>
+                  </a:cubicBezTo>
+                  <a:cubicBezTo>
+                    <a:pt x="785" y="334"/>
+                    <a:pt x="785" y="358"/>
+                    <a:pt x="777" y="374"/>
+                  </a:cubicBezTo>
+                  <a:cubicBezTo>
+                    <a:pt x="609" y="665"/>
+                    <a:pt x="609" y="665"/>
+                    <a:pt x="609" y="665"/>
+                  </a:cubicBezTo>
+                  <a:cubicBezTo>
+                    <a:pt x="600" y="680"/>
+                    <a:pt x="578" y="692"/>
+                    <a:pt x="561" y="692"/>
+                  </a:cubicBezTo>
+                  <a:lnTo>
+                    <a:pt x="225" y="692"/>
+                  </a:lnTo>
+                  <a:close/>
+                </a:path>
+              </a:pathLst>
+            </a:custGeom>
+            <a:noFill/>
+            <a:ln w="28575" cmpd="sng">
+              <a:solidFill>
+                <a:schemeClr val="tx1"/>
+              </a:solidFill>
+            </a:ln>
+          </p:spPr>
+          <p:txBody>
+            <a:bodyPr vert="horz" wrap="square" lIns="91440" tIns="45720" rIns="91440" bIns="45720" numCol="1" anchor="t" anchorCtr="0" compatLnSpc="1"/>
+            <a:lstStyle/>
+            <a:p>
+              <a:endParaRPr lang="en-US"/>
+            </a:p>
+          </p:txBody>
+        </p:sp>
+      </p:grpSp>
+      <p:pic>
+        <p:nvPicPr>
+          <p:cNvPr id="16" name="Imagem 15">
+            <a:extLst>
+              <a:ext uri="{FF2B5EF4-FFF2-40B4-BE49-F238E27FC236}">
+                <a16:creationId xmlns:a16="http://schemas.microsoft.com/office/drawing/2014/main" id="{FFDEB8E4-D264-4E9D-9149-3647F1E7D722}"/>
+              </a:ext>
+            </a:extLst>
+          </p:cNvPr>
+          <p:cNvPicPr>
+            <a:picLocks noChangeAspect="1"/>
+          </p:cNvPicPr>
+          <p:nvPr/>
+        </p:nvPicPr>
+        <p:blipFill>
+          <a:blip r:embed="rId2"/>
+          <a:stretch>
+            <a:fillRect/>
+          </a:stretch>
+        </p:blipFill>
+        <p:spPr>
+          <a:xfrm>
+            <a:off x="2794985" y="1429974"/>
+            <a:ext cx="6602030" cy="4528159"/>
+          </a:xfrm>
+          <a:prstGeom prst="rect">
+            <a:avLst/>
+          </a:prstGeom>
+        </p:spPr>
+      </p:pic>
+    </p:spTree>
+    <p:extLst>
+      <p:ext uri="{BB962C8B-B14F-4D97-AF65-F5344CB8AC3E}">
+        <p14:creationId xmlns:p14="http://schemas.microsoft.com/office/powerpoint/2010/main" val="2259134408"/>
+      </p:ext>
+    </p:extLst>
+  </p:cSld>
+  <p:clrMapOvr>
+    <a:masterClrMapping/>
+  </p:clrMapOvr>
+</p:sld>
+</file>
+
+<file path=ppt/slides/slide12.xml><?xml version="1.0" encoding="utf-8"?>
+<p:sld xmlns:a="http://schemas.openxmlformats.org/drawingml/2006/main" xmlns:r="http://schemas.openxmlformats.org/officeDocument/2006/relationships" xmlns:p="http://schemas.openxmlformats.org/presentationml/2006/main">
+  <p:cSld>
+    <p:spTree>
+      <p:nvGrpSpPr>
+        <p:cNvPr id="1" name=""/>
+        <p:cNvGrpSpPr/>
+        <p:nvPr/>
+      </p:nvGrpSpPr>
+      <p:grpSpPr>
+        <a:xfrm>
+          <a:off x="0" y="0"/>
+          <a:ext cx="0" cy="0"/>
+          <a:chOff x="0" y="0"/>
+          <a:chExt cx="0" cy="0"/>
+        </a:xfrm>
+      </p:grpSpPr>
+      <p:sp>
+        <p:nvSpPr>
+          <p:cNvPr id="2" name="Título 1"/>
+          <p:cNvSpPr>
+            <a:spLocks noGrp="1"/>
+          </p:cNvSpPr>
+          <p:nvPr>
+            <p:ph type="title"/>
+          </p:nvPr>
+        </p:nvSpPr>
+        <p:spPr>
+          <a:xfrm>
+            <a:off x="1812897" y="518649"/>
+            <a:ext cx="9882278" cy="1067634"/>
+          </a:xfrm>
+        </p:spPr>
+        <p:txBody>
+          <a:bodyPr anchor="ctr">
+            <a:normAutofit/>
+          </a:bodyPr>
+          <a:lstStyle/>
+          <a:p>
+            <a:r>
+              <a:rPr lang="pt-BR" dirty="0"/>
+              <a:t>Planejamento</a:t>
+            </a:r>
+          </a:p>
+        </p:txBody>
+      </p:sp>
+      <p:grpSp>
+        <p:nvGrpSpPr>
+          <p:cNvPr id="12" name="Group 11"/>
+          <p:cNvGrpSpPr>
+            <a:grpSpLocks noGrp="1" noUngrp="1" noRot="1" noChangeAspect="1" noMove="1" noResize="1"/>
+          </p:cNvGrpSpPr>
+          <p:nvPr/>
+        </p:nvGrpSpPr>
+        <p:grpSpPr>
+          <a:xfrm>
+            <a:off x="472021" y="628863"/>
+            <a:ext cx="1128382" cy="847206"/>
+            <a:chOff x="8183879" y="1000124"/>
+            <a:chExt cx="1562267" cy="1172973"/>
+          </a:xfrm>
+        </p:grpSpPr>
+        <p:sp>
+          <p:nvSpPr>
+            <p:cNvPr id="13" name="Freeform 5"/>
+            <p:cNvSpPr/>
+            <p:nvPr/>
+          </p:nvSpPr>
+          <p:spPr bwMode="auto">
+            <a:xfrm>
+              <a:off x="8183879" y="1348782"/>
+              <a:ext cx="935037" cy="824315"/>
+            </a:xfrm>
+            <a:custGeom>
+              <a:avLst/>
+              <a:gdLst>
+                <a:gd name="T0" fmla="*/ 225 w 785"/>
+                <a:gd name="T1" fmla="*/ 692 h 692"/>
+                <a:gd name="T2" fmla="*/ 177 w 785"/>
+                <a:gd name="T3" fmla="*/ 665 h 692"/>
+                <a:gd name="T4" fmla="*/ 9 w 785"/>
+                <a:gd name="T5" fmla="*/ 374 h 692"/>
+                <a:gd name="T6" fmla="*/ 9 w 785"/>
+                <a:gd name="T7" fmla="*/ 318 h 692"/>
+                <a:gd name="T8" fmla="*/ 177 w 785"/>
+                <a:gd name="T9" fmla="*/ 27 h 692"/>
+                <a:gd name="T10" fmla="*/ 225 w 785"/>
+                <a:gd name="T11" fmla="*/ 0 h 692"/>
+                <a:gd name="T12" fmla="*/ 561 w 785"/>
+                <a:gd name="T13" fmla="*/ 0 h 692"/>
+                <a:gd name="T14" fmla="*/ 609 w 785"/>
+                <a:gd name="T15" fmla="*/ 27 h 692"/>
+                <a:gd name="T16" fmla="*/ 777 w 785"/>
+                <a:gd name="T17" fmla="*/ 318 h 692"/>
+                <a:gd name="T18" fmla="*/ 777 w 785"/>
+                <a:gd name="T19" fmla="*/ 374 h 692"/>
+                <a:gd name="T20" fmla="*/ 609 w 785"/>
+                <a:gd name="T21" fmla="*/ 665 h 692"/>
+                <a:gd name="T22" fmla="*/ 561 w 785"/>
+                <a:gd name="T23" fmla="*/ 692 h 692"/>
+                <a:gd name="T24" fmla="*/ 225 w 785"/>
+                <a:gd name="T25" fmla="*/ 692 h 692"/>
+              </a:gdLst>
+              <a:ahLst/>
+              <a:cxnLst>
+                <a:cxn ang="0">
+                  <a:pos x="T0" y="T1"/>
+                </a:cxn>
+                <a:cxn ang="0">
+                  <a:pos x="T2" y="T3"/>
+                </a:cxn>
+                <a:cxn ang="0">
+                  <a:pos x="T4" y="T5"/>
+                </a:cxn>
+                <a:cxn ang="0">
+                  <a:pos x="T6" y="T7"/>
+                </a:cxn>
+                <a:cxn ang="0">
+                  <a:pos x="T8" y="T9"/>
+                </a:cxn>
+                <a:cxn ang="0">
+                  <a:pos x="T10" y="T11"/>
+                </a:cxn>
+                <a:cxn ang="0">
+                  <a:pos x="T12" y="T13"/>
+                </a:cxn>
+                <a:cxn ang="0">
+                  <a:pos x="T14" y="T15"/>
+                </a:cxn>
+                <a:cxn ang="0">
+                  <a:pos x="T16" y="T17"/>
+                </a:cxn>
+                <a:cxn ang="0">
+                  <a:pos x="T18" y="T19"/>
+                </a:cxn>
+                <a:cxn ang="0">
+                  <a:pos x="T20" y="T21"/>
+                </a:cxn>
+                <a:cxn ang="0">
+                  <a:pos x="T22" y="T23"/>
+                </a:cxn>
+                <a:cxn ang="0">
+                  <a:pos x="T24" y="T25"/>
+                </a:cxn>
+              </a:cxnLst>
+              <a:rect l="0" t="0" r="r" b="b"/>
+              <a:pathLst>
+                <a:path w="785" h="692">
+                  <a:moveTo>
+                    <a:pt x="225" y="692"/>
+                  </a:moveTo>
+                  <a:cubicBezTo>
+                    <a:pt x="207" y="692"/>
+                    <a:pt x="185" y="680"/>
+                    <a:pt x="177" y="665"/>
+                  </a:cubicBezTo>
+                  <a:cubicBezTo>
+                    <a:pt x="9" y="374"/>
+                    <a:pt x="9" y="374"/>
+                    <a:pt x="9" y="374"/>
+                  </a:cubicBezTo>
+                  <a:cubicBezTo>
+                    <a:pt x="0" y="358"/>
+                    <a:pt x="0" y="334"/>
+                    <a:pt x="9" y="318"/>
+                  </a:cubicBezTo>
+                  <a:cubicBezTo>
+                    <a:pt x="177" y="27"/>
+                    <a:pt x="177" y="27"/>
+                    <a:pt x="177" y="27"/>
+                  </a:cubicBezTo>
+                  <a:cubicBezTo>
+                    <a:pt x="185" y="12"/>
+                    <a:pt x="207" y="0"/>
+                    <a:pt x="225" y="0"/>
+                  </a:cubicBezTo>
+                  <a:cubicBezTo>
+                    <a:pt x="561" y="0"/>
+                    <a:pt x="561" y="0"/>
+                    <a:pt x="561" y="0"/>
+                  </a:cubicBezTo>
+                  <a:cubicBezTo>
+                    <a:pt x="578" y="0"/>
+                    <a:pt x="600" y="12"/>
+                    <a:pt x="609" y="27"/>
+                  </a:cubicBezTo>
+                  <a:cubicBezTo>
+                    <a:pt x="777" y="318"/>
+                    <a:pt x="777" y="318"/>
+                    <a:pt x="777" y="318"/>
+                  </a:cubicBezTo>
+                  <a:cubicBezTo>
+                    <a:pt x="785" y="334"/>
+                    <a:pt x="785" y="358"/>
+                    <a:pt x="777" y="374"/>
+                  </a:cubicBezTo>
+                  <a:cubicBezTo>
+                    <a:pt x="609" y="665"/>
+                    <a:pt x="609" y="665"/>
+                    <a:pt x="609" y="665"/>
+                  </a:cubicBezTo>
+                  <a:cubicBezTo>
+                    <a:pt x="600" y="680"/>
+                    <a:pt x="578" y="692"/>
+                    <a:pt x="561" y="692"/>
+                  </a:cubicBezTo>
+                  <a:lnTo>
+                    <a:pt x="225" y="692"/>
+                  </a:lnTo>
+                  <a:close/>
+                </a:path>
+              </a:pathLst>
+            </a:custGeom>
+            <a:noFill/>
+            <a:ln w="28575" cmpd="sng">
+              <a:solidFill>
+                <a:schemeClr val="tx1"/>
+              </a:solidFill>
+            </a:ln>
+          </p:spPr>
+          <p:txBody>
+            <a:bodyPr vert="horz" wrap="square" lIns="91440" tIns="45720" rIns="91440" bIns="45720" numCol="1" anchor="t" anchorCtr="0" compatLnSpc="1"/>
+            <a:lstStyle/>
+            <a:p>
+              <a:endParaRPr lang="en-US"/>
+            </a:p>
+          </p:txBody>
+        </p:sp>
+        <p:sp>
+          <p:nvSpPr>
+            <p:cNvPr id="14" name="Freeform 5"/>
+            <p:cNvSpPr/>
+            <p:nvPr/>
+          </p:nvSpPr>
+          <p:spPr bwMode="auto">
+            <a:xfrm>
+              <a:off x="8983979" y="1000124"/>
+              <a:ext cx="762167" cy="671915"/>
+            </a:xfrm>
+            <a:custGeom>
+              <a:avLst/>
+              <a:gdLst>
+                <a:gd name="T0" fmla="*/ 225 w 785"/>
+                <a:gd name="T1" fmla="*/ 692 h 692"/>
+                <a:gd name="T2" fmla="*/ 177 w 785"/>
+                <a:gd name="T3" fmla="*/ 665 h 692"/>
+                <a:gd name="T4" fmla="*/ 9 w 785"/>
+                <a:gd name="T5" fmla="*/ 374 h 692"/>
+                <a:gd name="T6" fmla="*/ 9 w 785"/>
+                <a:gd name="T7" fmla="*/ 318 h 692"/>
+                <a:gd name="T8" fmla="*/ 177 w 785"/>
+                <a:gd name="T9" fmla="*/ 27 h 692"/>
+                <a:gd name="T10" fmla="*/ 225 w 785"/>
+                <a:gd name="T11" fmla="*/ 0 h 692"/>
+                <a:gd name="T12" fmla="*/ 561 w 785"/>
+                <a:gd name="T13" fmla="*/ 0 h 692"/>
+                <a:gd name="T14" fmla="*/ 609 w 785"/>
+                <a:gd name="T15" fmla="*/ 27 h 692"/>
+                <a:gd name="T16" fmla="*/ 777 w 785"/>
+                <a:gd name="T17" fmla="*/ 318 h 692"/>
+                <a:gd name="T18" fmla="*/ 777 w 785"/>
+                <a:gd name="T19" fmla="*/ 374 h 692"/>
+                <a:gd name="T20" fmla="*/ 609 w 785"/>
+                <a:gd name="T21" fmla="*/ 665 h 692"/>
+                <a:gd name="T22" fmla="*/ 561 w 785"/>
+                <a:gd name="T23" fmla="*/ 692 h 692"/>
+                <a:gd name="T24" fmla="*/ 225 w 785"/>
+                <a:gd name="T25" fmla="*/ 692 h 692"/>
+              </a:gdLst>
+              <a:ahLst/>
+              <a:cxnLst>
+                <a:cxn ang="0">
+                  <a:pos x="T0" y="T1"/>
+                </a:cxn>
+                <a:cxn ang="0">
+                  <a:pos x="T2" y="T3"/>
+                </a:cxn>
+                <a:cxn ang="0">
+                  <a:pos x="T4" y="T5"/>
+                </a:cxn>
+                <a:cxn ang="0">
+                  <a:pos x="T6" y="T7"/>
+                </a:cxn>
+                <a:cxn ang="0">
+                  <a:pos x="T8" y="T9"/>
+                </a:cxn>
+                <a:cxn ang="0">
+                  <a:pos x="T10" y="T11"/>
+                </a:cxn>
+                <a:cxn ang="0">
+                  <a:pos x="T12" y="T13"/>
+                </a:cxn>
+                <a:cxn ang="0">
+                  <a:pos x="T14" y="T15"/>
+                </a:cxn>
+                <a:cxn ang="0">
+                  <a:pos x="T16" y="T17"/>
+                </a:cxn>
+                <a:cxn ang="0">
+                  <a:pos x="T18" y="T19"/>
+                </a:cxn>
+                <a:cxn ang="0">
+                  <a:pos x="T20" y="T21"/>
+                </a:cxn>
+                <a:cxn ang="0">
+                  <a:pos x="T22" y="T23"/>
+                </a:cxn>
+                <a:cxn ang="0">
+                  <a:pos x="T24" y="T25"/>
+                </a:cxn>
+              </a:cxnLst>
+              <a:rect l="0" t="0" r="r" b="b"/>
+              <a:pathLst>
+                <a:path w="785" h="692">
+                  <a:moveTo>
+                    <a:pt x="225" y="692"/>
+                  </a:moveTo>
+                  <a:cubicBezTo>
+                    <a:pt x="207" y="692"/>
+                    <a:pt x="185" y="680"/>
+                    <a:pt x="177" y="665"/>
+                  </a:cubicBezTo>
+                  <a:cubicBezTo>
+                    <a:pt x="9" y="374"/>
+                    <a:pt x="9" y="374"/>
+                    <a:pt x="9" y="374"/>
+                  </a:cubicBezTo>
+                  <a:cubicBezTo>
+                    <a:pt x="0" y="358"/>
+                    <a:pt x="0" y="334"/>
+                    <a:pt x="9" y="318"/>
+                  </a:cubicBezTo>
+                  <a:cubicBezTo>
+                    <a:pt x="177" y="27"/>
+                    <a:pt x="177" y="27"/>
+                    <a:pt x="177" y="27"/>
+                  </a:cubicBezTo>
+                  <a:cubicBezTo>
+                    <a:pt x="185" y="12"/>
+                    <a:pt x="207" y="0"/>
+                    <a:pt x="225" y="0"/>
+                  </a:cubicBezTo>
+                  <a:cubicBezTo>
+                    <a:pt x="561" y="0"/>
+                    <a:pt x="561" y="0"/>
+                    <a:pt x="561" y="0"/>
+                  </a:cubicBezTo>
+                  <a:cubicBezTo>
+                    <a:pt x="578" y="0"/>
+                    <a:pt x="600" y="12"/>
+                    <a:pt x="609" y="27"/>
+                  </a:cubicBezTo>
+                  <a:cubicBezTo>
+                    <a:pt x="777" y="318"/>
+                    <a:pt x="777" y="318"/>
+                    <a:pt x="777" y="318"/>
+                  </a:cubicBezTo>
+                  <a:cubicBezTo>
+                    <a:pt x="785" y="334"/>
+                    <a:pt x="785" y="358"/>
+                    <a:pt x="777" y="374"/>
+                  </a:cubicBezTo>
+                  <a:cubicBezTo>
+                    <a:pt x="609" y="665"/>
+                    <a:pt x="609" y="665"/>
+                    <a:pt x="609" y="665"/>
+                  </a:cubicBezTo>
+                  <a:cubicBezTo>
+                    <a:pt x="600" y="680"/>
+                    <a:pt x="578" y="692"/>
+                    <a:pt x="561" y="692"/>
+                  </a:cubicBezTo>
+                  <a:lnTo>
+                    <a:pt x="225" y="692"/>
+                  </a:lnTo>
+                  <a:close/>
+                </a:path>
+              </a:pathLst>
+            </a:custGeom>
+            <a:noFill/>
+            <a:ln w="28575" cmpd="sng">
+              <a:solidFill>
+                <a:schemeClr val="tx1"/>
+              </a:solidFill>
+            </a:ln>
+          </p:spPr>
+          <p:txBody>
+            <a:bodyPr vert="horz" wrap="square" lIns="91440" tIns="45720" rIns="91440" bIns="45720" numCol="1" anchor="t" anchorCtr="0" compatLnSpc="1"/>
+            <a:lstStyle/>
+            <a:p>
+              <a:endParaRPr lang="en-US"/>
+            </a:p>
+          </p:txBody>
+        </p:sp>
+      </p:grpSp>
+      <p:sp>
+        <p:nvSpPr>
+          <p:cNvPr id="3" name="CaixaDeTexto 2">
+            <a:extLst>
+              <a:ext uri="{FF2B5EF4-FFF2-40B4-BE49-F238E27FC236}">
+                <a16:creationId xmlns:a16="http://schemas.microsoft.com/office/drawing/2014/main" id="{0A469168-9659-4B5B-9B7B-D50FEC1E813C}"/>
+              </a:ext>
+            </a:extLst>
+          </p:cNvPr>
+          <p:cNvSpPr txBox="1"/>
+          <p:nvPr/>
+        </p:nvSpPr>
+        <p:spPr>
+          <a:xfrm>
+            <a:off x="3653792" y="2224760"/>
+            <a:ext cx="5273548" cy="2308324"/>
+          </a:xfrm>
+          <a:prstGeom prst="rect">
+            <a:avLst/>
+          </a:prstGeom>
+          <a:noFill/>
+        </p:spPr>
+        <p:txBody>
+          <a:bodyPr wrap="square" rtlCol="0">
+            <a:spAutoFit/>
+          </a:bodyPr>
+          <a:lstStyle/>
+          <a:p>
+            <a:r>
+              <a:rPr lang="pt-BR" dirty="0"/>
+              <a:t>PLANNER</a:t>
+            </a:r>
+          </a:p>
+          <a:p>
+            <a:pPr marL="285750" indent="-285750">
+              <a:buFontTx/>
+              <a:buChar char="-"/>
+            </a:pPr>
+            <a:endParaRPr lang="pt-BR" dirty="0"/>
+          </a:p>
+          <a:p>
+            <a:pPr marL="285750" indent="-285750">
+              <a:buFontTx/>
+              <a:buChar char="-"/>
+            </a:pPr>
+            <a:r>
+              <a:rPr lang="pt-BR" dirty="0"/>
+              <a:t>Gestão de tempo</a:t>
+            </a:r>
+          </a:p>
+          <a:p>
+            <a:pPr marL="285750" indent="-285750">
+              <a:buFontTx/>
+              <a:buChar char="-"/>
+            </a:pPr>
+            <a:r>
+              <a:rPr lang="pt-BR" dirty="0"/>
+              <a:t>Análise de entregas</a:t>
+            </a:r>
+          </a:p>
+          <a:p>
+            <a:pPr marL="285750" indent="-285750">
+              <a:buFontTx/>
+              <a:buChar char="-"/>
+            </a:pPr>
+            <a:r>
+              <a:rPr lang="pt-BR" dirty="0"/>
+              <a:t>Acompanhamento de entregas</a:t>
+            </a:r>
+          </a:p>
+          <a:p>
+            <a:pPr marL="285750" indent="-285750">
+              <a:buFontTx/>
+              <a:buChar char="-"/>
+            </a:pPr>
+            <a:r>
+              <a:rPr lang="pt-BR" dirty="0"/>
+              <a:t>Diversas funcionalidades</a:t>
+            </a:r>
+          </a:p>
+          <a:p>
+            <a:pPr marL="285750" indent="-285750">
+              <a:buFontTx/>
+              <a:buChar char="-"/>
+            </a:pPr>
+            <a:endParaRPr lang="pt-BR" dirty="0"/>
+          </a:p>
+          <a:p>
+            <a:pPr marL="285750" indent="-285750">
+              <a:buFontTx/>
+              <a:buChar char="-"/>
+            </a:pPr>
+            <a:endParaRPr lang="pt-BR" dirty="0"/>
+          </a:p>
+        </p:txBody>
+      </p:sp>
+      <p:sp>
+        <p:nvSpPr>
+          <p:cNvPr id="11" name="CaixaDeTexto 10">
+            <a:extLst>
+              <a:ext uri="{FF2B5EF4-FFF2-40B4-BE49-F238E27FC236}">
+                <a16:creationId xmlns:a16="http://schemas.microsoft.com/office/drawing/2014/main" id="{FB2E8868-434F-4638-9E06-D8C315433624}"/>
+              </a:ext>
+            </a:extLst>
+          </p:cNvPr>
+          <p:cNvSpPr txBox="1"/>
+          <p:nvPr/>
+        </p:nvSpPr>
+        <p:spPr>
+          <a:xfrm>
+            <a:off x="3653792" y="4256085"/>
+            <a:ext cx="5273548" cy="1477328"/>
+          </a:xfrm>
+          <a:prstGeom prst="rect">
+            <a:avLst/>
+          </a:prstGeom>
+          <a:noFill/>
+        </p:spPr>
+        <p:txBody>
+          <a:bodyPr wrap="square" rtlCol="0">
+            <a:spAutoFit/>
+          </a:bodyPr>
+          <a:lstStyle/>
+          <a:p>
+            <a:r>
+              <a:rPr lang="pt-BR" dirty="0"/>
+              <a:t>DISCORD</a:t>
+            </a:r>
+          </a:p>
+          <a:p>
+            <a:pPr marL="285750" indent="-285750">
+              <a:buFontTx/>
+              <a:buChar char="-"/>
+            </a:pPr>
+            <a:endParaRPr lang="pt-BR" dirty="0"/>
+          </a:p>
+          <a:p>
+            <a:pPr marL="285750" indent="-285750">
+              <a:buFontTx/>
+              <a:buChar char="-"/>
+            </a:pPr>
+            <a:r>
+              <a:rPr lang="pt-BR" dirty="0"/>
+              <a:t>Comunicação a distância</a:t>
+            </a:r>
+          </a:p>
+          <a:p>
+            <a:pPr marL="285750" indent="-285750">
+              <a:buFontTx/>
+              <a:buChar char="-"/>
+            </a:pPr>
+            <a:r>
+              <a:rPr lang="pt-BR" dirty="0"/>
+              <a:t>Trabalho simultâneo</a:t>
+            </a:r>
+          </a:p>
+          <a:p>
+            <a:pPr marL="285750" indent="-285750">
+              <a:buFontTx/>
+              <a:buChar char="-"/>
+            </a:pPr>
+            <a:r>
+              <a:rPr lang="pt-BR" dirty="0"/>
+              <a:t>Compartilhamento de arquivos</a:t>
+            </a:r>
+          </a:p>
+        </p:txBody>
+      </p:sp>
+      <p:pic>
+        <p:nvPicPr>
+          <p:cNvPr id="4" name="Picture 4" descr="Discord Free Icon of Social Media Set - Flat Design">
+            <a:extLst>
+              <a:ext uri="{FF2B5EF4-FFF2-40B4-BE49-F238E27FC236}">
+                <a16:creationId xmlns:a16="http://schemas.microsoft.com/office/drawing/2014/main" id="{DC48B066-7753-45E3-BCE0-FF0376C71B93}"/>
+              </a:ext>
+            </a:extLst>
+          </p:cNvPr>
+          <p:cNvPicPr>
+            <a:picLocks noChangeAspect="1" noChangeArrowheads="1"/>
+          </p:cNvPicPr>
+          <p:nvPr/>
+        </p:nvPicPr>
+        <p:blipFill>
+          <a:blip r:embed="rId2">
+            <a:extLst>
+              <a:ext uri="{28A0092B-C50C-407E-A947-70E740481C1C}">
+                <a14:useLocalDpi xmlns:a14="http://schemas.microsoft.com/office/drawing/2010/main" val="0"/>
+              </a:ext>
+            </a:extLst>
+          </a:blip>
+          <a:srcRect/>
+          <a:stretch>
+            <a:fillRect/>
+          </a:stretch>
+        </p:blipFill>
+        <p:spPr bwMode="auto">
+          <a:xfrm>
+            <a:off x="1548440" y="4249706"/>
+            <a:ext cx="1477329" cy="1477329"/>
+          </a:xfrm>
+          <a:prstGeom prst="rect">
+            <a:avLst/>
+          </a:prstGeom>
+          <a:noFill/>
+          <a:extLst>
+            <a:ext uri="{909E8E84-426E-40DD-AFC4-6F175D3DCCD1}">
+              <a14:hiddenFill xmlns:a14="http://schemas.microsoft.com/office/drawing/2010/main">
+                <a:solidFill>
+                  <a:srgbClr val="FFFFFF"/>
+                </a:solidFill>
+              </a14:hiddenFill>
+            </a:ext>
+          </a:extLst>
+        </p:spPr>
+      </p:pic>
+      <p:pic>
+        <p:nvPicPr>
+          <p:cNvPr id="1030" name="Picture 6" descr="Planner - Free logo icons">
+            <a:extLst>
+              <a:ext uri="{FF2B5EF4-FFF2-40B4-BE49-F238E27FC236}">
+                <a16:creationId xmlns:a16="http://schemas.microsoft.com/office/drawing/2014/main" id="{5FA43E33-8005-4382-9B8C-63CBEE494F0D}"/>
+              </a:ext>
+            </a:extLst>
+          </p:cNvPr>
+          <p:cNvPicPr>
+            <a:picLocks noChangeAspect="1" noChangeArrowheads="1"/>
+          </p:cNvPicPr>
+          <p:nvPr/>
+        </p:nvPicPr>
+        <p:blipFill>
+          <a:blip r:embed="rId3">
+            <a:extLst>
+              <a:ext uri="{28A0092B-C50C-407E-A947-70E740481C1C}">
+                <a14:useLocalDpi xmlns:a14="http://schemas.microsoft.com/office/drawing/2010/main" val="0"/>
+              </a:ext>
+            </a:extLst>
+          </a:blip>
+          <a:srcRect/>
+          <a:stretch>
+            <a:fillRect/>
+          </a:stretch>
+        </p:blipFill>
+        <p:spPr bwMode="auto">
+          <a:xfrm>
+            <a:off x="1600403" y="2224760"/>
+            <a:ext cx="1373404" cy="1373404"/>
+          </a:xfrm>
+          <a:prstGeom prst="rect">
+            <a:avLst/>
+          </a:prstGeom>
+          <a:noFill/>
+          <a:extLst>
+            <a:ext uri="{909E8E84-426E-40DD-AFC4-6F175D3DCCD1}">
+              <a14:hiddenFill xmlns:a14="http://schemas.microsoft.com/office/drawing/2010/main">
+                <a:solidFill>
+                  <a:srgbClr val="FFFFFF"/>
+                </a:solidFill>
+              </a14:hiddenFill>
+            </a:ext>
+          </a:extLst>
+        </p:spPr>
+      </p:pic>
+    </p:spTree>
+    <p:extLst>
+      <p:ext uri="{BB962C8B-B14F-4D97-AF65-F5344CB8AC3E}">
+        <p14:creationId xmlns:p14="http://schemas.microsoft.com/office/powerpoint/2010/main" val="2462845540"/>
+      </p:ext>
+    </p:extLst>
+  </p:cSld>
+  <p:clrMapOvr>
+    <a:masterClrMapping/>
+  </p:clrMapOvr>
+  <p:timing>
+    <p:tnLst>
+      <p:par>
+        <p:cTn id="1" dur="indefinite" restart="never" nodeType="tmRoot">
+          <p:childTnLst>
+            <p:seq concurrent="1" nextAc="seek">
+              <p:cTn id="2" dur="indefinite" nodeType="mainSeq">
+                <p:childTnLst>
+                  <p:par>
+                    <p:cTn id="3" fill="hold">
+                      <p:stCondLst>
+                        <p:cond delay="indefinite"/>
+                      </p:stCondLst>
+                      <p:childTnLst>
+                        <p:par>
+                          <p:cTn id="4" fill="hold">
+                            <p:stCondLst>
+                              <p:cond delay="0"/>
+                            </p:stCondLst>
+                            <p:childTnLst>
+                              <p:par>
+                                <p:cTn id="5" presetID="1" presetClass="entr" presetSubtype="0" fill="hold" nodeType="clickEffect">
+                                  <p:stCondLst>
+                                    <p:cond delay="0"/>
+                                  </p:stCondLst>
+                                  <p:childTnLst>
+                                    <p:set>
+                                      <p:cBhvr>
+                                        <p:cTn id="6" dur="1" fill="hold">
+                                          <p:stCondLst>
+                                            <p:cond delay="0"/>
+                                          </p:stCondLst>
+                                        </p:cTn>
+                                        <p:tgtEl>
+                                          <p:spTgt spid="4"/>
+                                        </p:tgtEl>
+                                        <p:attrNameLst>
+                                          <p:attrName>style.visibility</p:attrName>
+                                        </p:attrNameLst>
+                                      </p:cBhvr>
+                                      <p:to>
+                                        <p:strVal val="visible"/>
+                                      </p:to>
+                                    </p:set>
+                                  </p:childTnLst>
+                                </p:cTn>
+                              </p:par>
+                              <p:par>
+                                <p:cTn id="7" presetID="1" presetClass="entr" presetSubtype="0" fill="hold" grpId="0" nodeType="withEffect">
+                                  <p:stCondLst>
+                                    <p:cond delay="0"/>
+                                  </p:stCondLst>
+                                  <p:childTnLst>
+                                    <p:set>
+                                      <p:cBhvr>
+                                        <p:cTn id="8" dur="1" fill="hold">
+                                          <p:stCondLst>
+                                            <p:cond delay="0"/>
+                                          </p:stCondLst>
+                                        </p:cTn>
+                                        <p:tgtEl>
+                                          <p:spTgt spid="11"/>
+                                        </p:tgtEl>
+                                        <p:attrNameLst>
+                                          <p:attrName>style.visibility</p:attrName>
+                                        </p:attrNameLst>
+                                      </p:cBhvr>
+                                      <p:to>
+                                        <p:strVal val="visible"/>
+                                      </p:to>
+                                    </p:set>
+                                  </p:childTnLst>
+                                </p:cTn>
+                              </p:par>
+                            </p:childTnLst>
+                          </p:cTn>
+                        </p:par>
+                      </p:childTnLst>
+                    </p:cTn>
+                  </p:par>
+                </p:childTnLst>
+              </p:cTn>
+              <p:prevCondLst>
+                <p:cond evt="onPrev" delay="0">
+                  <p:tgtEl>
+                    <p:sldTgt/>
+                  </p:tgtEl>
+                </p:cond>
+              </p:prevCondLst>
+              <p:nextCondLst>
+                <p:cond evt="onNext" delay="0">
+                  <p:tgtEl>
+                    <p:sldTgt/>
+                  </p:tgtEl>
+                </p:cond>
+              </p:nextCondLst>
+            </p:seq>
+          </p:childTnLst>
+        </p:cTn>
+      </p:par>
+    </p:tnLst>
+    <p:bldLst>
+      <p:bldP spid="11" grpId="0"/>
+    </p:bldLst>
+  </p:timing>
+</p:sld>
+</file>
+
+<file path=ppt/slides/slide13.xml><?xml version="1.0" encoding="utf-8"?>
 <p:sld xmlns:a="http://schemas.openxmlformats.org/drawingml/2006/main" xmlns:r="http://schemas.openxmlformats.org/officeDocument/2006/relationships" xmlns:p="http://schemas.openxmlformats.org/presentationml/2006/main">
   <p:cSld>
     <p:spTree>
@@ -28784,7 +32030,7 @@
 </p:sld>
 </file>
 
-<file path=ppt/slides/slide11.xml><?xml version="1.0" encoding="utf-8"?>
+<file path=ppt/slides/slide14.xml><?xml version="1.0" encoding="utf-8"?>
 <p:sld xmlns:a="http://schemas.openxmlformats.org/drawingml/2006/main" xmlns:r="http://schemas.openxmlformats.org/officeDocument/2006/relationships" xmlns:p="http://schemas.openxmlformats.org/presentationml/2006/main">
   <p:cSld>
     <p:spTree>
@@ -29537,7 +32783,7 @@
 </p:sld>
 </file>
 
-<file path=ppt/slides/slide12.xml><?xml version="1.0" encoding="utf-8"?>
+<file path=ppt/slides/slide15.xml><?xml version="1.0" encoding="utf-8"?>
 <p:sld xmlns:a="http://schemas.openxmlformats.org/drawingml/2006/main" xmlns:r="http://schemas.openxmlformats.org/officeDocument/2006/relationships" xmlns:p="http://schemas.openxmlformats.org/presentationml/2006/main">
   <p:cSld>
     <p:spTree>
@@ -30630,7 +33876,13 @@
             </a:extLst>
           </p:cNvPr>
           <p:cNvGraphicFramePr/>
-          <p:nvPr/>
+          <p:nvPr>
+            <p:extLst>
+              <p:ext uri="{D42A27DB-BD31-4B8C-83A1-F6EECF244321}">
+                <p14:modId xmlns:p14="http://schemas.microsoft.com/office/powerpoint/2010/main" val="79244577"/>
+              </p:ext>
+            </p:extLst>
+          </p:nvPr>
         </p:nvGraphicFramePr>
         <p:xfrm>
           <a:off x="2134143" y="2968216"/>
@@ -38482,7 +41734,7 @@
         </p:nvSpPr>
         <p:spPr>
           <a:xfrm>
-            <a:off x="1812897" y="518649"/>
+            <a:off x="1876329" y="7247"/>
             <a:ext cx="9882278" cy="1067634"/>
           </a:xfrm>
         </p:spPr>
@@ -38494,7 +41746,7 @@
           <a:p>
             <a:r>
               <a:rPr lang="pt-BR" dirty="0"/>
-              <a:t>Planejamento</a:t>
+              <a:t>Jornada do Usuário</a:t>
             </a:r>
           </a:p>
         </p:txBody>
@@ -38509,10 +41761,10 @@
         </p:nvGrpSpPr>
         <p:grpSpPr>
           <a:xfrm>
-            <a:off x="472021" y="628863"/>
-            <a:ext cx="1128382" cy="847206"/>
-            <a:chOff x="8183879" y="1000124"/>
-            <a:chExt cx="1562267" cy="1172973"/>
+            <a:off x="444125" y="66801"/>
+            <a:ext cx="1128378" cy="847206"/>
+            <a:chOff x="8145259" y="221938"/>
+            <a:chExt cx="1562262" cy="1172973"/>
           </a:xfrm>
         </p:grpSpPr>
         <p:sp>
@@ -38523,8 +41775,8 @@
           </p:nvSpPr>
           <p:spPr bwMode="auto">
             <a:xfrm>
-              <a:off x="8183879" y="1348782"/>
-              <a:ext cx="935037" cy="824315"/>
+              <a:off x="8145259" y="570596"/>
+              <a:ext cx="935036" cy="824315"/>
             </a:xfrm>
             <a:custGeom>
               <a:avLst/>
@@ -38689,7 +41941,7 @@
           </p:nvSpPr>
           <p:spPr bwMode="auto">
             <a:xfrm>
-              <a:off x="8983979" y="1000124"/>
+              <a:off x="8945354" y="221938"/>
               <a:ext cx="762167" cy="671915"/>
             </a:xfrm>
             <a:custGeom>
@@ -38850,381 +42102,94 @@
       </p:grpSp>
       <p:sp>
         <p:nvSpPr>
-          <p:cNvPr id="3" name="CaixaDeTexto 2">
+          <p:cNvPr id="34" name="Retângulo 33">
             <a:extLst>
               <a:ext uri="{FF2B5EF4-FFF2-40B4-BE49-F238E27FC236}">
-                <a16:creationId xmlns:a16="http://schemas.microsoft.com/office/drawing/2014/main" id="{0A469168-9659-4B5B-9B7B-D50FEC1E813C}"/>
+                <a16:creationId xmlns:a16="http://schemas.microsoft.com/office/drawing/2014/main" id="{803C6A0D-ED56-4E0E-91E5-FDB66BE2ACFB}"/>
               </a:ext>
             </a:extLst>
           </p:cNvPr>
-          <p:cNvSpPr txBox="1"/>
+          <p:cNvSpPr/>
           <p:nvPr/>
         </p:nvSpPr>
         <p:spPr>
-          <a:xfrm>
-            <a:off x="3653792" y="2224760"/>
-            <a:ext cx="5273548" cy="2308324"/>
+          <a:xfrm rot="16200000">
+            <a:off x="6001431" y="579932"/>
+            <a:ext cx="196053" cy="11318298"/>
           </a:xfrm>
           <a:prstGeom prst="rect">
             <a:avLst/>
           </a:prstGeom>
-          <a:noFill/>
+          <a:solidFill>
+            <a:schemeClr val="bg1"/>
+          </a:solidFill>
+          <a:ln>
+            <a:noFill/>
+          </a:ln>
         </p:spPr>
+        <p:style>
+          <a:lnRef idx="0">
+            <a:scrgbClr r="0" g="0" b="0"/>
+          </a:lnRef>
+          <a:fillRef idx="0">
+            <a:scrgbClr r="0" g="0" b="0"/>
+          </a:fillRef>
+          <a:effectRef idx="0">
+            <a:scrgbClr r="0" g="0" b="0"/>
+          </a:effectRef>
+          <a:fontRef idx="minor">
+            <a:schemeClr val="dk1"/>
+          </a:fontRef>
+        </p:style>
         <p:txBody>
-          <a:bodyPr wrap="square" rtlCol="0">
-            <a:spAutoFit/>
-          </a:bodyPr>
+          <a:bodyPr rtlCol="0" anchor="ctr"/>
           <a:lstStyle/>
           <a:p>
-            <a:r>
-              <a:rPr lang="pt-BR" dirty="0"/>
-              <a:t>PLANNER</a:t>
-            </a:r>
-          </a:p>
-          <a:p>
-            <a:pPr marL="285750" indent="-285750">
-              <a:buFontTx/>
-              <a:buChar char="-"/>
-            </a:pPr>
-            <a:endParaRPr lang="pt-BR" dirty="0"/>
-          </a:p>
-          <a:p>
-            <a:pPr marL="285750" indent="-285750">
-              <a:buFontTx/>
-              <a:buChar char="-"/>
-            </a:pPr>
-            <a:r>
-              <a:rPr lang="pt-BR" dirty="0"/>
-              <a:t>Gestão de tempo</a:t>
-            </a:r>
-          </a:p>
-          <a:p>
-            <a:pPr marL="285750" indent="-285750">
-              <a:buFontTx/>
-              <a:buChar char="-"/>
-            </a:pPr>
-            <a:r>
-              <a:rPr lang="pt-BR" dirty="0"/>
-              <a:t>Análise de entregas</a:t>
-            </a:r>
-          </a:p>
-          <a:p>
-            <a:pPr marL="285750" indent="-285750">
-              <a:buFontTx/>
-              <a:buChar char="-"/>
-            </a:pPr>
-            <a:r>
-              <a:rPr lang="pt-BR" dirty="0"/>
-              <a:t>Acompanhamento de entregas</a:t>
-            </a:r>
-          </a:p>
-          <a:p>
-            <a:pPr marL="285750" indent="-285750">
-              <a:buFontTx/>
-              <a:buChar char="-"/>
-            </a:pPr>
-            <a:r>
-              <a:rPr lang="pt-BR" dirty="0"/>
-              <a:t>Diversas funcionalidades</a:t>
-            </a:r>
-          </a:p>
-          <a:p>
-            <a:pPr marL="285750" indent="-285750">
-              <a:buFontTx/>
-              <a:buChar char="-"/>
-            </a:pPr>
-            <a:endParaRPr lang="pt-BR" dirty="0"/>
-          </a:p>
-          <a:p>
-            <a:pPr marL="285750" indent="-285750">
-              <a:buFontTx/>
-              <a:buChar char="-"/>
-            </a:pPr>
-            <a:endParaRPr lang="pt-BR" dirty="0"/>
-          </a:p>
-        </p:txBody>
-      </p:sp>
-      <p:sp>
-        <p:nvSpPr>
-          <p:cNvPr id="11" name="CaixaDeTexto 10">
-            <a:extLst>
-              <a:ext uri="{FF2B5EF4-FFF2-40B4-BE49-F238E27FC236}">
-                <a16:creationId xmlns:a16="http://schemas.microsoft.com/office/drawing/2014/main" id="{FB2E8868-434F-4638-9E06-D8C315433624}"/>
-              </a:ext>
-            </a:extLst>
-          </p:cNvPr>
-          <p:cNvSpPr txBox="1"/>
-          <p:nvPr/>
-        </p:nvSpPr>
-        <p:spPr>
-          <a:xfrm>
-            <a:off x="3653792" y="4256085"/>
-            <a:ext cx="5273548" cy="1477328"/>
-          </a:xfrm>
-          <a:prstGeom prst="rect">
-            <a:avLst/>
-          </a:prstGeom>
-          <a:noFill/>
-        </p:spPr>
-        <p:txBody>
-          <a:bodyPr wrap="square" rtlCol="0">
-            <a:spAutoFit/>
-          </a:bodyPr>
-          <a:lstStyle/>
-          <a:p>
-            <a:r>
-              <a:rPr lang="pt-BR" dirty="0"/>
-              <a:t>DISCORD</a:t>
-            </a:r>
-          </a:p>
-          <a:p>
-            <a:pPr marL="285750" indent="-285750">
-              <a:buFontTx/>
-              <a:buChar char="-"/>
-            </a:pPr>
-            <a:endParaRPr lang="pt-BR" dirty="0"/>
-          </a:p>
-          <a:p>
-            <a:pPr marL="285750" indent="-285750">
-              <a:buFontTx/>
-              <a:buChar char="-"/>
-            </a:pPr>
-            <a:r>
-              <a:rPr lang="pt-BR" dirty="0"/>
-              <a:t>Comunicação a distância</a:t>
-            </a:r>
-          </a:p>
-          <a:p>
-            <a:pPr marL="285750" indent="-285750">
-              <a:buFontTx/>
-              <a:buChar char="-"/>
-            </a:pPr>
-            <a:r>
-              <a:rPr lang="pt-BR" dirty="0"/>
-              <a:t>Trabalho simultâneo</a:t>
-            </a:r>
-          </a:p>
-          <a:p>
-            <a:pPr marL="285750" indent="-285750">
-              <a:buFontTx/>
-              <a:buChar char="-"/>
-            </a:pPr>
-            <a:r>
-              <a:rPr lang="pt-BR" dirty="0"/>
-              <a:t>Compartilhamento de arquivos</a:t>
-            </a:r>
+            <a:pPr algn="ctr"/>
+            <a:endParaRPr lang="pt-BR"/>
           </a:p>
         </p:txBody>
       </p:sp>
       <p:pic>
         <p:nvPicPr>
-          <p:cNvPr id="4" name="Picture 4" descr="Discord Free Icon of Social Media Set - Flat Design">
+          <p:cNvPr id="31" name="Imagem 30">
             <a:extLst>
               <a:ext uri="{FF2B5EF4-FFF2-40B4-BE49-F238E27FC236}">
-                <a16:creationId xmlns:a16="http://schemas.microsoft.com/office/drawing/2014/main" id="{DC48B066-7753-45E3-BCE0-FF0376C71B93}"/>
+                <a16:creationId xmlns:a16="http://schemas.microsoft.com/office/drawing/2014/main" id="{F4C96F85-DA9C-4EC1-A6F8-550957588480}"/>
               </a:ext>
             </a:extLst>
           </p:cNvPr>
           <p:cNvPicPr>
-            <a:picLocks noChangeAspect="1" noChangeArrowheads="1"/>
+            <a:picLocks noChangeAspect="1"/>
           </p:cNvPicPr>
           <p:nvPr/>
         </p:nvPicPr>
         <p:blipFill>
-          <a:blip r:embed="rId2">
-            <a:extLst>
-              <a:ext uri="{28A0092B-C50C-407E-A947-70E740481C1C}">
-                <a14:useLocalDpi xmlns:a14="http://schemas.microsoft.com/office/drawing/2010/main" val="0"/>
-              </a:ext>
-            </a:extLst>
-          </a:blip>
-          <a:srcRect/>
+          <a:blip r:embed="rId2"/>
           <a:stretch>
             <a:fillRect/>
           </a:stretch>
         </p:blipFill>
-        <p:spPr bwMode="auto">
+        <p:spPr>
           <a:xfrm>
-            <a:off x="1548440" y="4249706"/>
-            <a:ext cx="1477329" cy="1477329"/>
+            <a:off x="889190" y="1831128"/>
+            <a:ext cx="10413620" cy="3252015"/>
           </a:xfrm>
           <a:prstGeom prst="rect">
             <a:avLst/>
           </a:prstGeom>
-          <a:noFill/>
-          <a:extLst>
-            <a:ext uri="{909E8E84-426E-40DD-AFC4-6F175D3DCCD1}">
-              <a14:hiddenFill xmlns:a14="http://schemas.microsoft.com/office/drawing/2010/main">
-                <a:solidFill>
-                  <a:srgbClr val="FFFFFF"/>
-                </a:solidFill>
-              </a14:hiddenFill>
-            </a:ext>
-          </a:extLst>
-        </p:spPr>
-      </p:pic>
-      <p:pic>
-        <p:nvPicPr>
-          <p:cNvPr id="1030" name="Picture 6" descr="Planner - Free logo icons">
-            <a:extLst>
-              <a:ext uri="{FF2B5EF4-FFF2-40B4-BE49-F238E27FC236}">
-                <a16:creationId xmlns:a16="http://schemas.microsoft.com/office/drawing/2014/main" id="{5FA43E33-8005-4382-9B8C-63CBEE494F0D}"/>
-              </a:ext>
-            </a:extLst>
-          </p:cNvPr>
-          <p:cNvPicPr>
-            <a:picLocks noChangeAspect="1" noChangeArrowheads="1"/>
-          </p:cNvPicPr>
-          <p:nvPr/>
-        </p:nvPicPr>
-        <p:blipFill>
-          <a:blip r:embed="rId3">
-            <a:extLst>
-              <a:ext uri="{28A0092B-C50C-407E-A947-70E740481C1C}">
-                <a14:useLocalDpi xmlns:a14="http://schemas.microsoft.com/office/drawing/2010/main" val="0"/>
-              </a:ext>
-            </a:extLst>
-          </a:blip>
-          <a:srcRect/>
-          <a:stretch>
-            <a:fillRect/>
-          </a:stretch>
-        </p:blipFill>
-        <p:spPr bwMode="auto">
-          <a:xfrm>
-            <a:off x="1600403" y="2224760"/>
-            <a:ext cx="1373404" cy="1373404"/>
-          </a:xfrm>
-          <a:prstGeom prst="rect">
-            <a:avLst/>
-          </a:prstGeom>
-          <a:noFill/>
-          <a:extLst>
-            <a:ext uri="{909E8E84-426E-40DD-AFC4-6F175D3DCCD1}">
-              <a14:hiddenFill xmlns:a14="http://schemas.microsoft.com/office/drawing/2010/main">
-                <a:solidFill>
-                  <a:srgbClr val="FFFFFF"/>
-                </a:solidFill>
-              </a14:hiddenFill>
-            </a:ext>
-          </a:extLst>
         </p:spPr>
       </p:pic>
     </p:spTree>
     <p:extLst>
       <p:ext uri="{BB962C8B-B14F-4D97-AF65-F5344CB8AC3E}">
-        <p14:creationId xmlns:p14="http://schemas.microsoft.com/office/powerpoint/2010/main" val="2462845540"/>
+        <p14:creationId xmlns:p14="http://schemas.microsoft.com/office/powerpoint/2010/main" val="3766808452"/>
       </p:ext>
     </p:extLst>
   </p:cSld>
   <p:clrMapOvr>
     <a:masterClrMapping/>
   </p:clrMapOvr>
-  <p:timing>
-    <p:tnLst>
-      <p:par>
-        <p:cTn id="1" dur="indefinite" restart="never" nodeType="tmRoot">
-          <p:childTnLst>
-            <p:seq concurrent="1" nextAc="seek">
-              <p:cTn id="2" dur="indefinite" nodeType="mainSeq">
-                <p:childTnLst>
-                  <p:par>
-                    <p:cTn id="3" fill="hold">
-                      <p:stCondLst>
-                        <p:cond delay="indefinite"/>
-                      </p:stCondLst>
-                      <p:childTnLst>
-                        <p:par>
-                          <p:cTn id="4" fill="hold">
-                            <p:stCondLst>
-                              <p:cond delay="0"/>
-                            </p:stCondLst>
-                            <p:childTnLst>
-                              <p:par>
-                                <p:cTn id="5" presetID="1" presetClass="entr" presetSubtype="0" fill="hold" nodeType="clickEffect">
-                                  <p:stCondLst>
-                                    <p:cond delay="0"/>
-                                  </p:stCondLst>
-                                  <p:childTnLst>
-                                    <p:set>
-                                      <p:cBhvr>
-                                        <p:cTn id="6" dur="1" fill="hold">
-                                          <p:stCondLst>
-                                            <p:cond delay="0"/>
-                                          </p:stCondLst>
-                                        </p:cTn>
-                                        <p:tgtEl>
-                                          <p:spTgt spid="4"/>
-                                        </p:tgtEl>
-                                        <p:attrNameLst>
-                                          <p:attrName>style.visibility</p:attrName>
-                                        </p:attrNameLst>
-                                      </p:cBhvr>
-                                      <p:to>
-                                        <p:strVal val="visible"/>
-                                      </p:to>
-                                    </p:set>
-                                  </p:childTnLst>
-                                </p:cTn>
-                              </p:par>
-                              <p:par>
-                                <p:cTn id="7" presetID="1" presetClass="entr" presetSubtype="0" fill="hold" grpId="0" nodeType="withEffect">
-                                  <p:stCondLst>
-                                    <p:cond delay="0"/>
-                                  </p:stCondLst>
-                                  <p:childTnLst>
-                                    <p:set>
-                                      <p:cBhvr>
-                                        <p:cTn id="8" dur="1" fill="hold">
-                                          <p:stCondLst>
-                                            <p:cond delay="0"/>
-                                          </p:stCondLst>
-                                        </p:cTn>
-                                        <p:tgtEl>
-                                          <p:spTgt spid="11"/>
-                                        </p:tgtEl>
-                                        <p:attrNameLst>
-                                          <p:attrName>style.visibility</p:attrName>
-                                        </p:attrNameLst>
-                                      </p:cBhvr>
-                                      <p:to>
-                                        <p:strVal val="visible"/>
-                                      </p:to>
-                                    </p:set>
-                                  </p:childTnLst>
-                                </p:cTn>
-                              </p:par>
-                            </p:childTnLst>
-                          </p:cTn>
-                        </p:par>
-                      </p:childTnLst>
-                    </p:cTn>
-                  </p:par>
-                </p:childTnLst>
-              </p:cTn>
-              <p:prevCondLst>
-                <p:cond evt="onPrev" delay="0">
-                  <p:tgtEl>
-                    <p:sldTgt/>
-                  </p:tgtEl>
-                </p:cond>
-              </p:prevCondLst>
-              <p:nextCondLst>
-                <p:cond evt="onNext" delay="0">
-                  <p:tgtEl>
-                    <p:sldTgt/>
-                  </p:tgtEl>
-                </p:cond>
-              </p:nextCondLst>
-            </p:seq>
-          </p:childTnLst>
-        </p:cTn>
-      </p:par>
-    </p:tnLst>
-    <p:bldLst>
-      <p:bldP spid="11" grpId="0"/>
-    </p:bldLst>
-  </p:timing>
 </p:sld>
 </file>
 

--- a/Documentação/Apresentação - Sprint 1 - 4 sem.pptx
+++ b/Documentação/Apresentação - Sprint 1 - 4 sem.pptx
@@ -9062,927 +9062,6 @@
 </dgm:colorsDef>
 </file>
 
-<file path=ppt/diagrams/colors9.xml><?xml version="1.0" encoding="utf-8"?>
-<dgm:colorsDef xmlns:dgm="http://schemas.openxmlformats.org/drawingml/2006/diagram" xmlns:a="http://schemas.openxmlformats.org/drawingml/2006/main" uniqueId="urn:microsoft.com/office/officeart/2018/5/colors/Iconchunking_neutralicon_colorful1#5">
-  <dgm:title val=""/>
-  <dgm:desc val=""/>
-  <dgm:catLst>
-    <dgm:cat type="colorful" pri="10100"/>
-  </dgm:catLst>
-  <dgm:styleLbl name="alignAcc1">
-    <dgm:fillClrLst meth="repeat">
-      <a:schemeClr val="lt1">
-        <a:alpha val="90000"/>
-      </a:schemeClr>
-    </dgm:fillClrLst>
-    <dgm:linClrLst meth="repeat">
-      <a:schemeClr val="accent2"/>
-      <a:schemeClr val="accent3"/>
-      <a:schemeClr val="accent4"/>
-      <a:schemeClr val="accent5"/>
-      <a:schemeClr val="accent6"/>
-    </dgm:linClrLst>
-    <dgm:effectClrLst/>
-    <dgm:txLinClrLst/>
-    <dgm:txFillClrLst meth="repeat">
-      <a:schemeClr val="dk1"/>
-    </dgm:txFillClrLst>
-    <dgm:txEffectClrLst/>
-  </dgm:styleLbl>
-  <dgm:styleLbl name="alignAccFollowNode1">
-    <dgm:fillClrLst meth="repeat">
-      <a:schemeClr val="accent2">
-        <a:tint val="40000"/>
-        <a:alpha val="90000"/>
-      </a:schemeClr>
-      <a:schemeClr val="accent3">
-        <a:tint val="40000"/>
-        <a:alpha val="90000"/>
-      </a:schemeClr>
-      <a:schemeClr val="accent4">
-        <a:tint val="40000"/>
-        <a:alpha val="90000"/>
-      </a:schemeClr>
-      <a:schemeClr val="accent5">
-        <a:tint val="40000"/>
-        <a:alpha val="90000"/>
-      </a:schemeClr>
-      <a:schemeClr val="accent6">
-        <a:tint val="40000"/>
-        <a:alpha val="90000"/>
-      </a:schemeClr>
-    </dgm:fillClrLst>
-    <dgm:linClrLst meth="repeat">
-      <a:schemeClr val="accent2">
-        <a:tint val="40000"/>
-        <a:alpha val="90000"/>
-      </a:schemeClr>
-      <a:schemeClr val="accent3">
-        <a:tint val="40000"/>
-        <a:alpha val="90000"/>
-      </a:schemeClr>
-      <a:schemeClr val="accent4">
-        <a:tint val="40000"/>
-        <a:alpha val="90000"/>
-      </a:schemeClr>
-      <a:schemeClr val="accent5">
-        <a:tint val="40000"/>
-        <a:alpha val="90000"/>
-      </a:schemeClr>
-      <a:schemeClr val="accent6">
-        <a:tint val="40000"/>
-        <a:alpha val="90000"/>
-      </a:schemeClr>
-    </dgm:linClrLst>
-    <dgm:effectClrLst/>
-    <dgm:txLinClrLst/>
-    <dgm:txFillClrLst meth="repeat">
-      <a:schemeClr val="dk1"/>
-    </dgm:txFillClrLst>
-    <dgm:txEffectClrLst/>
-  </dgm:styleLbl>
-  <dgm:styleLbl name="alignImgPlace1">
-    <dgm:fillClrLst>
-      <a:schemeClr val="accent1">
-        <a:tint val="50000"/>
-      </a:schemeClr>
-      <a:schemeClr val="accent2">
-        <a:tint val="20000"/>
-      </a:schemeClr>
-    </dgm:fillClrLst>
-    <dgm:linClrLst meth="repeat">
-      <a:schemeClr val="lt1"/>
-    </dgm:linClrLst>
-    <dgm:effectClrLst/>
-    <dgm:txLinClrLst/>
-    <dgm:txFillClrLst meth="repeat">
-      <a:schemeClr val="lt1"/>
-    </dgm:txFillClrLst>
-    <dgm:txEffectClrLst/>
-  </dgm:styleLbl>
-  <dgm:styleLbl name="alignNode1">
-    <dgm:fillClrLst meth="repeat">
-      <a:schemeClr val="accent2"/>
-      <a:schemeClr val="accent3"/>
-      <a:schemeClr val="accent4"/>
-      <a:schemeClr val="accent5"/>
-      <a:schemeClr val="accent6"/>
-    </dgm:fillClrLst>
-    <dgm:linClrLst meth="repeat">
-      <a:schemeClr val="accent2"/>
-      <a:schemeClr val="accent3"/>
-      <a:schemeClr val="accent4"/>
-      <a:schemeClr val="accent5"/>
-      <a:schemeClr val="accent6"/>
-    </dgm:linClrLst>
-    <dgm:effectClrLst/>
-    <dgm:txLinClrLst/>
-    <dgm:txFillClrLst/>
-    <dgm:txEffectClrLst/>
-  </dgm:styleLbl>
-  <dgm:styleLbl name="asst0">
-    <dgm:fillClrLst meth="repeat">
-      <a:schemeClr val="accent1"/>
-    </dgm:fillClrLst>
-    <dgm:linClrLst meth="repeat">
-      <a:schemeClr val="lt1"/>
-    </dgm:linClrLst>
-    <dgm:effectClrLst/>
-    <dgm:txLinClrLst/>
-    <dgm:txFillClrLst/>
-    <dgm:txEffectClrLst/>
-  </dgm:styleLbl>
-  <dgm:styleLbl name="asst1">
-    <dgm:fillClrLst meth="repeat">
-      <a:schemeClr val="accent2"/>
-    </dgm:fillClrLst>
-    <dgm:linClrLst meth="repeat">
-      <a:schemeClr val="lt1"/>
-    </dgm:linClrLst>
-    <dgm:effectClrLst/>
-    <dgm:txLinClrLst/>
-    <dgm:txFillClrLst/>
-    <dgm:txEffectClrLst/>
-  </dgm:styleLbl>
-  <dgm:styleLbl name="asst2">
-    <dgm:fillClrLst>
-      <a:schemeClr val="accent3"/>
-    </dgm:fillClrLst>
-    <dgm:linClrLst meth="repeat">
-      <a:schemeClr val="lt1"/>
-    </dgm:linClrLst>
-    <dgm:effectClrLst/>
-    <dgm:txLinClrLst/>
-    <dgm:txFillClrLst/>
-    <dgm:txEffectClrLst/>
-  </dgm:styleLbl>
-  <dgm:styleLbl name="asst3">
-    <dgm:fillClrLst>
-      <a:schemeClr val="accent4"/>
-    </dgm:fillClrLst>
-    <dgm:linClrLst meth="repeat">
-      <a:schemeClr val="lt1"/>
-    </dgm:linClrLst>
-    <dgm:effectClrLst/>
-    <dgm:txLinClrLst/>
-    <dgm:txFillClrLst/>
-    <dgm:txEffectClrLst/>
-  </dgm:styleLbl>
-  <dgm:styleLbl name="asst4">
-    <dgm:fillClrLst>
-      <a:schemeClr val="accent5"/>
-    </dgm:fillClrLst>
-    <dgm:linClrLst meth="repeat">
-      <a:schemeClr val="lt1"/>
-    </dgm:linClrLst>
-    <dgm:effectClrLst/>
-    <dgm:txLinClrLst/>
-    <dgm:txFillClrLst/>
-    <dgm:txEffectClrLst/>
-  </dgm:styleLbl>
-  <dgm:styleLbl name="bgAcc1">
-    <dgm:fillClrLst meth="repeat">
-      <a:schemeClr val="lt1">
-        <a:alpha val="90000"/>
-      </a:schemeClr>
-    </dgm:fillClrLst>
-    <dgm:linClrLst meth="repeat">
-      <a:schemeClr val="accent2"/>
-      <a:schemeClr val="accent3"/>
-      <a:schemeClr val="accent4"/>
-      <a:schemeClr val="accent5"/>
-      <a:schemeClr val="accent6"/>
-    </dgm:linClrLst>
-    <dgm:effectClrLst/>
-    <dgm:txLinClrLst/>
-    <dgm:txFillClrLst meth="repeat">
-      <a:schemeClr val="dk1"/>
-    </dgm:txFillClrLst>
-    <dgm:txEffectClrLst/>
-  </dgm:styleLbl>
-  <dgm:styleLbl name="bgAccFollowNode1">
-    <dgm:fillClrLst meth="repeat">
-      <a:schemeClr val="accent2">
-        <a:tint val="40000"/>
-        <a:alpha val="90000"/>
-      </a:schemeClr>
-      <a:schemeClr val="accent3">
-        <a:tint val="40000"/>
-        <a:alpha val="90000"/>
-      </a:schemeClr>
-      <a:schemeClr val="accent4">
-        <a:tint val="40000"/>
-        <a:alpha val="90000"/>
-      </a:schemeClr>
-      <a:schemeClr val="accent5">
-        <a:tint val="40000"/>
-        <a:alpha val="90000"/>
-      </a:schemeClr>
-      <a:schemeClr val="accent6">
-        <a:tint val="40000"/>
-        <a:alpha val="90000"/>
-      </a:schemeClr>
-    </dgm:fillClrLst>
-    <dgm:linClrLst meth="repeat">
-      <a:schemeClr val="accent2">
-        <a:tint val="40000"/>
-        <a:alpha val="90000"/>
-      </a:schemeClr>
-      <a:schemeClr val="accent3">
-        <a:tint val="40000"/>
-        <a:alpha val="90000"/>
-      </a:schemeClr>
-      <a:schemeClr val="accent4">
-        <a:tint val="40000"/>
-        <a:alpha val="90000"/>
-      </a:schemeClr>
-      <a:schemeClr val="accent5">
-        <a:tint val="40000"/>
-        <a:alpha val="90000"/>
-      </a:schemeClr>
-      <a:schemeClr val="accent6">
-        <a:tint val="40000"/>
-        <a:alpha val="90000"/>
-      </a:schemeClr>
-    </dgm:linClrLst>
-    <dgm:effectClrLst/>
-    <dgm:txLinClrLst/>
-    <dgm:txFillClrLst meth="repeat">
-      <a:schemeClr val="dk1"/>
-    </dgm:txFillClrLst>
-    <dgm:txEffectClrLst/>
-  </dgm:styleLbl>
-  <dgm:styleLbl name="bgImgPlace1">
-    <dgm:fillClrLst>
-      <a:schemeClr val="accent1">
-        <a:tint val="50000"/>
-      </a:schemeClr>
-      <a:schemeClr val="accent2">
-        <a:tint val="20000"/>
-      </a:schemeClr>
-    </dgm:fillClrLst>
-    <dgm:linClrLst meth="repeat">
-      <a:schemeClr val="lt1"/>
-    </dgm:linClrLst>
-    <dgm:effectClrLst/>
-    <dgm:txLinClrLst/>
-    <dgm:txFillClrLst meth="repeat">
-      <a:schemeClr val="lt1"/>
-    </dgm:txFillClrLst>
-    <dgm:txEffectClrLst/>
-  </dgm:styleLbl>
-  <dgm:styleLbl name="bgShp">
-    <dgm:fillClrLst meth="repeat">
-      <a:schemeClr val="accent2"/>
-      <a:schemeClr val="accent3"/>
-      <a:schemeClr val="accent4"/>
-      <a:schemeClr val="accent5"/>
-      <a:schemeClr val="accent6"/>
-    </dgm:fillClrLst>
-    <dgm:linClrLst meth="repeat">
-      <a:schemeClr val="lt1">
-        <a:alpha val="0"/>
-      </a:schemeClr>
-    </dgm:linClrLst>
-    <dgm:effectClrLst/>
-    <dgm:txLinClrLst/>
-    <dgm:txFillClrLst/>
-    <dgm:txEffectClrLst/>
-  </dgm:styleLbl>
-  <dgm:styleLbl name="bgSibTrans2D1">
-    <dgm:fillClrLst meth="repeat">
-      <a:schemeClr val="accent2"/>
-      <a:schemeClr val="accent3"/>
-      <a:schemeClr val="accent4"/>
-      <a:schemeClr val="accent5"/>
-      <a:schemeClr val="accent6"/>
-    </dgm:fillClrLst>
-    <dgm:linClrLst meth="cycle">
-      <a:schemeClr val="lt1"/>
-    </dgm:linClrLst>
-    <dgm:effectClrLst/>
-    <dgm:txLinClrLst/>
-    <dgm:txFillClrLst meth="repeat">
-      <a:schemeClr val="lt1"/>
-    </dgm:txFillClrLst>
-    <dgm:txEffectClrLst/>
-  </dgm:styleLbl>
-  <dgm:styleLbl name="callout">
-    <dgm:fillClrLst meth="repeat">
-      <a:schemeClr val="accent2"/>
-    </dgm:fillClrLst>
-    <dgm:linClrLst meth="repeat">
-      <a:schemeClr val="accent2">
-        <a:tint val="50000"/>
-      </a:schemeClr>
-    </dgm:linClrLst>
-    <dgm:effectClrLst/>
-    <dgm:txLinClrLst/>
-    <dgm:txFillClrLst meth="repeat">
-      <a:schemeClr val="tx1"/>
-    </dgm:txFillClrLst>
-    <dgm:txEffectClrLst/>
-  </dgm:styleLbl>
-  <dgm:styleLbl name="conFgAcc1">
-    <dgm:fillClrLst meth="repeat">
-      <a:schemeClr val="lt1">
-        <a:alpha val="90000"/>
-      </a:schemeClr>
-    </dgm:fillClrLst>
-    <dgm:linClrLst meth="repeat">
-      <a:schemeClr val="accent2"/>
-      <a:schemeClr val="accent3"/>
-      <a:schemeClr val="accent4"/>
-      <a:schemeClr val="accent5"/>
-      <a:schemeClr val="accent6"/>
-    </dgm:linClrLst>
-    <dgm:effectClrLst/>
-    <dgm:txLinClrLst/>
-    <dgm:txFillClrLst meth="repeat">
-      <a:schemeClr val="dk1"/>
-    </dgm:txFillClrLst>
-    <dgm:txEffectClrLst/>
-  </dgm:styleLbl>
-  <dgm:styleLbl name="dkBgShp">
-    <dgm:fillClrLst meth="repeat">
-      <a:schemeClr val="accent2">
-        <a:shade val="90000"/>
-      </a:schemeClr>
-    </dgm:fillClrLst>
-    <dgm:linClrLst meth="repeat">
-      <a:schemeClr val="dk1"/>
-    </dgm:linClrLst>
-    <dgm:effectClrLst/>
-    <dgm:txLinClrLst/>
-    <dgm:txFillClrLst meth="repeat">
-      <a:schemeClr val="lt1"/>
-    </dgm:txFillClrLst>
-    <dgm:txEffectClrLst/>
-  </dgm:styleLbl>
-  <dgm:styleLbl name="fgAcc0">
-    <dgm:fillClrLst meth="repeat">
-      <a:schemeClr val="lt1">
-        <a:alpha val="90000"/>
-      </a:schemeClr>
-    </dgm:fillClrLst>
-    <dgm:linClrLst>
-      <a:schemeClr val="accent1"/>
-    </dgm:linClrLst>
-    <dgm:effectClrLst/>
-    <dgm:txLinClrLst/>
-    <dgm:txFillClrLst meth="repeat">
-      <a:schemeClr val="dk1"/>
-    </dgm:txFillClrLst>
-    <dgm:txEffectClrLst/>
-  </dgm:styleLbl>
-  <dgm:styleLbl name="fgAcc1">
-    <dgm:fillClrLst meth="repeat">
-      <a:schemeClr val="lt1">
-        <a:alpha val="90000"/>
-      </a:schemeClr>
-    </dgm:fillClrLst>
-    <dgm:linClrLst meth="repeat">
-      <a:schemeClr val="accent2"/>
-      <a:schemeClr val="accent3"/>
-      <a:schemeClr val="accent4"/>
-      <a:schemeClr val="accent5"/>
-      <a:schemeClr val="accent6"/>
-    </dgm:linClrLst>
-    <dgm:effectClrLst/>
-    <dgm:txLinClrLst/>
-    <dgm:txFillClrLst meth="repeat">
-      <a:schemeClr val="dk1"/>
-    </dgm:txFillClrLst>
-    <dgm:txEffectClrLst/>
-  </dgm:styleLbl>
-  <dgm:styleLbl name="fgAcc2">
-    <dgm:fillClrLst meth="repeat">
-      <a:schemeClr val="lt1">
-        <a:alpha val="90000"/>
-      </a:schemeClr>
-    </dgm:fillClrLst>
-    <dgm:linClrLst>
-      <a:schemeClr val="accent2"/>
-    </dgm:linClrLst>
-    <dgm:effectClrLst/>
-    <dgm:txLinClrLst/>
-    <dgm:txFillClrLst meth="repeat">
-      <a:schemeClr val="dk1"/>
-    </dgm:txFillClrLst>
-    <dgm:txEffectClrLst/>
-  </dgm:styleLbl>
-  <dgm:styleLbl name="fgAcc3">
-    <dgm:fillClrLst meth="repeat">
-      <a:schemeClr val="lt1">
-        <a:alpha val="90000"/>
-      </a:schemeClr>
-    </dgm:fillClrLst>
-    <dgm:linClrLst>
-      <a:schemeClr val="accent3"/>
-    </dgm:linClrLst>
-    <dgm:effectClrLst/>
-    <dgm:txLinClrLst/>
-    <dgm:txFillClrLst meth="repeat">
-      <a:schemeClr val="dk1"/>
-    </dgm:txFillClrLst>
-    <dgm:txEffectClrLst/>
-  </dgm:styleLbl>
-  <dgm:styleLbl name="fgAcc4">
-    <dgm:fillClrLst meth="repeat">
-      <a:schemeClr val="lt1">
-        <a:alpha val="90000"/>
-      </a:schemeClr>
-    </dgm:fillClrLst>
-    <dgm:linClrLst>
-      <a:schemeClr val="accent4"/>
-    </dgm:linClrLst>
-    <dgm:effectClrLst/>
-    <dgm:txLinClrLst/>
-    <dgm:txFillClrLst meth="repeat">
-      <a:schemeClr val="dk1"/>
-    </dgm:txFillClrLst>
-    <dgm:txEffectClrLst/>
-  </dgm:styleLbl>
-  <dgm:styleLbl name="fgAccFollowNode1">
-    <dgm:fillClrLst meth="repeat">
-      <a:schemeClr val="accent2">
-        <a:tint val="40000"/>
-        <a:alpha val="90000"/>
-      </a:schemeClr>
-      <a:schemeClr val="accent3">
-        <a:tint val="40000"/>
-        <a:alpha val="90000"/>
-      </a:schemeClr>
-      <a:schemeClr val="accent4">
-        <a:tint val="40000"/>
-        <a:alpha val="90000"/>
-      </a:schemeClr>
-      <a:schemeClr val="accent5">
-        <a:tint val="40000"/>
-        <a:alpha val="90000"/>
-      </a:schemeClr>
-      <a:schemeClr val="accent6">
-        <a:tint val="40000"/>
-        <a:alpha val="90000"/>
-      </a:schemeClr>
-    </dgm:fillClrLst>
-    <dgm:linClrLst meth="repeat">
-      <a:schemeClr val="accent2">
-        <a:tint val="40000"/>
-        <a:alpha val="90000"/>
-      </a:schemeClr>
-      <a:schemeClr val="accent3">
-        <a:tint val="40000"/>
-        <a:alpha val="90000"/>
-      </a:schemeClr>
-      <a:schemeClr val="accent4">
-        <a:tint val="40000"/>
-        <a:alpha val="90000"/>
-      </a:schemeClr>
-      <a:schemeClr val="accent5">
-        <a:tint val="40000"/>
-        <a:alpha val="90000"/>
-      </a:schemeClr>
-      <a:schemeClr val="accent6">
-        <a:tint val="40000"/>
-        <a:alpha val="90000"/>
-      </a:schemeClr>
-    </dgm:linClrLst>
-    <dgm:effectClrLst/>
-    <dgm:txLinClrLst/>
-    <dgm:txFillClrLst meth="repeat">
-      <a:schemeClr val="dk1"/>
-    </dgm:txFillClrLst>
-    <dgm:txEffectClrLst/>
-  </dgm:styleLbl>
-  <dgm:styleLbl name="fgImgPlace1">
-    <dgm:fillClrLst meth="repeat">
-      <a:schemeClr val="accent2">
-        <a:tint val="50000"/>
-      </a:schemeClr>
-      <a:schemeClr val="accent3">
-        <a:tint val="50000"/>
-      </a:schemeClr>
-      <a:schemeClr val="accent4">
-        <a:tint val="50000"/>
-      </a:schemeClr>
-      <a:schemeClr val="accent5">
-        <a:tint val="50000"/>
-      </a:schemeClr>
-      <a:schemeClr val="accent6">
-        <a:tint val="50000"/>
-      </a:schemeClr>
-    </dgm:fillClrLst>
-    <dgm:linClrLst meth="repeat">
-      <a:schemeClr val="lt1"/>
-    </dgm:linClrLst>
-    <dgm:effectClrLst/>
-    <dgm:txLinClrLst/>
-    <dgm:txFillClrLst meth="repeat">
-      <a:schemeClr val="lt1"/>
-    </dgm:txFillClrLst>
-    <dgm:txEffectClrLst/>
-  </dgm:styleLbl>
-  <dgm:styleLbl name="fgShp">
-    <dgm:fillClrLst meth="repeat">
-      <a:schemeClr val="accent2">
-        <a:tint val="40000"/>
-      </a:schemeClr>
-    </dgm:fillClrLst>
-    <dgm:linClrLst meth="repeat">
-      <a:schemeClr val="lt1"/>
-    </dgm:linClrLst>
-    <dgm:effectClrLst/>
-    <dgm:txLinClrLst/>
-    <dgm:txFillClrLst meth="repeat">
-      <a:schemeClr val="dk1"/>
-    </dgm:txFillClrLst>
-    <dgm:txEffectClrLst/>
-  </dgm:styleLbl>
-  <dgm:styleLbl name="fgSibTrans2D1">
-    <dgm:fillClrLst meth="repeat">
-      <a:schemeClr val="accent2"/>
-      <a:schemeClr val="accent3"/>
-      <a:schemeClr val="accent4"/>
-      <a:schemeClr val="accent5"/>
-      <a:schemeClr val="accent6"/>
-    </dgm:fillClrLst>
-    <dgm:linClrLst meth="cycle">
-      <a:schemeClr val="lt1"/>
-    </dgm:linClrLst>
-    <dgm:effectClrLst/>
-    <dgm:txLinClrLst/>
-    <dgm:txFillClrLst meth="repeat">
-      <a:schemeClr val="lt1"/>
-    </dgm:txFillClrLst>
-    <dgm:txEffectClrLst/>
-  </dgm:styleLbl>
-  <dgm:styleLbl name="lnNode1">
-    <dgm:fillClrLst meth="repeat">
-      <a:schemeClr val="accent2"/>
-      <a:schemeClr val="accent3"/>
-      <a:schemeClr val="accent4"/>
-      <a:schemeClr val="accent5"/>
-      <a:schemeClr val="accent6"/>
-    </dgm:fillClrLst>
-    <dgm:linClrLst meth="repeat">
-      <a:schemeClr val="lt1"/>
-    </dgm:linClrLst>
-    <dgm:effectClrLst/>
-    <dgm:txLinClrLst/>
-    <dgm:txFillClrLst/>
-    <dgm:txEffectClrLst/>
-  </dgm:styleLbl>
-  <dgm:styleLbl name="node0">
-    <dgm:fillClrLst meth="repeat">
-      <a:schemeClr val="accent1"/>
-    </dgm:fillClrLst>
-    <dgm:linClrLst meth="repeat">
-      <a:schemeClr val="lt1"/>
-    </dgm:linClrLst>
-    <dgm:effectClrLst/>
-    <dgm:txLinClrLst/>
-    <dgm:txFillClrLst/>
-    <dgm:txEffectClrLst/>
-  </dgm:styleLbl>
-  <dgm:styleLbl name="node1">
-    <dgm:fillClrLst meth="repeat">
-      <a:schemeClr val="bg1"/>
-    </dgm:fillClrLst>
-    <dgm:linClrLst meth="repeat">
-      <a:schemeClr val="lt1">
-        <a:alpha val="0"/>
-      </a:schemeClr>
-    </dgm:linClrLst>
-    <dgm:effectClrLst/>
-    <dgm:txLinClrLst/>
-    <dgm:txFillClrLst meth="repeat">
-      <a:schemeClr val="dk1"/>
-    </dgm:txFillClrLst>
-    <dgm:txEffectClrLst/>
-  </dgm:styleLbl>
-  <dgm:styleLbl name="node2">
-    <dgm:fillClrLst>
-      <a:schemeClr val="accent2"/>
-    </dgm:fillClrLst>
-    <dgm:linClrLst meth="repeat">
-      <a:schemeClr val="lt1"/>
-    </dgm:linClrLst>
-    <dgm:effectClrLst/>
-    <dgm:txLinClrLst/>
-    <dgm:txFillClrLst/>
-    <dgm:txEffectClrLst/>
-  </dgm:styleLbl>
-  <dgm:styleLbl name="node3">
-    <dgm:fillClrLst>
-      <a:schemeClr val="accent3"/>
-    </dgm:fillClrLst>
-    <dgm:linClrLst meth="repeat">
-      <a:schemeClr val="lt1"/>
-    </dgm:linClrLst>
-    <dgm:effectClrLst/>
-    <dgm:txLinClrLst/>
-    <dgm:txFillClrLst/>
-    <dgm:txEffectClrLst/>
-  </dgm:styleLbl>
-  <dgm:styleLbl name="node4">
-    <dgm:fillClrLst>
-      <a:schemeClr val="accent4"/>
-    </dgm:fillClrLst>
-    <dgm:linClrLst meth="repeat">
-      <a:schemeClr val="lt1"/>
-    </dgm:linClrLst>
-    <dgm:effectClrLst/>
-    <dgm:txLinClrLst/>
-    <dgm:txFillClrLst/>
-    <dgm:txEffectClrLst/>
-  </dgm:styleLbl>
-  <dgm:styleLbl name="parChTrans1D1">
-    <dgm:fillClrLst meth="repeat">
-      <a:schemeClr val="accent2"/>
-    </dgm:fillClrLst>
-    <dgm:linClrLst meth="repeat">
-      <a:schemeClr val="accent1"/>
-    </dgm:linClrLst>
-    <dgm:effectClrLst/>
-    <dgm:txLinClrLst/>
-    <dgm:txFillClrLst meth="repeat">
-      <a:schemeClr val="tx1"/>
-    </dgm:txFillClrLst>
-    <dgm:txEffectClrLst/>
-  </dgm:styleLbl>
-  <dgm:styleLbl name="parChTrans1D2">
-    <dgm:fillClrLst meth="repeat">
-      <a:schemeClr val="accent3">
-        <a:tint val="90000"/>
-      </a:schemeClr>
-    </dgm:fillClrLst>
-    <dgm:linClrLst meth="repeat">
-      <a:schemeClr val="accent2"/>
-    </dgm:linClrLst>
-    <dgm:effectClrLst/>
-    <dgm:txLinClrLst/>
-    <dgm:txFillClrLst meth="repeat">
-      <a:schemeClr val="tx1"/>
-    </dgm:txFillClrLst>
-    <dgm:txEffectClrLst/>
-  </dgm:styleLbl>
-  <dgm:styleLbl name="parChTrans1D3">
-    <dgm:fillClrLst meth="repeat">
-      <a:schemeClr val="accent4">
-        <a:tint val="70000"/>
-      </a:schemeClr>
-    </dgm:fillClrLst>
-    <dgm:linClrLst meth="repeat">
-      <a:schemeClr val="accent3"/>
-    </dgm:linClrLst>
-    <dgm:effectClrLst/>
-    <dgm:txLinClrLst/>
-    <dgm:txFillClrLst meth="repeat">
-      <a:schemeClr val="tx1"/>
-    </dgm:txFillClrLst>
-    <dgm:txEffectClrLst/>
-  </dgm:styleLbl>
-  <dgm:styleLbl name="parChTrans1D4">
-    <dgm:fillClrLst meth="repeat">
-      <a:schemeClr val="accent5">
-        <a:tint val="50000"/>
-      </a:schemeClr>
-    </dgm:fillClrLst>
-    <dgm:linClrLst meth="repeat">
-      <a:schemeClr val="accent4"/>
-    </dgm:linClrLst>
-    <dgm:effectClrLst/>
-    <dgm:txLinClrLst/>
-    <dgm:txFillClrLst meth="repeat">
-      <a:schemeClr val="tx1"/>
-    </dgm:txFillClrLst>
-    <dgm:txEffectClrLst/>
-  </dgm:styleLbl>
-  <dgm:styleLbl name="parChTrans2D1">
-    <dgm:fillClrLst meth="repeat">
-      <a:schemeClr val="accent2"/>
-    </dgm:fillClrLst>
-    <dgm:linClrLst meth="repeat">
-      <a:schemeClr val="lt1"/>
-    </dgm:linClrLst>
-    <dgm:effectClrLst/>
-    <dgm:txLinClrLst/>
-    <dgm:txFillClrLst meth="repeat">
-      <a:schemeClr val="lt1"/>
-    </dgm:txFillClrLst>
-    <dgm:txEffectClrLst/>
-  </dgm:styleLbl>
-  <dgm:styleLbl name="parChTrans2D2">
-    <dgm:fillClrLst meth="repeat">
-      <a:schemeClr val="accent3"/>
-    </dgm:fillClrLst>
-    <dgm:linClrLst meth="repeat">
-      <a:schemeClr val="lt1"/>
-    </dgm:linClrLst>
-    <dgm:effectClrLst/>
-    <dgm:txLinClrLst/>
-    <dgm:txFillClrLst/>
-    <dgm:txEffectClrLst/>
-  </dgm:styleLbl>
-  <dgm:styleLbl name="parChTrans2D3">
-    <dgm:fillClrLst meth="repeat">
-      <a:schemeClr val="accent4"/>
-    </dgm:fillClrLst>
-    <dgm:linClrLst meth="repeat">
-      <a:schemeClr val="lt1"/>
-    </dgm:linClrLst>
-    <dgm:effectClrLst/>
-    <dgm:txLinClrLst/>
-    <dgm:txFillClrLst/>
-    <dgm:txEffectClrLst/>
-  </dgm:styleLbl>
-  <dgm:styleLbl name="parChTrans2D4">
-    <dgm:fillClrLst meth="repeat">
-      <a:schemeClr val="accent5"/>
-    </dgm:fillClrLst>
-    <dgm:linClrLst meth="repeat">
-      <a:schemeClr val="lt1"/>
-    </dgm:linClrLst>
-    <dgm:effectClrLst/>
-    <dgm:txLinClrLst/>
-    <dgm:txFillClrLst meth="repeat">
-      <a:schemeClr val="lt1"/>
-    </dgm:txFillClrLst>
-    <dgm:txEffectClrLst/>
-  </dgm:styleLbl>
-  <dgm:styleLbl name="revTx">
-    <dgm:fillClrLst meth="repeat">
-      <a:schemeClr val="lt1">
-        <a:alpha val="0"/>
-      </a:schemeClr>
-    </dgm:fillClrLst>
-    <dgm:linClrLst meth="repeat">
-      <a:schemeClr val="dk1">
-        <a:alpha val="0"/>
-      </a:schemeClr>
-    </dgm:linClrLst>
-    <dgm:effectClrLst/>
-    <dgm:txLinClrLst/>
-    <dgm:txFillClrLst meth="repeat">
-      <a:schemeClr val="tx1"/>
-    </dgm:txFillClrLst>
-    <dgm:txEffectClrLst/>
-  </dgm:styleLbl>
-  <dgm:styleLbl name="sibTrans1D1">
-    <dgm:fillClrLst meth="repeat">
-      <a:schemeClr val="accent2"/>
-      <a:schemeClr val="accent3"/>
-      <a:schemeClr val="accent4"/>
-      <a:schemeClr val="accent5"/>
-      <a:schemeClr val="accent6"/>
-    </dgm:fillClrLst>
-    <dgm:linClrLst meth="repeat">
-      <a:schemeClr val="accent2"/>
-      <a:schemeClr val="accent3"/>
-      <a:schemeClr val="accent4"/>
-      <a:schemeClr val="accent5"/>
-      <a:schemeClr val="accent6"/>
-    </dgm:linClrLst>
-    <dgm:effectClrLst/>
-    <dgm:txLinClrLst/>
-    <dgm:txFillClrLst meth="repeat">
-      <a:schemeClr val="tx1"/>
-    </dgm:txFillClrLst>
-    <dgm:txEffectClrLst/>
-  </dgm:styleLbl>
-  <dgm:styleLbl name="sibTrans2D1">
-    <dgm:fillClrLst meth="repeat">
-      <a:schemeClr val="accent2"/>
-      <a:schemeClr val="accent3"/>
-      <a:schemeClr val="accent4"/>
-      <a:schemeClr val="accent5"/>
-      <a:schemeClr val="accent6"/>
-    </dgm:fillClrLst>
-    <dgm:linClrLst meth="cycle">
-      <a:schemeClr val="lt1"/>
-    </dgm:linClrLst>
-    <dgm:effectClrLst/>
-    <dgm:txLinClrLst/>
-    <dgm:txFillClrLst/>
-    <dgm:txEffectClrLst/>
-  </dgm:styleLbl>
-  <dgm:styleLbl name="solidAlignAcc1">
-    <dgm:fillClrLst meth="repeat">
-      <a:schemeClr val="lt1"/>
-    </dgm:fillClrLst>
-    <dgm:linClrLst meth="repeat">
-      <a:schemeClr val="accent2"/>
-      <a:schemeClr val="accent3"/>
-      <a:schemeClr val="accent4"/>
-      <a:schemeClr val="accent5"/>
-      <a:schemeClr val="accent6"/>
-    </dgm:linClrLst>
-    <dgm:effectClrLst/>
-    <dgm:txLinClrLst/>
-    <dgm:txFillClrLst meth="repeat">
-      <a:schemeClr val="dk1"/>
-    </dgm:txFillClrLst>
-    <dgm:txEffectClrLst/>
-  </dgm:styleLbl>
-  <dgm:styleLbl name="solidBgAcc1">
-    <dgm:fillClrLst meth="repeat">
-      <a:schemeClr val="lt1"/>
-    </dgm:fillClrLst>
-    <dgm:linClrLst meth="repeat">
-      <a:schemeClr val="accent2"/>
-      <a:schemeClr val="accent3"/>
-      <a:schemeClr val="accent4"/>
-      <a:schemeClr val="accent5"/>
-      <a:schemeClr val="accent6"/>
-    </dgm:linClrLst>
-    <dgm:effectClrLst/>
-    <dgm:txLinClrLst/>
-    <dgm:txFillClrLst meth="repeat">
-      <a:schemeClr val="dk1"/>
-    </dgm:txFillClrLst>
-    <dgm:txEffectClrLst/>
-  </dgm:styleLbl>
-  <dgm:styleLbl name="solidFgAcc1">
-    <dgm:fillClrLst meth="repeat">
-      <a:schemeClr val="lt1"/>
-    </dgm:fillClrLst>
-    <dgm:linClrLst meth="repeat">
-      <a:schemeClr val="accent2"/>
-      <a:schemeClr val="accent3"/>
-      <a:schemeClr val="accent4"/>
-      <a:schemeClr val="accent5"/>
-      <a:schemeClr val="accent6"/>
-    </dgm:linClrLst>
-    <dgm:effectClrLst/>
-    <dgm:txLinClrLst/>
-    <dgm:txFillClrLst meth="repeat">
-      <a:schemeClr val="dk1"/>
-    </dgm:txFillClrLst>
-    <dgm:txEffectClrLst/>
-  </dgm:styleLbl>
-  <dgm:styleLbl name="trAlignAcc1">
-    <dgm:fillClrLst meth="repeat">
-      <a:schemeClr val="lt1">
-        <a:alpha val="40000"/>
-      </a:schemeClr>
-    </dgm:fillClrLst>
-    <dgm:linClrLst meth="repeat">
-      <a:schemeClr val="accent1"/>
-    </dgm:linClrLst>
-    <dgm:effectClrLst/>
-    <dgm:txLinClrLst/>
-    <dgm:txFillClrLst meth="repeat">
-      <a:schemeClr val="dk1"/>
-    </dgm:txFillClrLst>
-    <dgm:txEffectClrLst/>
-  </dgm:styleLbl>
-  <dgm:styleLbl name="trBgShp">
-    <dgm:fillClrLst meth="repeat">
-      <a:schemeClr val="accent1">
-        <a:tint val="50000"/>
-        <a:alpha val="40000"/>
-      </a:schemeClr>
-    </dgm:fillClrLst>
-    <dgm:linClrLst meth="repeat">
-      <a:schemeClr val="accent2"/>
-    </dgm:linClrLst>
-    <dgm:effectClrLst/>
-    <dgm:txLinClrLst/>
-    <dgm:txFillClrLst meth="repeat">
-      <a:schemeClr val="lt1"/>
-    </dgm:txFillClrLst>
-    <dgm:txEffectClrLst/>
-  </dgm:styleLbl>
-  <dgm:styleLbl name="vennNode1">
-    <dgm:fillClrLst meth="repeat">
-      <a:schemeClr val="accent2">
-        <a:alpha val="50000"/>
-      </a:schemeClr>
-      <a:schemeClr val="accent3">
-        <a:alpha val="50000"/>
-      </a:schemeClr>
-      <a:schemeClr val="accent4">
-        <a:alpha val="50000"/>
-      </a:schemeClr>
-      <a:schemeClr val="accent5">
-        <a:alpha val="50000"/>
-      </a:schemeClr>
-      <a:schemeClr val="accent6">
-        <a:alpha val="50000"/>
-      </a:schemeClr>
-    </dgm:fillClrLst>
-    <dgm:linClrLst meth="repeat">
-      <a:schemeClr val="lt1"/>
-    </dgm:linClrLst>
-    <dgm:effectClrLst/>
-    <dgm:txLinClrLst/>
-    <dgm:txFillClrLst/>
-    <dgm:txEffectClrLst/>
-  </dgm:styleLbl>
-</dgm:colorsDef>
-</file>
-
 <file path=ppt/diagrams/data1.xml><?xml version="1.0" encoding="utf-8"?>
 <dgm:dataModel xmlns:dgm="http://schemas.openxmlformats.org/drawingml/2006/diagram" xmlns:a="http://schemas.openxmlformats.org/drawingml/2006/main">
   <dgm:ptLst>
@@ -11068,464 +10147,6 @@
   <dgm:extLst>
     <a:ext uri="http://schemas.microsoft.com/office/drawing/2008/diagram">
       <dsp:dataModelExt xmlns:dsp="http://schemas.microsoft.com/office/drawing/2008/diagram" relId="rId21" minVer="http://schemas.openxmlformats.org/drawingml/2006/diagram"/>
-    </a:ext>
-  </dgm:extLst>
-</dgm:dataModel>
-</file>
-
-<file path=ppt/diagrams/data9.xml><?xml version="1.0" encoding="utf-8"?>
-<dgm:dataModel xmlns:dgm="http://schemas.openxmlformats.org/drawingml/2006/diagram" xmlns:a="http://schemas.openxmlformats.org/drawingml/2006/main">
-  <dgm:ptLst>
-    <dgm:pt modelId="{81A8A06F-D5B2-4EC2-AC48-7441B7F1BFAD}" type="doc">
-      <dgm:prSet loTypeId="urn:microsoft.com/office/officeart/2018/5/layout/IconCircleLabelList" loCatId="icon" qsTypeId="urn:microsoft.com/office/officeart/2005/8/quickstyle/simple1#6" qsCatId="simple" csTypeId="urn:microsoft.com/office/officeart/2018/5/colors/Iconchunking_neutralicon_colorful1#5" csCatId="colorful" phldr="1"/>
-      <dgm:spPr/>
-      <dgm:t>
-        <a:bodyPr/>
-        <a:lstStyle/>
-        <a:p>
-          <a:endParaRPr lang="en-US"/>
-        </a:p>
-      </dgm:t>
-    </dgm:pt>
-    <dgm:pt modelId="{05EB82BF-C2D7-4A45-A81C-93BE2D2D6E74}">
-      <dgm:prSet/>
-      <dgm:spPr/>
-      <dgm:t>
-        <a:bodyPr/>
-        <a:lstStyle/>
-        <a:p>
-          <a:r>
-            <a:rPr lang="pt-BR" dirty="0"/>
-            <a:t>Melhorar a experiência do jogador</a:t>
-          </a:r>
-          <a:endParaRPr lang="en-US" dirty="0"/>
-        </a:p>
-      </dgm:t>
-    </dgm:pt>
-    <dgm:pt modelId="{801A90B8-77FF-4EA1-B7B6-0EF45EB4DBC9}" type="parTrans" cxnId="{3F59E841-F107-449D-B921-93BEDA6311D6}">
-      <dgm:prSet/>
-      <dgm:spPr/>
-      <dgm:t>
-        <a:bodyPr/>
-        <a:lstStyle/>
-        <a:p>
-          <a:endParaRPr lang="en-US"/>
-        </a:p>
-      </dgm:t>
-    </dgm:pt>
-    <dgm:pt modelId="{A837573D-A8B0-4313-86B5-96D364DE8845}" type="sibTrans" cxnId="{3F59E841-F107-449D-B921-93BEDA6311D6}">
-      <dgm:prSet/>
-      <dgm:spPr/>
-      <dgm:t>
-        <a:bodyPr/>
-        <a:lstStyle/>
-        <a:p>
-          <a:endParaRPr lang="en-US"/>
-        </a:p>
-      </dgm:t>
-    </dgm:pt>
-    <dgm:pt modelId="{4DEDBF3A-7E3D-4958-AEB7-205EDCE7CF96}">
-      <dgm:prSet/>
-      <dgm:spPr/>
-      <dgm:t>
-        <a:bodyPr/>
-        <a:lstStyle/>
-        <a:p>
-          <a:r>
-            <a:rPr lang="pt-BR"/>
-            <a:t>Facilitar a criação de times</a:t>
-          </a:r>
-          <a:endParaRPr lang="en-US"/>
-        </a:p>
-      </dgm:t>
-    </dgm:pt>
-    <dgm:pt modelId="{EF7BD531-B81F-4B23-9397-9063B4283B37}" type="parTrans" cxnId="{19EC575D-20BF-4838-BB68-8667BCF050FF}">
-      <dgm:prSet/>
-      <dgm:spPr/>
-      <dgm:t>
-        <a:bodyPr/>
-        <a:lstStyle/>
-        <a:p>
-          <a:endParaRPr lang="en-US"/>
-        </a:p>
-      </dgm:t>
-    </dgm:pt>
-    <dgm:pt modelId="{D77DA416-4E03-4821-A3F6-2A4561439AD1}" type="sibTrans" cxnId="{19EC575D-20BF-4838-BB68-8667BCF050FF}">
-      <dgm:prSet/>
-      <dgm:spPr/>
-      <dgm:t>
-        <a:bodyPr/>
-        <a:lstStyle/>
-        <a:p>
-          <a:endParaRPr lang="en-US"/>
-        </a:p>
-      </dgm:t>
-    </dgm:pt>
-    <dgm:pt modelId="{9EC4576A-304F-427E-8B2A-648BA23F9076}">
-      <dgm:prSet/>
-      <dgm:spPr/>
-      <dgm:t>
-        <a:bodyPr/>
-        <a:lstStyle/>
-        <a:p>
-          <a:r>
-            <a:rPr lang="pt-BR"/>
-            <a:t>Rapidez na procura de jogadores</a:t>
-          </a:r>
-          <a:endParaRPr lang="en-US"/>
-        </a:p>
-      </dgm:t>
-    </dgm:pt>
-    <dgm:pt modelId="{AE539A5D-CBEF-487B-8CCD-7FD64A0A71F7}" type="parTrans" cxnId="{0C43460F-8381-40FC-B7DB-1B093D8155A5}">
-      <dgm:prSet/>
-      <dgm:spPr/>
-      <dgm:t>
-        <a:bodyPr/>
-        <a:lstStyle/>
-        <a:p>
-          <a:endParaRPr lang="en-US"/>
-        </a:p>
-      </dgm:t>
-    </dgm:pt>
-    <dgm:pt modelId="{8BBE21ED-0009-4536-A79E-5C1F4735C33A}" type="sibTrans" cxnId="{0C43460F-8381-40FC-B7DB-1B093D8155A5}">
-      <dgm:prSet/>
-      <dgm:spPr/>
-      <dgm:t>
-        <a:bodyPr/>
-        <a:lstStyle/>
-        <a:p>
-          <a:endParaRPr lang="en-US"/>
-        </a:p>
-      </dgm:t>
-    </dgm:pt>
-    <dgm:pt modelId="{34EE55A2-4FBB-4E59-90BE-7520FAE172BE}">
-      <dgm:prSet/>
-      <dgm:spPr/>
-      <dgm:t>
-        <a:bodyPr/>
-        <a:lstStyle/>
-        <a:p>
-          <a:r>
-            <a:rPr lang="pt-BR"/>
-            <a:t>Agregar valor e cooperar para o crescimento deste mercado</a:t>
-          </a:r>
-          <a:endParaRPr lang="en-US"/>
-        </a:p>
-      </dgm:t>
-    </dgm:pt>
-    <dgm:pt modelId="{9CD62E13-14B2-4B05-8D17-0DB37DBA8AE0}" type="parTrans" cxnId="{ADEA4D6E-B504-4D1B-A152-22D75B87F758}">
-      <dgm:prSet/>
-      <dgm:spPr/>
-      <dgm:t>
-        <a:bodyPr/>
-        <a:lstStyle/>
-        <a:p>
-          <a:endParaRPr lang="en-US"/>
-        </a:p>
-      </dgm:t>
-    </dgm:pt>
-    <dgm:pt modelId="{F9BB371D-FCDF-445A-86CA-A493755330D4}" type="sibTrans" cxnId="{ADEA4D6E-B504-4D1B-A152-22D75B87F758}">
-      <dgm:prSet/>
-      <dgm:spPr/>
-      <dgm:t>
-        <a:bodyPr/>
-        <a:lstStyle/>
-        <a:p>
-          <a:endParaRPr lang="en-US"/>
-        </a:p>
-      </dgm:t>
-    </dgm:pt>
-    <dgm:pt modelId="{65447454-1DC0-426E-996C-D3E246E62265}" type="pres">
-      <dgm:prSet presAssocID="{81A8A06F-D5B2-4EC2-AC48-7441B7F1BFAD}" presName="root" presStyleCnt="0">
-        <dgm:presLayoutVars>
-          <dgm:dir/>
-          <dgm:resizeHandles val="exact"/>
-        </dgm:presLayoutVars>
-      </dgm:prSet>
-      <dgm:spPr/>
-    </dgm:pt>
-    <dgm:pt modelId="{3BBC6EF6-FDD7-4CD3-B13E-79478A5D06D2}" type="pres">
-      <dgm:prSet presAssocID="{05EB82BF-C2D7-4A45-A81C-93BE2D2D6E74}" presName="compNode" presStyleCnt="0"/>
-      <dgm:spPr/>
-    </dgm:pt>
-    <dgm:pt modelId="{83F6EEBF-699B-48F1-870C-D13F54CA8E15}" type="pres">
-      <dgm:prSet presAssocID="{05EB82BF-C2D7-4A45-A81C-93BE2D2D6E74}" presName="iconBgRect" presStyleLbl="bgShp" presStyleIdx="0" presStyleCnt="4">
-        <dgm:style>
-          <a:lnRef idx="3">
-            <a:schemeClr val="lt1"/>
-          </a:lnRef>
-          <a:fillRef idx="1">
-            <a:schemeClr val="accent6"/>
-          </a:fillRef>
-          <a:effectRef idx="1">
-            <a:schemeClr val="accent6"/>
-          </a:effectRef>
-          <a:fontRef idx="minor">
-            <a:schemeClr val="lt1"/>
-          </a:fontRef>
-        </dgm:style>
-      </dgm:prSet>
-      <dgm:spPr/>
-    </dgm:pt>
-    <dgm:pt modelId="{5FDDDD2A-A2A2-4C6B-97D0-B3EEA209C1EC}" type="pres">
-      <dgm:prSet presAssocID="{05EB82BF-C2D7-4A45-A81C-93BE2D2D6E74}" presName="iconRect" presStyleLbl="node1" presStyleIdx="0" presStyleCnt="4"/>
-      <dgm:spPr>
-        <a:blipFill>
-          <a:blip xmlns:r="http://schemas.openxmlformats.org/officeDocument/2006/relationships" r:embed="rId1" cstate="print">
-            <a:extLst>
-              <a:ext uri="{28A0092B-C50C-407E-A947-70E740481C1C}">
-                <a14:useLocalDpi xmlns:a14="http://schemas.microsoft.com/office/drawing/2010/main" val="0"/>
-              </a:ext>
-            </a:extLst>
-          </a:blip>
-          <a:srcRect/>
-          <a:stretch>
-            <a:fillRect/>
-          </a:stretch>
-        </a:blipFill>
-        <a:ln>
-          <a:noFill/>
-        </a:ln>
-      </dgm:spPr>
-    </dgm:pt>
-    <dgm:pt modelId="{52EFC80D-312B-47D7-951B-FCD84CBE30D4}" type="pres">
-      <dgm:prSet presAssocID="{05EB82BF-C2D7-4A45-A81C-93BE2D2D6E74}" presName="spaceRect" presStyleCnt="0"/>
-      <dgm:spPr/>
-    </dgm:pt>
-    <dgm:pt modelId="{A5D710B1-9622-445C-A3C4-9FE1E18D3752}" type="pres">
-      <dgm:prSet presAssocID="{05EB82BF-C2D7-4A45-A81C-93BE2D2D6E74}" presName="textRect" presStyleLbl="revTx" presStyleIdx="0" presStyleCnt="4">
-        <dgm:presLayoutVars>
-          <dgm:chMax val="1"/>
-          <dgm:chPref val="1"/>
-        </dgm:presLayoutVars>
-      </dgm:prSet>
-      <dgm:spPr/>
-    </dgm:pt>
-    <dgm:pt modelId="{F434E352-C37D-4F59-85B6-0F2A91EEFC12}" type="pres">
-      <dgm:prSet presAssocID="{A837573D-A8B0-4313-86B5-96D364DE8845}" presName="sibTrans" presStyleCnt="0"/>
-      <dgm:spPr/>
-    </dgm:pt>
-    <dgm:pt modelId="{562DDA11-A708-4458-B618-9063B4476477}" type="pres">
-      <dgm:prSet presAssocID="{4DEDBF3A-7E3D-4958-AEB7-205EDCE7CF96}" presName="compNode" presStyleCnt="0"/>
-      <dgm:spPr/>
-    </dgm:pt>
-    <dgm:pt modelId="{EB26C59F-449F-4AC3-974F-CDDB6258C178}" type="pres">
-      <dgm:prSet presAssocID="{4DEDBF3A-7E3D-4958-AEB7-205EDCE7CF96}" presName="iconBgRect" presStyleLbl="bgShp" presStyleIdx="1" presStyleCnt="4">
-        <dgm:style>
-          <a:lnRef idx="3">
-            <a:schemeClr val="lt1"/>
-          </a:lnRef>
-          <a:fillRef idx="1">
-            <a:schemeClr val="accent6"/>
-          </a:fillRef>
-          <a:effectRef idx="1">
-            <a:schemeClr val="accent6"/>
-          </a:effectRef>
-          <a:fontRef idx="minor">
-            <a:schemeClr val="lt1"/>
-          </a:fontRef>
-        </dgm:style>
-      </dgm:prSet>
-      <dgm:spPr/>
-    </dgm:pt>
-    <dgm:pt modelId="{13BF4E15-1E82-4FC7-9B1C-95CD2F05AC76}" type="pres">
-      <dgm:prSet presAssocID="{4DEDBF3A-7E3D-4958-AEB7-205EDCE7CF96}" presName="iconRect" presStyleLbl="node1" presStyleIdx="1" presStyleCnt="4"/>
-      <dgm:spPr>
-        <a:blipFill>
-          <a:blip xmlns:r="http://schemas.openxmlformats.org/officeDocument/2006/relationships" r:embed="rId2" cstate="print">
-            <a:extLst>
-              <a:ext uri="{28A0092B-C50C-407E-A947-70E740481C1C}">
-                <a14:useLocalDpi xmlns:a14="http://schemas.microsoft.com/office/drawing/2010/main" val="0"/>
-              </a:ext>
-            </a:extLst>
-          </a:blip>
-          <a:srcRect/>
-          <a:stretch>
-            <a:fillRect/>
-          </a:stretch>
-        </a:blipFill>
-        <a:ln>
-          <a:noFill/>
-        </a:ln>
-      </dgm:spPr>
-    </dgm:pt>
-    <dgm:pt modelId="{B12B7CF0-90E1-4466-AF12-F167B95D7A54}" type="pres">
-      <dgm:prSet presAssocID="{4DEDBF3A-7E3D-4958-AEB7-205EDCE7CF96}" presName="spaceRect" presStyleCnt="0"/>
-      <dgm:spPr/>
-    </dgm:pt>
-    <dgm:pt modelId="{A91FA230-08D3-4341-BACC-B96B0E88FA22}" type="pres">
-      <dgm:prSet presAssocID="{4DEDBF3A-7E3D-4958-AEB7-205EDCE7CF96}" presName="textRect" presStyleLbl="revTx" presStyleIdx="1" presStyleCnt="4">
-        <dgm:presLayoutVars>
-          <dgm:chMax val="1"/>
-          <dgm:chPref val="1"/>
-        </dgm:presLayoutVars>
-      </dgm:prSet>
-      <dgm:spPr/>
-    </dgm:pt>
-    <dgm:pt modelId="{39AE65B5-8F72-430A-B9F5-B6F8DBEDE2E3}" type="pres">
-      <dgm:prSet presAssocID="{D77DA416-4E03-4821-A3F6-2A4561439AD1}" presName="sibTrans" presStyleCnt="0"/>
-      <dgm:spPr/>
-    </dgm:pt>
-    <dgm:pt modelId="{FC68FA89-9945-4A40-B792-C43E695B5B5E}" type="pres">
-      <dgm:prSet presAssocID="{9EC4576A-304F-427E-8B2A-648BA23F9076}" presName="compNode" presStyleCnt="0"/>
-      <dgm:spPr/>
-    </dgm:pt>
-    <dgm:pt modelId="{15F7ED94-2072-4406-8387-07C6015BA543}" type="pres">
-      <dgm:prSet presAssocID="{9EC4576A-304F-427E-8B2A-648BA23F9076}" presName="iconBgRect" presStyleLbl="bgShp" presStyleIdx="2" presStyleCnt="4">
-        <dgm:style>
-          <a:lnRef idx="3">
-            <a:schemeClr val="lt1"/>
-          </a:lnRef>
-          <a:fillRef idx="1">
-            <a:schemeClr val="accent6"/>
-          </a:fillRef>
-          <a:effectRef idx="1">
-            <a:schemeClr val="accent6"/>
-          </a:effectRef>
-          <a:fontRef idx="minor">
-            <a:schemeClr val="lt1"/>
-          </a:fontRef>
-        </dgm:style>
-      </dgm:prSet>
-      <dgm:spPr/>
-    </dgm:pt>
-    <dgm:pt modelId="{1BC158DD-B815-437F-9B5B-4559CAF37AE8}" type="pres">
-      <dgm:prSet presAssocID="{9EC4576A-304F-427E-8B2A-648BA23F9076}" presName="iconRect" presStyleLbl="node1" presStyleIdx="2" presStyleCnt="4"/>
-      <dgm:spPr>
-        <a:blipFill>
-          <a:blip xmlns:r="http://schemas.openxmlformats.org/officeDocument/2006/relationships" r:embed="rId3" cstate="print">
-            <a:extLst>
-              <a:ext uri="{28A0092B-C50C-407E-A947-70E740481C1C}">
-                <a14:useLocalDpi xmlns:a14="http://schemas.microsoft.com/office/drawing/2010/main" val="0"/>
-              </a:ext>
-            </a:extLst>
-          </a:blip>
-          <a:srcRect/>
-          <a:stretch>
-            <a:fillRect/>
-          </a:stretch>
-        </a:blipFill>
-        <a:ln>
-          <a:noFill/>
-        </a:ln>
-      </dgm:spPr>
-    </dgm:pt>
-    <dgm:pt modelId="{099ED336-3EC4-42A4-A89A-CCB0EFD7FE8C}" type="pres">
-      <dgm:prSet presAssocID="{9EC4576A-304F-427E-8B2A-648BA23F9076}" presName="spaceRect" presStyleCnt="0"/>
-      <dgm:spPr/>
-    </dgm:pt>
-    <dgm:pt modelId="{A4285BF0-B6F9-472A-A6C9-139DF1457213}" type="pres">
-      <dgm:prSet presAssocID="{9EC4576A-304F-427E-8B2A-648BA23F9076}" presName="textRect" presStyleLbl="revTx" presStyleIdx="2" presStyleCnt="4">
-        <dgm:presLayoutVars>
-          <dgm:chMax val="1"/>
-          <dgm:chPref val="1"/>
-        </dgm:presLayoutVars>
-      </dgm:prSet>
-      <dgm:spPr/>
-    </dgm:pt>
-    <dgm:pt modelId="{17EEE98A-9990-41C5-BA83-D63B81803CB2}" type="pres">
-      <dgm:prSet presAssocID="{8BBE21ED-0009-4536-A79E-5C1F4735C33A}" presName="sibTrans" presStyleCnt="0"/>
-      <dgm:spPr/>
-    </dgm:pt>
-    <dgm:pt modelId="{A9942C0F-8259-462C-B36D-B379A1336FBB}" type="pres">
-      <dgm:prSet presAssocID="{34EE55A2-4FBB-4E59-90BE-7520FAE172BE}" presName="compNode" presStyleCnt="0"/>
-      <dgm:spPr/>
-    </dgm:pt>
-    <dgm:pt modelId="{841A832B-A1CA-4C76-B5A3-EC694710C856}" type="pres">
-      <dgm:prSet presAssocID="{34EE55A2-4FBB-4E59-90BE-7520FAE172BE}" presName="iconBgRect" presStyleLbl="bgShp" presStyleIdx="3" presStyleCnt="4">
-        <dgm:style>
-          <a:lnRef idx="3">
-            <a:schemeClr val="lt1"/>
-          </a:lnRef>
-          <a:fillRef idx="1">
-            <a:schemeClr val="accent6"/>
-          </a:fillRef>
-          <a:effectRef idx="1">
-            <a:schemeClr val="accent6"/>
-          </a:effectRef>
-          <a:fontRef idx="minor">
-            <a:schemeClr val="lt1"/>
-          </a:fontRef>
-        </dgm:style>
-      </dgm:prSet>
-      <dgm:spPr/>
-    </dgm:pt>
-    <dgm:pt modelId="{A19D3326-EB56-4641-AE77-D561698A4F3B}" type="pres">
-      <dgm:prSet presAssocID="{34EE55A2-4FBB-4E59-90BE-7520FAE172BE}" presName="iconRect" presStyleLbl="node1" presStyleIdx="3" presStyleCnt="4"/>
-      <dgm:spPr>
-        <a:blipFill>
-          <a:blip xmlns:r="http://schemas.openxmlformats.org/officeDocument/2006/relationships" r:embed="rId4">
-            <a:extLst>
-              <a:ext uri="{28A0092B-C50C-407E-A947-70E740481C1C}">
-                <a14:useLocalDpi xmlns:a14="http://schemas.microsoft.com/office/drawing/2010/main" val="0"/>
-              </a:ext>
-              <a:ext uri="{96DAC541-7B7A-43D3-8B79-37D633B846F1}">
-                <asvg:svgBlip xmlns:asvg="http://schemas.microsoft.com/office/drawing/2016/SVG/main" r:embed="rId5"/>
-              </a:ext>
-            </a:extLst>
-          </a:blip>
-          <a:stretch>
-            <a:fillRect/>
-          </a:stretch>
-        </a:blipFill>
-        <a:ln>
-          <a:noFill/>
-        </a:ln>
-      </dgm:spPr>
-    </dgm:pt>
-    <dgm:pt modelId="{FDEBEF9B-0380-43DB-BFB9-0B2311081831}" type="pres">
-      <dgm:prSet presAssocID="{34EE55A2-4FBB-4E59-90BE-7520FAE172BE}" presName="spaceRect" presStyleCnt="0"/>
-      <dgm:spPr/>
-    </dgm:pt>
-    <dgm:pt modelId="{938CBAC6-DAF0-402E-A999-C49D808ABFFB}" type="pres">
-      <dgm:prSet presAssocID="{34EE55A2-4FBB-4E59-90BE-7520FAE172BE}" presName="textRect" presStyleLbl="revTx" presStyleIdx="3" presStyleCnt="4">
-        <dgm:presLayoutVars>
-          <dgm:chMax val="1"/>
-          <dgm:chPref val="1"/>
-        </dgm:presLayoutVars>
-      </dgm:prSet>
-      <dgm:spPr/>
-    </dgm:pt>
-  </dgm:ptLst>
-  <dgm:cxnLst>
-    <dgm:cxn modelId="{0C43460F-8381-40FC-B7DB-1B093D8155A5}" srcId="{81A8A06F-D5B2-4EC2-AC48-7441B7F1BFAD}" destId="{9EC4576A-304F-427E-8B2A-648BA23F9076}" srcOrd="2" destOrd="0" parTransId="{AE539A5D-CBEF-487B-8CCD-7FD64A0A71F7}" sibTransId="{8BBE21ED-0009-4536-A79E-5C1F4735C33A}"/>
-    <dgm:cxn modelId="{48FF0C13-B103-4FE0-81BA-47309126EE76}" type="presOf" srcId="{9EC4576A-304F-427E-8B2A-648BA23F9076}" destId="{A4285BF0-B6F9-472A-A6C9-139DF1457213}" srcOrd="0" destOrd="0" presId="urn:microsoft.com/office/officeart/2018/5/layout/IconCircleLabelList"/>
-    <dgm:cxn modelId="{19EC575D-20BF-4838-BB68-8667BCF050FF}" srcId="{81A8A06F-D5B2-4EC2-AC48-7441B7F1BFAD}" destId="{4DEDBF3A-7E3D-4958-AEB7-205EDCE7CF96}" srcOrd="1" destOrd="0" parTransId="{EF7BD531-B81F-4B23-9397-9063B4283B37}" sibTransId="{D77DA416-4E03-4821-A3F6-2A4561439AD1}"/>
-    <dgm:cxn modelId="{3F59E841-F107-449D-B921-93BEDA6311D6}" srcId="{81A8A06F-D5B2-4EC2-AC48-7441B7F1BFAD}" destId="{05EB82BF-C2D7-4A45-A81C-93BE2D2D6E74}" srcOrd="0" destOrd="0" parTransId="{801A90B8-77FF-4EA1-B7B6-0EF45EB4DBC9}" sibTransId="{A837573D-A8B0-4313-86B5-96D364DE8845}"/>
-    <dgm:cxn modelId="{A466604E-81B0-45FA-94EB-9E881B102018}" type="presOf" srcId="{34EE55A2-4FBB-4E59-90BE-7520FAE172BE}" destId="{938CBAC6-DAF0-402E-A999-C49D808ABFFB}" srcOrd="0" destOrd="0" presId="urn:microsoft.com/office/officeart/2018/5/layout/IconCircleLabelList"/>
-    <dgm:cxn modelId="{ADEA4D6E-B504-4D1B-A152-22D75B87F758}" srcId="{81A8A06F-D5B2-4EC2-AC48-7441B7F1BFAD}" destId="{34EE55A2-4FBB-4E59-90BE-7520FAE172BE}" srcOrd="3" destOrd="0" parTransId="{9CD62E13-14B2-4B05-8D17-0DB37DBA8AE0}" sibTransId="{F9BB371D-FCDF-445A-86CA-A493755330D4}"/>
-    <dgm:cxn modelId="{FF192F73-7B86-4367-A7CE-3B9ACF10EEA3}" type="presOf" srcId="{05EB82BF-C2D7-4A45-A81C-93BE2D2D6E74}" destId="{A5D710B1-9622-445C-A3C4-9FE1E18D3752}" srcOrd="0" destOrd="0" presId="urn:microsoft.com/office/officeart/2018/5/layout/IconCircleLabelList"/>
-    <dgm:cxn modelId="{491D01A0-0A78-4891-B52F-5ECBC5696692}" type="presOf" srcId="{81A8A06F-D5B2-4EC2-AC48-7441B7F1BFAD}" destId="{65447454-1DC0-426E-996C-D3E246E62265}" srcOrd="0" destOrd="0" presId="urn:microsoft.com/office/officeart/2018/5/layout/IconCircleLabelList"/>
-    <dgm:cxn modelId="{AA1F0DB7-C299-478E-BAE1-55C77D95B112}" type="presOf" srcId="{4DEDBF3A-7E3D-4958-AEB7-205EDCE7CF96}" destId="{A91FA230-08D3-4341-BACC-B96B0E88FA22}" srcOrd="0" destOrd="0" presId="urn:microsoft.com/office/officeart/2018/5/layout/IconCircleLabelList"/>
-    <dgm:cxn modelId="{E59FF0F5-92D3-4E7C-A640-09E9A4B3916A}" type="presParOf" srcId="{65447454-1DC0-426E-996C-D3E246E62265}" destId="{3BBC6EF6-FDD7-4CD3-B13E-79478A5D06D2}" srcOrd="0" destOrd="0" presId="urn:microsoft.com/office/officeart/2018/5/layout/IconCircleLabelList"/>
-    <dgm:cxn modelId="{9221FEDA-81D4-4BF4-91D8-7FC00DBF8DC9}" type="presParOf" srcId="{3BBC6EF6-FDD7-4CD3-B13E-79478A5D06D2}" destId="{83F6EEBF-699B-48F1-870C-D13F54CA8E15}" srcOrd="0" destOrd="0" presId="urn:microsoft.com/office/officeart/2018/5/layout/IconCircleLabelList"/>
-    <dgm:cxn modelId="{18871273-4289-4885-9A22-36F830983CA3}" type="presParOf" srcId="{3BBC6EF6-FDD7-4CD3-B13E-79478A5D06D2}" destId="{5FDDDD2A-A2A2-4C6B-97D0-B3EEA209C1EC}" srcOrd="1" destOrd="0" presId="urn:microsoft.com/office/officeart/2018/5/layout/IconCircleLabelList"/>
-    <dgm:cxn modelId="{079A38A8-6C70-4C10-9E7B-01B6A7E2DA38}" type="presParOf" srcId="{3BBC6EF6-FDD7-4CD3-B13E-79478A5D06D2}" destId="{52EFC80D-312B-47D7-951B-FCD84CBE30D4}" srcOrd="2" destOrd="0" presId="urn:microsoft.com/office/officeart/2018/5/layout/IconCircleLabelList"/>
-    <dgm:cxn modelId="{521F3EA4-74DE-4143-A564-346E9F0D099D}" type="presParOf" srcId="{3BBC6EF6-FDD7-4CD3-B13E-79478A5D06D2}" destId="{A5D710B1-9622-445C-A3C4-9FE1E18D3752}" srcOrd="3" destOrd="0" presId="urn:microsoft.com/office/officeart/2018/5/layout/IconCircleLabelList"/>
-    <dgm:cxn modelId="{14467ADA-6410-412F-AEB0-062ED98908F9}" type="presParOf" srcId="{65447454-1DC0-426E-996C-D3E246E62265}" destId="{F434E352-C37D-4F59-85B6-0F2A91EEFC12}" srcOrd="1" destOrd="0" presId="urn:microsoft.com/office/officeart/2018/5/layout/IconCircleLabelList"/>
-    <dgm:cxn modelId="{0EC48CCE-F270-45E9-AFBD-7A7870696912}" type="presParOf" srcId="{65447454-1DC0-426E-996C-D3E246E62265}" destId="{562DDA11-A708-4458-B618-9063B4476477}" srcOrd="2" destOrd="0" presId="urn:microsoft.com/office/officeart/2018/5/layout/IconCircleLabelList"/>
-    <dgm:cxn modelId="{A76C3DED-E3E3-4D03-A2AD-756373641E66}" type="presParOf" srcId="{562DDA11-A708-4458-B618-9063B4476477}" destId="{EB26C59F-449F-4AC3-974F-CDDB6258C178}" srcOrd="0" destOrd="0" presId="urn:microsoft.com/office/officeart/2018/5/layout/IconCircleLabelList"/>
-    <dgm:cxn modelId="{F9B7AEC9-27C8-4077-9237-7D2D117224B3}" type="presParOf" srcId="{562DDA11-A708-4458-B618-9063B4476477}" destId="{13BF4E15-1E82-4FC7-9B1C-95CD2F05AC76}" srcOrd="1" destOrd="0" presId="urn:microsoft.com/office/officeart/2018/5/layout/IconCircleLabelList"/>
-    <dgm:cxn modelId="{82B37385-90C9-4545-90BA-0ADBD9847F29}" type="presParOf" srcId="{562DDA11-A708-4458-B618-9063B4476477}" destId="{B12B7CF0-90E1-4466-AF12-F167B95D7A54}" srcOrd="2" destOrd="0" presId="urn:microsoft.com/office/officeart/2018/5/layout/IconCircleLabelList"/>
-    <dgm:cxn modelId="{E8EBD2F0-858E-471F-88EF-A622CB742C15}" type="presParOf" srcId="{562DDA11-A708-4458-B618-9063B4476477}" destId="{A91FA230-08D3-4341-BACC-B96B0E88FA22}" srcOrd="3" destOrd="0" presId="urn:microsoft.com/office/officeart/2018/5/layout/IconCircleLabelList"/>
-    <dgm:cxn modelId="{37F0063F-3A26-4612-9918-2E1B5EDEDCB0}" type="presParOf" srcId="{65447454-1DC0-426E-996C-D3E246E62265}" destId="{39AE65B5-8F72-430A-B9F5-B6F8DBEDE2E3}" srcOrd="3" destOrd="0" presId="urn:microsoft.com/office/officeart/2018/5/layout/IconCircleLabelList"/>
-    <dgm:cxn modelId="{DBF6B5E3-CDB0-4019-B7A5-83297F64BD24}" type="presParOf" srcId="{65447454-1DC0-426E-996C-D3E246E62265}" destId="{FC68FA89-9945-4A40-B792-C43E695B5B5E}" srcOrd="4" destOrd="0" presId="urn:microsoft.com/office/officeart/2018/5/layout/IconCircleLabelList"/>
-    <dgm:cxn modelId="{D60F856A-2219-4ED9-88C2-A1E0E1F061BB}" type="presParOf" srcId="{FC68FA89-9945-4A40-B792-C43E695B5B5E}" destId="{15F7ED94-2072-4406-8387-07C6015BA543}" srcOrd="0" destOrd="0" presId="urn:microsoft.com/office/officeart/2018/5/layout/IconCircleLabelList"/>
-    <dgm:cxn modelId="{6ECB6A8E-FEDA-4612-94CD-41D5B65DF0B4}" type="presParOf" srcId="{FC68FA89-9945-4A40-B792-C43E695B5B5E}" destId="{1BC158DD-B815-437F-9B5B-4559CAF37AE8}" srcOrd="1" destOrd="0" presId="urn:microsoft.com/office/officeart/2018/5/layout/IconCircleLabelList"/>
-    <dgm:cxn modelId="{C3013D0A-07F1-4D7F-9977-53B10680F93C}" type="presParOf" srcId="{FC68FA89-9945-4A40-B792-C43E695B5B5E}" destId="{099ED336-3EC4-42A4-A89A-CCB0EFD7FE8C}" srcOrd="2" destOrd="0" presId="urn:microsoft.com/office/officeart/2018/5/layout/IconCircleLabelList"/>
-    <dgm:cxn modelId="{4F9FEB11-FC35-4006-BC5F-4713C9BF8005}" type="presParOf" srcId="{FC68FA89-9945-4A40-B792-C43E695B5B5E}" destId="{A4285BF0-B6F9-472A-A6C9-139DF1457213}" srcOrd="3" destOrd="0" presId="urn:microsoft.com/office/officeart/2018/5/layout/IconCircleLabelList"/>
-    <dgm:cxn modelId="{1B1A0288-E463-45BC-AD5C-C60C8F08B322}" type="presParOf" srcId="{65447454-1DC0-426E-996C-D3E246E62265}" destId="{17EEE98A-9990-41C5-BA83-D63B81803CB2}" srcOrd="5" destOrd="0" presId="urn:microsoft.com/office/officeart/2018/5/layout/IconCircleLabelList"/>
-    <dgm:cxn modelId="{79AF4CD8-72D2-443B-9B25-9638690EFAE1}" type="presParOf" srcId="{65447454-1DC0-426E-996C-D3E246E62265}" destId="{A9942C0F-8259-462C-B36D-B379A1336FBB}" srcOrd="6" destOrd="0" presId="urn:microsoft.com/office/officeart/2018/5/layout/IconCircleLabelList"/>
-    <dgm:cxn modelId="{9A7602D6-5C3C-40B5-B7C6-F0D5D29EECCF}" type="presParOf" srcId="{A9942C0F-8259-462C-B36D-B379A1336FBB}" destId="{841A832B-A1CA-4C76-B5A3-EC694710C856}" srcOrd="0" destOrd="0" presId="urn:microsoft.com/office/officeart/2018/5/layout/IconCircleLabelList"/>
-    <dgm:cxn modelId="{4B476E5A-AEC2-4A86-9C40-7BA6620A358B}" type="presParOf" srcId="{A9942C0F-8259-462C-B36D-B379A1336FBB}" destId="{A19D3326-EB56-4641-AE77-D561698A4F3B}" srcOrd="1" destOrd="0" presId="urn:microsoft.com/office/officeart/2018/5/layout/IconCircleLabelList"/>
-    <dgm:cxn modelId="{ADB1366D-4562-4A76-A872-5EBDA0397753}" type="presParOf" srcId="{A9942C0F-8259-462C-B36D-B379A1336FBB}" destId="{FDEBEF9B-0380-43DB-BFB9-0B2311081831}" srcOrd="2" destOrd="0" presId="urn:microsoft.com/office/officeart/2018/5/layout/IconCircleLabelList"/>
-    <dgm:cxn modelId="{928120F8-8480-4397-A268-97DC82A7E554}" type="presParOf" srcId="{A9942C0F-8259-462C-B36D-B379A1336FBB}" destId="{938CBAC6-DAF0-402E-A999-C49D808ABFFB}" srcOrd="3" destOrd="0" presId="urn:microsoft.com/office/officeart/2018/5/layout/IconCircleLabelList"/>
-  </dgm:cxnLst>
-  <dgm:bg/>
-  <dgm:whole/>
-  <dgm:extLst>
-    <a:ext uri="http://schemas.microsoft.com/office/drawing/2008/diagram">
-      <dsp:dataModelExt xmlns:dsp="http://schemas.microsoft.com/office/drawing/2008/diagram" relId="rId6" minVer="http://schemas.openxmlformats.org/drawingml/2006/diagram"/>
     </a:ext>
   </dgm:extLst>
 </dgm:dataModel>
@@ -12775,616 +11396,6 @@
       <dsp:txXfrm>
         <a:off x="1116987" y="1361325"/>
         <a:ext cx="2598532" cy="673783"/>
-      </dsp:txXfrm>
-    </dsp:sp>
-  </dsp:spTree>
-</dsp:drawing>
-</file>
-
-<file path=ppt/diagrams/drawing9.xml><?xml version="1.0" encoding="utf-8"?>
-<dsp:drawing xmlns:dgm="http://schemas.openxmlformats.org/drawingml/2006/diagram" xmlns:dsp="http://schemas.microsoft.com/office/drawing/2008/diagram" xmlns:a="http://schemas.openxmlformats.org/drawingml/2006/main">
-  <dsp:spTree>
-    <dsp:nvGrpSpPr>
-      <dsp:cNvPr id="0" name=""/>
-      <dsp:cNvGrpSpPr/>
-    </dsp:nvGrpSpPr>
-    <dsp:grpSpPr/>
-    <dsp:sp modelId="{83F6EEBF-699B-48F1-870C-D13F54CA8E15}">
-      <dsp:nvSpPr>
-        <dsp:cNvPr id="0" name=""/>
-        <dsp:cNvSpPr/>
-      </dsp:nvSpPr>
-      <dsp:spPr>
-        <a:xfrm>
-          <a:off x="918493" y="612009"/>
-          <a:ext cx="1261746" cy="1261746"/>
-        </a:xfrm>
-        <a:prstGeom prst="ellipse">
-          <a:avLst/>
-        </a:prstGeom>
-        <a:solidFill>
-          <a:schemeClr val="accent6"/>
-        </a:solidFill>
-        <a:ln w="19050" cap="flat" cmpd="sng" algn="ctr">
-          <a:solidFill>
-            <a:schemeClr val="lt1"/>
-          </a:solidFill>
-          <a:prstDash val="solid"/>
-          <a:miter lim="800000"/>
-        </a:ln>
-        <a:effectLst/>
-      </dsp:spPr>
-      <dsp:style>
-        <a:lnRef idx="3">
-          <a:schemeClr val="lt1"/>
-        </a:lnRef>
-        <a:fillRef idx="1">
-          <a:schemeClr val="accent6"/>
-        </a:fillRef>
-        <a:effectRef idx="1">
-          <a:schemeClr val="accent6"/>
-        </a:effectRef>
-        <a:fontRef idx="minor">
-          <a:schemeClr val="lt1"/>
-        </a:fontRef>
-      </dsp:style>
-    </dsp:sp>
-    <dsp:sp modelId="{5FDDDD2A-A2A2-4C6B-97D0-B3EEA209C1EC}">
-      <dsp:nvSpPr>
-        <dsp:cNvPr id="0" name=""/>
-        <dsp:cNvSpPr/>
-      </dsp:nvSpPr>
-      <dsp:spPr>
-        <a:xfrm>
-          <a:off x="1187390" y="880906"/>
-          <a:ext cx="723952" cy="723952"/>
-        </a:xfrm>
-        <a:prstGeom prst="rect">
-          <a:avLst/>
-        </a:prstGeom>
-        <a:blipFill>
-          <a:blip xmlns:r="http://schemas.openxmlformats.org/officeDocument/2006/relationships" r:embed="rId1" cstate="print">
-            <a:extLst>
-              <a:ext uri="{28A0092B-C50C-407E-A947-70E740481C1C}">
-                <a14:useLocalDpi xmlns:a14="http://schemas.microsoft.com/office/drawing/2010/main" val="0"/>
-              </a:ext>
-            </a:extLst>
-          </a:blip>
-          <a:srcRect/>
-          <a:stretch>
-            <a:fillRect/>
-          </a:stretch>
-        </a:blipFill>
-        <a:ln w="12700" cap="flat" cmpd="sng" algn="ctr">
-          <a:noFill/>
-          <a:prstDash val="solid"/>
-          <a:miter lim="800000"/>
-        </a:ln>
-        <a:effectLst/>
-      </dsp:spPr>
-      <dsp:style>
-        <a:lnRef idx="2">
-          <a:scrgbClr r="0" g="0" b="0"/>
-        </a:lnRef>
-        <a:fillRef idx="1">
-          <a:scrgbClr r="0" g="0" b="0"/>
-        </a:fillRef>
-        <a:effectRef idx="0">
-          <a:scrgbClr r="0" g="0" b="0"/>
-        </a:effectRef>
-        <a:fontRef idx="minor">
-          <a:schemeClr val="lt1"/>
-        </a:fontRef>
-      </dsp:style>
-    </dsp:sp>
-    <dsp:sp modelId="{A5D710B1-9622-445C-A3C4-9FE1E18D3752}">
-      <dsp:nvSpPr>
-        <dsp:cNvPr id="0" name=""/>
-        <dsp:cNvSpPr/>
-      </dsp:nvSpPr>
-      <dsp:spPr>
-        <a:xfrm>
-          <a:off x="515148" y="2266759"/>
-          <a:ext cx="2068436" cy="720000"/>
-        </a:xfrm>
-        <a:prstGeom prst="rect">
-          <a:avLst/>
-        </a:prstGeom>
-        <a:noFill/>
-        <a:ln>
-          <a:noFill/>
-        </a:ln>
-        <a:effectLst/>
-      </dsp:spPr>
-      <dsp:style>
-        <a:lnRef idx="0">
-          <a:scrgbClr r="0" g="0" b="0"/>
-        </a:lnRef>
-        <a:fillRef idx="0">
-          <a:scrgbClr r="0" g="0" b="0"/>
-        </a:fillRef>
-        <a:effectRef idx="0">
-          <a:scrgbClr r="0" g="0" b="0"/>
-        </a:effectRef>
-        <a:fontRef idx="minor"/>
-      </dsp:style>
-      <dsp:txBody>
-        <a:bodyPr spcFirstLastPara="0" vert="horz" wrap="square" lIns="0" tIns="0" rIns="0" bIns="0" numCol="1" spcCol="1270" anchor="t" anchorCtr="0">
-          <a:noAutofit/>
-        </a:bodyPr>
-        <a:lstStyle/>
-        <a:p>
-          <a:pPr marL="0" lvl="0" indent="0" algn="ctr" defTabSz="711200">
-            <a:lnSpc>
-              <a:spcPct val="90000"/>
-            </a:lnSpc>
-            <a:spcBef>
-              <a:spcPct val="0"/>
-            </a:spcBef>
-            <a:spcAft>
-              <a:spcPct val="35000"/>
-            </a:spcAft>
-            <a:buNone/>
-          </a:pPr>
-          <a:r>
-            <a:rPr lang="pt-BR" sz="1600" kern="1200" dirty="0"/>
-            <a:t>Melhorar a experiência do jogador</a:t>
-          </a:r>
-          <a:endParaRPr lang="en-US" sz="1600" kern="1200" dirty="0"/>
-        </a:p>
-      </dsp:txBody>
-      <dsp:txXfrm>
-        <a:off x="515148" y="2266759"/>
-        <a:ext cx="2068436" cy="720000"/>
-      </dsp:txXfrm>
-    </dsp:sp>
-    <dsp:sp modelId="{EB26C59F-449F-4AC3-974F-CDDB6258C178}">
-      <dsp:nvSpPr>
-        <dsp:cNvPr id="0" name=""/>
-        <dsp:cNvSpPr/>
-      </dsp:nvSpPr>
-      <dsp:spPr>
-        <a:xfrm>
-          <a:off x="3348906" y="612009"/>
-          <a:ext cx="1261746" cy="1261746"/>
-        </a:xfrm>
-        <a:prstGeom prst="ellipse">
-          <a:avLst/>
-        </a:prstGeom>
-        <a:solidFill>
-          <a:schemeClr val="accent6"/>
-        </a:solidFill>
-        <a:ln w="19050" cap="flat" cmpd="sng" algn="ctr">
-          <a:solidFill>
-            <a:schemeClr val="lt1"/>
-          </a:solidFill>
-          <a:prstDash val="solid"/>
-          <a:miter lim="800000"/>
-        </a:ln>
-        <a:effectLst/>
-      </dsp:spPr>
-      <dsp:style>
-        <a:lnRef idx="3">
-          <a:schemeClr val="lt1"/>
-        </a:lnRef>
-        <a:fillRef idx="1">
-          <a:schemeClr val="accent6"/>
-        </a:fillRef>
-        <a:effectRef idx="1">
-          <a:schemeClr val="accent6"/>
-        </a:effectRef>
-        <a:fontRef idx="minor">
-          <a:schemeClr val="lt1"/>
-        </a:fontRef>
-      </dsp:style>
-    </dsp:sp>
-    <dsp:sp modelId="{13BF4E15-1E82-4FC7-9B1C-95CD2F05AC76}">
-      <dsp:nvSpPr>
-        <dsp:cNvPr id="0" name=""/>
-        <dsp:cNvSpPr/>
-      </dsp:nvSpPr>
-      <dsp:spPr>
-        <a:xfrm>
-          <a:off x="3617803" y="880906"/>
-          <a:ext cx="723952" cy="723952"/>
-        </a:xfrm>
-        <a:prstGeom prst="rect">
-          <a:avLst/>
-        </a:prstGeom>
-        <a:blipFill>
-          <a:blip xmlns:r="http://schemas.openxmlformats.org/officeDocument/2006/relationships" r:embed="rId2" cstate="print">
-            <a:extLst>
-              <a:ext uri="{28A0092B-C50C-407E-A947-70E740481C1C}">
-                <a14:useLocalDpi xmlns:a14="http://schemas.microsoft.com/office/drawing/2010/main" val="0"/>
-              </a:ext>
-            </a:extLst>
-          </a:blip>
-          <a:srcRect/>
-          <a:stretch>
-            <a:fillRect/>
-          </a:stretch>
-        </a:blipFill>
-        <a:ln w="12700" cap="flat" cmpd="sng" algn="ctr">
-          <a:noFill/>
-          <a:prstDash val="solid"/>
-          <a:miter lim="800000"/>
-        </a:ln>
-        <a:effectLst/>
-      </dsp:spPr>
-      <dsp:style>
-        <a:lnRef idx="2">
-          <a:scrgbClr r="0" g="0" b="0"/>
-        </a:lnRef>
-        <a:fillRef idx="1">
-          <a:scrgbClr r="0" g="0" b="0"/>
-        </a:fillRef>
-        <a:effectRef idx="0">
-          <a:scrgbClr r="0" g="0" b="0"/>
-        </a:effectRef>
-        <a:fontRef idx="minor">
-          <a:schemeClr val="lt1"/>
-        </a:fontRef>
-      </dsp:style>
-    </dsp:sp>
-    <dsp:sp modelId="{A91FA230-08D3-4341-BACC-B96B0E88FA22}">
-      <dsp:nvSpPr>
-        <dsp:cNvPr id="0" name=""/>
-        <dsp:cNvSpPr/>
-      </dsp:nvSpPr>
-      <dsp:spPr>
-        <a:xfrm>
-          <a:off x="2945561" y="2266759"/>
-          <a:ext cx="2068436" cy="720000"/>
-        </a:xfrm>
-        <a:prstGeom prst="rect">
-          <a:avLst/>
-        </a:prstGeom>
-        <a:noFill/>
-        <a:ln>
-          <a:noFill/>
-        </a:ln>
-        <a:effectLst/>
-      </dsp:spPr>
-      <dsp:style>
-        <a:lnRef idx="0">
-          <a:scrgbClr r="0" g="0" b="0"/>
-        </a:lnRef>
-        <a:fillRef idx="0">
-          <a:scrgbClr r="0" g="0" b="0"/>
-        </a:fillRef>
-        <a:effectRef idx="0">
-          <a:scrgbClr r="0" g="0" b="0"/>
-        </a:effectRef>
-        <a:fontRef idx="minor"/>
-      </dsp:style>
-      <dsp:txBody>
-        <a:bodyPr spcFirstLastPara="0" vert="horz" wrap="square" lIns="0" tIns="0" rIns="0" bIns="0" numCol="1" spcCol="1270" anchor="t" anchorCtr="0">
-          <a:noAutofit/>
-        </a:bodyPr>
-        <a:lstStyle/>
-        <a:p>
-          <a:pPr marL="0" lvl="0" indent="0" algn="ctr" defTabSz="711200">
-            <a:lnSpc>
-              <a:spcPct val="90000"/>
-            </a:lnSpc>
-            <a:spcBef>
-              <a:spcPct val="0"/>
-            </a:spcBef>
-            <a:spcAft>
-              <a:spcPct val="35000"/>
-            </a:spcAft>
-            <a:buNone/>
-          </a:pPr>
-          <a:r>
-            <a:rPr lang="pt-BR" sz="1600" kern="1200"/>
-            <a:t>Facilitar a criação de times</a:t>
-          </a:r>
-          <a:endParaRPr lang="en-US" sz="1600" kern="1200"/>
-        </a:p>
-      </dsp:txBody>
-      <dsp:txXfrm>
-        <a:off x="2945561" y="2266759"/>
-        <a:ext cx="2068436" cy="720000"/>
-      </dsp:txXfrm>
-    </dsp:sp>
-    <dsp:sp modelId="{15F7ED94-2072-4406-8387-07C6015BA543}">
-      <dsp:nvSpPr>
-        <dsp:cNvPr id="0" name=""/>
-        <dsp:cNvSpPr/>
-      </dsp:nvSpPr>
-      <dsp:spPr>
-        <a:xfrm>
-          <a:off x="5779319" y="612009"/>
-          <a:ext cx="1261746" cy="1261746"/>
-        </a:xfrm>
-        <a:prstGeom prst="ellipse">
-          <a:avLst/>
-        </a:prstGeom>
-        <a:solidFill>
-          <a:schemeClr val="accent6"/>
-        </a:solidFill>
-        <a:ln w="19050" cap="flat" cmpd="sng" algn="ctr">
-          <a:solidFill>
-            <a:schemeClr val="lt1"/>
-          </a:solidFill>
-          <a:prstDash val="solid"/>
-          <a:miter lim="800000"/>
-        </a:ln>
-        <a:effectLst/>
-      </dsp:spPr>
-      <dsp:style>
-        <a:lnRef idx="3">
-          <a:schemeClr val="lt1"/>
-        </a:lnRef>
-        <a:fillRef idx="1">
-          <a:schemeClr val="accent6"/>
-        </a:fillRef>
-        <a:effectRef idx="1">
-          <a:schemeClr val="accent6"/>
-        </a:effectRef>
-        <a:fontRef idx="minor">
-          <a:schemeClr val="lt1"/>
-        </a:fontRef>
-      </dsp:style>
-    </dsp:sp>
-    <dsp:sp modelId="{1BC158DD-B815-437F-9B5B-4559CAF37AE8}">
-      <dsp:nvSpPr>
-        <dsp:cNvPr id="0" name=""/>
-        <dsp:cNvSpPr/>
-      </dsp:nvSpPr>
-      <dsp:spPr>
-        <a:xfrm>
-          <a:off x="6048216" y="880906"/>
-          <a:ext cx="723952" cy="723952"/>
-        </a:xfrm>
-        <a:prstGeom prst="rect">
-          <a:avLst/>
-        </a:prstGeom>
-        <a:blipFill>
-          <a:blip xmlns:r="http://schemas.openxmlformats.org/officeDocument/2006/relationships" r:embed="rId3" cstate="print">
-            <a:extLst>
-              <a:ext uri="{28A0092B-C50C-407E-A947-70E740481C1C}">
-                <a14:useLocalDpi xmlns:a14="http://schemas.microsoft.com/office/drawing/2010/main" val="0"/>
-              </a:ext>
-            </a:extLst>
-          </a:blip>
-          <a:srcRect/>
-          <a:stretch>
-            <a:fillRect/>
-          </a:stretch>
-        </a:blipFill>
-        <a:ln w="12700" cap="flat" cmpd="sng" algn="ctr">
-          <a:noFill/>
-          <a:prstDash val="solid"/>
-          <a:miter lim="800000"/>
-        </a:ln>
-        <a:effectLst/>
-      </dsp:spPr>
-      <dsp:style>
-        <a:lnRef idx="2">
-          <a:scrgbClr r="0" g="0" b="0"/>
-        </a:lnRef>
-        <a:fillRef idx="1">
-          <a:scrgbClr r="0" g="0" b="0"/>
-        </a:fillRef>
-        <a:effectRef idx="0">
-          <a:scrgbClr r="0" g="0" b="0"/>
-        </a:effectRef>
-        <a:fontRef idx="minor">
-          <a:schemeClr val="lt1"/>
-        </a:fontRef>
-      </dsp:style>
-    </dsp:sp>
-    <dsp:sp modelId="{A4285BF0-B6F9-472A-A6C9-139DF1457213}">
-      <dsp:nvSpPr>
-        <dsp:cNvPr id="0" name=""/>
-        <dsp:cNvSpPr/>
-      </dsp:nvSpPr>
-      <dsp:spPr>
-        <a:xfrm>
-          <a:off x="5375974" y="2266759"/>
-          <a:ext cx="2068436" cy="720000"/>
-        </a:xfrm>
-        <a:prstGeom prst="rect">
-          <a:avLst/>
-        </a:prstGeom>
-        <a:noFill/>
-        <a:ln>
-          <a:noFill/>
-        </a:ln>
-        <a:effectLst/>
-      </dsp:spPr>
-      <dsp:style>
-        <a:lnRef idx="0">
-          <a:scrgbClr r="0" g="0" b="0"/>
-        </a:lnRef>
-        <a:fillRef idx="0">
-          <a:scrgbClr r="0" g="0" b="0"/>
-        </a:fillRef>
-        <a:effectRef idx="0">
-          <a:scrgbClr r="0" g="0" b="0"/>
-        </a:effectRef>
-        <a:fontRef idx="minor"/>
-      </dsp:style>
-      <dsp:txBody>
-        <a:bodyPr spcFirstLastPara="0" vert="horz" wrap="square" lIns="0" tIns="0" rIns="0" bIns="0" numCol="1" spcCol="1270" anchor="t" anchorCtr="0">
-          <a:noAutofit/>
-        </a:bodyPr>
-        <a:lstStyle/>
-        <a:p>
-          <a:pPr marL="0" lvl="0" indent="0" algn="ctr" defTabSz="711200">
-            <a:lnSpc>
-              <a:spcPct val="90000"/>
-            </a:lnSpc>
-            <a:spcBef>
-              <a:spcPct val="0"/>
-            </a:spcBef>
-            <a:spcAft>
-              <a:spcPct val="35000"/>
-            </a:spcAft>
-            <a:buNone/>
-          </a:pPr>
-          <a:r>
-            <a:rPr lang="pt-BR" sz="1600" kern="1200"/>
-            <a:t>Rapidez na procura de jogadores</a:t>
-          </a:r>
-          <a:endParaRPr lang="en-US" sz="1600" kern="1200"/>
-        </a:p>
-      </dsp:txBody>
-      <dsp:txXfrm>
-        <a:off x="5375974" y="2266759"/>
-        <a:ext cx="2068436" cy="720000"/>
-      </dsp:txXfrm>
-    </dsp:sp>
-    <dsp:sp modelId="{841A832B-A1CA-4C76-B5A3-EC694710C856}">
-      <dsp:nvSpPr>
-        <dsp:cNvPr id="0" name=""/>
-        <dsp:cNvSpPr/>
-      </dsp:nvSpPr>
-      <dsp:spPr>
-        <a:xfrm>
-          <a:off x="8209732" y="612009"/>
-          <a:ext cx="1261746" cy="1261746"/>
-        </a:xfrm>
-        <a:prstGeom prst="ellipse">
-          <a:avLst/>
-        </a:prstGeom>
-        <a:solidFill>
-          <a:schemeClr val="accent6"/>
-        </a:solidFill>
-        <a:ln w="19050" cap="flat" cmpd="sng" algn="ctr">
-          <a:solidFill>
-            <a:schemeClr val="lt1"/>
-          </a:solidFill>
-          <a:prstDash val="solid"/>
-          <a:miter lim="800000"/>
-        </a:ln>
-        <a:effectLst/>
-      </dsp:spPr>
-      <dsp:style>
-        <a:lnRef idx="3">
-          <a:schemeClr val="lt1"/>
-        </a:lnRef>
-        <a:fillRef idx="1">
-          <a:schemeClr val="accent6"/>
-        </a:fillRef>
-        <a:effectRef idx="1">
-          <a:schemeClr val="accent6"/>
-        </a:effectRef>
-        <a:fontRef idx="minor">
-          <a:schemeClr val="lt1"/>
-        </a:fontRef>
-      </dsp:style>
-    </dsp:sp>
-    <dsp:sp modelId="{A19D3326-EB56-4641-AE77-D561698A4F3B}">
-      <dsp:nvSpPr>
-        <dsp:cNvPr id="0" name=""/>
-        <dsp:cNvSpPr/>
-      </dsp:nvSpPr>
-      <dsp:spPr>
-        <a:xfrm>
-          <a:off x="8478629" y="880906"/>
-          <a:ext cx="723952" cy="723952"/>
-        </a:xfrm>
-        <a:prstGeom prst="rect">
-          <a:avLst/>
-        </a:prstGeom>
-        <a:blipFill>
-          <a:blip xmlns:r="http://schemas.openxmlformats.org/officeDocument/2006/relationships" r:embed="rId4">
-            <a:extLst>
-              <a:ext uri="{28A0092B-C50C-407E-A947-70E740481C1C}">
-                <a14:useLocalDpi xmlns:a14="http://schemas.microsoft.com/office/drawing/2010/main" val="0"/>
-              </a:ext>
-              <a:ext uri="{96DAC541-7B7A-43D3-8B79-37D633B846F1}">
-                <asvg:svgBlip xmlns:asvg="http://schemas.microsoft.com/office/drawing/2016/SVG/main" r:embed="rId5"/>
-              </a:ext>
-            </a:extLst>
-          </a:blip>
-          <a:stretch>
-            <a:fillRect/>
-          </a:stretch>
-        </a:blipFill>
-        <a:ln w="12700" cap="flat" cmpd="sng" algn="ctr">
-          <a:noFill/>
-          <a:prstDash val="solid"/>
-          <a:miter lim="800000"/>
-        </a:ln>
-        <a:effectLst/>
-      </dsp:spPr>
-      <dsp:style>
-        <a:lnRef idx="2">
-          <a:scrgbClr r="0" g="0" b="0"/>
-        </a:lnRef>
-        <a:fillRef idx="1">
-          <a:scrgbClr r="0" g="0" b="0"/>
-        </a:fillRef>
-        <a:effectRef idx="0">
-          <a:scrgbClr r="0" g="0" b="0"/>
-        </a:effectRef>
-        <a:fontRef idx="minor">
-          <a:schemeClr val="lt1"/>
-        </a:fontRef>
-      </dsp:style>
-    </dsp:sp>
-    <dsp:sp modelId="{938CBAC6-DAF0-402E-A999-C49D808ABFFB}">
-      <dsp:nvSpPr>
-        <dsp:cNvPr id="0" name=""/>
-        <dsp:cNvSpPr/>
-      </dsp:nvSpPr>
-      <dsp:spPr>
-        <a:xfrm>
-          <a:off x="7806387" y="2266759"/>
-          <a:ext cx="2068436" cy="720000"/>
-        </a:xfrm>
-        <a:prstGeom prst="rect">
-          <a:avLst/>
-        </a:prstGeom>
-        <a:noFill/>
-        <a:ln>
-          <a:noFill/>
-        </a:ln>
-        <a:effectLst/>
-      </dsp:spPr>
-      <dsp:style>
-        <a:lnRef idx="0">
-          <a:scrgbClr r="0" g="0" b="0"/>
-        </a:lnRef>
-        <a:fillRef idx="0">
-          <a:scrgbClr r="0" g="0" b="0"/>
-        </a:fillRef>
-        <a:effectRef idx="0">
-          <a:scrgbClr r="0" g="0" b="0"/>
-        </a:effectRef>
-        <a:fontRef idx="minor"/>
-      </dsp:style>
-      <dsp:txBody>
-        <a:bodyPr spcFirstLastPara="0" vert="horz" wrap="square" lIns="0" tIns="0" rIns="0" bIns="0" numCol="1" spcCol="1270" anchor="t" anchorCtr="0">
-          <a:noAutofit/>
-        </a:bodyPr>
-        <a:lstStyle/>
-        <a:p>
-          <a:pPr marL="0" lvl="0" indent="0" algn="ctr" defTabSz="711200">
-            <a:lnSpc>
-              <a:spcPct val="90000"/>
-            </a:lnSpc>
-            <a:spcBef>
-              <a:spcPct val="0"/>
-            </a:spcBef>
-            <a:spcAft>
-              <a:spcPct val="35000"/>
-            </a:spcAft>
-            <a:buNone/>
-          </a:pPr>
-          <a:r>
-            <a:rPr lang="pt-BR" sz="1600" kern="1200"/>
-            <a:t>Agregar valor e cooperar para o crescimento deste mercado</a:t>
-          </a:r>
-          <a:endParaRPr lang="en-US" sz="1600" kern="1200"/>
-        </a:p>
-      </dsp:txBody>
-      <dsp:txXfrm>
-        <a:off x="7806387" y="2266759"/>
-        <a:ext cx="2068436" cy="720000"/>
       </dsp:txXfrm>
     </dsp:sp>
   </dsp:spTree>
@@ -15015,209 +13026,6 @@
 </dgm:layoutDef>
 </file>
 
-<file path=ppt/diagrams/layout9.xml><?xml version="1.0" encoding="utf-8"?>
-<dgm:layoutDef xmlns:dgm="http://schemas.openxmlformats.org/drawingml/2006/diagram" xmlns:a="http://schemas.openxmlformats.org/drawingml/2006/main" uniqueId="urn:microsoft.com/office/officeart/2018/5/layout/IconCircleLabelList">
-  <dgm:title val="Icon Circle Label List"/>
-  <dgm:desc val="Use to show non-sequential or grouped chunks of information accompanied by a related visuals. Works best with icons or small pictures with short text captions."/>
-  <dgm:catLst>
-    <dgm:cat type="icon" pri="500"/>
-  </dgm:catLst>
-  <dgm:sampData useDef="1">
-    <dgm:dataModel>
-      <dgm:ptLst/>
-      <dgm:bg/>
-      <dgm:whole/>
-    </dgm:dataModel>
-  </dgm:sampData>
-  <dgm:styleData useDef="1">
-    <dgm:dataModel>
-      <dgm:ptLst/>
-      <dgm:bg/>
-      <dgm:whole/>
-    </dgm:dataModel>
-  </dgm:styleData>
-  <dgm:clrData useDef="1">
-    <dgm:dataModel>
-      <dgm:ptLst/>
-      <dgm:bg/>
-      <dgm:whole/>
-    </dgm:dataModel>
-  </dgm:clrData>
-  <dgm:layoutNode name="root">
-    <dgm:varLst>
-      <dgm:dir/>
-      <dgm:resizeHandles val="exact"/>
-    </dgm:varLst>
-    <dgm:choose name="Name0">
-      <dgm:if name="Name1" axis="self" func="var" arg="dir" op="equ" val="norm">
-        <dgm:alg type="snake">
-          <dgm:param type="off" val="ctr"/>
-          <dgm:param type="contDir" val="sameDir"/>
-          <dgm:param type="grDir" val="tL"/>
-          <dgm:param type="flowDir" val="row"/>
-          <dgm:param type="horzAlign" val="ctr"/>
-          <dgm:param type="vertAlign" val="mid"/>
-        </dgm:alg>
-      </dgm:if>
-      <dgm:else name="Name2">
-        <dgm:alg type="snake">
-          <dgm:param type="off" val="ctr"/>
-          <dgm:param type="contDir" val="sameDir"/>
-          <dgm:param type="grDir" val="tR"/>
-          <dgm:param type="flowDir" val="row"/>
-          <dgm:param type="horzAlign" val="ctr"/>
-          <dgm:param type="vertAlign" val="mid"/>
-        </dgm:alg>
-      </dgm:else>
-    </dgm:choose>
-    <dgm:shape xmlns:r="http://schemas.openxmlformats.org/officeDocument/2006/relationships" r:blip="">
-      <dgm:adjLst/>
-    </dgm:shape>
-    <dgm:presOf/>
-    <dgm:choose name="Name3">
-      <dgm:if name="Name4" axis="ch" ptType="node" func="cnt" op="lte" val="2">
-        <dgm:constrLst>
-          <dgm:constr type="h" for="ch" forName="compNode" refType="h" fact="0.4"/>
-          <dgm:constr type="w" for="ch" forName="compNode" val="100"/>
-          <dgm:constr type="w" for="ch" forName="sibTrans" refType="w" refFor="ch" refForName="compNode" fact="0.175"/>
-          <dgm:constr type="sp" refType="w" refFor="ch" refForName="compNode" op="equ" fact="0.25"/>
-          <dgm:constr type="primFontSz" for="des" ptType="node" op="equ" val="44"/>
-          <dgm:constr type="h" for="des" forName="compNode" op="equ"/>
-          <dgm:constr type="h" for="des" forName="textRect" op="equ"/>
-        </dgm:constrLst>
-      </dgm:if>
-      <dgm:if name="Name5" axis="ch" ptType="node" func="cnt" op="lte" val="3">
-        <dgm:constrLst>
-          <dgm:constr type="h" for="ch" forName="compNode" refType="h" fact="0.4"/>
-          <dgm:constr type="w" for="ch" forName="compNode" val="100"/>
-          <dgm:constr type="w" for="ch" forName="sibTrans" refType="w" refFor="ch" refForName="compNode" fact="0.175"/>
-          <dgm:constr type="sp" refType="w" refFor="ch" refForName="compNode" op="equ" fact="0.25"/>
-          <dgm:constr type="primFontSz" for="des" ptType="node" op="equ" val="40"/>
-          <dgm:constr type="h" for="des" forName="compNode" op="equ"/>
-          <dgm:constr type="h" for="des" forName="textRect" op="equ"/>
-        </dgm:constrLst>
-      </dgm:if>
-      <dgm:if name="Name6" axis="ch" ptType="node" func="cnt" op="lte" val="4">
-        <dgm:constrLst>
-          <dgm:constr type="h" for="ch" forName="compNode" refType="h" fact="0.4"/>
-          <dgm:constr type="w" for="ch" forName="compNode" refType="w"/>
-          <dgm:constr type="w" for="ch" forName="sibTrans" refType="w" refFor="ch" refForName="compNode" fact="0.175"/>
-          <dgm:constr type="sp" refType="w" refFor="ch" refForName="compNode" op="equ" fact="0.25"/>
-          <dgm:constr type="primFontSz" for="des" ptType="node" op="equ" val="32"/>
-          <dgm:constr type="h" for="des" forName="compNode" op="equ"/>
-          <dgm:constr type="h" for="des" forName="textRect" op="equ"/>
-        </dgm:constrLst>
-      </dgm:if>
-      <dgm:else name="Name7">
-        <dgm:constrLst>
-          <dgm:constr type="h" for="ch" forName="compNode" refType="h" fact="0.4"/>
-          <dgm:constr type="w" for="ch" forName="compNode" refType="w"/>
-          <dgm:constr type="w" for="ch" forName="sibTrans" refType="w" refFor="ch" refForName="compNode" fact="0.175"/>
-          <dgm:constr type="sp" refType="w" refFor="ch" refForName="compNode" op="equ" fact="0.25"/>
-          <dgm:constr type="primFontSz" for="des" ptType="node" op="equ" val="24"/>
-          <dgm:constr type="h" for="des" forName="compNode" op="equ"/>
-          <dgm:constr type="h" for="des" forName="textRect" op="equ"/>
-        </dgm:constrLst>
-      </dgm:else>
-    </dgm:choose>
-    <dgm:ruleLst>
-      <dgm:rule type="w" for="ch" forName="compNode" val="50" fact="NaN" max="NaN"/>
-    </dgm:ruleLst>
-    <dgm:forEach name="Name8" axis="ch" ptType="node">
-      <dgm:layoutNode name="compNode">
-        <dgm:alg type="composite"/>
-        <dgm:shape xmlns:r="http://schemas.openxmlformats.org/officeDocument/2006/relationships" r:blip="">
-          <dgm:adjLst/>
-        </dgm:shape>
-        <dgm:presOf axis="self"/>
-        <dgm:constrLst>
-          <dgm:constr type="w" for="ch" forName="iconBgRect" refType="w" fact="0.61"/>
-          <dgm:constr type="h" for="ch" forName="iconBgRect" refType="w" refFor="ch" refForName="iconBgRect"/>
-          <dgm:constr type="t" for="ch" forName="iconBgRect"/>
-          <dgm:constr type="ctrX" for="ch" forName="iconBgRect" refType="w" fact="0.5"/>
-          <dgm:constr type="w" for="ch" forName="iconRect" refType="w" fact="0.35"/>
-          <dgm:constr type="h" for="ch" forName="iconRect" refType="w" refFor="ch" refForName="iconRect"/>
-          <dgm:constr type="ctrX" for="ch" forName="iconRect" refType="ctrX" refFor="ch" refForName="iconBgRect"/>
-          <dgm:constr type="ctrY" for="ch" forName="iconRect" refType="ctrY" refFor="ch" refForName="iconBgRect"/>
-          <dgm:constr type="h" for="ch" forName="spaceRect" refType="w" fact="0.19"/>
-          <dgm:constr type="w" for="ch" forName="spaceRect" refType="w"/>
-          <dgm:constr type="l" for="ch" forName="spaceRect"/>
-          <dgm:constr type="t" for="ch" forName="spaceRect" refType="b" refFor="ch" refForName="iconBgRect"/>
-          <dgm:constr type="h" for="ch" forName="textRect" val="20"/>
-          <dgm:constr type="w" for="ch" forName="textRect" refType="w"/>
-          <dgm:constr type="l" for="ch" forName="textRect"/>
-          <dgm:constr type="t" for="ch" forName="textRect" refType="b" refFor="ch" refForName="spaceRect"/>
-        </dgm:constrLst>
-        <dgm:ruleLst>
-          <dgm:rule type="h" val="INF" fact="NaN" max="NaN"/>
-        </dgm:ruleLst>
-        <dgm:layoutNode name="iconBgRect" styleLbl="bgShp">
-          <dgm:alg type="sp"/>
-          <dgm:shape xmlns:r="http://schemas.openxmlformats.org/officeDocument/2006/relationships" type="ellipse" r:blip="">
-            <dgm:adjLst/>
-          </dgm:shape>
-          <dgm:presOf/>
-          <dgm:constrLst/>
-          <dgm:ruleLst/>
-        </dgm:layoutNode>
-        <dgm:layoutNode name="iconRect" styleLbl="node1">
-          <dgm:alg type="sp"/>
-          <dgm:shape xmlns:r="http://schemas.openxmlformats.org/officeDocument/2006/relationships" type="rect" r:blip="" blipPhldr="1">
-            <dgm:adjLst/>
-          </dgm:shape>
-          <dgm:presOf/>
-          <dgm:constrLst/>
-          <dgm:ruleLst/>
-        </dgm:layoutNode>
-        <dgm:layoutNode name="spaceRect">
-          <dgm:alg type="sp"/>
-          <dgm:shape xmlns:r="http://schemas.openxmlformats.org/officeDocument/2006/relationships" r:blip="">
-            <dgm:adjLst/>
-          </dgm:shape>
-          <dgm:presOf/>
-          <dgm:constrLst/>
-          <dgm:ruleLst/>
-        </dgm:layoutNode>
-        <dgm:layoutNode name="textRect" styleLbl="revTx">
-          <dgm:varLst>
-            <dgm:chMax val="1"/>
-            <dgm:chPref val="1"/>
-          </dgm:varLst>
-          <dgm:alg type="tx">
-            <dgm:param type="txAnchorVert" val="t"/>
-          </dgm:alg>
-          <dgm:shape xmlns:r="http://schemas.openxmlformats.org/officeDocument/2006/relationships" type="rect" r:blip="">
-            <dgm:adjLst/>
-          </dgm:shape>
-          <dgm:presOf axis="self" ptType="node"/>
-          <dgm:constrLst>
-            <dgm:constr type="lMarg"/>
-            <dgm:constr type="rMarg"/>
-            <dgm:constr type="tMarg"/>
-            <dgm:constr type="bMarg"/>
-          </dgm:constrLst>
-          <dgm:ruleLst>
-            <dgm:rule type="primFontSz" val="11" fact="NaN" max="NaN"/>
-            <dgm:rule type="h" val="INF" fact="NaN" max="NaN"/>
-          </dgm:ruleLst>
-        </dgm:layoutNode>
-      </dgm:layoutNode>
-      <dgm:forEach name="Name9" axis="followSib" ptType="sibTrans" cnt="1">
-        <dgm:layoutNode name="sibTrans">
-          <dgm:alg type="sp"/>
-          <dgm:shape xmlns:r="http://schemas.openxmlformats.org/officeDocument/2006/relationships" r:blip="">
-            <dgm:adjLst/>
-          </dgm:shape>
-          <dgm:presOf axis="self"/>
-          <dgm:constrLst/>
-          <dgm:ruleLst/>
-        </dgm:layoutNode>
-      </dgm:forEach>
-    </dgm:forEach>
-  </dgm:layoutNode>
-</dgm:layoutDef>
-</file>
-
 <file path=ppt/diagrams/quickStyle1.xml><?xml version="1.0" encoding="utf-8"?>
 <dgm:styleDef xmlns:dgm="http://schemas.openxmlformats.org/drawingml/2006/diagram" xmlns:a="http://schemas.openxmlformats.org/drawingml/2006/main" uniqueId="urn:microsoft.com/office/officeart/2005/8/quickstyle/simple1#1">
   <dgm:title val=""/>
@@ -22458,1040 +20266,6 @@
 
 <file path=ppt/diagrams/quickStyle8.xml><?xml version="1.0" encoding="utf-8"?>
 <dgm:styleDef xmlns:dgm="http://schemas.openxmlformats.org/drawingml/2006/diagram" xmlns:a="http://schemas.openxmlformats.org/drawingml/2006/main" uniqueId="urn:microsoft.com/office/officeart/2005/8/quickstyle/simple1#5">
-  <dgm:title val=""/>
-  <dgm:desc val=""/>
-  <dgm:catLst>
-    <dgm:cat type="simple" pri="10100"/>
-  </dgm:catLst>
-  <dgm:scene3d>
-    <a:camera prst="orthographicFront"/>
-    <a:lightRig rig="threePt" dir="t"/>
-  </dgm:scene3d>
-  <dgm:styleLbl name="alignAcc1">
-    <dgm:scene3d>
-      <a:camera prst="orthographicFront"/>
-      <a:lightRig rig="threePt" dir="t"/>
-    </dgm:scene3d>
-    <dgm:sp3d/>
-    <dgm:txPr/>
-    <dgm:style>
-      <a:lnRef idx="2">
-        <a:scrgbClr r="0" g="0" b="0"/>
-      </a:lnRef>
-      <a:fillRef idx="1">
-        <a:scrgbClr r="0" g="0" b="0"/>
-      </a:fillRef>
-      <a:effectRef idx="0">
-        <a:scrgbClr r="0" g="0" b="0"/>
-      </a:effectRef>
-      <a:fontRef idx="minor"/>
-    </dgm:style>
-  </dgm:styleLbl>
-  <dgm:styleLbl name="alignAccFollowNode1">
-    <dgm:scene3d>
-      <a:camera prst="orthographicFront"/>
-      <a:lightRig rig="threePt" dir="t"/>
-    </dgm:scene3d>
-    <dgm:sp3d/>
-    <dgm:txPr/>
-    <dgm:style>
-      <a:lnRef idx="2">
-        <a:scrgbClr r="0" g="0" b="0"/>
-      </a:lnRef>
-      <a:fillRef idx="1">
-        <a:scrgbClr r="0" g="0" b="0"/>
-      </a:fillRef>
-      <a:effectRef idx="0">
-        <a:scrgbClr r="0" g="0" b="0"/>
-      </a:effectRef>
-      <a:fontRef idx="minor"/>
-    </dgm:style>
-  </dgm:styleLbl>
-  <dgm:styleLbl name="alignImgPlace1">
-    <dgm:scene3d>
-      <a:camera prst="orthographicFront"/>
-      <a:lightRig rig="threePt" dir="t"/>
-    </dgm:scene3d>
-    <dgm:sp3d/>
-    <dgm:txPr/>
-    <dgm:style>
-      <a:lnRef idx="2">
-        <a:scrgbClr r="0" g="0" b="0"/>
-      </a:lnRef>
-      <a:fillRef idx="1">
-        <a:scrgbClr r="0" g="0" b="0"/>
-      </a:fillRef>
-      <a:effectRef idx="0">
-        <a:scrgbClr r="0" g="0" b="0"/>
-      </a:effectRef>
-      <a:fontRef idx="minor"/>
-    </dgm:style>
-  </dgm:styleLbl>
-  <dgm:styleLbl name="alignNode1">
-    <dgm:scene3d>
-      <a:camera prst="orthographicFront"/>
-      <a:lightRig rig="threePt" dir="t"/>
-    </dgm:scene3d>
-    <dgm:sp3d/>
-    <dgm:txPr/>
-    <dgm:style>
-      <a:lnRef idx="2">
-        <a:scrgbClr r="0" g="0" b="0"/>
-      </a:lnRef>
-      <a:fillRef idx="1">
-        <a:scrgbClr r="0" g="0" b="0"/>
-      </a:fillRef>
-      <a:effectRef idx="0">
-        <a:scrgbClr r="0" g="0" b="0"/>
-      </a:effectRef>
-      <a:fontRef idx="minor">
-        <a:schemeClr val="lt1"/>
-      </a:fontRef>
-    </dgm:style>
-  </dgm:styleLbl>
-  <dgm:styleLbl name="asst0">
-    <dgm:scene3d>
-      <a:camera prst="orthographicFront"/>
-      <a:lightRig rig="threePt" dir="t"/>
-    </dgm:scene3d>
-    <dgm:sp3d/>
-    <dgm:txPr/>
-    <dgm:style>
-      <a:lnRef idx="2">
-        <a:scrgbClr r="0" g="0" b="0"/>
-      </a:lnRef>
-      <a:fillRef idx="1">
-        <a:scrgbClr r="0" g="0" b="0"/>
-      </a:fillRef>
-      <a:effectRef idx="0">
-        <a:scrgbClr r="0" g="0" b="0"/>
-      </a:effectRef>
-      <a:fontRef idx="minor">
-        <a:schemeClr val="lt1"/>
-      </a:fontRef>
-    </dgm:style>
-  </dgm:styleLbl>
-  <dgm:styleLbl name="asst1">
-    <dgm:scene3d>
-      <a:camera prst="orthographicFront"/>
-      <a:lightRig rig="threePt" dir="t"/>
-    </dgm:scene3d>
-    <dgm:sp3d/>
-    <dgm:txPr/>
-    <dgm:style>
-      <a:lnRef idx="2">
-        <a:scrgbClr r="0" g="0" b="0"/>
-      </a:lnRef>
-      <a:fillRef idx="1">
-        <a:scrgbClr r="0" g="0" b="0"/>
-      </a:fillRef>
-      <a:effectRef idx="0">
-        <a:scrgbClr r="0" g="0" b="0"/>
-      </a:effectRef>
-      <a:fontRef idx="minor">
-        <a:schemeClr val="lt1"/>
-      </a:fontRef>
-    </dgm:style>
-  </dgm:styleLbl>
-  <dgm:styleLbl name="asst2">
-    <dgm:scene3d>
-      <a:camera prst="orthographicFront"/>
-      <a:lightRig rig="threePt" dir="t"/>
-    </dgm:scene3d>
-    <dgm:sp3d/>
-    <dgm:txPr/>
-    <dgm:style>
-      <a:lnRef idx="2">
-        <a:scrgbClr r="0" g="0" b="0"/>
-      </a:lnRef>
-      <a:fillRef idx="1">
-        <a:scrgbClr r="0" g="0" b="0"/>
-      </a:fillRef>
-      <a:effectRef idx="0">
-        <a:scrgbClr r="0" g="0" b="0"/>
-      </a:effectRef>
-      <a:fontRef idx="minor">
-        <a:schemeClr val="lt1"/>
-      </a:fontRef>
-    </dgm:style>
-  </dgm:styleLbl>
-  <dgm:styleLbl name="asst3">
-    <dgm:scene3d>
-      <a:camera prst="orthographicFront"/>
-      <a:lightRig rig="threePt" dir="t"/>
-    </dgm:scene3d>
-    <dgm:sp3d/>
-    <dgm:txPr/>
-    <dgm:style>
-      <a:lnRef idx="2">
-        <a:scrgbClr r="0" g="0" b="0"/>
-      </a:lnRef>
-      <a:fillRef idx="1">
-        <a:scrgbClr r="0" g="0" b="0"/>
-      </a:fillRef>
-      <a:effectRef idx="0">
-        <a:scrgbClr r="0" g="0" b="0"/>
-      </a:effectRef>
-      <a:fontRef idx="minor">
-        <a:schemeClr val="lt1"/>
-      </a:fontRef>
-    </dgm:style>
-  </dgm:styleLbl>
-  <dgm:styleLbl name="asst4">
-    <dgm:scene3d>
-      <a:camera prst="orthographicFront"/>
-      <a:lightRig rig="threePt" dir="t"/>
-    </dgm:scene3d>
-    <dgm:sp3d/>
-    <dgm:txPr/>
-    <dgm:style>
-      <a:lnRef idx="2">
-        <a:scrgbClr r="0" g="0" b="0"/>
-      </a:lnRef>
-      <a:fillRef idx="1">
-        <a:scrgbClr r="0" g="0" b="0"/>
-      </a:fillRef>
-      <a:effectRef idx="0">
-        <a:scrgbClr r="0" g="0" b="0"/>
-      </a:effectRef>
-      <a:fontRef idx="minor">
-        <a:schemeClr val="lt1"/>
-      </a:fontRef>
-    </dgm:style>
-  </dgm:styleLbl>
-  <dgm:styleLbl name="bgAcc1">
-    <dgm:scene3d>
-      <a:camera prst="orthographicFront"/>
-      <a:lightRig rig="threePt" dir="t"/>
-    </dgm:scene3d>
-    <dgm:sp3d/>
-    <dgm:txPr/>
-    <dgm:style>
-      <a:lnRef idx="2">
-        <a:scrgbClr r="0" g="0" b="0"/>
-      </a:lnRef>
-      <a:fillRef idx="1">
-        <a:scrgbClr r="0" g="0" b="0"/>
-      </a:fillRef>
-      <a:effectRef idx="0">
-        <a:scrgbClr r="0" g="0" b="0"/>
-      </a:effectRef>
-      <a:fontRef idx="minor"/>
-    </dgm:style>
-  </dgm:styleLbl>
-  <dgm:styleLbl name="bgAccFollowNode1">
-    <dgm:scene3d>
-      <a:camera prst="orthographicFront"/>
-      <a:lightRig rig="threePt" dir="t"/>
-    </dgm:scene3d>
-    <dgm:sp3d/>
-    <dgm:txPr/>
-    <dgm:style>
-      <a:lnRef idx="2">
-        <a:scrgbClr r="0" g="0" b="0"/>
-      </a:lnRef>
-      <a:fillRef idx="1">
-        <a:scrgbClr r="0" g="0" b="0"/>
-      </a:fillRef>
-      <a:effectRef idx="0">
-        <a:scrgbClr r="0" g="0" b="0"/>
-      </a:effectRef>
-      <a:fontRef idx="minor"/>
-    </dgm:style>
-  </dgm:styleLbl>
-  <dgm:styleLbl name="bgImgPlace1">
-    <dgm:scene3d>
-      <a:camera prst="orthographicFront"/>
-      <a:lightRig rig="threePt" dir="t"/>
-    </dgm:scene3d>
-    <dgm:sp3d/>
-    <dgm:txPr/>
-    <dgm:style>
-      <a:lnRef idx="2">
-        <a:scrgbClr r="0" g="0" b="0"/>
-      </a:lnRef>
-      <a:fillRef idx="1">
-        <a:scrgbClr r="0" g="0" b="0"/>
-      </a:fillRef>
-      <a:effectRef idx="0">
-        <a:scrgbClr r="0" g="0" b="0"/>
-      </a:effectRef>
-      <a:fontRef idx="minor"/>
-    </dgm:style>
-  </dgm:styleLbl>
-  <dgm:styleLbl name="bgShp">
-    <dgm:scene3d>
-      <a:camera prst="orthographicFront"/>
-      <a:lightRig rig="threePt" dir="t"/>
-    </dgm:scene3d>
-    <dgm:sp3d/>
-    <dgm:txPr/>
-    <dgm:style>
-      <a:lnRef idx="0">
-        <a:scrgbClr r="0" g="0" b="0"/>
-      </a:lnRef>
-      <a:fillRef idx="1">
-        <a:scrgbClr r="0" g="0" b="0"/>
-      </a:fillRef>
-      <a:effectRef idx="0">
-        <a:scrgbClr r="0" g="0" b="0"/>
-      </a:effectRef>
-      <a:fontRef idx="minor"/>
-    </dgm:style>
-  </dgm:styleLbl>
-  <dgm:styleLbl name="bgSibTrans2D1">
-    <dgm:scene3d>
-      <a:camera prst="orthographicFront"/>
-      <a:lightRig rig="threePt" dir="t"/>
-    </dgm:scene3d>
-    <dgm:sp3d/>
-    <dgm:txPr/>
-    <dgm:style>
-      <a:lnRef idx="0">
-        <a:scrgbClr r="0" g="0" b="0"/>
-      </a:lnRef>
-      <a:fillRef idx="1">
-        <a:scrgbClr r="0" g="0" b="0"/>
-      </a:fillRef>
-      <a:effectRef idx="0">
-        <a:scrgbClr r="0" g="0" b="0"/>
-      </a:effectRef>
-      <a:fontRef idx="minor">
-        <a:schemeClr val="lt1"/>
-      </a:fontRef>
-    </dgm:style>
-  </dgm:styleLbl>
-  <dgm:styleLbl name="callout">
-    <dgm:scene3d>
-      <a:camera prst="orthographicFront"/>
-      <a:lightRig rig="threePt" dir="t"/>
-    </dgm:scene3d>
-    <dgm:sp3d/>
-    <dgm:txPr/>
-    <dgm:style>
-      <a:lnRef idx="2">
-        <a:scrgbClr r="0" g="0" b="0"/>
-      </a:lnRef>
-      <a:fillRef idx="1">
-        <a:scrgbClr r="0" g="0" b="0"/>
-      </a:fillRef>
-      <a:effectRef idx="0">
-        <a:scrgbClr r="0" g="0" b="0"/>
-      </a:effectRef>
-      <a:fontRef idx="minor"/>
-    </dgm:style>
-  </dgm:styleLbl>
-  <dgm:styleLbl name="conFgAcc1">
-    <dgm:scene3d>
-      <a:camera prst="orthographicFront"/>
-      <a:lightRig rig="threePt" dir="t"/>
-    </dgm:scene3d>
-    <dgm:sp3d/>
-    <dgm:txPr/>
-    <dgm:style>
-      <a:lnRef idx="2">
-        <a:scrgbClr r="0" g="0" b="0"/>
-      </a:lnRef>
-      <a:fillRef idx="1">
-        <a:scrgbClr r="0" g="0" b="0"/>
-      </a:fillRef>
-      <a:effectRef idx="0">
-        <a:scrgbClr r="0" g="0" b="0"/>
-      </a:effectRef>
-      <a:fontRef idx="minor"/>
-    </dgm:style>
-  </dgm:styleLbl>
-  <dgm:styleLbl name="dkBgShp">
-    <dgm:scene3d>
-      <a:camera prst="orthographicFront"/>
-      <a:lightRig rig="threePt" dir="t"/>
-    </dgm:scene3d>
-    <dgm:sp3d/>
-    <dgm:txPr/>
-    <dgm:style>
-      <a:lnRef idx="0">
-        <a:scrgbClr r="0" g="0" b="0"/>
-      </a:lnRef>
-      <a:fillRef idx="1">
-        <a:scrgbClr r="0" g="0" b="0"/>
-      </a:fillRef>
-      <a:effectRef idx="0">
-        <a:scrgbClr r="0" g="0" b="0"/>
-      </a:effectRef>
-      <a:fontRef idx="minor"/>
-    </dgm:style>
-  </dgm:styleLbl>
-  <dgm:styleLbl name="fgAcc0">
-    <dgm:scene3d>
-      <a:camera prst="orthographicFront"/>
-      <a:lightRig rig="threePt" dir="t"/>
-    </dgm:scene3d>
-    <dgm:sp3d/>
-    <dgm:txPr/>
-    <dgm:style>
-      <a:lnRef idx="2">
-        <a:scrgbClr r="0" g="0" b="0"/>
-      </a:lnRef>
-      <a:fillRef idx="1">
-        <a:scrgbClr r="0" g="0" b="0"/>
-      </a:fillRef>
-      <a:effectRef idx="0">
-        <a:scrgbClr r="0" g="0" b="0"/>
-      </a:effectRef>
-      <a:fontRef idx="minor"/>
-    </dgm:style>
-  </dgm:styleLbl>
-  <dgm:styleLbl name="fgAcc1">
-    <dgm:scene3d>
-      <a:camera prst="orthographicFront"/>
-      <a:lightRig rig="threePt" dir="t"/>
-    </dgm:scene3d>
-    <dgm:sp3d/>
-    <dgm:txPr/>
-    <dgm:style>
-      <a:lnRef idx="2">
-        <a:scrgbClr r="0" g="0" b="0"/>
-      </a:lnRef>
-      <a:fillRef idx="1">
-        <a:scrgbClr r="0" g="0" b="0"/>
-      </a:fillRef>
-      <a:effectRef idx="0">
-        <a:scrgbClr r="0" g="0" b="0"/>
-      </a:effectRef>
-      <a:fontRef idx="minor"/>
-    </dgm:style>
-  </dgm:styleLbl>
-  <dgm:styleLbl name="fgAcc2">
-    <dgm:scene3d>
-      <a:camera prst="orthographicFront"/>
-      <a:lightRig rig="threePt" dir="t"/>
-    </dgm:scene3d>
-    <dgm:sp3d/>
-    <dgm:txPr/>
-    <dgm:style>
-      <a:lnRef idx="2">
-        <a:scrgbClr r="0" g="0" b="0"/>
-      </a:lnRef>
-      <a:fillRef idx="1">
-        <a:scrgbClr r="0" g="0" b="0"/>
-      </a:fillRef>
-      <a:effectRef idx="0">
-        <a:scrgbClr r="0" g="0" b="0"/>
-      </a:effectRef>
-      <a:fontRef idx="minor"/>
-    </dgm:style>
-  </dgm:styleLbl>
-  <dgm:styleLbl name="fgAcc3">
-    <dgm:scene3d>
-      <a:camera prst="orthographicFront"/>
-      <a:lightRig rig="threePt" dir="t"/>
-    </dgm:scene3d>
-    <dgm:sp3d/>
-    <dgm:txPr/>
-    <dgm:style>
-      <a:lnRef idx="2">
-        <a:scrgbClr r="0" g="0" b="0"/>
-      </a:lnRef>
-      <a:fillRef idx="1">
-        <a:scrgbClr r="0" g="0" b="0"/>
-      </a:fillRef>
-      <a:effectRef idx="0">
-        <a:scrgbClr r="0" g="0" b="0"/>
-      </a:effectRef>
-      <a:fontRef idx="minor"/>
-    </dgm:style>
-  </dgm:styleLbl>
-  <dgm:styleLbl name="fgAcc4">
-    <dgm:scene3d>
-      <a:camera prst="orthographicFront"/>
-      <a:lightRig rig="threePt" dir="t"/>
-    </dgm:scene3d>
-    <dgm:sp3d/>
-    <dgm:txPr/>
-    <dgm:style>
-      <a:lnRef idx="2">
-        <a:scrgbClr r="0" g="0" b="0"/>
-      </a:lnRef>
-      <a:fillRef idx="1">
-        <a:scrgbClr r="0" g="0" b="0"/>
-      </a:fillRef>
-      <a:effectRef idx="0">
-        <a:scrgbClr r="0" g="0" b="0"/>
-      </a:effectRef>
-      <a:fontRef idx="minor"/>
-    </dgm:style>
-  </dgm:styleLbl>
-  <dgm:styleLbl name="fgAccFollowNode1">
-    <dgm:scene3d>
-      <a:camera prst="orthographicFront"/>
-      <a:lightRig rig="threePt" dir="t"/>
-    </dgm:scene3d>
-    <dgm:sp3d/>
-    <dgm:txPr/>
-    <dgm:style>
-      <a:lnRef idx="2">
-        <a:scrgbClr r="0" g="0" b="0"/>
-      </a:lnRef>
-      <a:fillRef idx="1">
-        <a:scrgbClr r="0" g="0" b="0"/>
-      </a:fillRef>
-      <a:effectRef idx="0">
-        <a:scrgbClr r="0" g="0" b="0"/>
-      </a:effectRef>
-      <a:fontRef idx="minor"/>
-    </dgm:style>
-  </dgm:styleLbl>
-  <dgm:styleLbl name="fgImgPlace1">
-    <dgm:scene3d>
-      <a:camera prst="orthographicFront"/>
-      <a:lightRig rig="threePt" dir="t"/>
-    </dgm:scene3d>
-    <dgm:sp3d/>
-    <dgm:txPr/>
-    <dgm:style>
-      <a:lnRef idx="2">
-        <a:scrgbClr r="0" g="0" b="0"/>
-      </a:lnRef>
-      <a:fillRef idx="1">
-        <a:scrgbClr r="0" g="0" b="0"/>
-      </a:fillRef>
-      <a:effectRef idx="0">
-        <a:scrgbClr r="0" g="0" b="0"/>
-      </a:effectRef>
-      <a:fontRef idx="minor"/>
-    </dgm:style>
-  </dgm:styleLbl>
-  <dgm:styleLbl name="fgShp">
-    <dgm:scene3d>
-      <a:camera prst="orthographicFront"/>
-      <a:lightRig rig="threePt" dir="t"/>
-    </dgm:scene3d>
-    <dgm:sp3d/>
-    <dgm:txPr/>
-    <dgm:style>
-      <a:lnRef idx="2">
-        <a:scrgbClr r="0" g="0" b="0"/>
-      </a:lnRef>
-      <a:fillRef idx="1">
-        <a:scrgbClr r="0" g="0" b="0"/>
-      </a:fillRef>
-      <a:effectRef idx="0">
-        <a:scrgbClr r="0" g="0" b="0"/>
-      </a:effectRef>
-      <a:fontRef idx="minor"/>
-    </dgm:style>
-  </dgm:styleLbl>
-  <dgm:styleLbl name="fgSibTrans2D1">
-    <dgm:scene3d>
-      <a:camera prst="orthographicFront"/>
-      <a:lightRig rig="threePt" dir="t"/>
-    </dgm:scene3d>
-    <dgm:sp3d/>
-    <dgm:txPr/>
-    <dgm:style>
-      <a:lnRef idx="0">
-        <a:scrgbClr r="0" g="0" b="0"/>
-      </a:lnRef>
-      <a:fillRef idx="1">
-        <a:scrgbClr r="0" g="0" b="0"/>
-      </a:fillRef>
-      <a:effectRef idx="0">
-        <a:scrgbClr r="0" g="0" b="0"/>
-      </a:effectRef>
-      <a:fontRef idx="minor">
-        <a:schemeClr val="lt1"/>
-      </a:fontRef>
-    </dgm:style>
-  </dgm:styleLbl>
-  <dgm:styleLbl name="lnNode1">
-    <dgm:scene3d>
-      <a:camera prst="orthographicFront"/>
-      <a:lightRig rig="threePt" dir="t"/>
-    </dgm:scene3d>
-    <dgm:sp3d/>
-    <dgm:txPr/>
-    <dgm:style>
-      <a:lnRef idx="2">
-        <a:scrgbClr r="0" g="0" b="0"/>
-      </a:lnRef>
-      <a:fillRef idx="1">
-        <a:scrgbClr r="0" g="0" b="0"/>
-      </a:fillRef>
-      <a:effectRef idx="0">
-        <a:scrgbClr r="0" g="0" b="0"/>
-      </a:effectRef>
-      <a:fontRef idx="minor">
-        <a:schemeClr val="lt1"/>
-      </a:fontRef>
-    </dgm:style>
-  </dgm:styleLbl>
-  <dgm:styleLbl name="node0">
-    <dgm:scene3d>
-      <a:camera prst="orthographicFront"/>
-      <a:lightRig rig="threePt" dir="t"/>
-    </dgm:scene3d>
-    <dgm:sp3d/>
-    <dgm:txPr/>
-    <dgm:style>
-      <a:lnRef idx="2">
-        <a:scrgbClr r="0" g="0" b="0"/>
-      </a:lnRef>
-      <a:fillRef idx="1">
-        <a:scrgbClr r="0" g="0" b="0"/>
-      </a:fillRef>
-      <a:effectRef idx="0">
-        <a:scrgbClr r="0" g="0" b="0"/>
-      </a:effectRef>
-      <a:fontRef idx="minor">
-        <a:schemeClr val="lt1"/>
-      </a:fontRef>
-    </dgm:style>
-  </dgm:styleLbl>
-  <dgm:styleLbl name="node1">
-    <dgm:scene3d>
-      <a:camera prst="orthographicFront"/>
-      <a:lightRig rig="threePt" dir="t"/>
-    </dgm:scene3d>
-    <dgm:sp3d/>
-    <dgm:txPr/>
-    <dgm:style>
-      <a:lnRef idx="2">
-        <a:scrgbClr r="0" g="0" b="0"/>
-      </a:lnRef>
-      <a:fillRef idx="1">
-        <a:scrgbClr r="0" g="0" b="0"/>
-      </a:fillRef>
-      <a:effectRef idx="0">
-        <a:scrgbClr r="0" g="0" b="0"/>
-      </a:effectRef>
-      <a:fontRef idx="minor">
-        <a:schemeClr val="lt1"/>
-      </a:fontRef>
-    </dgm:style>
-  </dgm:styleLbl>
-  <dgm:styleLbl name="node2">
-    <dgm:scene3d>
-      <a:camera prst="orthographicFront"/>
-      <a:lightRig rig="threePt" dir="t"/>
-    </dgm:scene3d>
-    <dgm:sp3d/>
-    <dgm:txPr/>
-    <dgm:style>
-      <a:lnRef idx="2">
-        <a:scrgbClr r="0" g="0" b="0"/>
-      </a:lnRef>
-      <a:fillRef idx="1">
-        <a:scrgbClr r="0" g="0" b="0"/>
-      </a:fillRef>
-      <a:effectRef idx="0">
-        <a:scrgbClr r="0" g="0" b="0"/>
-      </a:effectRef>
-      <a:fontRef idx="minor">
-        <a:schemeClr val="lt1"/>
-      </a:fontRef>
-    </dgm:style>
-  </dgm:styleLbl>
-  <dgm:styleLbl name="node3">
-    <dgm:scene3d>
-      <a:camera prst="orthographicFront"/>
-      <a:lightRig rig="threePt" dir="t"/>
-    </dgm:scene3d>
-    <dgm:sp3d/>
-    <dgm:txPr/>
-    <dgm:style>
-      <a:lnRef idx="2">
-        <a:scrgbClr r="0" g="0" b="0"/>
-      </a:lnRef>
-      <a:fillRef idx="1">
-        <a:scrgbClr r="0" g="0" b="0"/>
-      </a:fillRef>
-      <a:effectRef idx="0">
-        <a:scrgbClr r="0" g="0" b="0"/>
-      </a:effectRef>
-      <a:fontRef idx="minor">
-        <a:schemeClr val="lt1"/>
-      </a:fontRef>
-    </dgm:style>
-  </dgm:styleLbl>
-  <dgm:styleLbl name="node4">
-    <dgm:scene3d>
-      <a:camera prst="orthographicFront"/>
-      <a:lightRig rig="threePt" dir="t"/>
-    </dgm:scene3d>
-    <dgm:sp3d/>
-    <dgm:txPr/>
-    <dgm:style>
-      <a:lnRef idx="2">
-        <a:scrgbClr r="0" g="0" b="0"/>
-      </a:lnRef>
-      <a:fillRef idx="1">
-        <a:scrgbClr r="0" g="0" b="0"/>
-      </a:fillRef>
-      <a:effectRef idx="0">
-        <a:scrgbClr r="0" g="0" b="0"/>
-      </a:effectRef>
-      <a:fontRef idx="minor">
-        <a:schemeClr val="lt1"/>
-      </a:fontRef>
-    </dgm:style>
-  </dgm:styleLbl>
-  <dgm:styleLbl name="parChTrans1D1">
-    <dgm:scene3d>
-      <a:camera prst="orthographicFront"/>
-      <a:lightRig rig="threePt" dir="t"/>
-    </dgm:scene3d>
-    <dgm:sp3d/>
-    <dgm:txPr/>
-    <dgm:style>
-      <a:lnRef idx="2">
-        <a:scrgbClr r="0" g="0" b="0"/>
-      </a:lnRef>
-      <a:fillRef idx="0">
-        <a:scrgbClr r="0" g="0" b="0"/>
-      </a:fillRef>
-      <a:effectRef idx="0">
-        <a:scrgbClr r="0" g="0" b="0"/>
-      </a:effectRef>
-      <a:fontRef idx="minor"/>
-    </dgm:style>
-  </dgm:styleLbl>
-  <dgm:styleLbl name="parChTrans1D2">
-    <dgm:scene3d>
-      <a:camera prst="orthographicFront"/>
-      <a:lightRig rig="threePt" dir="t"/>
-    </dgm:scene3d>
-    <dgm:sp3d/>
-    <dgm:txPr/>
-    <dgm:style>
-      <a:lnRef idx="2">
-        <a:scrgbClr r="0" g="0" b="0"/>
-      </a:lnRef>
-      <a:fillRef idx="0">
-        <a:scrgbClr r="0" g="0" b="0"/>
-      </a:fillRef>
-      <a:effectRef idx="0">
-        <a:scrgbClr r="0" g="0" b="0"/>
-      </a:effectRef>
-      <a:fontRef idx="minor"/>
-    </dgm:style>
-  </dgm:styleLbl>
-  <dgm:styleLbl name="parChTrans1D3">
-    <dgm:scene3d>
-      <a:camera prst="orthographicFront"/>
-      <a:lightRig rig="threePt" dir="t"/>
-    </dgm:scene3d>
-    <dgm:sp3d/>
-    <dgm:txPr/>
-    <dgm:style>
-      <a:lnRef idx="2">
-        <a:scrgbClr r="0" g="0" b="0"/>
-      </a:lnRef>
-      <a:fillRef idx="0">
-        <a:scrgbClr r="0" g="0" b="0"/>
-      </a:fillRef>
-      <a:effectRef idx="0">
-        <a:scrgbClr r="0" g="0" b="0"/>
-      </a:effectRef>
-      <a:fontRef idx="minor"/>
-    </dgm:style>
-  </dgm:styleLbl>
-  <dgm:styleLbl name="parChTrans1D4">
-    <dgm:scene3d>
-      <a:camera prst="orthographicFront"/>
-      <a:lightRig rig="threePt" dir="t"/>
-    </dgm:scene3d>
-    <dgm:sp3d/>
-    <dgm:txPr/>
-    <dgm:style>
-      <a:lnRef idx="2">
-        <a:scrgbClr r="0" g="0" b="0"/>
-      </a:lnRef>
-      <a:fillRef idx="0">
-        <a:scrgbClr r="0" g="0" b="0"/>
-      </a:fillRef>
-      <a:effectRef idx="0">
-        <a:scrgbClr r="0" g="0" b="0"/>
-      </a:effectRef>
-      <a:fontRef idx="minor"/>
-    </dgm:style>
-  </dgm:styleLbl>
-  <dgm:styleLbl name="parChTrans2D1">
-    <dgm:scene3d>
-      <a:camera prst="orthographicFront"/>
-      <a:lightRig rig="threePt" dir="t"/>
-    </dgm:scene3d>
-    <dgm:sp3d/>
-    <dgm:txPr/>
-    <dgm:style>
-      <a:lnRef idx="2">
-        <a:scrgbClr r="0" g="0" b="0"/>
-      </a:lnRef>
-      <a:fillRef idx="1">
-        <a:scrgbClr r="0" g="0" b="0"/>
-      </a:fillRef>
-      <a:effectRef idx="0">
-        <a:scrgbClr r="0" g="0" b="0"/>
-      </a:effectRef>
-      <a:fontRef idx="minor">
-        <a:schemeClr val="lt1"/>
-      </a:fontRef>
-    </dgm:style>
-  </dgm:styleLbl>
-  <dgm:styleLbl name="parChTrans2D2">
-    <dgm:scene3d>
-      <a:camera prst="orthographicFront"/>
-      <a:lightRig rig="threePt" dir="t"/>
-    </dgm:scene3d>
-    <dgm:sp3d/>
-    <dgm:txPr/>
-    <dgm:style>
-      <a:lnRef idx="2">
-        <a:scrgbClr r="0" g="0" b="0"/>
-      </a:lnRef>
-      <a:fillRef idx="1">
-        <a:scrgbClr r="0" g="0" b="0"/>
-      </a:fillRef>
-      <a:effectRef idx="0">
-        <a:scrgbClr r="0" g="0" b="0"/>
-      </a:effectRef>
-      <a:fontRef idx="minor">
-        <a:schemeClr val="lt1"/>
-      </a:fontRef>
-    </dgm:style>
-  </dgm:styleLbl>
-  <dgm:styleLbl name="parChTrans2D3">
-    <dgm:scene3d>
-      <a:camera prst="orthographicFront"/>
-      <a:lightRig rig="threePt" dir="t"/>
-    </dgm:scene3d>
-    <dgm:sp3d/>
-    <dgm:txPr/>
-    <dgm:style>
-      <a:lnRef idx="2">
-        <a:scrgbClr r="0" g="0" b="0"/>
-      </a:lnRef>
-      <a:fillRef idx="1">
-        <a:scrgbClr r="0" g="0" b="0"/>
-      </a:fillRef>
-      <a:effectRef idx="0">
-        <a:scrgbClr r="0" g="0" b="0"/>
-      </a:effectRef>
-      <a:fontRef idx="minor">
-        <a:schemeClr val="lt1"/>
-      </a:fontRef>
-    </dgm:style>
-  </dgm:styleLbl>
-  <dgm:styleLbl name="parChTrans2D4">
-    <dgm:scene3d>
-      <a:camera prst="orthographicFront"/>
-      <a:lightRig rig="threePt" dir="t"/>
-    </dgm:scene3d>
-    <dgm:sp3d/>
-    <dgm:txPr/>
-    <dgm:style>
-      <a:lnRef idx="2">
-        <a:scrgbClr r="0" g="0" b="0"/>
-      </a:lnRef>
-      <a:fillRef idx="1">
-        <a:scrgbClr r="0" g="0" b="0"/>
-      </a:fillRef>
-      <a:effectRef idx="0">
-        <a:scrgbClr r="0" g="0" b="0"/>
-      </a:effectRef>
-      <a:fontRef idx="minor">
-        <a:schemeClr val="lt1"/>
-      </a:fontRef>
-    </dgm:style>
-  </dgm:styleLbl>
-  <dgm:styleLbl name="revTx">
-    <dgm:scene3d>
-      <a:camera prst="orthographicFront"/>
-      <a:lightRig rig="threePt" dir="t"/>
-    </dgm:scene3d>
-    <dgm:sp3d/>
-    <dgm:txPr/>
-    <dgm:style>
-      <a:lnRef idx="0">
-        <a:scrgbClr r="0" g="0" b="0"/>
-      </a:lnRef>
-      <a:fillRef idx="0">
-        <a:scrgbClr r="0" g="0" b="0"/>
-      </a:fillRef>
-      <a:effectRef idx="0">
-        <a:scrgbClr r="0" g="0" b="0"/>
-      </a:effectRef>
-      <a:fontRef idx="minor"/>
-    </dgm:style>
-  </dgm:styleLbl>
-  <dgm:styleLbl name="sibTrans1D1">
-    <dgm:scene3d>
-      <a:camera prst="orthographicFront"/>
-      <a:lightRig rig="threePt" dir="t"/>
-    </dgm:scene3d>
-    <dgm:sp3d/>
-    <dgm:txPr/>
-    <dgm:style>
-      <a:lnRef idx="1">
-        <a:scrgbClr r="0" g="0" b="0"/>
-      </a:lnRef>
-      <a:fillRef idx="0">
-        <a:scrgbClr r="0" g="0" b="0"/>
-      </a:fillRef>
-      <a:effectRef idx="0">
-        <a:scrgbClr r="0" g="0" b="0"/>
-      </a:effectRef>
-      <a:fontRef idx="minor"/>
-    </dgm:style>
-  </dgm:styleLbl>
-  <dgm:styleLbl name="sibTrans2D1">
-    <dgm:scene3d>
-      <a:camera prst="orthographicFront"/>
-      <a:lightRig rig="threePt" dir="t"/>
-    </dgm:scene3d>
-    <dgm:sp3d/>
-    <dgm:txPr/>
-    <dgm:style>
-      <a:lnRef idx="0">
-        <a:scrgbClr r="0" g="0" b="0"/>
-      </a:lnRef>
-      <a:fillRef idx="1">
-        <a:scrgbClr r="0" g="0" b="0"/>
-      </a:fillRef>
-      <a:effectRef idx="0">
-        <a:scrgbClr r="0" g="0" b="0"/>
-      </a:effectRef>
-      <a:fontRef idx="minor">
-        <a:schemeClr val="lt1"/>
-      </a:fontRef>
-    </dgm:style>
-  </dgm:styleLbl>
-  <dgm:styleLbl name="solidAlignAcc1">
-    <dgm:scene3d>
-      <a:camera prst="orthographicFront"/>
-      <a:lightRig rig="threePt" dir="t"/>
-    </dgm:scene3d>
-    <dgm:sp3d/>
-    <dgm:txPr/>
-    <dgm:style>
-      <a:lnRef idx="2">
-        <a:scrgbClr r="0" g="0" b="0"/>
-      </a:lnRef>
-      <a:fillRef idx="1">
-        <a:scrgbClr r="0" g="0" b="0"/>
-      </a:fillRef>
-      <a:effectRef idx="0">
-        <a:scrgbClr r="0" g="0" b="0"/>
-      </a:effectRef>
-      <a:fontRef idx="minor"/>
-    </dgm:style>
-  </dgm:styleLbl>
-  <dgm:styleLbl name="solidBgAcc1">
-    <dgm:scene3d>
-      <a:camera prst="orthographicFront"/>
-      <a:lightRig rig="threePt" dir="t"/>
-    </dgm:scene3d>
-    <dgm:sp3d/>
-    <dgm:txPr/>
-    <dgm:style>
-      <a:lnRef idx="2">
-        <a:scrgbClr r="0" g="0" b="0"/>
-      </a:lnRef>
-      <a:fillRef idx="1">
-        <a:scrgbClr r="0" g="0" b="0"/>
-      </a:fillRef>
-      <a:effectRef idx="0">
-        <a:scrgbClr r="0" g="0" b="0"/>
-      </a:effectRef>
-      <a:fontRef idx="minor"/>
-    </dgm:style>
-  </dgm:styleLbl>
-  <dgm:styleLbl name="solidFgAcc1">
-    <dgm:scene3d>
-      <a:camera prst="orthographicFront"/>
-      <a:lightRig rig="threePt" dir="t"/>
-    </dgm:scene3d>
-    <dgm:sp3d/>
-    <dgm:txPr/>
-    <dgm:style>
-      <a:lnRef idx="2">
-        <a:scrgbClr r="0" g="0" b="0"/>
-      </a:lnRef>
-      <a:fillRef idx="1">
-        <a:scrgbClr r="0" g="0" b="0"/>
-      </a:fillRef>
-      <a:effectRef idx="0">
-        <a:scrgbClr r="0" g="0" b="0"/>
-      </a:effectRef>
-      <a:fontRef idx="minor"/>
-    </dgm:style>
-  </dgm:styleLbl>
-  <dgm:styleLbl name="trAlignAcc1">
-    <dgm:scene3d>
-      <a:camera prst="orthographicFront"/>
-      <a:lightRig rig="threePt" dir="t"/>
-    </dgm:scene3d>
-    <dgm:sp3d/>
-    <dgm:txPr/>
-    <dgm:style>
-      <a:lnRef idx="1">
-        <a:scrgbClr r="0" g="0" b="0"/>
-      </a:lnRef>
-      <a:fillRef idx="1">
-        <a:scrgbClr r="0" g="0" b="0"/>
-      </a:fillRef>
-      <a:effectRef idx="0">
-        <a:scrgbClr r="0" g="0" b="0"/>
-      </a:effectRef>
-      <a:fontRef idx="minor"/>
-    </dgm:style>
-  </dgm:styleLbl>
-  <dgm:styleLbl name="trBgShp">
-    <dgm:scene3d>
-      <a:camera prst="orthographicFront"/>
-      <a:lightRig rig="threePt" dir="t"/>
-    </dgm:scene3d>
-    <dgm:sp3d/>
-    <dgm:txPr/>
-    <dgm:style>
-      <a:lnRef idx="0">
-        <a:scrgbClr r="0" g="0" b="0"/>
-      </a:lnRef>
-      <a:fillRef idx="1">
-        <a:scrgbClr r="0" g="0" b="0"/>
-      </a:fillRef>
-      <a:effectRef idx="0">
-        <a:scrgbClr r="0" g="0" b="0"/>
-      </a:effectRef>
-      <a:fontRef idx="minor"/>
-    </dgm:style>
-  </dgm:styleLbl>
-  <dgm:styleLbl name="vennNode1">
-    <dgm:scene3d>
-      <a:camera prst="orthographicFront"/>
-      <a:lightRig rig="threePt" dir="t"/>
-    </dgm:scene3d>
-    <dgm:sp3d/>
-    <dgm:txPr/>
-    <dgm:style>
-      <a:lnRef idx="2">
-        <a:scrgbClr r="0" g="0" b="0"/>
-      </a:lnRef>
-      <a:fillRef idx="1">
-        <a:scrgbClr r="0" g="0" b="0"/>
-      </a:fillRef>
-      <a:effectRef idx="0">
-        <a:scrgbClr r="0" g="0" b="0"/>
-      </a:effectRef>
-      <a:fontRef idx="minor">
-        <a:schemeClr val="tx1"/>
-      </a:fontRef>
-    </dgm:style>
-  </dgm:styleLbl>
-</dgm:styleDef>
-</file>
-
-<file path=ppt/diagrams/quickStyle9.xml><?xml version="1.0" encoding="utf-8"?>
-<dgm:styleDef xmlns:dgm="http://schemas.openxmlformats.org/drawingml/2006/diagram" xmlns:a="http://schemas.openxmlformats.org/drawingml/2006/main" uniqueId="urn:microsoft.com/office/officeart/2005/8/quickstyle/simple1#6">
   <dgm:title val=""/>
   <dgm:desc val=""/>
   <dgm:catLst>
@@ -24671,7 +21445,7 @@
           <a:p>
             <a:fld id="{93AE73D3-A46B-4B9C-965A-78B4CFA46842}" type="datetimeFigureOut">
               <a:rPr lang="pt-BR" smtClean="0"/>
-              <a:t>21/10/2020</a:t>
+              <a:t>28/10/2020</a:t>
             </a:fld>
             <a:endParaRPr lang="pt-BR"/>
           </a:p>
@@ -24869,7 +21643,7 @@
           <a:p>
             <a:fld id="{93AE73D3-A46B-4B9C-965A-78B4CFA46842}" type="datetimeFigureOut">
               <a:rPr lang="pt-BR" smtClean="0"/>
-              <a:t>21/10/2020</a:t>
+              <a:t>28/10/2020</a:t>
             </a:fld>
             <a:endParaRPr lang="pt-BR"/>
           </a:p>
@@ -25077,7 +21851,7 @@
           <a:p>
             <a:fld id="{93AE73D3-A46B-4B9C-965A-78B4CFA46842}" type="datetimeFigureOut">
               <a:rPr lang="pt-BR" smtClean="0"/>
-              <a:t>21/10/2020</a:t>
+              <a:t>28/10/2020</a:t>
             </a:fld>
             <a:endParaRPr lang="pt-BR"/>
           </a:p>
@@ -25275,7 +22049,7 @@
           <a:p>
             <a:fld id="{93AE73D3-A46B-4B9C-965A-78B4CFA46842}" type="datetimeFigureOut">
               <a:rPr lang="pt-BR" smtClean="0"/>
-              <a:t>21/10/2020</a:t>
+              <a:t>28/10/2020</a:t>
             </a:fld>
             <a:endParaRPr lang="pt-BR"/>
           </a:p>
@@ -25550,7 +22324,7 @@
           <a:p>
             <a:fld id="{93AE73D3-A46B-4B9C-965A-78B4CFA46842}" type="datetimeFigureOut">
               <a:rPr lang="pt-BR" smtClean="0"/>
-              <a:t>21/10/2020</a:t>
+              <a:t>28/10/2020</a:t>
             </a:fld>
             <a:endParaRPr lang="pt-BR"/>
           </a:p>
@@ -25815,7 +22589,7 @@
           <a:p>
             <a:fld id="{93AE73D3-A46B-4B9C-965A-78B4CFA46842}" type="datetimeFigureOut">
               <a:rPr lang="pt-BR" smtClean="0"/>
-              <a:t>21/10/2020</a:t>
+              <a:t>28/10/2020</a:t>
             </a:fld>
             <a:endParaRPr lang="pt-BR"/>
           </a:p>
@@ -26227,7 +23001,7 @@
           <a:p>
             <a:fld id="{93AE73D3-A46B-4B9C-965A-78B4CFA46842}" type="datetimeFigureOut">
               <a:rPr lang="pt-BR" smtClean="0"/>
-              <a:t>21/10/2020</a:t>
+              <a:t>28/10/2020</a:t>
             </a:fld>
             <a:endParaRPr lang="pt-BR"/>
           </a:p>
@@ -26368,7 +23142,7 @@
           <a:p>
             <a:fld id="{93AE73D3-A46B-4B9C-965A-78B4CFA46842}" type="datetimeFigureOut">
               <a:rPr lang="pt-BR" smtClean="0"/>
-              <a:t>21/10/2020</a:t>
+              <a:t>28/10/2020</a:t>
             </a:fld>
             <a:endParaRPr lang="pt-BR"/>
           </a:p>
@@ -26481,7 +23255,7 @@
           <a:p>
             <a:fld id="{93AE73D3-A46B-4B9C-965A-78B4CFA46842}" type="datetimeFigureOut">
               <a:rPr lang="pt-BR" smtClean="0"/>
-              <a:t>21/10/2020</a:t>
+              <a:t>28/10/2020</a:t>
             </a:fld>
             <a:endParaRPr lang="pt-BR"/>
           </a:p>
@@ -26792,7 +23566,7 @@
           <a:p>
             <a:fld id="{93AE73D3-A46B-4B9C-965A-78B4CFA46842}" type="datetimeFigureOut">
               <a:rPr lang="pt-BR" smtClean="0"/>
-              <a:t>21/10/2020</a:t>
+              <a:t>28/10/2020</a:t>
             </a:fld>
             <a:endParaRPr lang="pt-BR"/>
           </a:p>
@@ -27080,7 +23854,7 @@
           <a:p>
             <a:fld id="{93AE73D3-A46B-4B9C-965A-78B4CFA46842}" type="datetimeFigureOut">
               <a:rPr lang="pt-BR" smtClean="0"/>
-              <a:t>21/10/2020</a:t>
+              <a:t>28/10/2020</a:t>
             </a:fld>
             <a:endParaRPr lang="pt-BR"/>
           </a:p>
@@ -27321,7 +24095,7 @@
           <a:p>
             <a:fld id="{93AE73D3-A46B-4B9C-965A-78B4CFA46842}" type="datetimeFigureOut">
               <a:rPr lang="pt-BR" smtClean="0"/>
-              <a:t>21/10/2020</a:t>
+              <a:t>28/10/2020</a:t>
             </a:fld>
             <a:endParaRPr lang="pt-BR"/>
           </a:p>
@@ -28444,9 +25218,9 @@
         <p:grpSpPr>
           <a:xfrm>
             <a:off x="540673" y="1326707"/>
-            <a:ext cx="11054382" cy="4000113"/>
+            <a:ext cx="11054382" cy="3405376"/>
             <a:chOff x="314177" y="1153991"/>
-            <a:chExt cx="11054382" cy="4000113"/>
+            <a:chExt cx="11054382" cy="3405376"/>
           </a:xfrm>
         </p:grpSpPr>
         <p:sp>
@@ -29348,103 +26122,42 @@
             </a:p>
           </p:txBody>
         </p:sp>
-        <p:grpSp>
-          <p:nvGrpSpPr>
-            <p:cNvPr id="34" name="Agrupar 33">
+        <p:pic>
+          <p:nvPicPr>
+            <p:cNvPr id="31" name="Imagem 30" descr="Uma imagem contendo Logotipo&#10;&#10;Descrição gerada automaticamente">
               <a:extLst>
                 <a:ext uri="{FF2B5EF4-FFF2-40B4-BE49-F238E27FC236}">
-                  <a16:creationId xmlns:a16="http://schemas.microsoft.com/office/drawing/2014/main" id="{38F4471F-EA3A-4799-9F1D-67A7E8BE61B0}"/>
+                  <a16:creationId xmlns:a16="http://schemas.microsoft.com/office/drawing/2014/main" id="{7B413F85-C21F-43CC-9261-C1CAD8929637}"/>
                 </a:ext>
               </a:extLst>
             </p:cNvPr>
-            <p:cNvGrpSpPr/>
+            <p:cNvPicPr>
+              <a:picLocks noChangeAspect="1"/>
+            </p:cNvPicPr>
             <p:nvPr/>
-          </p:nvGrpSpPr>
-          <p:grpSpPr>
+          </p:nvPicPr>
+          <p:blipFill>
+            <a:blip r:embed="rId3">
+              <a:extLst>
+                <a:ext uri="{28A0092B-C50C-407E-A947-70E740481C1C}">
+                  <a14:useLocalDpi xmlns:a14="http://schemas.microsoft.com/office/drawing/2010/main" val="0"/>
+                </a:ext>
+              </a:extLst>
+            </a:blip>
+            <a:stretch>
+              <a:fillRect/>
+            </a:stretch>
+          </p:blipFill>
+          <p:spPr>
             <a:xfrm>
-              <a:off x="2740092" y="4043114"/>
-              <a:ext cx="723471" cy="1110990"/>
-              <a:chOff x="2734193" y="3602472"/>
-              <a:chExt cx="723471" cy="1110990"/>
+              <a:off x="2855793" y="4014978"/>
+              <a:ext cx="486938" cy="469231"/>
             </a:xfrm>
-          </p:grpSpPr>
-          <p:pic>
-            <p:nvPicPr>
-              <p:cNvPr id="2050" name="Picture 2" descr="Ícone do gamepad - Baixar PNG/SVG Transparente">
-                <a:extLst>
-                  <a:ext uri="{FF2B5EF4-FFF2-40B4-BE49-F238E27FC236}">
-                    <a16:creationId xmlns:a16="http://schemas.microsoft.com/office/drawing/2014/main" id="{E9FB1CE6-5F17-424F-8339-1CD1528014AF}"/>
-                  </a:ext>
-                </a:extLst>
-              </p:cNvPr>
-              <p:cNvPicPr>
-                <a:picLocks noChangeAspect="1" noChangeArrowheads="1"/>
-              </p:cNvPicPr>
-              <p:nvPr/>
-            </p:nvPicPr>
-            <p:blipFill>
-              <a:blip r:embed="rId3">
-                <a:extLst>
-                  <a:ext uri="{28A0092B-C50C-407E-A947-70E740481C1C}">
-                    <a14:useLocalDpi xmlns:a14="http://schemas.microsoft.com/office/drawing/2010/main" val="0"/>
-                  </a:ext>
-                </a:extLst>
-              </a:blip>
-              <a:srcRect/>
-              <a:stretch>
-                <a:fillRect/>
-              </a:stretch>
-            </p:blipFill>
-            <p:spPr bwMode="auto">
-              <a:xfrm>
-                <a:off x="2734193" y="3985463"/>
-                <a:ext cx="723471" cy="727999"/>
-              </a:xfrm>
-              <a:prstGeom prst="rect">
-                <a:avLst/>
-              </a:prstGeom>
-              <a:solidFill>
-                <a:schemeClr val="accent6"/>
-              </a:solidFill>
-            </p:spPr>
-          </p:pic>
-          <p:pic>
-            <p:nvPicPr>
-              <p:cNvPr id="31" name="Imagem 30" descr="Uma imagem contendo Logotipo&#10;&#10;Descrição gerada automaticamente">
-                <a:extLst>
-                  <a:ext uri="{FF2B5EF4-FFF2-40B4-BE49-F238E27FC236}">
-                    <a16:creationId xmlns:a16="http://schemas.microsoft.com/office/drawing/2014/main" id="{7B413F85-C21F-43CC-9261-C1CAD8929637}"/>
-                  </a:ext>
-                </a:extLst>
-              </p:cNvPr>
-              <p:cNvPicPr>
-                <a:picLocks noChangeAspect="1"/>
-              </p:cNvPicPr>
-              <p:nvPr/>
-            </p:nvPicPr>
-            <p:blipFill>
-              <a:blip r:embed="rId4">
-                <a:extLst>
-                  <a:ext uri="{28A0092B-C50C-407E-A947-70E740481C1C}">
-                    <a14:useLocalDpi xmlns:a14="http://schemas.microsoft.com/office/drawing/2010/main" val="0"/>
-                  </a:ext>
-                </a:extLst>
-              </a:blip>
-              <a:stretch>
-                <a:fillRect/>
-              </a:stretch>
-            </p:blipFill>
-            <p:spPr>
-              <a:xfrm>
-                <a:off x="2852459" y="3602472"/>
-                <a:ext cx="486938" cy="469231"/>
-              </a:xfrm>
-              <a:prstGeom prst="rect">
-                <a:avLst/>
-              </a:prstGeom>
-            </p:spPr>
-          </p:pic>
-        </p:grpSp>
+            <a:prstGeom prst="rect">
+              <a:avLst/>
+            </a:prstGeom>
+          </p:spPr>
+        </p:pic>
         <p:grpSp>
           <p:nvGrpSpPr>
             <p:cNvPr id="28" name="Agrupar 27">
@@ -29579,7 +26292,7 @@
               <p:nvPr/>
             </p:nvPicPr>
             <p:blipFill>
-              <a:blip r:embed="rId5">
+              <a:blip r:embed="rId4">
                 <a:extLst>
                   <a:ext uri="{28A0092B-C50C-407E-A947-70E740481C1C}">
                     <a14:useLocalDpi xmlns:a14="http://schemas.microsoft.com/office/drawing/2010/main" val="0"/>
@@ -29614,46 +26327,6 @@
         </p:grpSp>
         <p:pic>
           <p:nvPicPr>
-            <p:cNvPr id="6146" name="Picture 2" descr="Discovery - Free miscellaneous icons">
-              <a:extLst>
-                <a:ext uri="{FF2B5EF4-FFF2-40B4-BE49-F238E27FC236}">
-                  <a16:creationId xmlns:a16="http://schemas.microsoft.com/office/drawing/2014/main" id="{BDE8C2D7-AC91-45A8-97BC-6ADF3618C494}"/>
-                </a:ext>
-              </a:extLst>
-            </p:cNvPr>
-            <p:cNvPicPr>
-              <a:picLocks noChangeAspect="1" noChangeArrowheads="1"/>
-            </p:cNvPicPr>
-            <p:nvPr/>
-          </p:nvPicPr>
-          <p:blipFill>
-            <a:blip r:embed="rId6">
-              <a:extLst>
-                <a:ext uri="{28A0092B-C50C-407E-A947-70E740481C1C}">
-                  <a14:useLocalDpi xmlns:a14="http://schemas.microsoft.com/office/drawing/2010/main" val="0"/>
-                </a:ext>
-              </a:extLst>
-            </a:blip>
-            <a:srcRect/>
-            <a:stretch>
-              <a:fillRect/>
-            </a:stretch>
-          </p:blipFill>
-          <p:spPr bwMode="auto">
-            <a:xfrm>
-              <a:off x="6293777" y="4426105"/>
-              <a:ext cx="727999" cy="697097"/>
-            </a:xfrm>
-            <a:prstGeom prst="rect">
-              <a:avLst/>
-            </a:prstGeom>
-            <a:solidFill>
-              <a:schemeClr val="accent6"/>
-            </a:solidFill>
-          </p:spPr>
-        </p:pic>
-        <p:pic>
-          <p:nvPicPr>
             <p:cNvPr id="7170" name="Picture 2" descr="Quer fazer uma equipe amadora ? [Leia] - Riot Games">
               <a:extLst>
                 <a:ext uri="{FF2B5EF4-FFF2-40B4-BE49-F238E27FC236}">
@@ -29667,7 +26340,7 @@
             <p:nvPr/>
           </p:nvPicPr>
           <p:blipFill>
-            <a:blip r:embed="rId7">
+            <a:blip r:embed="rId5">
               <a:extLst>
                 <a:ext uri="{28A0092B-C50C-407E-A947-70E740481C1C}">
                   <a14:useLocalDpi xmlns:a14="http://schemas.microsoft.com/office/drawing/2010/main" val="0"/>
@@ -29692,103 +26365,42 @@
             </a:solidFill>
           </p:spPr>
         </p:pic>
-        <p:grpSp>
-          <p:nvGrpSpPr>
-            <p:cNvPr id="53" name="Agrupar 52">
+        <p:pic>
+          <p:nvPicPr>
+            <p:cNvPr id="19" name="Imagem 18" descr="Uma imagem contendo Logotipo&#10;&#10;Descrição gerada automaticamente">
               <a:extLst>
                 <a:ext uri="{FF2B5EF4-FFF2-40B4-BE49-F238E27FC236}">
-                  <a16:creationId xmlns:a16="http://schemas.microsoft.com/office/drawing/2014/main" id="{3827E9E3-E91C-488A-AA95-4413B8BCA945}"/>
+                  <a16:creationId xmlns:a16="http://schemas.microsoft.com/office/drawing/2014/main" id="{942377C0-DA38-4348-B871-730A11CC891A}"/>
                 </a:ext>
               </a:extLst>
             </p:cNvPr>
-            <p:cNvGrpSpPr/>
+            <p:cNvPicPr>
+              <a:picLocks noChangeAspect="1"/>
+            </p:cNvPicPr>
             <p:nvPr/>
-          </p:nvGrpSpPr>
-          <p:grpSpPr>
+          </p:nvPicPr>
+          <p:blipFill>
+            <a:blip r:embed="rId3">
+              <a:extLst>
+                <a:ext uri="{28A0092B-C50C-407E-A947-70E740481C1C}">
+                  <a14:useLocalDpi xmlns:a14="http://schemas.microsoft.com/office/drawing/2010/main" val="0"/>
+                </a:ext>
+              </a:extLst>
+            </a:blip>
+            <a:stretch>
+              <a:fillRect/>
+            </a:stretch>
+          </p:blipFill>
+          <p:spPr>
             <a:xfrm>
-              <a:off x="9988818" y="4077841"/>
-              <a:ext cx="723471" cy="1062195"/>
-              <a:chOff x="10055244" y="3505562"/>
-              <a:chExt cx="723471" cy="1062195"/>
+              <a:off x="10130090" y="4014978"/>
+              <a:ext cx="486938" cy="469231"/>
             </a:xfrm>
-          </p:grpSpPr>
-          <p:pic>
-            <p:nvPicPr>
-              <p:cNvPr id="8194" name="Picture 2" descr="crescimento icone">
-                <a:extLst>
-                  <a:ext uri="{FF2B5EF4-FFF2-40B4-BE49-F238E27FC236}">
-                    <a16:creationId xmlns:a16="http://schemas.microsoft.com/office/drawing/2014/main" id="{D47B6416-6B04-46B3-9B9E-D7D2C357E3F0}"/>
-                  </a:ext>
-                </a:extLst>
-              </p:cNvPr>
-              <p:cNvPicPr>
-                <a:picLocks noChangeAspect="1" noChangeArrowheads="1"/>
-              </p:cNvPicPr>
-              <p:nvPr/>
-            </p:nvPicPr>
-            <p:blipFill>
-              <a:blip r:embed="rId8">
-                <a:extLst>
-                  <a:ext uri="{28A0092B-C50C-407E-A947-70E740481C1C}">
-                    <a14:useLocalDpi xmlns:a14="http://schemas.microsoft.com/office/drawing/2010/main" val="0"/>
-                  </a:ext>
-                </a:extLst>
-              </a:blip>
-              <a:srcRect/>
-              <a:stretch>
-                <a:fillRect/>
-              </a:stretch>
-            </p:blipFill>
-            <p:spPr bwMode="auto">
-              <a:xfrm>
-                <a:off x="10055244" y="3878948"/>
-                <a:ext cx="723471" cy="688809"/>
-              </a:xfrm>
-              <a:prstGeom prst="rect">
-                <a:avLst/>
-              </a:prstGeom>
-              <a:solidFill>
-                <a:schemeClr val="accent6"/>
-              </a:solidFill>
-            </p:spPr>
-          </p:pic>
-          <p:pic>
-            <p:nvPicPr>
-              <p:cNvPr id="19" name="Imagem 18" descr="Uma imagem contendo Logotipo&#10;&#10;Descrição gerada automaticamente">
-                <a:extLst>
-                  <a:ext uri="{FF2B5EF4-FFF2-40B4-BE49-F238E27FC236}">
-                    <a16:creationId xmlns:a16="http://schemas.microsoft.com/office/drawing/2014/main" id="{942377C0-DA38-4348-B871-730A11CC891A}"/>
-                  </a:ext>
-                </a:extLst>
-              </p:cNvPr>
-              <p:cNvPicPr>
-                <a:picLocks noChangeAspect="1"/>
-              </p:cNvPicPr>
-              <p:nvPr/>
-            </p:nvPicPr>
-            <p:blipFill>
-              <a:blip r:embed="rId4">
-                <a:extLst>
-                  <a:ext uri="{28A0092B-C50C-407E-A947-70E740481C1C}">
-                    <a14:useLocalDpi xmlns:a14="http://schemas.microsoft.com/office/drawing/2010/main" val="0"/>
-                  </a:ext>
-                </a:extLst>
-              </a:blip>
-              <a:stretch>
-                <a:fillRect/>
-              </a:stretch>
-            </p:blipFill>
-            <p:spPr>
-              <a:xfrm>
-                <a:off x="10185039" y="3505562"/>
-                <a:ext cx="486938" cy="469231"/>
-              </a:xfrm>
-              <a:prstGeom prst="rect">
-                <a:avLst/>
-              </a:prstGeom>
-            </p:spPr>
-          </p:pic>
-        </p:grpSp>
+            <a:prstGeom prst="rect">
+              <a:avLst/>
+            </a:prstGeom>
+          </p:spPr>
+        </p:pic>
         <p:cxnSp>
           <p:nvCxnSpPr>
             <p:cNvPr id="32" name="Conector reto 31">
@@ -29843,13 +26455,12 @@
             </p:cNvPr>
             <p:cNvCxnSpPr>
               <a:cxnSpLocks/>
-              <a:endCxn id="31" idx="0"/>
             </p:cNvCxnSpPr>
             <p:nvPr/>
           </p:nvCxnSpPr>
           <p:spPr>
             <a:xfrm>
-              <a:off x="3095929" y="3559815"/>
+              <a:off x="3095929" y="3573883"/>
               <a:ext cx="5898" cy="483299"/>
             </a:xfrm>
             <a:prstGeom prst="line">
@@ -29931,14 +26542,13 @@
             </p:cNvPr>
             <p:cNvCxnSpPr>
               <a:cxnSpLocks/>
-              <a:endCxn id="6146" idx="0"/>
             </p:cNvCxnSpPr>
             <p:nvPr/>
           </p:nvCxnSpPr>
           <p:spPr>
             <a:xfrm>
               <a:off x="6657776" y="3573883"/>
-              <a:ext cx="1" cy="852222"/>
+              <a:ext cx="1" cy="818324"/>
             </a:xfrm>
             <a:prstGeom prst="line">
               <a:avLst/>
@@ -30023,8 +26633,8 @@
           </p:nvCxnSpPr>
           <p:spPr>
             <a:xfrm>
-              <a:off x="10353593" y="3588977"/>
-              <a:ext cx="5898" cy="483299"/>
+              <a:off x="10364621" y="3573883"/>
+              <a:ext cx="8938" cy="498393"/>
             </a:xfrm>
             <a:prstGeom prst="line">
               <a:avLst/>
@@ -30051,6 +26661,161 @@
           </p:style>
         </p:cxnSp>
       </p:grpSp>
+      <p:pic>
+        <p:nvPicPr>
+          <p:cNvPr id="42" name="Imagem 41" descr="Uma imagem contendo Logotipo&#10;&#10;Descrição gerada automaticamente">
+            <a:extLst>
+              <a:ext uri="{FF2B5EF4-FFF2-40B4-BE49-F238E27FC236}">
+                <a16:creationId xmlns:a16="http://schemas.microsoft.com/office/drawing/2014/main" id="{6F40C479-41E3-49C6-AE5D-36214CFEF873}"/>
+              </a:ext>
+            </a:extLst>
+          </p:cNvPr>
+          <p:cNvPicPr>
+            <a:picLocks noChangeAspect="1"/>
+          </p:cNvPicPr>
+          <p:nvPr/>
+        </p:nvPicPr>
+        <p:blipFill>
+          <a:blip r:embed="rId3">
+            <a:extLst>
+              <a:ext uri="{28A0092B-C50C-407E-A947-70E740481C1C}">
+                <a14:useLocalDpi xmlns:a14="http://schemas.microsoft.com/office/drawing/2010/main" val="0"/>
+              </a:ext>
+            </a:extLst>
+          </a:blip>
+          <a:stretch>
+            <a:fillRect/>
+          </a:stretch>
+        </p:blipFill>
+        <p:spPr>
+          <a:xfrm>
+            <a:off x="6640803" y="4187694"/>
+            <a:ext cx="486938" cy="469231"/>
+          </a:xfrm>
+          <a:prstGeom prst="rect">
+            <a:avLst/>
+          </a:prstGeom>
+        </p:spPr>
+      </p:pic>
+      <p:pic>
+        <p:nvPicPr>
+          <p:cNvPr id="40" name="Imagem 39" descr="Uma imagem contendo Logotipo&#10;&#10;Descrição gerada automaticamente">
+            <a:extLst>
+              <a:ext uri="{FF2B5EF4-FFF2-40B4-BE49-F238E27FC236}">
+                <a16:creationId xmlns:a16="http://schemas.microsoft.com/office/drawing/2014/main" id="{527CF163-91C6-45E0-A42C-A42C37B4B423}"/>
+              </a:ext>
+            </a:extLst>
+          </p:cNvPr>
+          <p:cNvPicPr>
+            <a:picLocks noChangeAspect="1"/>
+          </p:cNvPicPr>
+          <p:nvPr/>
+        </p:nvPicPr>
+        <p:blipFill>
+          <a:blip r:embed="rId3">
+            <a:extLst>
+              <a:ext uri="{28A0092B-C50C-407E-A947-70E740481C1C}">
+                <a14:useLocalDpi xmlns:a14="http://schemas.microsoft.com/office/drawing/2010/main" val="0"/>
+              </a:ext>
+            </a:extLst>
+          </a:blip>
+          <a:stretch>
+            <a:fillRect/>
+          </a:stretch>
+        </p:blipFill>
+        <p:spPr>
+          <a:xfrm>
+            <a:off x="10217774" y="4564921"/>
+            <a:ext cx="764561" cy="736759"/>
+          </a:xfrm>
+          <a:prstGeom prst="rect">
+            <a:avLst/>
+          </a:prstGeom>
+          <a:solidFill>
+            <a:schemeClr val="accent6"/>
+          </a:solidFill>
+        </p:spPr>
+      </p:pic>
+      <p:pic>
+        <p:nvPicPr>
+          <p:cNvPr id="43" name="Picture 2" descr="Discovery - Free miscellaneous icons">
+            <a:extLst>
+              <a:ext uri="{FF2B5EF4-FFF2-40B4-BE49-F238E27FC236}">
+                <a16:creationId xmlns:a16="http://schemas.microsoft.com/office/drawing/2014/main" id="{9883DBC2-6690-4EB5-9C21-8A0DA336A41D}"/>
+              </a:ext>
+            </a:extLst>
+          </p:cNvPr>
+          <p:cNvPicPr>
+            <a:picLocks noChangeAspect="1" noChangeArrowheads="1"/>
+          </p:cNvPicPr>
+          <p:nvPr/>
+        </p:nvPicPr>
+        <p:blipFill>
+          <a:blip r:embed="rId6">
+            <a:extLst>
+              <a:ext uri="{28A0092B-C50C-407E-A947-70E740481C1C}">
+                <a14:useLocalDpi xmlns:a14="http://schemas.microsoft.com/office/drawing/2010/main" val="0"/>
+              </a:ext>
+            </a:extLst>
+          </a:blip>
+          <a:srcRect/>
+          <a:stretch>
+            <a:fillRect/>
+          </a:stretch>
+        </p:blipFill>
+        <p:spPr bwMode="auto">
+          <a:xfrm>
+            <a:off x="6545576" y="4564921"/>
+            <a:ext cx="727999" cy="736759"/>
+          </a:xfrm>
+          <a:prstGeom prst="rect">
+            <a:avLst/>
+          </a:prstGeom>
+          <a:solidFill>
+            <a:schemeClr val="accent6"/>
+          </a:solidFill>
+        </p:spPr>
+      </p:pic>
+      <p:pic>
+        <p:nvPicPr>
+          <p:cNvPr id="46" name="Picture 2" descr="Ícone do gamepad - Baixar PNG/SVG Transparente">
+            <a:extLst>
+              <a:ext uri="{FF2B5EF4-FFF2-40B4-BE49-F238E27FC236}">
+                <a16:creationId xmlns:a16="http://schemas.microsoft.com/office/drawing/2014/main" id="{7ED8233E-8675-4772-AF30-AFEFCE49E375}"/>
+              </a:ext>
+            </a:extLst>
+          </p:cNvPr>
+          <p:cNvPicPr>
+            <a:picLocks noChangeAspect="1" noChangeArrowheads="1"/>
+          </p:cNvPicPr>
+          <p:nvPr/>
+        </p:nvPicPr>
+        <p:blipFill>
+          <a:blip r:embed="rId7">
+            <a:extLst>
+              <a:ext uri="{28A0092B-C50C-407E-A947-70E740481C1C}">
+                <a14:useLocalDpi xmlns:a14="http://schemas.microsoft.com/office/drawing/2010/main" val="0"/>
+              </a:ext>
+            </a:extLst>
+          </a:blip>
+          <a:srcRect/>
+          <a:stretch>
+            <a:fillRect/>
+          </a:stretch>
+        </p:blipFill>
+        <p:spPr bwMode="auto">
+          <a:xfrm>
+            <a:off x="2956336" y="4564921"/>
+            <a:ext cx="732177" cy="736759"/>
+          </a:xfrm>
+          <a:prstGeom prst="rect">
+            <a:avLst/>
+          </a:prstGeom>
+          <a:solidFill>
+            <a:schemeClr val="accent6"/>
+          </a:solidFill>
+        </p:spPr>
+      </p:pic>
     </p:spTree>
     <p:extLst>
       <p:ext uri="{BB962C8B-B14F-4D97-AF65-F5344CB8AC3E}">
@@ -34843,7 +31608,13 @@
         <p:nvGraphicFramePr>
           <p:cNvPr id="11" name="Espaço Reservado para Conteúdo 2"/>
           <p:cNvGraphicFramePr/>
-          <p:nvPr/>
+          <p:nvPr>
+            <p:extLst>
+              <p:ext uri="{D42A27DB-BD31-4B8C-83A1-F6EECF244321}">
+                <p14:modId xmlns:p14="http://schemas.microsoft.com/office/powerpoint/2010/main" val="1533816825"/>
+              </p:ext>
+            </p:extLst>
+          </p:nvPr>
         </p:nvGraphicFramePr>
         <p:xfrm>
           <a:off x="-1007970" y="2968216"/>
@@ -35735,31 +32506,940 @@
           </p:txBody>
         </p:sp>
       </p:grpSp>
-      <p:graphicFrame>
-        <p:nvGraphicFramePr>
-          <p:cNvPr id="5" name="Espaço Reservado para Conteúdo 2"/>
-          <p:cNvGraphicFramePr>
-            <a:graphicFrameLocks noGrp="1"/>
-          </p:cNvGraphicFramePr>
-          <p:nvPr>
-            <p:ph idx="1"/>
-            <p:extLst>
-              <p:ext uri="{D42A27DB-BD31-4B8C-83A1-F6EECF244321}">
-                <p14:modId xmlns:p14="http://schemas.microsoft.com/office/powerpoint/2010/main" val="3489014064"/>
-              </p:ext>
-            </p:extLst>
-          </p:nvPr>
-        </p:nvGraphicFramePr>
-        <p:xfrm>
-          <a:off x="901014" y="2356758"/>
-          <a:ext cx="10389972" cy="3598769"/>
-        </p:xfrm>
-        <a:graphic>
-          <a:graphicData uri="http://schemas.openxmlformats.org/drawingml/2006/diagram">
-            <dgm:relIds xmlns:dgm="http://schemas.openxmlformats.org/drawingml/2006/diagram" xmlns:r="http://schemas.openxmlformats.org/officeDocument/2006/relationships" r:dm="rId2" r:lo="rId3" r:qs="rId4" r:cs="rId5"/>
-          </a:graphicData>
-        </a:graphic>
-      </p:graphicFrame>
+      <p:sp>
+        <p:nvSpPr>
+          <p:cNvPr id="4" name="Elipse 3">
+            <a:extLst>
+              <a:ext uri="{FF2B5EF4-FFF2-40B4-BE49-F238E27FC236}">
+                <a16:creationId xmlns:a16="http://schemas.microsoft.com/office/drawing/2014/main" id="{364E2A3D-87B2-4929-90BF-EF5E0BC5F7F1}"/>
+              </a:ext>
+            </a:extLst>
+          </p:cNvPr>
+          <p:cNvSpPr/>
+          <p:nvPr/>
+        </p:nvSpPr>
+        <p:spPr>
+          <a:xfrm>
+            <a:off x="1819507" y="2968767"/>
+            <a:ext cx="1261746" cy="1261746"/>
+          </a:xfrm>
+          <a:prstGeom prst="ellipse">
+            <a:avLst/>
+          </a:prstGeom>
+        </p:spPr>
+        <p:style>
+          <a:lnRef idx="3">
+            <a:schemeClr val="lt1"/>
+          </a:lnRef>
+          <a:fillRef idx="1">
+            <a:schemeClr val="accent6"/>
+          </a:fillRef>
+          <a:effectRef idx="1">
+            <a:schemeClr val="accent6"/>
+          </a:effectRef>
+          <a:fontRef idx="minor">
+            <a:schemeClr val="lt1"/>
+          </a:fontRef>
+        </p:style>
+      </p:sp>
+      <p:sp>
+        <p:nvSpPr>
+          <p:cNvPr id="7" name="Retângulo 6">
+            <a:extLst>
+              <a:ext uri="{FF2B5EF4-FFF2-40B4-BE49-F238E27FC236}">
+                <a16:creationId xmlns:a16="http://schemas.microsoft.com/office/drawing/2014/main" id="{D64757E7-3B95-4F83-8845-7259D6481E9A}"/>
+              </a:ext>
+            </a:extLst>
+          </p:cNvPr>
+          <p:cNvSpPr/>
+          <p:nvPr/>
+        </p:nvSpPr>
+        <p:spPr>
+          <a:xfrm>
+            <a:off x="2088404" y="3237664"/>
+            <a:ext cx="723952" cy="723952"/>
+          </a:xfrm>
+          <a:prstGeom prst="rect">
+            <a:avLst/>
+          </a:prstGeom>
+          <a:blipFill>
+            <a:blip r:embed="rId2" cstate="print">
+              <a:extLst>
+                <a:ext uri="{28A0092B-C50C-407E-A947-70E740481C1C}">
+                  <a14:useLocalDpi xmlns:a14="http://schemas.microsoft.com/office/drawing/2010/main" val="0"/>
+                </a:ext>
+              </a:extLst>
+            </a:blip>
+            <a:srcRect/>
+            <a:stretch>
+              <a:fillRect/>
+            </a:stretch>
+          </a:blipFill>
+          <a:ln>
+            <a:noFill/>
+          </a:ln>
+        </p:spPr>
+        <p:style>
+          <a:lnRef idx="2">
+            <a:scrgbClr r="0" g="0" b="0"/>
+          </a:lnRef>
+          <a:fillRef idx="1">
+            <a:scrgbClr r="0" g="0" b="0"/>
+          </a:fillRef>
+          <a:effectRef idx="0">
+            <a:schemeClr val="bg1">
+              <a:hueOff val="0"/>
+              <a:satOff val="0"/>
+              <a:lumOff val="0"/>
+              <a:alphaOff val="0"/>
+            </a:schemeClr>
+          </a:effectRef>
+          <a:fontRef idx="minor">
+            <a:schemeClr val="dk1">
+              <a:hueOff val="0"/>
+              <a:satOff val="0"/>
+              <a:lumOff val="0"/>
+              <a:alphaOff val="0"/>
+            </a:schemeClr>
+          </a:fontRef>
+        </p:style>
+      </p:sp>
+      <p:sp>
+        <p:nvSpPr>
+          <p:cNvPr id="15" name="Forma Livre: Forma 14">
+            <a:extLst>
+              <a:ext uri="{FF2B5EF4-FFF2-40B4-BE49-F238E27FC236}">
+                <a16:creationId xmlns:a16="http://schemas.microsoft.com/office/drawing/2014/main" id="{121F804D-DDFC-4DED-B2DB-93DC62F53703}"/>
+              </a:ext>
+            </a:extLst>
+          </p:cNvPr>
+          <p:cNvSpPr/>
+          <p:nvPr/>
+        </p:nvSpPr>
+        <p:spPr>
+          <a:xfrm>
+            <a:off x="1416162" y="4623517"/>
+            <a:ext cx="2068436" cy="720000"/>
+          </a:xfrm>
+          <a:custGeom>
+            <a:avLst/>
+            <a:gdLst>
+              <a:gd name="connsiteX0" fmla="*/ 0 w 2068436"/>
+              <a:gd name="connsiteY0" fmla="*/ 0 h 720000"/>
+              <a:gd name="connsiteX1" fmla="*/ 2068436 w 2068436"/>
+              <a:gd name="connsiteY1" fmla="*/ 0 h 720000"/>
+              <a:gd name="connsiteX2" fmla="*/ 2068436 w 2068436"/>
+              <a:gd name="connsiteY2" fmla="*/ 720000 h 720000"/>
+              <a:gd name="connsiteX3" fmla="*/ 0 w 2068436"/>
+              <a:gd name="connsiteY3" fmla="*/ 720000 h 720000"/>
+              <a:gd name="connsiteX4" fmla="*/ 0 w 2068436"/>
+              <a:gd name="connsiteY4" fmla="*/ 0 h 720000"/>
+            </a:gdLst>
+            <a:ahLst/>
+            <a:cxnLst>
+              <a:cxn ang="0">
+                <a:pos x="connsiteX0" y="connsiteY0"/>
+              </a:cxn>
+              <a:cxn ang="0">
+                <a:pos x="connsiteX1" y="connsiteY1"/>
+              </a:cxn>
+              <a:cxn ang="0">
+                <a:pos x="connsiteX2" y="connsiteY2"/>
+              </a:cxn>
+              <a:cxn ang="0">
+                <a:pos x="connsiteX3" y="connsiteY3"/>
+              </a:cxn>
+              <a:cxn ang="0">
+                <a:pos x="connsiteX4" y="connsiteY4"/>
+              </a:cxn>
+            </a:cxnLst>
+            <a:rect l="l" t="t" r="r" b="b"/>
+            <a:pathLst>
+              <a:path w="2068436" h="720000">
+                <a:moveTo>
+                  <a:pt x="0" y="0"/>
+                </a:moveTo>
+                <a:lnTo>
+                  <a:pt x="2068436" y="0"/>
+                </a:lnTo>
+                <a:lnTo>
+                  <a:pt x="2068436" y="720000"/>
+                </a:lnTo>
+                <a:lnTo>
+                  <a:pt x="0" y="720000"/>
+                </a:lnTo>
+                <a:lnTo>
+                  <a:pt x="0" y="0"/>
+                </a:lnTo>
+                <a:close/>
+              </a:path>
+            </a:pathLst>
+          </a:custGeom>
+        </p:spPr>
+        <p:style>
+          <a:lnRef idx="0">
+            <a:schemeClr val="dk1">
+              <a:alpha val="0"/>
+              <a:hueOff val="0"/>
+              <a:satOff val="0"/>
+              <a:lumOff val="0"/>
+              <a:alphaOff val="0"/>
+            </a:schemeClr>
+          </a:lnRef>
+          <a:fillRef idx="0">
+            <a:schemeClr val="lt1">
+              <a:alpha val="0"/>
+              <a:hueOff val="0"/>
+              <a:satOff val="0"/>
+              <a:lumOff val="0"/>
+              <a:alphaOff val="0"/>
+            </a:schemeClr>
+          </a:fillRef>
+          <a:effectRef idx="0">
+            <a:schemeClr val="lt1">
+              <a:alpha val="0"/>
+              <a:hueOff val="0"/>
+              <a:satOff val="0"/>
+              <a:lumOff val="0"/>
+              <a:alphaOff val="0"/>
+            </a:schemeClr>
+          </a:effectRef>
+          <a:fontRef idx="minor">
+            <a:schemeClr val="tx1">
+              <a:hueOff val="0"/>
+              <a:satOff val="0"/>
+              <a:lumOff val="0"/>
+              <a:alphaOff val="0"/>
+            </a:schemeClr>
+          </a:fontRef>
+        </p:style>
+        <p:txBody>
+          <a:bodyPr spcFirstLastPara="0" vert="horz" wrap="square" lIns="0" tIns="0" rIns="0" bIns="0" numCol="1" spcCol="1270" anchor="t" anchorCtr="0">
+            <a:noAutofit/>
+          </a:bodyPr>
+          <a:lstStyle/>
+          <a:p>
+            <a:pPr marL="0" lvl="0" indent="0" algn="ctr" defTabSz="711200">
+              <a:lnSpc>
+                <a:spcPct val="90000"/>
+              </a:lnSpc>
+              <a:spcBef>
+                <a:spcPct val="0"/>
+              </a:spcBef>
+              <a:spcAft>
+                <a:spcPct val="35000"/>
+              </a:spcAft>
+              <a:buNone/>
+            </a:pPr>
+            <a:r>
+              <a:rPr lang="pt-BR" sz="1600" kern="1200" dirty="0"/>
+              <a:t>Melhorar a experiência do jogador</a:t>
+            </a:r>
+            <a:endParaRPr lang="en-US" sz="1600" kern="1200" dirty="0"/>
+          </a:p>
+        </p:txBody>
+      </p:sp>
+      <p:sp>
+        <p:nvSpPr>
+          <p:cNvPr id="16" name="Elipse 15">
+            <a:extLst>
+              <a:ext uri="{FF2B5EF4-FFF2-40B4-BE49-F238E27FC236}">
+                <a16:creationId xmlns:a16="http://schemas.microsoft.com/office/drawing/2014/main" id="{B67F79F1-9396-4B9B-810D-A28DEE7C59EE}"/>
+              </a:ext>
+            </a:extLst>
+          </p:cNvPr>
+          <p:cNvSpPr/>
+          <p:nvPr/>
+        </p:nvSpPr>
+        <p:spPr>
+          <a:xfrm>
+            <a:off x="4249920" y="2968767"/>
+            <a:ext cx="1261746" cy="1261746"/>
+          </a:xfrm>
+          <a:prstGeom prst="ellipse">
+            <a:avLst/>
+          </a:prstGeom>
+        </p:spPr>
+        <p:style>
+          <a:lnRef idx="3">
+            <a:schemeClr val="lt1"/>
+          </a:lnRef>
+          <a:fillRef idx="1">
+            <a:schemeClr val="accent6"/>
+          </a:fillRef>
+          <a:effectRef idx="1">
+            <a:schemeClr val="accent6"/>
+          </a:effectRef>
+          <a:fontRef idx="minor">
+            <a:schemeClr val="lt1"/>
+          </a:fontRef>
+        </p:style>
+      </p:sp>
+      <p:sp>
+        <p:nvSpPr>
+          <p:cNvPr id="17" name="Retângulo 16">
+            <a:extLst>
+              <a:ext uri="{FF2B5EF4-FFF2-40B4-BE49-F238E27FC236}">
+                <a16:creationId xmlns:a16="http://schemas.microsoft.com/office/drawing/2014/main" id="{158EB867-264B-4D26-962F-F0ABDB6F2FD9}"/>
+              </a:ext>
+            </a:extLst>
+          </p:cNvPr>
+          <p:cNvSpPr/>
+          <p:nvPr/>
+        </p:nvSpPr>
+        <p:spPr>
+          <a:xfrm>
+            <a:off x="4518817" y="3237664"/>
+            <a:ext cx="723952" cy="723952"/>
+          </a:xfrm>
+          <a:prstGeom prst="rect">
+            <a:avLst/>
+          </a:prstGeom>
+          <a:blipFill>
+            <a:blip r:embed="rId3" cstate="print">
+              <a:extLst>
+                <a:ext uri="{28A0092B-C50C-407E-A947-70E740481C1C}">
+                  <a14:useLocalDpi xmlns:a14="http://schemas.microsoft.com/office/drawing/2010/main" val="0"/>
+                </a:ext>
+              </a:extLst>
+            </a:blip>
+            <a:srcRect/>
+            <a:stretch>
+              <a:fillRect/>
+            </a:stretch>
+          </a:blipFill>
+          <a:ln>
+            <a:noFill/>
+          </a:ln>
+        </p:spPr>
+        <p:style>
+          <a:lnRef idx="2">
+            <a:scrgbClr r="0" g="0" b="0"/>
+          </a:lnRef>
+          <a:fillRef idx="1">
+            <a:scrgbClr r="0" g="0" b="0"/>
+          </a:fillRef>
+          <a:effectRef idx="0">
+            <a:schemeClr val="bg1">
+              <a:hueOff val="0"/>
+              <a:satOff val="0"/>
+              <a:lumOff val="0"/>
+              <a:alphaOff val="0"/>
+            </a:schemeClr>
+          </a:effectRef>
+          <a:fontRef idx="minor">
+            <a:schemeClr val="dk1">
+              <a:hueOff val="0"/>
+              <a:satOff val="0"/>
+              <a:lumOff val="0"/>
+              <a:alphaOff val="0"/>
+            </a:schemeClr>
+          </a:fontRef>
+        </p:style>
+      </p:sp>
+      <p:sp>
+        <p:nvSpPr>
+          <p:cNvPr id="18" name="Forma Livre: Forma 17">
+            <a:extLst>
+              <a:ext uri="{FF2B5EF4-FFF2-40B4-BE49-F238E27FC236}">
+                <a16:creationId xmlns:a16="http://schemas.microsoft.com/office/drawing/2014/main" id="{F5790D2E-26F9-4E4F-88DB-6FF74620C6A6}"/>
+              </a:ext>
+            </a:extLst>
+          </p:cNvPr>
+          <p:cNvSpPr/>
+          <p:nvPr/>
+        </p:nvSpPr>
+        <p:spPr>
+          <a:xfrm>
+            <a:off x="3846575" y="4623517"/>
+            <a:ext cx="2068436" cy="720000"/>
+          </a:xfrm>
+          <a:custGeom>
+            <a:avLst/>
+            <a:gdLst>
+              <a:gd name="connsiteX0" fmla="*/ 0 w 2068436"/>
+              <a:gd name="connsiteY0" fmla="*/ 0 h 720000"/>
+              <a:gd name="connsiteX1" fmla="*/ 2068436 w 2068436"/>
+              <a:gd name="connsiteY1" fmla="*/ 0 h 720000"/>
+              <a:gd name="connsiteX2" fmla="*/ 2068436 w 2068436"/>
+              <a:gd name="connsiteY2" fmla="*/ 720000 h 720000"/>
+              <a:gd name="connsiteX3" fmla="*/ 0 w 2068436"/>
+              <a:gd name="connsiteY3" fmla="*/ 720000 h 720000"/>
+              <a:gd name="connsiteX4" fmla="*/ 0 w 2068436"/>
+              <a:gd name="connsiteY4" fmla="*/ 0 h 720000"/>
+            </a:gdLst>
+            <a:ahLst/>
+            <a:cxnLst>
+              <a:cxn ang="0">
+                <a:pos x="connsiteX0" y="connsiteY0"/>
+              </a:cxn>
+              <a:cxn ang="0">
+                <a:pos x="connsiteX1" y="connsiteY1"/>
+              </a:cxn>
+              <a:cxn ang="0">
+                <a:pos x="connsiteX2" y="connsiteY2"/>
+              </a:cxn>
+              <a:cxn ang="0">
+                <a:pos x="connsiteX3" y="connsiteY3"/>
+              </a:cxn>
+              <a:cxn ang="0">
+                <a:pos x="connsiteX4" y="connsiteY4"/>
+              </a:cxn>
+            </a:cxnLst>
+            <a:rect l="l" t="t" r="r" b="b"/>
+            <a:pathLst>
+              <a:path w="2068436" h="720000">
+                <a:moveTo>
+                  <a:pt x="0" y="0"/>
+                </a:moveTo>
+                <a:lnTo>
+                  <a:pt x="2068436" y="0"/>
+                </a:lnTo>
+                <a:lnTo>
+                  <a:pt x="2068436" y="720000"/>
+                </a:lnTo>
+                <a:lnTo>
+                  <a:pt x="0" y="720000"/>
+                </a:lnTo>
+                <a:lnTo>
+                  <a:pt x="0" y="0"/>
+                </a:lnTo>
+                <a:close/>
+              </a:path>
+            </a:pathLst>
+          </a:custGeom>
+        </p:spPr>
+        <p:style>
+          <a:lnRef idx="0">
+            <a:schemeClr val="dk1">
+              <a:alpha val="0"/>
+              <a:hueOff val="0"/>
+              <a:satOff val="0"/>
+              <a:lumOff val="0"/>
+              <a:alphaOff val="0"/>
+            </a:schemeClr>
+          </a:lnRef>
+          <a:fillRef idx="0">
+            <a:schemeClr val="lt1">
+              <a:alpha val="0"/>
+              <a:hueOff val="0"/>
+              <a:satOff val="0"/>
+              <a:lumOff val="0"/>
+              <a:alphaOff val="0"/>
+            </a:schemeClr>
+          </a:fillRef>
+          <a:effectRef idx="0">
+            <a:schemeClr val="lt1">
+              <a:alpha val="0"/>
+              <a:hueOff val="0"/>
+              <a:satOff val="0"/>
+              <a:lumOff val="0"/>
+              <a:alphaOff val="0"/>
+            </a:schemeClr>
+          </a:effectRef>
+          <a:fontRef idx="minor">
+            <a:schemeClr val="tx1">
+              <a:hueOff val="0"/>
+              <a:satOff val="0"/>
+              <a:lumOff val="0"/>
+              <a:alphaOff val="0"/>
+            </a:schemeClr>
+          </a:fontRef>
+        </p:style>
+        <p:txBody>
+          <a:bodyPr spcFirstLastPara="0" vert="horz" wrap="square" lIns="0" tIns="0" rIns="0" bIns="0" numCol="1" spcCol="1270" anchor="t" anchorCtr="0">
+            <a:noAutofit/>
+          </a:bodyPr>
+          <a:lstStyle/>
+          <a:p>
+            <a:pPr marL="0" lvl="0" indent="0" algn="ctr" defTabSz="711200">
+              <a:lnSpc>
+                <a:spcPct val="90000"/>
+              </a:lnSpc>
+              <a:spcBef>
+                <a:spcPct val="0"/>
+              </a:spcBef>
+              <a:spcAft>
+                <a:spcPct val="35000"/>
+              </a:spcAft>
+              <a:buNone/>
+            </a:pPr>
+            <a:r>
+              <a:rPr lang="pt-BR" sz="1600" kern="1200"/>
+              <a:t>Facilitar a criação de times</a:t>
+            </a:r>
+            <a:endParaRPr lang="en-US" sz="1600" kern="1200"/>
+          </a:p>
+        </p:txBody>
+      </p:sp>
+      <p:sp>
+        <p:nvSpPr>
+          <p:cNvPr id="19" name="Elipse 18">
+            <a:extLst>
+              <a:ext uri="{FF2B5EF4-FFF2-40B4-BE49-F238E27FC236}">
+                <a16:creationId xmlns:a16="http://schemas.microsoft.com/office/drawing/2014/main" id="{6395D1BF-8186-47EB-A036-F786886895ED}"/>
+              </a:ext>
+            </a:extLst>
+          </p:cNvPr>
+          <p:cNvSpPr/>
+          <p:nvPr/>
+        </p:nvSpPr>
+        <p:spPr>
+          <a:xfrm>
+            <a:off x="6680333" y="2968767"/>
+            <a:ext cx="1261746" cy="1261746"/>
+          </a:xfrm>
+          <a:prstGeom prst="ellipse">
+            <a:avLst/>
+          </a:prstGeom>
+        </p:spPr>
+        <p:style>
+          <a:lnRef idx="3">
+            <a:schemeClr val="lt1"/>
+          </a:lnRef>
+          <a:fillRef idx="1">
+            <a:schemeClr val="accent6"/>
+          </a:fillRef>
+          <a:effectRef idx="1">
+            <a:schemeClr val="accent6"/>
+          </a:effectRef>
+          <a:fontRef idx="minor">
+            <a:schemeClr val="lt1"/>
+          </a:fontRef>
+        </p:style>
+      </p:sp>
+      <p:sp>
+        <p:nvSpPr>
+          <p:cNvPr id="20" name="Retângulo 19">
+            <a:extLst>
+              <a:ext uri="{FF2B5EF4-FFF2-40B4-BE49-F238E27FC236}">
+                <a16:creationId xmlns:a16="http://schemas.microsoft.com/office/drawing/2014/main" id="{E55A3A22-BC02-4B61-B054-9D74B1EA06E2}"/>
+              </a:ext>
+            </a:extLst>
+          </p:cNvPr>
+          <p:cNvSpPr/>
+          <p:nvPr/>
+        </p:nvSpPr>
+        <p:spPr>
+          <a:xfrm>
+            <a:off x="6949230" y="3237664"/>
+            <a:ext cx="723952" cy="723952"/>
+          </a:xfrm>
+          <a:prstGeom prst="rect">
+            <a:avLst/>
+          </a:prstGeom>
+          <a:blipFill>
+            <a:blip r:embed="rId4" cstate="print">
+              <a:extLst>
+                <a:ext uri="{28A0092B-C50C-407E-A947-70E740481C1C}">
+                  <a14:useLocalDpi xmlns:a14="http://schemas.microsoft.com/office/drawing/2010/main" val="0"/>
+                </a:ext>
+              </a:extLst>
+            </a:blip>
+            <a:srcRect/>
+            <a:stretch>
+              <a:fillRect/>
+            </a:stretch>
+          </a:blipFill>
+          <a:ln>
+            <a:noFill/>
+          </a:ln>
+        </p:spPr>
+        <p:style>
+          <a:lnRef idx="2">
+            <a:scrgbClr r="0" g="0" b="0"/>
+          </a:lnRef>
+          <a:fillRef idx="1">
+            <a:scrgbClr r="0" g="0" b="0"/>
+          </a:fillRef>
+          <a:effectRef idx="0">
+            <a:schemeClr val="bg1">
+              <a:hueOff val="0"/>
+              <a:satOff val="0"/>
+              <a:lumOff val="0"/>
+              <a:alphaOff val="0"/>
+            </a:schemeClr>
+          </a:effectRef>
+          <a:fontRef idx="minor">
+            <a:schemeClr val="dk1">
+              <a:hueOff val="0"/>
+              <a:satOff val="0"/>
+              <a:lumOff val="0"/>
+              <a:alphaOff val="0"/>
+            </a:schemeClr>
+          </a:fontRef>
+        </p:style>
+      </p:sp>
+      <p:sp>
+        <p:nvSpPr>
+          <p:cNvPr id="21" name="Forma Livre: Forma 20">
+            <a:extLst>
+              <a:ext uri="{FF2B5EF4-FFF2-40B4-BE49-F238E27FC236}">
+                <a16:creationId xmlns:a16="http://schemas.microsoft.com/office/drawing/2014/main" id="{75930C96-8A9A-4268-A647-F3165AAE9551}"/>
+              </a:ext>
+            </a:extLst>
+          </p:cNvPr>
+          <p:cNvSpPr/>
+          <p:nvPr/>
+        </p:nvSpPr>
+        <p:spPr>
+          <a:xfrm>
+            <a:off x="6276988" y="4623517"/>
+            <a:ext cx="2068436" cy="720000"/>
+          </a:xfrm>
+          <a:custGeom>
+            <a:avLst/>
+            <a:gdLst>
+              <a:gd name="connsiteX0" fmla="*/ 0 w 2068436"/>
+              <a:gd name="connsiteY0" fmla="*/ 0 h 720000"/>
+              <a:gd name="connsiteX1" fmla="*/ 2068436 w 2068436"/>
+              <a:gd name="connsiteY1" fmla="*/ 0 h 720000"/>
+              <a:gd name="connsiteX2" fmla="*/ 2068436 w 2068436"/>
+              <a:gd name="connsiteY2" fmla="*/ 720000 h 720000"/>
+              <a:gd name="connsiteX3" fmla="*/ 0 w 2068436"/>
+              <a:gd name="connsiteY3" fmla="*/ 720000 h 720000"/>
+              <a:gd name="connsiteX4" fmla="*/ 0 w 2068436"/>
+              <a:gd name="connsiteY4" fmla="*/ 0 h 720000"/>
+            </a:gdLst>
+            <a:ahLst/>
+            <a:cxnLst>
+              <a:cxn ang="0">
+                <a:pos x="connsiteX0" y="connsiteY0"/>
+              </a:cxn>
+              <a:cxn ang="0">
+                <a:pos x="connsiteX1" y="connsiteY1"/>
+              </a:cxn>
+              <a:cxn ang="0">
+                <a:pos x="connsiteX2" y="connsiteY2"/>
+              </a:cxn>
+              <a:cxn ang="0">
+                <a:pos x="connsiteX3" y="connsiteY3"/>
+              </a:cxn>
+              <a:cxn ang="0">
+                <a:pos x="connsiteX4" y="connsiteY4"/>
+              </a:cxn>
+            </a:cxnLst>
+            <a:rect l="l" t="t" r="r" b="b"/>
+            <a:pathLst>
+              <a:path w="2068436" h="720000">
+                <a:moveTo>
+                  <a:pt x="0" y="0"/>
+                </a:moveTo>
+                <a:lnTo>
+                  <a:pt x="2068436" y="0"/>
+                </a:lnTo>
+                <a:lnTo>
+                  <a:pt x="2068436" y="720000"/>
+                </a:lnTo>
+                <a:lnTo>
+                  <a:pt x="0" y="720000"/>
+                </a:lnTo>
+                <a:lnTo>
+                  <a:pt x="0" y="0"/>
+                </a:lnTo>
+                <a:close/>
+              </a:path>
+            </a:pathLst>
+          </a:custGeom>
+        </p:spPr>
+        <p:style>
+          <a:lnRef idx="0">
+            <a:schemeClr val="dk1">
+              <a:alpha val="0"/>
+              <a:hueOff val="0"/>
+              <a:satOff val="0"/>
+              <a:lumOff val="0"/>
+              <a:alphaOff val="0"/>
+            </a:schemeClr>
+          </a:lnRef>
+          <a:fillRef idx="0">
+            <a:schemeClr val="lt1">
+              <a:alpha val="0"/>
+              <a:hueOff val="0"/>
+              <a:satOff val="0"/>
+              <a:lumOff val="0"/>
+              <a:alphaOff val="0"/>
+            </a:schemeClr>
+          </a:fillRef>
+          <a:effectRef idx="0">
+            <a:schemeClr val="lt1">
+              <a:alpha val="0"/>
+              <a:hueOff val="0"/>
+              <a:satOff val="0"/>
+              <a:lumOff val="0"/>
+              <a:alphaOff val="0"/>
+            </a:schemeClr>
+          </a:effectRef>
+          <a:fontRef idx="minor">
+            <a:schemeClr val="tx1">
+              <a:hueOff val="0"/>
+              <a:satOff val="0"/>
+              <a:lumOff val="0"/>
+              <a:alphaOff val="0"/>
+            </a:schemeClr>
+          </a:fontRef>
+        </p:style>
+        <p:txBody>
+          <a:bodyPr spcFirstLastPara="0" vert="horz" wrap="square" lIns="0" tIns="0" rIns="0" bIns="0" numCol="1" spcCol="1270" anchor="t" anchorCtr="0">
+            <a:noAutofit/>
+          </a:bodyPr>
+          <a:lstStyle/>
+          <a:p>
+            <a:pPr marL="0" lvl="0" indent="0" algn="ctr" defTabSz="711200">
+              <a:lnSpc>
+                <a:spcPct val="90000"/>
+              </a:lnSpc>
+              <a:spcBef>
+                <a:spcPct val="0"/>
+              </a:spcBef>
+              <a:spcAft>
+                <a:spcPct val="35000"/>
+              </a:spcAft>
+              <a:buNone/>
+            </a:pPr>
+            <a:r>
+              <a:rPr lang="pt-BR" sz="1600" kern="1200"/>
+              <a:t>Rapidez na procura de jogadores</a:t>
+            </a:r>
+            <a:endParaRPr lang="en-US" sz="1600" kern="1200"/>
+          </a:p>
+        </p:txBody>
+      </p:sp>
+      <p:sp>
+        <p:nvSpPr>
+          <p:cNvPr id="22" name="Elipse 21">
+            <a:extLst>
+              <a:ext uri="{FF2B5EF4-FFF2-40B4-BE49-F238E27FC236}">
+                <a16:creationId xmlns:a16="http://schemas.microsoft.com/office/drawing/2014/main" id="{4E98AB61-7AFF-4BAD-A500-FDAF7729382B}"/>
+              </a:ext>
+            </a:extLst>
+          </p:cNvPr>
+          <p:cNvSpPr/>
+          <p:nvPr/>
+        </p:nvSpPr>
+        <p:spPr>
+          <a:xfrm>
+            <a:off x="9110746" y="2968767"/>
+            <a:ext cx="1261746" cy="1261746"/>
+          </a:xfrm>
+          <a:prstGeom prst="ellipse">
+            <a:avLst/>
+          </a:prstGeom>
+        </p:spPr>
+        <p:style>
+          <a:lnRef idx="3">
+            <a:schemeClr val="lt1"/>
+          </a:lnRef>
+          <a:fillRef idx="1">
+            <a:schemeClr val="accent6"/>
+          </a:fillRef>
+          <a:effectRef idx="1">
+            <a:schemeClr val="accent6"/>
+          </a:effectRef>
+          <a:fontRef idx="minor">
+            <a:schemeClr val="lt1"/>
+          </a:fontRef>
+        </p:style>
+      </p:sp>
+      <p:sp>
+        <p:nvSpPr>
+          <p:cNvPr id="23" name="Retângulo 22">
+            <a:extLst>
+              <a:ext uri="{FF2B5EF4-FFF2-40B4-BE49-F238E27FC236}">
+                <a16:creationId xmlns:a16="http://schemas.microsoft.com/office/drawing/2014/main" id="{0378530B-31FA-4A24-92EA-8DCAA1979555}"/>
+              </a:ext>
+            </a:extLst>
+          </p:cNvPr>
+          <p:cNvSpPr/>
+          <p:nvPr/>
+        </p:nvSpPr>
+        <p:spPr>
+          <a:xfrm>
+            <a:off x="9379643" y="3237664"/>
+            <a:ext cx="723952" cy="723952"/>
+          </a:xfrm>
+          <a:prstGeom prst="rect">
+            <a:avLst/>
+          </a:prstGeom>
+          <a:blipFill>
+            <a:blip r:embed="rId5">
+              <a:extLst>
+                <a:ext uri="{28A0092B-C50C-407E-A947-70E740481C1C}">
+                  <a14:useLocalDpi xmlns:a14="http://schemas.microsoft.com/office/drawing/2010/main" val="0"/>
+                </a:ext>
+                <a:ext uri="{96DAC541-7B7A-43D3-8B79-37D633B846F1}">
+                  <asvg:svgBlip xmlns:asvg="http://schemas.microsoft.com/office/drawing/2016/SVG/main" r:embed="rId6"/>
+                </a:ext>
+              </a:extLst>
+            </a:blip>
+            <a:stretch>
+              <a:fillRect/>
+            </a:stretch>
+          </a:blipFill>
+          <a:ln>
+            <a:noFill/>
+          </a:ln>
+        </p:spPr>
+        <p:style>
+          <a:lnRef idx="2">
+            <a:scrgbClr r="0" g="0" b="0"/>
+          </a:lnRef>
+          <a:fillRef idx="1">
+            <a:scrgbClr r="0" g="0" b="0"/>
+          </a:fillRef>
+          <a:effectRef idx="0">
+            <a:schemeClr val="bg1">
+              <a:hueOff val="0"/>
+              <a:satOff val="0"/>
+              <a:lumOff val="0"/>
+              <a:alphaOff val="0"/>
+            </a:schemeClr>
+          </a:effectRef>
+          <a:fontRef idx="minor">
+            <a:schemeClr val="dk1">
+              <a:hueOff val="0"/>
+              <a:satOff val="0"/>
+              <a:lumOff val="0"/>
+              <a:alphaOff val="0"/>
+            </a:schemeClr>
+          </a:fontRef>
+        </p:style>
+      </p:sp>
+      <p:sp>
+        <p:nvSpPr>
+          <p:cNvPr id="24" name="Forma Livre: Forma 23">
+            <a:extLst>
+              <a:ext uri="{FF2B5EF4-FFF2-40B4-BE49-F238E27FC236}">
+                <a16:creationId xmlns:a16="http://schemas.microsoft.com/office/drawing/2014/main" id="{A568B5E8-EF6B-46A7-B3B6-96F3D367BABC}"/>
+              </a:ext>
+            </a:extLst>
+          </p:cNvPr>
+          <p:cNvSpPr/>
+          <p:nvPr/>
+        </p:nvSpPr>
+        <p:spPr>
+          <a:xfrm>
+            <a:off x="8707401" y="4623517"/>
+            <a:ext cx="2068436" cy="720000"/>
+          </a:xfrm>
+          <a:custGeom>
+            <a:avLst/>
+            <a:gdLst>
+              <a:gd name="connsiteX0" fmla="*/ 0 w 2068436"/>
+              <a:gd name="connsiteY0" fmla="*/ 0 h 720000"/>
+              <a:gd name="connsiteX1" fmla="*/ 2068436 w 2068436"/>
+              <a:gd name="connsiteY1" fmla="*/ 0 h 720000"/>
+              <a:gd name="connsiteX2" fmla="*/ 2068436 w 2068436"/>
+              <a:gd name="connsiteY2" fmla="*/ 720000 h 720000"/>
+              <a:gd name="connsiteX3" fmla="*/ 0 w 2068436"/>
+              <a:gd name="connsiteY3" fmla="*/ 720000 h 720000"/>
+              <a:gd name="connsiteX4" fmla="*/ 0 w 2068436"/>
+              <a:gd name="connsiteY4" fmla="*/ 0 h 720000"/>
+            </a:gdLst>
+            <a:ahLst/>
+            <a:cxnLst>
+              <a:cxn ang="0">
+                <a:pos x="connsiteX0" y="connsiteY0"/>
+              </a:cxn>
+              <a:cxn ang="0">
+                <a:pos x="connsiteX1" y="connsiteY1"/>
+              </a:cxn>
+              <a:cxn ang="0">
+                <a:pos x="connsiteX2" y="connsiteY2"/>
+              </a:cxn>
+              <a:cxn ang="0">
+                <a:pos x="connsiteX3" y="connsiteY3"/>
+              </a:cxn>
+              <a:cxn ang="0">
+                <a:pos x="connsiteX4" y="connsiteY4"/>
+              </a:cxn>
+            </a:cxnLst>
+            <a:rect l="l" t="t" r="r" b="b"/>
+            <a:pathLst>
+              <a:path w="2068436" h="720000">
+                <a:moveTo>
+                  <a:pt x="0" y="0"/>
+                </a:moveTo>
+                <a:lnTo>
+                  <a:pt x="2068436" y="0"/>
+                </a:lnTo>
+                <a:lnTo>
+                  <a:pt x="2068436" y="720000"/>
+                </a:lnTo>
+                <a:lnTo>
+                  <a:pt x="0" y="720000"/>
+                </a:lnTo>
+                <a:lnTo>
+                  <a:pt x="0" y="0"/>
+                </a:lnTo>
+                <a:close/>
+              </a:path>
+            </a:pathLst>
+          </a:custGeom>
+        </p:spPr>
+        <p:style>
+          <a:lnRef idx="0">
+            <a:schemeClr val="dk1">
+              <a:alpha val="0"/>
+              <a:hueOff val="0"/>
+              <a:satOff val="0"/>
+              <a:lumOff val="0"/>
+              <a:alphaOff val="0"/>
+            </a:schemeClr>
+          </a:lnRef>
+          <a:fillRef idx="0">
+            <a:schemeClr val="lt1">
+              <a:alpha val="0"/>
+              <a:hueOff val="0"/>
+              <a:satOff val="0"/>
+              <a:lumOff val="0"/>
+              <a:alphaOff val="0"/>
+            </a:schemeClr>
+          </a:fillRef>
+          <a:effectRef idx="0">
+            <a:schemeClr val="lt1">
+              <a:alpha val="0"/>
+              <a:hueOff val="0"/>
+              <a:satOff val="0"/>
+              <a:lumOff val="0"/>
+              <a:alphaOff val="0"/>
+            </a:schemeClr>
+          </a:effectRef>
+          <a:fontRef idx="minor">
+            <a:schemeClr val="tx1">
+              <a:hueOff val="0"/>
+              <a:satOff val="0"/>
+              <a:lumOff val="0"/>
+              <a:alphaOff val="0"/>
+            </a:schemeClr>
+          </a:fontRef>
+        </p:style>
+        <p:txBody>
+          <a:bodyPr spcFirstLastPara="0" vert="horz" wrap="square" lIns="0" tIns="0" rIns="0" bIns="0" numCol="1" spcCol="1270" anchor="t" anchorCtr="0">
+            <a:noAutofit/>
+          </a:bodyPr>
+          <a:lstStyle/>
+          <a:p>
+            <a:pPr marL="0" lvl="0" indent="0" algn="ctr" defTabSz="711200">
+              <a:lnSpc>
+                <a:spcPct val="90000"/>
+              </a:lnSpc>
+              <a:spcBef>
+                <a:spcPct val="0"/>
+              </a:spcBef>
+              <a:spcAft>
+                <a:spcPct val="35000"/>
+              </a:spcAft>
+              <a:buNone/>
+            </a:pPr>
+            <a:r>
+              <a:rPr lang="pt-BR" sz="1600" kern="1200"/>
+              <a:t>Agregar valor e cooperar para o crescimento deste mercado</a:t>
+            </a:r>
+            <a:endParaRPr lang="en-US" sz="1600" kern="1200"/>
+          </a:p>
+        </p:txBody>
+      </p:sp>
       <p:sp>
         <p:nvSpPr>
           <p:cNvPr id="8" name="CaixaDeTexto 7">
@@ -35933,9 +33613,6 @@
                     <p:cTn id="3" fill="hold">
                       <p:stCondLst>
                         <p:cond delay="indefinite"/>
-                        <p:cond evt="onBegin" delay="0">
-                          <p:tn val="2"/>
-                        </p:cond>
                       </p:stCondLst>
                       <p:childTnLst>
                         <p:par>
@@ -35945,7 +33622,7 @@
                             </p:stCondLst>
                             <p:childTnLst>
                               <p:par>
-                                <p:cTn id="5" presetID="53" presetClass="entr" presetSubtype="16" fill="hold" grpId="0" nodeType="withEffect">
+                                <p:cTn id="5" presetID="10" presetClass="entr" presetSubtype="0" fill="hold" nodeType="clickEffect">
                                   <p:stCondLst>
                                     <p:cond delay="0"/>
                                   </p:stCondLst>
@@ -35958,7 +33635,7 @@
                                           </p:stCondLst>
                                         </p:cTn>
                                         <p:tgtEl>
-                                          <p:spTgt spid="5"/>
+                                          <p:spTgt spid="17"/>
                                         </p:tgtEl>
                                         <p:attrNameLst>
                                           <p:attrName>style.visibility</p:attrName>
@@ -35968,57 +33645,327 @@
                                         <p:strVal val="visible"/>
                                       </p:to>
                                     </p:set>
-                                    <p:anim calcmode="lin" valueType="num">
+                                    <p:animEffect transition="in" filter="fade">
                                       <p:cBhvr>
-                                        <p:cTn id="7" dur="500" fill="hold"/>
+                                        <p:cTn id="7" dur="500"/>
                                         <p:tgtEl>
-                                          <p:spTgt spid="5"/>
+                                          <p:spTgt spid="17"/>
+                                        </p:tgtEl>
+                                      </p:cBhvr>
+                                    </p:animEffect>
+                                  </p:childTnLst>
+                                </p:cTn>
+                              </p:par>
+                              <p:par>
+                                <p:cTn id="8" presetID="10" presetClass="entr" presetSubtype="0" fill="hold" nodeType="withEffect">
+                                  <p:stCondLst>
+                                    <p:cond delay="0"/>
+                                  </p:stCondLst>
+                                  <p:childTnLst>
+                                    <p:set>
+                                      <p:cBhvr>
+                                        <p:cTn id="9" dur="1" fill="hold">
+                                          <p:stCondLst>
+                                            <p:cond delay="0"/>
+                                          </p:stCondLst>
+                                        </p:cTn>
+                                        <p:tgtEl>
+                                          <p:spTgt spid="16"/>
                                         </p:tgtEl>
                                         <p:attrNameLst>
-                                          <p:attrName>ppt_w</p:attrName>
+                                          <p:attrName>style.visibility</p:attrName>
                                         </p:attrNameLst>
                                       </p:cBhvr>
-                                      <p:tavLst>
-                                        <p:tav tm="0">
-                                          <p:val>
-                                            <p:fltVal val="0"/>
-                                          </p:val>
-                                        </p:tav>
-                                        <p:tav tm="100000">
-                                          <p:val>
-                                            <p:strVal val="#ppt_w"/>
-                                          </p:val>
-                                        </p:tav>
-                                      </p:tavLst>
-                                    </p:anim>
-                                    <p:anim calcmode="lin" valueType="num">
+                                      <p:to>
+                                        <p:strVal val="visible"/>
+                                      </p:to>
+                                    </p:set>
+                                    <p:animEffect transition="in" filter="fade">
                                       <p:cBhvr>
-                                        <p:cTn id="8" dur="500" fill="hold"/>
+                                        <p:cTn id="10" dur="500"/>
                                         <p:tgtEl>
-                                          <p:spTgt spid="5"/>
+                                          <p:spTgt spid="16"/>
+                                        </p:tgtEl>
+                                      </p:cBhvr>
+                                    </p:animEffect>
+                                  </p:childTnLst>
+                                </p:cTn>
+                              </p:par>
+                              <p:par>
+                                <p:cTn id="11" presetID="10" presetClass="entr" presetSubtype="0" fill="hold" grpId="0" nodeType="withEffect">
+                                  <p:stCondLst>
+                                    <p:cond delay="0"/>
+                                  </p:stCondLst>
+                                  <p:childTnLst>
+                                    <p:set>
+                                      <p:cBhvr>
+                                        <p:cTn id="12" dur="1" fill="hold">
+                                          <p:stCondLst>
+                                            <p:cond delay="0"/>
+                                          </p:stCondLst>
+                                        </p:cTn>
+                                        <p:tgtEl>
+                                          <p:spTgt spid="18"/>
                                         </p:tgtEl>
                                         <p:attrNameLst>
-                                          <p:attrName>ppt_h</p:attrName>
+                                          <p:attrName>style.visibility</p:attrName>
                                         </p:attrNameLst>
                                       </p:cBhvr>
-                                      <p:tavLst>
-                                        <p:tav tm="0">
-                                          <p:val>
-                                            <p:fltVal val="0"/>
-                                          </p:val>
-                                        </p:tav>
-                                        <p:tav tm="100000">
-                                          <p:val>
-                                            <p:strVal val="#ppt_h"/>
-                                          </p:val>
-                                        </p:tav>
-                                      </p:tavLst>
-                                    </p:anim>
+                                      <p:to>
+                                        <p:strVal val="visible"/>
+                                      </p:to>
+                                    </p:set>
                                     <p:animEffect transition="in" filter="fade">
                                       <p:cBhvr>
-                                        <p:cTn id="9" dur="500"/>
+                                        <p:cTn id="13" dur="500"/>
                                         <p:tgtEl>
-                                          <p:spTgt spid="5"/>
+                                          <p:spTgt spid="18"/>
+                                        </p:tgtEl>
+                                      </p:cBhvr>
+                                    </p:animEffect>
+                                  </p:childTnLst>
+                                </p:cTn>
+                              </p:par>
+                            </p:childTnLst>
+                          </p:cTn>
+                        </p:par>
+                      </p:childTnLst>
+                    </p:cTn>
+                  </p:par>
+                  <p:par>
+                    <p:cTn id="14" fill="hold">
+                      <p:stCondLst>
+                        <p:cond delay="indefinite"/>
+                      </p:stCondLst>
+                      <p:childTnLst>
+                        <p:par>
+                          <p:cTn id="15" fill="hold">
+                            <p:stCondLst>
+                              <p:cond delay="0"/>
+                            </p:stCondLst>
+                            <p:childTnLst>
+                              <p:par>
+                                <p:cTn id="16" presetID="10" presetClass="entr" presetSubtype="0" fill="hold" nodeType="clickEffect">
+                                  <p:stCondLst>
+                                    <p:cond delay="0"/>
+                                  </p:stCondLst>
+                                  <p:childTnLst>
+                                    <p:set>
+                                      <p:cBhvr>
+                                        <p:cTn id="17" dur="1" fill="hold">
+                                          <p:stCondLst>
+                                            <p:cond delay="0"/>
+                                          </p:stCondLst>
+                                        </p:cTn>
+                                        <p:tgtEl>
+                                          <p:spTgt spid="19"/>
+                                        </p:tgtEl>
+                                        <p:attrNameLst>
+                                          <p:attrName>style.visibility</p:attrName>
+                                        </p:attrNameLst>
+                                      </p:cBhvr>
+                                      <p:to>
+                                        <p:strVal val="visible"/>
+                                      </p:to>
+                                    </p:set>
+                                    <p:animEffect transition="in" filter="fade">
+                                      <p:cBhvr>
+                                        <p:cTn id="18" dur="500"/>
+                                        <p:tgtEl>
+                                          <p:spTgt spid="19"/>
+                                        </p:tgtEl>
+                                      </p:cBhvr>
+                                    </p:animEffect>
+                                  </p:childTnLst>
+                                </p:cTn>
+                              </p:par>
+                              <p:par>
+                                <p:cTn id="19" presetID="10" presetClass="entr" presetSubtype="0" fill="hold" nodeType="withEffect">
+                                  <p:stCondLst>
+                                    <p:cond delay="0"/>
+                                  </p:stCondLst>
+                                  <p:childTnLst>
+                                    <p:set>
+                                      <p:cBhvr>
+                                        <p:cTn id="20" dur="1" fill="hold">
+                                          <p:stCondLst>
+                                            <p:cond delay="0"/>
+                                          </p:stCondLst>
+                                        </p:cTn>
+                                        <p:tgtEl>
+                                          <p:spTgt spid="20"/>
+                                        </p:tgtEl>
+                                        <p:attrNameLst>
+                                          <p:attrName>style.visibility</p:attrName>
+                                        </p:attrNameLst>
+                                      </p:cBhvr>
+                                      <p:to>
+                                        <p:strVal val="visible"/>
+                                      </p:to>
+                                    </p:set>
+                                    <p:animEffect transition="in" filter="fade">
+                                      <p:cBhvr>
+                                        <p:cTn id="21" dur="500"/>
+                                        <p:tgtEl>
+                                          <p:spTgt spid="20"/>
+                                        </p:tgtEl>
+                                      </p:cBhvr>
+                                    </p:animEffect>
+                                  </p:childTnLst>
+                                </p:cTn>
+                              </p:par>
+                              <p:par>
+                                <p:cTn id="22" presetID="10" presetClass="entr" presetSubtype="0" fill="hold" grpId="0" nodeType="withEffect">
+                                  <p:stCondLst>
+                                    <p:cond delay="0"/>
+                                  </p:stCondLst>
+                                  <p:childTnLst>
+                                    <p:set>
+                                      <p:cBhvr>
+                                        <p:cTn id="23" dur="1" fill="hold">
+                                          <p:stCondLst>
+                                            <p:cond delay="0"/>
+                                          </p:stCondLst>
+                                        </p:cTn>
+                                        <p:tgtEl>
+                                          <p:spTgt spid="21"/>
+                                        </p:tgtEl>
+                                        <p:attrNameLst>
+                                          <p:attrName>style.visibility</p:attrName>
+                                        </p:attrNameLst>
+                                      </p:cBhvr>
+                                      <p:to>
+                                        <p:strVal val="visible"/>
+                                      </p:to>
+                                    </p:set>
+                                    <p:animEffect transition="in" filter="fade">
+                                      <p:cBhvr>
+                                        <p:cTn id="24" dur="500"/>
+                                        <p:tgtEl>
+                                          <p:spTgt spid="21"/>
+                                        </p:tgtEl>
+                                      </p:cBhvr>
+                                    </p:animEffect>
+                                  </p:childTnLst>
+                                </p:cTn>
+                              </p:par>
+                            </p:childTnLst>
+                          </p:cTn>
+                        </p:par>
+                      </p:childTnLst>
+                    </p:cTn>
+                  </p:par>
+                  <p:par>
+                    <p:cTn id="25" fill="hold">
+                      <p:stCondLst>
+                        <p:cond delay="indefinite"/>
+                      </p:stCondLst>
+                      <p:childTnLst>
+                        <p:par>
+                          <p:cTn id="26" fill="hold">
+                            <p:stCondLst>
+                              <p:cond delay="0"/>
+                            </p:stCondLst>
+                            <p:childTnLst>
+                              <p:par>
+                                <p:cTn id="27" presetID="10" presetClass="entr" presetSubtype="0" fill="hold" nodeType="clickEffect">
+                                  <p:stCondLst>
+                                    <p:cond delay="0"/>
+                                  </p:stCondLst>
+                                  <p:childTnLst>
+                                    <p:set>
+                                      <p:cBhvr>
+                                        <p:cTn id="28" dur="1" fill="hold">
+                                          <p:stCondLst>
+                                            <p:cond delay="0"/>
+                                          </p:stCondLst>
+                                        </p:cTn>
+                                        <p:tgtEl>
+                                          <p:spTgt spid="22"/>
+                                        </p:tgtEl>
+                                        <p:attrNameLst>
+                                          <p:attrName>style.visibility</p:attrName>
+                                        </p:attrNameLst>
+                                      </p:cBhvr>
+                                      <p:to>
+                                        <p:strVal val="visible"/>
+                                      </p:to>
+                                    </p:set>
+                                    <p:animEffect transition="in" filter="fade">
+                                      <p:cBhvr>
+                                        <p:cTn id="29" dur="500"/>
+                                        <p:tgtEl>
+                                          <p:spTgt spid="22"/>
+                                        </p:tgtEl>
+                                      </p:cBhvr>
+                                    </p:animEffect>
+                                  </p:childTnLst>
+                                </p:cTn>
+                              </p:par>
+                              <p:par>
+                                <p:cTn id="30" presetID="10" presetClass="entr" presetSubtype="0" fill="hold" nodeType="withEffect">
+                                  <p:stCondLst>
+                                    <p:cond delay="0"/>
+                                  </p:stCondLst>
+                                  <p:childTnLst>
+                                    <p:set>
+                                      <p:cBhvr>
+                                        <p:cTn id="31" dur="1" fill="hold">
+                                          <p:stCondLst>
+                                            <p:cond delay="0"/>
+                                          </p:stCondLst>
+                                        </p:cTn>
+                                        <p:tgtEl>
+                                          <p:spTgt spid="23"/>
+                                        </p:tgtEl>
+                                        <p:attrNameLst>
+                                          <p:attrName>style.visibility</p:attrName>
+                                        </p:attrNameLst>
+                                      </p:cBhvr>
+                                      <p:to>
+                                        <p:strVal val="visible"/>
+                                      </p:to>
+                                    </p:set>
+                                    <p:animEffect transition="in" filter="fade">
+                                      <p:cBhvr>
+                                        <p:cTn id="32" dur="500"/>
+                                        <p:tgtEl>
+                                          <p:spTgt spid="23"/>
+                                        </p:tgtEl>
+                                      </p:cBhvr>
+                                    </p:animEffect>
+                                  </p:childTnLst>
+                                </p:cTn>
+                              </p:par>
+                              <p:par>
+                                <p:cTn id="33" presetID="10" presetClass="entr" presetSubtype="0" fill="hold" grpId="0" nodeType="withEffect">
+                                  <p:stCondLst>
+                                    <p:cond delay="0"/>
+                                  </p:stCondLst>
+                                  <p:childTnLst>
+                                    <p:set>
+                                      <p:cBhvr>
+                                        <p:cTn id="34" dur="1" fill="hold">
+                                          <p:stCondLst>
+                                            <p:cond delay="0"/>
+                                          </p:stCondLst>
+                                        </p:cTn>
+                                        <p:tgtEl>
+                                          <p:spTgt spid="24"/>
+                                        </p:tgtEl>
+                                        <p:attrNameLst>
+                                          <p:attrName>style.visibility</p:attrName>
+                                        </p:attrNameLst>
+                                      </p:cBhvr>
+                                      <p:to>
+                                        <p:strVal val="visible"/>
+                                      </p:to>
+                                    </p:set>
+                                    <p:animEffect transition="in" filter="fade">
+                                      <p:cBhvr>
+                                        <p:cTn id="35" dur="500"/>
+                                        <p:tgtEl>
+                                          <p:spTgt spid="24"/>
                                         </p:tgtEl>
                                       </p:cBhvr>
                                     </p:animEffect>
@@ -36053,9 +34000,9 @@
       </p:par>
     </p:tnLst>
     <p:bldLst>
-      <p:bldGraphic spid="5" grpId="0">
-        <p:bldAsOne/>
-      </p:bldGraphic>
+      <p:bldP spid="18" grpId="0"/>
+      <p:bldP spid="21" grpId="0"/>
+      <p:bldP spid="24" grpId="0"/>
     </p:bldLst>
   </p:timing>
 </p:sld>
@@ -36078,51 +34025,6 @@
           <a:chExt cx="0" cy="0"/>
         </a:xfrm>
       </p:grpSpPr>
-      <p:sp useBgFill="1">
-        <p:nvSpPr>
-          <p:cNvPr id="10" name="Rectangle 9"/>
-          <p:cNvSpPr>
-            <a:spLocks noGrp="1" noRot="1" noChangeAspect="1" noMove="1" noResize="1" noEditPoints="1" noAdjustHandles="1" noChangeArrowheads="1" noChangeShapeType="1" noTextEdit="1"/>
-          </p:cNvSpPr>
-          <p:nvPr/>
-        </p:nvSpPr>
-        <p:spPr>
-          <a:xfrm>
-            <a:off x="0" y="0"/>
-            <a:ext cx="12192000" cy="6858000"/>
-          </a:xfrm>
-          <a:prstGeom prst="rect">
-            <a:avLst/>
-          </a:prstGeom>
-          <a:ln>
-            <a:noFill/>
-          </a:ln>
-        </p:spPr>
-        <p:style>
-          <a:lnRef idx="2">
-            <a:schemeClr val="accent1">
-              <a:shade val="50000"/>
-            </a:schemeClr>
-          </a:lnRef>
-          <a:fillRef idx="1">
-            <a:schemeClr val="accent1"/>
-          </a:fillRef>
-          <a:effectRef idx="0">
-            <a:schemeClr val="accent1"/>
-          </a:effectRef>
-          <a:fontRef idx="minor">
-            <a:schemeClr val="lt1"/>
-          </a:fontRef>
-        </p:style>
-        <p:txBody>
-          <a:bodyPr rtlCol="0" anchor="ctr"/>
-          <a:lstStyle/>
-          <a:p>
-            <a:pPr algn="ctr"/>
-            <a:endParaRPr lang="en-US" dirty="0"/>
-          </a:p>
-        </p:txBody>
-      </p:sp>
       <p:sp>
         <p:nvSpPr>
           <p:cNvPr id="2" name="Título 1"/>
@@ -36655,106 +34557,1183 @@
       </p:sp>
       <p:sp>
         <p:nvSpPr>
-          <p:cNvPr id="18" name="Espaço Reservado para Conteúdo 17">
+          <p:cNvPr id="23" name="Elipse 22">
             <a:extLst>
               <a:ext uri="{FF2B5EF4-FFF2-40B4-BE49-F238E27FC236}">
-                <a16:creationId xmlns:a16="http://schemas.microsoft.com/office/drawing/2014/main" id="{8001AD10-62CF-4F0C-B35F-8F08D4699F84}"/>
+                <a16:creationId xmlns:a16="http://schemas.microsoft.com/office/drawing/2014/main" id="{6487D2E9-4C39-48C7-A044-D29E4BE3ED53}"/>
               </a:ext>
             </a:extLst>
           </p:cNvPr>
-          <p:cNvSpPr>
-            <a:spLocks noGrp="1"/>
-          </p:cNvSpPr>
-          <p:nvPr>
-            <p:ph idx="1"/>
-          </p:nvPr>
+          <p:cNvSpPr/>
+          <p:nvPr/>
         </p:nvSpPr>
-        <p:spPr/>
+        <p:spPr>
+          <a:xfrm>
+            <a:off x="906557" y="2965224"/>
+            <a:ext cx="1261746" cy="1261746"/>
+          </a:xfrm>
+          <a:prstGeom prst="ellipse">
+            <a:avLst/>
+          </a:prstGeom>
+        </p:spPr>
+        <p:style>
+          <a:lnRef idx="3">
+            <a:schemeClr val="lt1"/>
+          </a:lnRef>
+          <a:fillRef idx="1">
+            <a:schemeClr val="accent6"/>
+          </a:fillRef>
+          <a:effectRef idx="1">
+            <a:schemeClr val="accent6"/>
+          </a:effectRef>
+          <a:fontRef idx="minor">
+            <a:schemeClr val="lt1"/>
+          </a:fontRef>
+        </p:style>
+      </p:sp>
+      <p:sp>
+        <p:nvSpPr>
+          <p:cNvPr id="24" name="Retângulo 23">
+            <a:extLst>
+              <a:ext uri="{FF2B5EF4-FFF2-40B4-BE49-F238E27FC236}">
+                <a16:creationId xmlns:a16="http://schemas.microsoft.com/office/drawing/2014/main" id="{928196DA-1607-424C-A71C-2E55B112A474}"/>
+              </a:ext>
+            </a:extLst>
+          </p:cNvPr>
+          <p:cNvSpPr/>
+          <p:nvPr/>
+        </p:nvSpPr>
+        <p:spPr>
+          <a:xfrm>
+            <a:off x="1164439" y="3216638"/>
+            <a:ext cx="723952" cy="723952"/>
+          </a:xfrm>
+          <a:prstGeom prst="rect">
+            <a:avLst/>
+          </a:prstGeom>
+          <a:blipFill>
+            <a:blip r:embed="rId2">
+              <a:extLst>
+                <a:ext uri="{28A0092B-C50C-407E-A947-70E740481C1C}">
+                  <a14:useLocalDpi xmlns:a14="http://schemas.microsoft.com/office/drawing/2010/main" val="0"/>
+                </a:ext>
+              </a:extLst>
+            </a:blip>
+            <a:srcRect/>
+            <a:stretch>
+              <a:fillRect/>
+            </a:stretch>
+          </a:blipFill>
+          <a:ln>
+            <a:noFill/>
+          </a:ln>
+        </p:spPr>
+        <p:style>
+          <a:lnRef idx="2">
+            <a:scrgbClr r="0" g="0" b="0"/>
+          </a:lnRef>
+          <a:fillRef idx="1">
+            <a:scrgbClr r="0" g="0" b="0"/>
+          </a:fillRef>
+          <a:effectRef idx="0">
+            <a:schemeClr val="bg1">
+              <a:hueOff val="0"/>
+              <a:satOff val="0"/>
+              <a:lumOff val="0"/>
+              <a:alphaOff val="0"/>
+            </a:schemeClr>
+          </a:effectRef>
+          <a:fontRef idx="minor">
+            <a:schemeClr val="dk1">
+              <a:hueOff val="0"/>
+              <a:satOff val="0"/>
+              <a:lumOff val="0"/>
+              <a:alphaOff val="0"/>
+            </a:schemeClr>
+          </a:fontRef>
+        </p:style>
+      </p:sp>
+      <p:sp>
+        <p:nvSpPr>
+          <p:cNvPr id="25" name="Forma Livre: Forma 24">
+            <a:extLst>
+              <a:ext uri="{FF2B5EF4-FFF2-40B4-BE49-F238E27FC236}">
+                <a16:creationId xmlns:a16="http://schemas.microsoft.com/office/drawing/2014/main" id="{2CB75581-F853-4FDC-BADC-C8311F990399}"/>
+              </a:ext>
+            </a:extLst>
+          </p:cNvPr>
+          <p:cNvSpPr/>
+          <p:nvPr/>
+        </p:nvSpPr>
+        <p:spPr>
+          <a:xfrm>
+            <a:off x="503212" y="4619974"/>
+            <a:ext cx="2068436" cy="720000"/>
+          </a:xfrm>
+          <a:custGeom>
+            <a:avLst/>
+            <a:gdLst>
+              <a:gd name="connsiteX0" fmla="*/ 0 w 2068436"/>
+              <a:gd name="connsiteY0" fmla="*/ 0 h 720000"/>
+              <a:gd name="connsiteX1" fmla="*/ 2068436 w 2068436"/>
+              <a:gd name="connsiteY1" fmla="*/ 0 h 720000"/>
+              <a:gd name="connsiteX2" fmla="*/ 2068436 w 2068436"/>
+              <a:gd name="connsiteY2" fmla="*/ 720000 h 720000"/>
+              <a:gd name="connsiteX3" fmla="*/ 0 w 2068436"/>
+              <a:gd name="connsiteY3" fmla="*/ 720000 h 720000"/>
+              <a:gd name="connsiteX4" fmla="*/ 0 w 2068436"/>
+              <a:gd name="connsiteY4" fmla="*/ 0 h 720000"/>
+            </a:gdLst>
+            <a:ahLst/>
+            <a:cxnLst>
+              <a:cxn ang="0">
+                <a:pos x="connsiteX0" y="connsiteY0"/>
+              </a:cxn>
+              <a:cxn ang="0">
+                <a:pos x="connsiteX1" y="connsiteY1"/>
+              </a:cxn>
+              <a:cxn ang="0">
+                <a:pos x="connsiteX2" y="connsiteY2"/>
+              </a:cxn>
+              <a:cxn ang="0">
+                <a:pos x="connsiteX3" y="connsiteY3"/>
+              </a:cxn>
+              <a:cxn ang="0">
+                <a:pos x="connsiteX4" y="connsiteY4"/>
+              </a:cxn>
+            </a:cxnLst>
+            <a:rect l="l" t="t" r="r" b="b"/>
+            <a:pathLst>
+              <a:path w="2068436" h="720000">
+                <a:moveTo>
+                  <a:pt x="0" y="0"/>
+                </a:moveTo>
+                <a:lnTo>
+                  <a:pt x="2068436" y="0"/>
+                </a:lnTo>
+                <a:lnTo>
+                  <a:pt x="2068436" y="720000"/>
+                </a:lnTo>
+                <a:lnTo>
+                  <a:pt x="0" y="720000"/>
+                </a:lnTo>
+                <a:lnTo>
+                  <a:pt x="0" y="0"/>
+                </a:lnTo>
+                <a:close/>
+              </a:path>
+            </a:pathLst>
+          </a:custGeom>
+        </p:spPr>
+        <p:style>
+          <a:lnRef idx="0">
+            <a:schemeClr val="dk1">
+              <a:alpha val="0"/>
+              <a:hueOff val="0"/>
+              <a:satOff val="0"/>
+              <a:lumOff val="0"/>
+              <a:alphaOff val="0"/>
+            </a:schemeClr>
+          </a:lnRef>
+          <a:fillRef idx="0">
+            <a:schemeClr val="lt1">
+              <a:alpha val="0"/>
+              <a:hueOff val="0"/>
+              <a:satOff val="0"/>
+              <a:lumOff val="0"/>
+              <a:alphaOff val="0"/>
+            </a:schemeClr>
+          </a:fillRef>
+          <a:effectRef idx="0">
+            <a:schemeClr val="lt1">
+              <a:alpha val="0"/>
+              <a:hueOff val="0"/>
+              <a:satOff val="0"/>
+              <a:lumOff val="0"/>
+              <a:alphaOff val="0"/>
+            </a:schemeClr>
+          </a:effectRef>
+          <a:fontRef idx="minor">
+            <a:schemeClr val="tx1">
+              <a:hueOff val="0"/>
+              <a:satOff val="0"/>
+              <a:lumOff val="0"/>
+              <a:alphaOff val="0"/>
+            </a:schemeClr>
+          </a:fontRef>
+        </p:style>
+        <p:txBody>
+          <a:bodyPr spcFirstLastPara="0" vert="horz" wrap="square" lIns="0" tIns="0" rIns="0" bIns="0" numCol="1" spcCol="1270" anchor="t" anchorCtr="0">
+            <a:noAutofit/>
+          </a:bodyPr>
+          <a:lstStyle/>
+          <a:p>
+            <a:pPr marL="0" lvl="0" indent="0" algn="ctr" defTabSz="711200">
+              <a:lnSpc>
+                <a:spcPct val="90000"/>
+              </a:lnSpc>
+              <a:spcBef>
+                <a:spcPct val="0"/>
+              </a:spcBef>
+              <a:spcAft>
+                <a:spcPct val="35000"/>
+              </a:spcAft>
+              <a:buNone/>
+            </a:pPr>
+            <a:r>
+              <a:rPr lang="en-US" sz="1600" kern="1200" dirty="0"/>
+              <a:t>Grande </a:t>
+            </a:r>
+            <a:r>
+              <a:rPr lang="en-US" sz="1600" kern="1200" dirty="0" err="1"/>
+              <a:t>comunidade</a:t>
+            </a:r>
+            <a:endParaRPr lang="en-US" sz="1600" kern="1200" dirty="0"/>
+          </a:p>
+        </p:txBody>
+      </p:sp>
+      <p:sp>
+        <p:nvSpPr>
+          <p:cNvPr id="26" name="Elipse 25">
+            <a:extLst>
+              <a:ext uri="{FF2B5EF4-FFF2-40B4-BE49-F238E27FC236}">
+                <a16:creationId xmlns:a16="http://schemas.microsoft.com/office/drawing/2014/main" id="{80743510-684B-4A3E-88D3-6227A2E73E82}"/>
+              </a:ext>
+            </a:extLst>
+          </p:cNvPr>
+          <p:cNvSpPr/>
+          <p:nvPr/>
+        </p:nvSpPr>
+        <p:spPr>
+          <a:xfrm>
+            <a:off x="3148848" y="2965224"/>
+            <a:ext cx="1261746" cy="1261746"/>
+          </a:xfrm>
+          <a:prstGeom prst="ellipse">
+            <a:avLst/>
+          </a:prstGeom>
+        </p:spPr>
+        <p:style>
+          <a:lnRef idx="3">
+            <a:schemeClr val="lt1"/>
+          </a:lnRef>
+          <a:fillRef idx="1">
+            <a:schemeClr val="accent6"/>
+          </a:fillRef>
+          <a:effectRef idx="1">
+            <a:schemeClr val="accent6"/>
+          </a:effectRef>
+          <a:fontRef idx="minor">
+            <a:schemeClr val="lt1"/>
+          </a:fontRef>
+        </p:style>
+      </p:sp>
+      <p:sp>
+        <p:nvSpPr>
+          <p:cNvPr id="27" name="Retângulo 26">
+            <a:extLst>
+              <a:ext uri="{FF2B5EF4-FFF2-40B4-BE49-F238E27FC236}">
+                <a16:creationId xmlns:a16="http://schemas.microsoft.com/office/drawing/2014/main" id="{89597BBA-61CC-4D32-A5D2-7B19D809F19D}"/>
+              </a:ext>
+            </a:extLst>
+          </p:cNvPr>
+          <p:cNvSpPr/>
+          <p:nvPr/>
+        </p:nvSpPr>
+        <p:spPr>
+          <a:xfrm>
+            <a:off x="3417745" y="3234121"/>
+            <a:ext cx="723952" cy="723952"/>
+          </a:xfrm>
+          <a:prstGeom prst="rect">
+            <a:avLst/>
+          </a:prstGeom>
+          <a:blipFill>
+            <a:blip r:embed="rId3">
+              <a:extLst>
+                <a:ext uri="{28A0092B-C50C-407E-A947-70E740481C1C}">
+                  <a14:useLocalDpi xmlns:a14="http://schemas.microsoft.com/office/drawing/2010/main" val="0"/>
+                </a:ext>
+              </a:extLst>
+            </a:blip>
+            <a:srcRect/>
+            <a:stretch>
+              <a:fillRect/>
+            </a:stretch>
+          </a:blipFill>
+          <a:ln>
+            <a:noFill/>
+          </a:ln>
+        </p:spPr>
+        <p:style>
+          <a:lnRef idx="2">
+            <a:scrgbClr r="0" g="0" b="0"/>
+          </a:lnRef>
+          <a:fillRef idx="1">
+            <a:scrgbClr r="0" g="0" b="0"/>
+          </a:fillRef>
+          <a:effectRef idx="0">
+            <a:schemeClr val="bg1">
+              <a:hueOff val="0"/>
+              <a:satOff val="0"/>
+              <a:lumOff val="0"/>
+              <a:alphaOff val="0"/>
+            </a:schemeClr>
+          </a:effectRef>
+          <a:fontRef idx="minor">
+            <a:schemeClr val="dk1">
+              <a:hueOff val="0"/>
+              <a:satOff val="0"/>
+              <a:lumOff val="0"/>
+              <a:alphaOff val="0"/>
+            </a:schemeClr>
+          </a:fontRef>
+        </p:style>
         <p:txBody>
           <a:bodyPr/>
           <a:lstStyle/>
           <a:p>
+            <a:endParaRPr lang="pt-BR" dirty="0"/>
+          </a:p>
+        </p:txBody>
+      </p:sp>
+      <p:sp>
+        <p:nvSpPr>
+          <p:cNvPr id="28" name="Forma Livre: Forma 27">
+            <a:extLst>
+              <a:ext uri="{FF2B5EF4-FFF2-40B4-BE49-F238E27FC236}">
+                <a16:creationId xmlns:a16="http://schemas.microsoft.com/office/drawing/2014/main" id="{70B378D0-8088-48BE-99B1-08DFBE4C4644}"/>
+              </a:ext>
+            </a:extLst>
+          </p:cNvPr>
+          <p:cNvSpPr/>
+          <p:nvPr/>
+        </p:nvSpPr>
+        <p:spPr>
+          <a:xfrm>
+            <a:off x="2733851" y="4619974"/>
+            <a:ext cx="2068436" cy="720000"/>
+          </a:xfrm>
+          <a:custGeom>
+            <a:avLst/>
+            <a:gdLst>
+              <a:gd name="connsiteX0" fmla="*/ 0 w 2068436"/>
+              <a:gd name="connsiteY0" fmla="*/ 0 h 720000"/>
+              <a:gd name="connsiteX1" fmla="*/ 2068436 w 2068436"/>
+              <a:gd name="connsiteY1" fmla="*/ 0 h 720000"/>
+              <a:gd name="connsiteX2" fmla="*/ 2068436 w 2068436"/>
+              <a:gd name="connsiteY2" fmla="*/ 720000 h 720000"/>
+              <a:gd name="connsiteX3" fmla="*/ 0 w 2068436"/>
+              <a:gd name="connsiteY3" fmla="*/ 720000 h 720000"/>
+              <a:gd name="connsiteX4" fmla="*/ 0 w 2068436"/>
+              <a:gd name="connsiteY4" fmla="*/ 0 h 720000"/>
+            </a:gdLst>
+            <a:ahLst/>
+            <a:cxnLst>
+              <a:cxn ang="0">
+                <a:pos x="connsiteX0" y="connsiteY0"/>
+              </a:cxn>
+              <a:cxn ang="0">
+                <a:pos x="connsiteX1" y="connsiteY1"/>
+              </a:cxn>
+              <a:cxn ang="0">
+                <a:pos x="connsiteX2" y="connsiteY2"/>
+              </a:cxn>
+              <a:cxn ang="0">
+                <a:pos x="connsiteX3" y="connsiteY3"/>
+              </a:cxn>
+              <a:cxn ang="0">
+                <a:pos x="connsiteX4" y="connsiteY4"/>
+              </a:cxn>
+            </a:cxnLst>
+            <a:rect l="l" t="t" r="r" b="b"/>
+            <a:pathLst>
+              <a:path w="2068436" h="720000">
+                <a:moveTo>
+                  <a:pt x="0" y="0"/>
+                </a:moveTo>
+                <a:lnTo>
+                  <a:pt x="2068436" y="0"/>
+                </a:lnTo>
+                <a:lnTo>
+                  <a:pt x="2068436" y="720000"/>
+                </a:lnTo>
+                <a:lnTo>
+                  <a:pt x="0" y="720000"/>
+                </a:lnTo>
+                <a:lnTo>
+                  <a:pt x="0" y="0"/>
+                </a:lnTo>
+                <a:close/>
+              </a:path>
+            </a:pathLst>
+          </a:custGeom>
+        </p:spPr>
+        <p:style>
+          <a:lnRef idx="0">
+            <a:schemeClr val="dk1">
+              <a:alpha val="0"/>
+              <a:hueOff val="0"/>
+              <a:satOff val="0"/>
+              <a:lumOff val="0"/>
+              <a:alphaOff val="0"/>
+            </a:schemeClr>
+          </a:lnRef>
+          <a:fillRef idx="0">
+            <a:schemeClr val="lt1">
+              <a:alpha val="0"/>
+              <a:hueOff val="0"/>
+              <a:satOff val="0"/>
+              <a:lumOff val="0"/>
+              <a:alphaOff val="0"/>
+            </a:schemeClr>
+          </a:fillRef>
+          <a:effectRef idx="0">
+            <a:schemeClr val="lt1">
+              <a:alpha val="0"/>
+              <a:hueOff val="0"/>
+              <a:satOff val="0"/>
+              <a:lumOff val="0"/>
+              <a:alphaOff val="0"/>
+            </a:schemeClr>
+          </a:effectRef>
+          <a:fontRef idx="minor">
+            <a:schemeClr val="tx1">
+              <a:hueOff val="0"/>
+              <a:satOff val="0"/>
+              <a:lumOff val="0"/>
+              <a:alphaOff val="0"/>
+            </a:schemeClr>
+          </a:fontRef>
+        </p:style>
+        <p:txBody>
+          <a:bodyPr spcFirstLastPara="0" vert="horz" wrap="square" lIns="0" tIns="0" rIns="0" bIns="0" numCol="1" spcCol="1270" anchor="t" anchorCtr="0">
+            <a:noAutofit/>
+          </a:bodyPr>
+          <a:lstStyle/>
+          <a:p>
+            <a:pPr marL="0" lvl="0" indent="0" algn="ctr" defTabSz="711200">
+              <a:lnSpc>
+                <a:spcPct val="90000"/>
+              </a:lnSpc>
+              <a:spcBef>
+                <a:spcPct val="0"/>
+              </a:spcBef>
+              <a:spcAft>
+                <a:spcPct val="35000"/>
+              </a:spcAft>
+              <a:buNone/>
+            </a:pPr>
             <a:r>
-              <a:rPr lang="pt-BR" sz="1600" dirty="0">
-                <a:solidFill>
-                  <a:prstClr val="black">
-                    <a:hueOff val="0"/>
-                    <a:satOff val="0"/>
-                    <a:lumOff val="0"/>
-                    <a:alphaOff val="0"/>
-                  </a:prstClr>
-                </a:solidFill>
-                <a:latin typeface="Calibri" panose="020F0502020204030204"/>
-              </a:rPr>
-              <a:t>Grande comunidade</a:t>
+              <a:rPr lang="en-US" sz="1600" kern="1200" dirty="0" err="1"/>
+              <a:t>Diversos</a:t>
             </a:r>
+            <a:r>
+              <a:rPr lang="en-US" sz="1600" kern="1200" dirty="0"/>
+              <a:t> </a:t>
+            </a:r>
+            <a:r>
+              <a:rPr lang="en-US" sz="1600" kern="1200" dirty="0" err="1"/>
+              <a:t>jogos</a:t>
+            </a:r>
+            <a:endParaRPr lang="en-US" sz="1600" kern="1200" dirty="0"/>
           </a:p>
+        </p:txBody>
+      </p:sp>
+      <p:sp>
+        <p:nvSpPr>
+          <p:cNvPr id="29" name="Elipse 28">
+            <a:extLst>
+              <a:ext uri="{FF2B5EF4-FFF2-40B4-BE49-F238E27FC236}">
+                <a16:creationId xmlns:a16="http://schemas.microsoft.com/office/drawing/2014/main" id="{C1472606-B787-46EC-B0D3-C0BB49C3756A}"/>
+              </a:ext>
+            </a:extLst>
+          </p:cNvPr>
+          <p:cNvSpPr/>
+          <p:nvPr/>
+        </p:nvSpPr>
+        <p:spPr>
+          <a:xfrm>
+            <a:off x="5391139" y="2965224"/>
+            <a:ext cx="1261746" cy="1261746"/>
+          </a:xfrm>
+          <a:prstGeom prst="ellipse">
+            <a:avLst/>
+          </a:prstGeom>
+        </p:spPr>
+        <p:style>
+          <a:lnRef idx="3">
+            <a:schemeClr val="lt1"/>
+          </a:lnRef>
+          <a:fillRef idx="1">
+            <a:schemeClr val="accent6"/>
+          </a:fillRef>
+          <a:effectRef idx="1">
+            <a:schemeClr val="accent6"/>
+          </a:effectRef>
+          <a:fontRef idx="minor">
+            <a:schemeClr val="lt1"/>
+          </a:fontRef>
+        </p:style>
+      </p:sp>
+      <p:sp>
+        <p:nvSpPr>
+          <p:cNvPr id="30" name="Retângulo 29">
+            <a:extLst>
+              <a:ext uri="{FF2B5EF4-FFF2-40B4-BE49-F238E27FC236}">
+                <a16:creationId xmlns:a16="http://schemas.microsoft.com/office/drawing/2014/main" id="{8E37EB24-2F30-43DA-A39F-78DE700D6F44}"/>
+              </a:ext>
+            </a:extLst>
+          </p:cNvPr>
+          <p:cNvSpPr/>
+          <p:nvPr/>
+        </p:nvSpPr>
+        <p:spPr>
+          <a:xfrm>
+            <a:off x="5701406" y="3216638"/>
+            <a:ext cx="723952" cy="723952"/>
+          </a:xfrm>
+          <a:prstGeom prst="rect">
+            <a:avLst/>
+          </a:prstGeom>
+          <a:blipFill>
+            <a:blip r:embed="rId4">
+              <a:extLst>
+                <a:ext uri="{28A0092B-C50C-407E-A947-70E740481C1C}">
+                  <a14:useLocalDpi xmlns:a14="http://schemas.microsoft.com/office/drawing/2010/main" val="0"/>
+                </a:ext>
+              </a:extLst>
+            </a:blip>
+            <a:srcRect/>
+            <a:stretch>
+              <a:fillRect/>
+            </a:stretch>
+          </a:blipFill>
+          <a:ln>
+            <a:noFill/>
+          </a:ln>
+        </p:spPr>
+        <p:style>
+          <a:lnRef idx="2">
+            <a:scrgbClr r="0" g="0" b="0"/>
+          </a:lnRef>
+          <a:fillRef idx="1">
+            <a:scrgbClr r="0" g="0" b="0"/>
+          </a:fillRef>
+          <a:effectRef idx="0">
+            <a:schemeClr val="bg1">
+              <a:hueOff val="0"/>
+              <a:satOff val="0"/>
+              <a:lumOff val="0"/>
+              <a:alphaOff val="0"/>
+            </a:schemeClr>
+          </a:effectRef>
+          <a:fontRef idx="minor">
+            <a:schemeClr val="dk1">
+              <a:hueOff val="0"/>
+              <a:satOff val="0"/>
+              <a:lumOff val="0"/>
+              <a:alphaOff val="0"/>
+            </a:schemeClr>
+          </a:fontRef>
+        </p:style>
+        <p:txBody>
+          <a:bodyPr/>
+          <a:lstStyle/>
           <a:p>
+            <a:endParaRPr lang="pt-BR" dirty="0"/>
+          </a:p>
+        </p:txBody>
+      </p:sp>
+      <p:sp>
+        <p:nvSpPr>
+          <p:cNvPr id="31" name="Forma Livre: Forma 30">
+            <a:extLst>
+              <a:ext uri="{FF2B5EF4-FFF2-40B4-BE49-F238E27FC236}">
+                <a16:creationId xmlns:a16="http://schemas.microsoft.com/office/drawing/2014/main" id="{1761BBA6-2CF8-48BF-AB53-2005ABD80484}"/>
+              </a:ext>
+            </a:extLst>
+          </p:cNvPr>
+          <p:cNvSpPr/>
+          <p:nvPr/>
+        </p:nvSpPr>
+        <p:spPr>
+          <a:xfrm>
+            <a:off x="5001336" y="4627060"/>
+            <a:ext cx="2068436" cy="720000"/>
+          </a:xfrm>
+          <a:custGeom>
+            <a:avLst/>
+            <a:gdLst>
+              <a:gd name="connsiteX0" fmla="*/ 0 w 2068436"/>
+              <a:gd name="connsiteY0" fmla="*/ 0 h 720000"/>
+              <a:gd name="connsiteX1" fmla="*/ 2068436 w 2068436"/>
+              <a:gd name="connsiteY1" fmla="*/ 0 h 720000"/>
+              <a:gd name="connsiteX2" fmla="*/ 2068436 w 2068436"/>
+              <a:gd name="connsiteY2" fmla="*/ 720000 h 720000"/>
+              <a:gd name="connsiteX3" fmla="*/ 0 w 2068436"/>
+              <a:gd name="connsiteY3" fmla="*/ 720000 h 720000"/>
+              <a:gd name="connsiteX4" fmla="*/ 0 w 2068436"/>
+              <a:gd name="connsiteY4" fmla="*/ 0 h 720000"/>
+            </a:gdLst>
+            <a:ahLst/>
+            <a:cxnLst>
+              <a:cxn ang="0">
+                <a:pos x="connsiteX0" y="connsiteY0"/>
+              </a:cxn>
+              <a:cxn ang="0">
+                <a:pos x="connsiteX1" y="connsiteY1"/>
+              </a:cxn>
+              <a:cxn ang="0">
+                <a:pos x="connsiteX2" y="connsiteY2"/>
+              </a:cxn>
+              <a:cxn ang="0">
+                <a:pos x="connsiteX3" y="connsiteY3"/>
+              </a:cxn>
+              <a:cxn ang="0">
+                <a:pos x="connsiteX4" y="connsiteY4"/>
+              </a:cxn>
+            </a:cxnLst>
+            <a:rect l="l" t="t" r="r" b="b"/>
+            <a:pathLst>
+              <a:path w="2068436" h="720000">
+                <a:moveTo>
+                  <a:pt x="0" y="0"/>
+                </a:moveTo>
+                <a:lnTo>
+                  <a:pt x="2068436" y="0"/>
+                </a:lnTo>
+                <a:lnTo>
+                  <a:pt x="2068436" y="720000"/>
+                </a:lnTo>
+                <a:lnTo>
+                  <a:pt x="0" y="720000"/>
+                </a:lnTo>
+                <a:lnTo>
+                  <a:pt x="0" y="0"/>
+                </a:lnTo>
+                <a:close/>
+              </a:path>
+            </a:pathLst>
+          </a:custGeom>
+        </p:spPr>
+        <p:style>
+          <a:lnRef idx="0">
+            <a:schemeClr val="dk1">
+              <a:alpha val="0"/>
+              <a:hueOff val="0"/>
+              <a:satOff val="0"/>
+              <a:lumOff val="0"/>
+              <a:alphaOff val="0"/>
+            </a:schemeClr>
+          </a:lnRef>
+          <a:fillRef idx="0">
+            <a:schemeClr val="lt1">
+              <a:alpha val="0"/>
+              <a:hueOff val="0"/>
+              <a:satOff val="0"/>
+              <a:lumOff val="0"/>
+              <a:alphaOff val="0"/>
+            </a:schemeClr>
+          </a:fillRef>
+          <a:effectRef idx="0">
+            <a:schemeClr val="lt1">
+              <a:alpha val="0"/>
+              <a:hueOff val="0"/>
+              <a:satOff val="0"/>
+              <a:lumOff val="0"/>
+              <a:alphaOff val="0"/>
+            </a:schemeClr>
+          </a:effectRef>
+          <a:fontRef idx="minor">
+            <a:schemeClr val="tx1">
+              <a:hueOff val="0"/>
+              <a:satOff val="0"/>
+              <a:lumOff val="0"/>
+              <a:alphaOff val="0"/>
+            </a:schemeClr>
+          </a:fontRef>
+        </p:style>
+        <p:txBody>
+          <a:bodyPr spcFirstLastPara="0" vert="horz" wrap="square" lIns="0" tIns="0" rIns="0" bIns="0" numCol="1" spcCol="1270" anchor="t" anchorCtr="0">
+            <a:noAutofit/>
+          </a:bodyPr>
+          <a:lstStyle/>
+          <a:p>
+            <a:pPr marL="0" lvl="0" indent="0" algn="ctr" defTabSz="711200">
+              <a:lnSpc>
+                <a:spcPct val="90000"/>
+              </a:lnSpc>
+              <a:spcBef>
+                <a:spcPct val="0"/>
+              </a:spcBef>
+              <a:spcAft>
+                <a:spcPct val="35000"/>
+              </a:spcAft>
+              <a:buNone/>
+            </a:pPr>
             <a:r>
-              <a:rPr lang="pt-BR" sz="1600" dirty="0">
-                <a:solidFill>
-                  <a:prstClr val="black">
-                    <a:hueOff val="0"/>
-                    <a:satOff val="0"/>
-                    <a:lumOff val="0"/>
-                    <a:alphaOff val="0"/>
-                  </a:prstClr>
-                </a:solidFill>
-                <a:latin typeface="Calibri" panose="020F0502020204030204"/>
-              </a:rPr>
-              <a:t>Diversos jogos</a:t>
+              <a:rPr lang="en-US" sz="1600" kern="1200" dirty="0" err="1"/>
+              <a:t>Foco</a:t>
             </a:r>
+            <a:r>
+              <a:rPr lang="en-US" sz="1600" kern="1200" dirty="0"/>
+              <a:t> total no </a:t>
+            </a:r>
+            <a:r>
+              <a:rPr lang="en-US" sz="1600" kern="1200" dirty="0" err="1"/>
+              <a:t>usuário</a:t>
+            </a:r>
+            <a:endParaRPr lang="en-US" sz="1600" kern="1200" dirty="0"/>
           </a:p>
+        </p:txBody>
+      </p:sp>
+      <p:sp>
+        <p:nvSpPr>
+          <p:cNvPr id="32" name="Elipse 31">
+            <a:extLst>
+              <a:ext uri="{FF2B5EF4-FFF2-40B4-BE49-F238E27FC236}">
+                <a16:creationId xmlns:a16="http://schemas.microsoft.com/office/drawing/2014/main" id="{7BDB5F66-F441-4420-B34B-BBE165BD9CFE}"/>
+              </a:ext>
+            </a:extLst>
+          </p:cNvPr>
+          <p:cNvSpPr/>
+          <p:nvPr/>
+        </p:nvSpPr>
+        <p:spPr>
+          <a:xfrm>
+            <a:off x="7633430" y="2965224"/>
+            <a:ext cx="1261746" cy="1261746"/>
+          </a:xfrm>
+          <a:prstGeom prst="ellipse">
+            <a:avLst/>
+          </a:prstGeom>
+        </p:spPr>
+        <p:style>
+          <a:lnRef idx="3">
+            <a:schemeClr val="lt1"/>
+          </a:lnRef>
+          <a:fillRef idx="1">
+            <a:schemeClr val="accent6"/>
+          </a:fillRef>
+          <a:effectRef idx="1">
+            <a:schemeClr val="accent6"/>
+          </a:effectRef>
+          <a:fontRef idx="minor">
+            <a:schemeClr val="lt1"/>
+          </a:fontRef>
+        </p:style>
+      </p:sp>
+      <p:sp>
+        <p:nvSpPr>
+          <p:cNvPr id="33" name="Retângulo 32">
+            <a:extLst>
+              <a:ext uri="{FF2B5EF4-FFF2-40B4-BE49-F238E27FC236}">
+                <a16:creationId xmlns:a16="http://schemas.microsoft.com/office/drawing/2014/main" id="{BD6D522E-2BAD-469C-835D-B453A51B0B04}"/>
+              </a:ext>
+            </a:extLst>
+          </p:cNvPr>
+          <p:cNvSpPr/>
+          <p:nvPr/>
+        </p:nvSpPr>
+        <p:spPr>
+          <a:xfrm>
+            <a:off x="7916395" y="3234121"/>
+            <a:ext cx="723952" cy="723952"/>
+          </a:xfrm>
+          <a:prstGeom prst="rect">
+            <a:avLst/>
+          </a:prstGeom>
+          <a:blipFill>
+            <a:blip r:embed="rId5">
+              <a:extLst>
+                <a:ext uri="{28A0092B-C50C-407E-A947-70E740481C1C}">
+                  <a14:useLocalDpi xmlns:a14="http://schemas.microsoft.com/office/drawing/2010/main" val="0"/>
+                </a:ext>
+              </a:extLst>
+            </a:blip>
+            <a:srcRect/>
+            <a:stretch>
+              <a:fillRect/>
+            </a:stretch>
+          </a:blipFill>
+          <a:ln>
+            <a:noFill/>
+          </a:ln>
+        </p:spPr>
+        <p:style>
+          <a:lnRef idx="2">
+            <a:scrgbClr r="0" g="0" b="0"/>
+          </a:lnRef>
+          <a:fillRef idx="1">
+            <a:scrgbClr r="0" g="0" b="0"/>
+          </a:fillRef>
+          <a:effectRef idx="0">
+            <a:schemeClr val="bg1">
+              <a:hueOff val="0"/>
+              <a:satOff val="0"/>
+              <a:lumOff val="0"/>
+              <a:alphaOff val="0"/>
+            </a:schemeClr>
+          </a:effectRef>
+          <a:fontRef idx="minor">
+            <a:schemeClr val="dk1">
+              <a:hueOff val="0"/>
+              <a:satOff val="0"/>
+              <a:lumOff val="0"/>
+              <a:alphaOff val="0"/>
+            </a:schemeClr>
+          </a:fontRef>
+        </p:style>
+        <p:txBody>
+          <a:bodyPr/>
+          <a:lstStyle/>
           <a:p>
+            <a:endParaRPr lang="pt-BR" dirty="0"/>
+          </a:p>
+        </p:txBody>
+      </p:sp>
+      <p:sp>
+        <p:nvSpPr>
+          <p:cNvPr id="34" name="Forma Livre: Forma 33">
+            <a:extLst>
+              <a:ext uri="{FF2B5EF4-FFF2-40B4-BE49-F238E27FC236}">
+                <a16:creationId xmlns:a16="http://schemas.microsoft.com/office/drawing/2014/main" id="{6B080FEF-05E5-4958-A14C-68EEB05113A0}"/>
+              </a:ext>
+            </a:extLst>
+          </p:cNvPr>
+          <p:cNvSpPr/>
+          <p:nvPr/>
+        </p:nvSpPr>
+        <p:spPr>
+          <a:xfrm>
+            <a:off x="7230085" y="4619974"/>
+            <a:ext cx="2068436" cy="720000"/>
+          </a:xfrm>
+          <a:custGeom>
+            <a:avLst/>
+            <a:gdLst>
+              <a:gd name="connsiteX0" fmla="*/ 0 w 2068436"/>
+              <a:gd name="connsiteY0" fmla="*/ 0 h 720000"/>
+              <a:gd name="connsiteX1" fmla="*/ 2068436 w 2068436"/>
+              <a:gd name="connsiteY1" fmla="*/ 0 h 720000"/>
+              <a:gd name="connsiteX2" fmla="*/ 2068436 w 2068436"/>
+              <a:gd name="connsiteY2" fmla="*/ 720000 h 720000"/>
+              <a:gd name="connsiteX3" fmla="*/ 0 w 2068436"/>
+              <a:gd name="connsiteY3" fmla="*/ 720000 h 720000"/>
+              <a:gd name="connsiteX4" fmla="*/ 0 w 2068436"/>
+              <a:gd name="connsiteY4" fmla="*/ 0 h 720000"/>
+            </a:gdLst>
+            <a:ahLst/>
+            <a:cxnLst>
+              <a:cxn ang="0">
+                <a:pos x="connsiteX0" y="connsiteY0"/>
+              </a:cxn>
+              <a:cxn ang="0">
+                <a:pos x="connsiteX1" y="connsiteY1"/>
+              </a:cxn>
+              <a:cxn ang="0">
+                <a:pos x="connsiteX2" y="connsiteY2"/>
+              </a:cxn>
+              <a:cxn ang="0">
+                <a:pos x="connsiteX3" y="connsiteY3"/>
+              </a:cxn>
+              <a:cxn ang="0">
+                <a:pos x="connsiteX4" y="connsiteY4"/>
+              </a:cxn>
+            </a:cxnLst>
+            <a:rect l="l" t="t" r="r" b="b"/>
+            <a:pathLst>
+              <a:path w="2068436" h="720000">
+                <a:moveTo>
+                  <a:pt x="0" y="0"/>
+                </a:moveTo>
+                <a:lnTo>
+                  <a:pt x="2068436" y="0"/>
+                </a:lnTo>
+                <a:lnTo>
+                  <a:pt x="2068436" y="720000"/>
+                </a:lnTo>
+                <a:lnTo>
+                  <a:pt x="0" y="720000"/>
+                </a:lnTo>
+                <a:lnTo>
+                  <a:pt x="0" y="0"/>
+                </a:lnTo>
+                <a:close/>
+              </a:path>
+            </a:pathLst>
+          </a:custGeom>
+        </p:spPr>
+        <p:style>
+          <a:lnRef idx="0">
+            <a:schemeClr val="dk1">
+              <a:alpha val="0"/>
+              <a:hueOff val="0"/>
+              <a:satOff val="0"/>
+              <a:lumOff val="0"/>
+              <a:alphaOff val="0"/>
+            </a:schemeClr>
+          </a:lnRef>
+          <a:fillRef idx="0">
+            <a:schemeClr val="lt1">
+              <a:alpha val="0"/>
+              <a:hueOff val="0"/>
+              <a:satOff val="0"/>
+              <a:lumOff val="0"/>
+              <a:alphaOff val="0"/>
+            </a:schemeClr>
+          </a:fillRef>
+          <a:effectRef idx="0">
+            <a:schemeClr val="lt1">
+              <a:alpha val="0"/>
+              <a:hueOff val="0"/>
+              <a:satOff val="0"/>
+              <a:lumOff val="0"/>
+              <a:alphaOff val="0"/>
+            </a:schemeClr>
+          </a:effectRef>
+          <a:fontRef idx="minor">
+            <a:schemeClr val="tx1">
+              <a:hueOff val="0"/>
+              <a:satOff val="0"/>
+              <a:lumOff val="0"/>
+              <a:alphaOff val="0"/>
+            </a:schemeClr>
+          </a:fontRef>
+        </p:style>
+        <p:txBody>
+          <a:bodyPr spcFirstLastPara="0" vert="horz" wrap="square" lIns="0" tIns="0" rIns="0" bIns="0" numCol="1" spcCol="1270" anchor="t" anchorCtr="0">
+            <a:noAutofit/>
+          </a:bodyPr>
+          <a:lstStyle/>
+          <a:p>
+            <a:pPr marL="0" lvl="0" indent="0" algn="ctr" defTabSz="711200">
+              <a:lnSpc>
+                <a:spcPct val="90000"/>
+              </a:lnSpc>
+              <a:spcBef>
+                <a:spcPct val="0"/>
+              </a:spcBef>
+              <a:spcAft>
+                <a:spcPct val="35000"/>
+              </a:spcAft>
+              <a:buNone/>
+            </a:pPr>
             <a:r>
-              <a:rPr lang="pt-BR" sz="1600" dirty="0">
-                <a:solidFill>
-                  <a:prstClr val="black">
-                    <a:hueOff val="0"/>
-                    <a:satOff val="0"/>
-                    <a:lumOff val="0"/>
-                    <a:alphaOff val="0"/>
-                  </a:prstClr>
-                </a:solidFill>
-                <a:latin typeface="Calibri" panose="020F0502020204030204"/>
-              </a:rPr>
-              <a:t>Foco não ser organização de campeonatos</a:t>
-            </a:r>
-          </a:p>
-          <a:p>
-            <a:r>
-              <a:rPr lang="pt-BR" sz="1600" dirty="0">
-                <a:solidFill>
-                  <a:prstClr val="black">
-                    <a:hueOff val="0"/>
-                    <a:satOff val="0"/>
-                    <a:lumOff val="0"/>
-                    <a:alphaOff val="0"/>
-                  </a:prstClr>
-                </a:solidFill>
-                <a:latin typeface="Calibri" panose="020F0502020204030204"/>
-              </a:rPr>
+              <a:rPr lang="en-US" sz="1600" kern="1200" dirty="0" err="1"/>
               <a:t>Multiplataforma</a:t>
             </a:r>
+            <a:endParaRPr lang="en-US" sz="1600" kern="1200" dirty="0"/>
           </a:p>
+        </p:txBody>
+      </p:sp>
+      <p:sp>
+        <p:nvSpPr>
+          <p:cNvPr id="35" name="Elipse 34">
+            <a:extLst>
+              <a:ext uri="{FF2B5EF4-FFF2-40B4-BE49-F238E27FC236}">
+                <a16:creationId xmlns:a16="http://schemas.microsoft.com/office/drawing/2014/main" id="{C0632CC2-31E5-477B-AC62-01CC5DD65329}"/>
+              </a:ext>
+            </a:extLst>
+          </p:cNvPr>
+          <p:cNvSpPr/>
+          <p:nvPr/>
+        </p:nvSpPr>
+        <p:spPr>
+          <a:xfrm>
+            <a:off x="9875721" y="2965224"/>
+            <a:ext cx="1261746" cy="1261746"/>
+          </a:xfrm>
+          <a:prstGeom prst="ellipse">
+            <a:avLst/>
+          </a:prstGeom>
+        </p:spPr>
+        <p:style>
+          <a:lnRef idx="3">
+            <a:schemeClr val="lt1"/>
+          </a:lnRef>
+          <a:fillRef idx="1">
+            <a:schemeClr val="accent6"/>
+          </a:fillRef>
+          <a:effectRef idx="1">
+            <a:schemeClr val="accent6"/>
+          </a:effectRef>
+          <a:fontRef idx="minor">
+            <a:schemeClr val="lt1"/>
+          </a:fontRef>
+        </p:style>
+      </p:sp>
+      <p:sp>
+        <p:nvSpPr>
+          <p:cNvPr id="39" name="Forma Livre: Forma 38">
+            <a:extLst>
+              <a:ext uri="{FF2B5EF4-FFF2-40B4-BE49-F238E27FC236}">
+                <a16:creationId xmlns:a16="http://schemas.microsoft.com/office/drawing/2014/main" id="{EA4B9E03-8B9E-41B7-A100-965C027E9D13}"/>
+              </a:ext>
+            </a:extLst>
+          </p:cNvPr>
+          <p:cNvSpPr/>
+          <p:nvPr/>
+        </p:nvSpPr>
+        <p:spPr>
+          <a:xfrm>
+            <a:off x="9458149" y="4619974"/>
+            <a:ext cx="2237026" cy="720000"/>
+          </a:xfrm>
+          <a:custGeom>
+            <a:avLst/>
+            <a:gdLst>
+              <a:gd name="connsiteX0" fmla="*/ 0 w 2068436"/>
+              <a:gd name="connsiteY0" fmla="*/ 0 h 720000"/>
+              <a:gd name="connsiteX1" fmla="*/ 2068436 w 2068436"/>
+              <a:gd name="connsiteY1" fmla="*/ 0 h 720000"/>
+              <a:gd name="connsiteX2" fmla="*/ 2068436 w 2068436"/>
+              <a:gd name="connsiteY2" fmla="*/ 720000 h 720000"/>
+              <a:gd name="connsiteX3" fmla="*/ 0 w 2068436"/>
+              <a:gd name="connsiteY3" fmla="*/ 720000 h 720000"/>
+              <a:gd name="connsiteX4" fmla="*/ 0 w 2068436"/>
+              <a:gd name="connsiteY4" fmla="*/ 0 h 720000"/>
+            </a:gdLst>
+            <a:ahLst/>
+            <a:cxnLst>
+              <a:cxn ang="0">
+                <a:pos x="connsiteX0" y="connsiteY0"/>
+              </a:cxn>
+              <a:cxn ang="0">
+                <a:pos x="connsiteX1" y="connsiteY1"/>
+              </a:cxn>
+              <a:cxn ang="0">
+                <a:pos x="connsiteX2" y="connsiteY2"/>
+              </a:cxn>
+              <a:cxn ang="0">
+                <a:pos x="connsiteX3" y="connsiteY3"/>
+              </a:cxn>
+              <a:cxn ang="0">
+                <a:pos x="connsiteX4" y="connsiteY4"/>
+              </a:cxn>
+            </a:cxnLst>
+            <a:rect l="l" t="t" r="r" b="b"/>
+            <a:pathLst>
+              <a:path w="2068436" h="720000">
+                <a:moveTo>
+                  <a:pt x="0" y="0"/>
+                </a:moveTo>
+                <a:lnTo>
+                  <a:pt x="2068436" y="0"/>
+                </a:lnTo>
+                <a:lnTo>
+                  <a:pt x="2068436" y="720000"/>
+                </a:lnTo>
+                <a:lnTo>
+                  <a:pt x="0" y="720000"/>
+                </a:lnTo>
+                <a:lnTo>
+                  <a:pt x="0" y="0"/>
+                </a:lnTo>
+                <a:close/>
+              </a:path>
+            </a:pathLst>
+          </a:custGeom>
+        </p:spPr>
+        <p:style>
+          <a:lnRef idx="0">
+            <a:schemeClr val="dk1">
+              <a:alpha val="0"/>
+              <a:hueOff val="0"/>
+              <a:satOff val="0"/>
+              <a:lumOff val="0"/>
+              <a:alphaOff val="0"/>
+            </a:schemeClr>
+          </a:lnRef>
+          <a:fillRef idx="0">
+            <a:schemeClr val="lt1">
+              <a:alpha val="0"/>
+              <a:hueOff val="0"/>
+              <a:satOff val="0"/>
+              <a:lumOff val="0"/>
+              <a:alphaOff val="0"/>
+            </a:schemeClr>
+          </a:fillRef>
+          <a:effectRef idx="0">
+            <a:schemeClr val="lt1">
+              <a:alpha val="0"/>
+              <a:hueOff val="0"/>
+              <a:satOff val="0"/>
+              <a:lumOff val="0"/>
+              <a:alphaOff val="0"/>
+            </a:schemeClr>
+          </a:effectRef>
+          <a:fontRef idx="minor">
+            <a:schemeClr val="tx1">
+              <a:hueOff val="0"/>
+              <a:satOff val="0"/>
+              <a:lumOff val="0"/>
+              <a:alphaOff val="0"/>
+            </a:schemeClr>
+          </a:fontRef>
+        </p:style>
+        <p:txBody>
+          <a:bodyPr spcFirstLastPara="0" vert="horz" wrap="square" lIns="0" tIns="0" rIns="0" bIns="0" numCol="1" spcCol="1270" anchor="t" anchorCtr="0">
+            <a:noAutofit/>
+          </a:bodyPr>
+          <a:lstStyle/>
           <a:p>
+            <a:pPr marL="0" lvl="0" indent="0" algn="ctr" defTabSz="711200">
+              <a:lnSpc>
+                <a:spcPct val="90000"/>
+              </a:lnSpc>
+              <a:spcBef>
+                <a:spcPct val="0"/>
+              </a:spcBef>
+              <a:spcAft>
+                <a:spcPct val="35000"/>
+              </a:spcAft>
+              <a:buNone/>
+            </a:pPr>
             <a:r>
-              <a:rPr lang="pt-BR" sz="1600" dirty="0">
-                <a:solidFill>
-                  <a:prstClr val="black">
-                    <a:hueOff val="0"/>
-                    <a:satOff val="0"/>
-                    <a:lumOff val="0"/>
-                    <a:alphaOff val="0"/>
-                  </a:prstClr>
-                </a:solidFill>
-                <a:latin typeface="Calibri" panose="020F0502020204030204"/>
-              </a:rPr>
+              <a:rPr lang="en-US" sz="1600" kern="1200" dirty="0"/>
               <a:t>UX</a:t>
             </a:r>
           </a:p>
         </p:txBody>
       </p:sp>
+      <p:pic>
+        <p:nvPicPr>
+          <p:cNvPr id="44" name="Imagem 43" descr="Uma imagem contendo balão, transporte, aeronave, gráfico&#10;&#10;Descrição gerada automaticamente">
+            <a:extLst>
+              <a:ext uri="{FF2B5EF4-FFF2-40B4-BE49-F238E27FC236}">
+                <a16:creationId xmlns:a16="http://schemas.microsoft.com/office/drawing/2014/main" id="{63F872DA-A24E-45B8-B704-97C03C63B21E}"/>
+              </a:ext>
+            </a:extLst>
+          </p:cNvPr>
+          <p:cNvPicPr>
+            <a:picLocks noChangeAspect="1"/>
+          </p:cNvPicPr>
+          <p:nvPr/>
+        </p:nvPicPr>
+        <p:blipFill>
+          <a:blip r:embed="rId6">
+            <a:extLst>
+              <a:ext uri="{28A0092B-C50C-407E-A947-70E740481C1C}">
+                <a14:useLocalDpi xmlns:a14="http://schemas.microsoft.com/office/drawing/2010/main" val="0"/>
+              </a:ext>
+            </a:extLst>
+          </a:blip>
+          <a:stretch>
+            <a:fillRect/>
+          </a:stretch>
+        </p:blipFill>
+        <p:spPr>
+          <a:xfrm>
+            <a:off x="10169921" y="3216638"/>
+            <a:ext cx="723952" cy="723952"/>
+          </a:xfrm>
+          <a:prstGeom prst="rect">
+            <a:avLst/>
+          </a:prstGeom>
+        </p:spPr>
+      </p:pic>
     </p:spTree>
     <p:extLst>
       <p:ext uri="{BB962C8B-B14F-4D97-AF65-F5344CB8AC3E}">
@@ -36765,6 +35744,537 @@
   <p:clrMapOvr>
     <a:masterClrMapping/>
   </p:clrMapOvr>
+  <p:timing>
+    <p:tnLst>
+      <p:par>
+        <p:cTn id="1" dur="indefinite" restart="never" nodeType="tmRoot">
+          <p:childTnLst>
+            <p:seq concurrent="1" nextAc="seek">
+              <p:cTn id="2" dur="indefinite" nodeType="mainSeq">
+                <p:childTnLst>
+                  <p:par>
+                    <p:cTn id="3" fill="hold">
+                      <p:stCondLst>
+                        <p:cond delay="indefinite"/>
+                      </p:stCondLst>
+                      <p:childTnLst>
+                        <p:par>
+                          <p:cTn id="4" fill="hold">
+                            <p:stCondLst>
+                              <p:cond delay="0"/>
+                            </p:stCondLst>
+                            <p:childTnLst>
+                              <p:par>
+                                <p:cTn id="5" presetID="10" presetClass="entr" presetSubtype="0" fill="hold" grpId="0" nodeType="clickEffect">
+                                  <p:stCondLst>
+                                    <p:cond delay="0"/>
+                                  </p:stCondLst>
+                                  <p:childTnLst>
+                                    <p:set>
+                                      <p:cBhvr>
+                                        <p:cTn id="6" dur="1" fill="hold">
+                                          <p:stCondLst>
+                                            <p:cond delay="0"/>
+                                          </p:stCondLst>
+                                        </p:cTn>
+                                        <p:tgtEl>
+                                          <p:spTgt spid="27"/>
+                                        </p:tgtEl>
+                                        <p:attrNameLst>
+                                          <p:attrName>style.visibility</p:attrName>
+                                        </p:attrNameLst>
+                                      </p:cBhvr>
+                                      <p:to>
+                                        <p:strVal val="visible"/>
+                                      </p:to>
+                                    </p:set>
+                                    <p:animEffect transition="in" filter="fade">
+                                      <p:cBhvr>
+                                        <p:cTn id="7" dur="500"/>
+                                        <p:tgtEl>
+                                          <p:spTgt spid="27"/>
+                                        </p:tgtEl>
+                                      </p:cBhvr>
+                                    </p:animEffect>
+                                  </p:childTnLst>
+                                </p:cTn>
+                              </p:par>
+                              <p:par>
+                                <p:cTn id="8" presetID="10" presetClass="entr" presetSubtype="0" fill="hold" nodeType="withEffect">
+                                  <p:stCondLst>
+                                    <p:cond delay="0"/>
+                                  </p:stCondLst>
+                                  <p:childTnLst>
+                                    <p:set>
+                                      <p:cBhvr>
+                                        <p:cTn id="9" dur="1" fill="hold">
+                                          <p:stCondLst>
+                                            <p:cond delay="0"/>
+                                          </p:stCondLst>
+                                        </p:cTn>
+                                        <p:tgtEl>
+                                          <p:spTgt spid="26"/>
+                                        </p:tgtEl>
+                                        <p:attrNameLst>
+                                          <p:attrName>style.visibility</p:attrName>
+                                        </p:attrNameLst>
+                                      </p:cBhvr>
+                                      <p:to>
+                                        <p:strVal val="visible"/>
+                                      </p:to>
+                                    </p:set>
+                                    <p:animEffect transition="in" filter="fade">
+                                      <p:cBhvr>
+                                        <p:cTn id="10" dur="500"/>
+                                        <p:tgtEl>
+                                          <p:spTgt spid="26"/>
+                                        </p:tgtEl>
+                                      </p:cBhvr>
+                                    </p:animEffect>
+                                  </p:childTnLst>
+                                </p:cTn>
+                              </p:par>
+                              <p:par>
+                                <p:cTn id="11" presetID="10" presetClass="entr" presetSubtype="0" fill="hold" grpId="0" nodeType="withEffect">
+                                  <p:stCondLst>
+                                    <p:cond delay="0"/>
+                                  </p:stCondLst>
+                                  <p:childTnLst>
+                                    <p:set>
+                                      <p:cBhvr>
+                                        <p:cTn id="12" dur="1" fill="hold">
+                                          <p:stCondLst>
+                                            <p:cond delay="0"/>
+                                          </p:stCondLst>
+                                        </p:cTn>
+                                        <p:tgtEl>
+                                          <p:spTgt spid="28"/>
+                                        </p:tgtEl>
+                                        <p:attrNameLst>
+                                          <p:attrName>style.visibility</p:attrName>
+                                        </p:attrNameLst>
+                                      </p:cBhvr>
+                                      <p:to>
+                                        <p:strVal val="visible"/>
+                                      </p:to>
+                                    </p:set>
+                                    <p:animEffect transition="in" filter="fade">
+                                      <p:cBhvr>
+                                        <p:cTn id="13" dur="500"/>
+                                        <p:tgtEl>
+                                          <p:spTgt spid="28"/>
+                                        </p:tgtEl>
+                                      </p:cBhvr>
+                                    </p:animEffect>
+                                  </p:childTnLst>
+                                </p:cTn>
+                              </p:par>
+                            </p:childTnLst>
+                          </p:cTn>
+                        </p:par>
+                      </p:childTnLst>
+                    </p:cTn>
+                  </p:par>
+                  <p:par>
+                    <p:cTn id="14" fill="hold">
+                      <p:stCondLst>
+                        <p:cond delay="indefinite"/>
+                      </p:stCondLst>
+                      <p:childTnLst>
+                        <p:par>
+                          <p:cTn id="15" fill="hold">
+                            <p:stCondLst>
+                              <p:cond delay="0"/>
+                            </p:stCondLst>
+                            <p:childTnLst>
+                              <p:par>
+                                <p:cTn id="16" presetID="10" presetClass="entr" presetSubtype="0" fill="hold" nodeType="clickEffect">
+                                  <p:stCondLst>
+                                    <p:cond delay="0"/>
+                                  </p:stCondLst>
+                                  <p:childTnLst>
+                                    <p:set>
+                                      <p:cBhvr>
+                                        <p:cTn id="17" dur="1" fill="hold">
+                                          <p:stCondLst>
+                                            <p:cond delay="0"/>
+                                          </p:stCondLst>
+                                        </p:cTn>
+                                        <p:tgtEl>
+                                          <p:spTgt spid="29"/>
+                                        </p:tgtEl>
+                                        <p:attrNameLst>
+                                          <p:attrName>style.visibility</p:attrName>
+                                        </p:attrNameLst>
+                                      </p:cBhvr>
+                                      <p:to>
+                                        <p:strVal val="visible"/>
+                                      </p:to>
+                                    </p:set>
+                                    <p:animEffect transition="in" filter="fade">
+                                      <p:cBhvr>
+                                        <p:cTn id="18" dur="500"/>
+                                        <p:tgtEl>
+                                          <p:spTgt spid="29"/>
+                                        </p:tgtEl>
+                                      </p:cBhvr>
+                                    </p:animEffect>
+                                  </p:childTnLst>
+                                </p:cTn>
+                              </p:par>
+                              <p:par>
+                                <p:cTn id="19" presetID="10" presetClass="entr" presetSubtype="0" fill="hold" grpId="0" nodeType="withEffect">
+                                  <p:stCondLst>
+                                    <p:cond delay="0"/>
+                                  </p:stCondLst>
+                                  <p:childTnLst>
+                                    <p:set>
+                                      <p:cBhvr>
+                                        <p:cTn id="20" dur="1" fill="hold">
+                                          <p:stCondLst>
+                                            <p:cond delay="0"/>
+                                          </p:stCondLst>
+                                        </p:cTn>
+                                        <p:tgtEl>
+                                          <p:spTgt spid="30"/>
+                                        </p:tgtEl>
+                                        <p:attrNameLst>
+                                          <p:attrName>style.visibility</p:attrName>
+                                        </p:attrNameLst>
+                                      </p:cBhvr>
+                                      <p:to>
+                                        <p:strVal val="visible"/>
+                                      </p:to>
+                                    </p:set>
+                                    <p:animEffect transition="in" filter="fade">
+                                      <p:cBhvr>
+                                        <p:cTn id="21" dur="500"/>
+                                        <p:tgtEl>
+                                          <p:spTgt spid="30"/>
+                                        </p:tgtEl>
+                                      </p:cBhvr>
+                                    </p:animEffect>
+                                  </p:childTnLst>
+                                </p:cTn>
+                              </p:par>
+                              <p:par>
+                                <p:cTn id="22" presetID="10" presetClass="entr" presetSubtype="0" fill="hold" grpId="0" nodeType="withEffect">
+                                  <p:stCondLst>
+                                    <p:cond delay="0"/>
+                                  </p:stCondLst>
+                                  <p:childTnLst>
+                                    <p:set>
+                                      <p:cBhvr>
+                                        <p:cTn id="23" dur="1" fill="hold">
+                                          <p:stCondLst>
+                                            <p:cond delay="0"/>
+                                          </p:stCondLst>
+                                        </p:cTn>
+                                        <p:tgtEl>
+                                          <p:spTgt spid="31"/>
+                                        </p:tgtEl>
+                                        <p:attrNameLst>
+                                          <p:attrName>style.visibility</p:attrName>
+                                        </p:attrNameLst>
+                                      </p:cBhvr>
+                                      <p:to>
+                                        <p:strVal val="visible"/>
+                                      </p:to>
+                                    </p:set>
+                                    <p:animEffect transition="in" filter="fade">
+                                      <p:cBhvr>
+                                        <p:cTn id="24" dur="500"/>
+                                        <p:tgtEl>
+                                          <p:spTgt spid="31"/>
+                                        </p:tgtEl>
+                                      </p:cBhvr>
+                                    </p:animEffect>
+                                  </p:childTnLst>
+                                </p:cTn>
+                              </p:par>
+                            </p:childTnLst>
+                          </p:cTn>
+                        </p:par>
+                      </p:childTnLst>
+                    </p:cTn>
+                  </p:par>
+                  <p:par>
+                    <p:cTn id="25" fill="hold">
+                      <p:stCondLst>
+                        <p:cond delay="indefinite"/>
+                      </p:stCondLst>
+                      <p:childTnLst>
+                        <p:par>
+                          <p:cTn id="26" fill="hold">
+                            <p:stCondLst>
+                              <p:cond delay="0"/>
+                            </p:stCondLst>
+                            <p:childTnLst>
+                              <p:par>
+                                <p:cTn id="27" presetID="10" presetClass="entr" presetSubtype="0" fill="hold" grpId="0" nodeType="clickEffect">
+                                  <p:stCondLst>
+                                    <p:cond delay="0"/>
+                                  </p:stCondLst>
+                                  <p:childTnLst>
+                                    <p:set>
+                                      <p:cBhvr>
+                                        <p:cTn id="28" dur="1" fill="hold">
+                                          <p:stCondLst>
+                                            <p:cond delay="0"/>
+                                          </p:stCondLst>
+                                        </p:cTn>
+                                        <p:tgtEl>
+                                          <p:spTgt spid="33"/>
+                                        </p:tgtEl>
+                                        <p:attrNameLst>
+                                          <p:attrName>style.visibility</p:attrName>
+                                        </p:attrNameLst>
+                                      </p:cBhvr>
+                                      <p:to>
+                                        <p:strVal val="visible"/>
+                                      </p:to>
+                                    </p:set>
+                                    <p:animEffect transition="in" filter="fade">
+                                      <p:cBhvr>
+                                        <p:cTn id="29" dur="500"/>
+                                        <p:tgtEl>
+                                          <p:spTgt spid="33"/>
+                                        </p:tgtEl>
+                                      </p:cBhvr>
+                                    </p:animEffect>
+                                  </p:childTnLst>
+                                </p:cTn>
+                              </p:par>
+                              <p:par>
+                                <p:cTn id="30" presetID="10" presetClass="entr" presetSubtype="0" fill="hold" nodeType="withEffect">
+                                  <p:stCondLst>
+                                    <p:cond delay="0"/>
+                                  </p:stCondLst>
+                                  <p:childTnLst>
+                                    <p:set>
+                                      <p:cBhvr>
+                                        <p:cTn id="31" dur="1" fill="hold">
+                                          <p:stCondLst>
+                                            <p:cond delay="0"/>
+                                          </p:stCondLst>
+                                        </p:cTn>
+                                        <p:tgtEl>
+                                          <p:spTgt spid="32"/>
+                                        </p:tgtEl>
+                                        <p:attrNameLst>
+                                          <p:attrName>style.visibility</p:attrName>
+                                        </p:attrNameLst>
+                                      </p:cBhvr>
+                                      <p:to>
+                                        <p:strVal val="visible"/>
+                                      </p:to>
+                                    </p:set>
+                                    <p:animEffect transition="in" filter="fade">
+                                      <p:cBhvr>
+                                        <p:cTn id="32" dur="500"/>
+                                        <p:tgtEl>
+                                          <p:spTgt spid="32"/>
+                                        </p:tgtEl>
+                                      </p:cBhvr>
+                                    </p:animEffect>
+                                  </p:childTnLst>
+                                </p:cTn>
+                              </p:par>
+                              <p:par>
+                                <p:cTn id="33" presetID="10" presetClass="entr" presetSubtype="0" fill="hold" grpId="0" nodeType="withEffect">
+                                  <p:stCondLst>
+                                    <p:cond delay="0"/>
+                                  </p:stCondLst>
+                                  <p:childTnLst>
+                                    <p:set>
+                                      <p:cBhvr>
+                                        <p:cTn id="34" dur="1" fill="hold">
+                                          <p:stCondLst>
+                                            <p:cond delay="0"/>
+                                          </p:stCondLst>
+                                        </p:cTn>
+                                        <p:tgtEl>
+                                          <p:spTgt spid="34"/>
+                                        </p:tgtEl>
+                                        <p:attrNameLst>
+                                          <p:attrName>style.visibility</p:attrName>
+                                        </p:attrNameLst>
+                                      </p:cBhvr>
+                                      <p:to>
+                                        <p:strVal val="visible"/>
+                                      </p:to>
+                                    </p:set>
+                                    <p:animEffect transition="in" filter="fade">
+                                      <p:cBhvr>
+                                        <p:cTn id="35" dur="500"/>
+                                        <p:tgtEl>
+                                          <p:spTgt spid="34"/>
+                                        </p:tgtEl>
+                                      </p:cBhvr>
+                                    </p:animEffect>
+                                  </p:childTnLst>
+                                </p:cTn>
+                              </p:par>
+                            </p:childTnLst>
+                          </p:cTn>
+                        </p:par>
+                      </p:childTnLst>
+                    </p:cTn>
+                  </p:par>
+                  <p:par>
+                    <p:cTn id="36" fill="hold">
+                      <p:stCondLst>
+                        <p:cond delay="indefinite"/>
+                      </p:stCondLst>
+                      <p:childTnLst>
+                        <p:par>
+                          <p:cTn id="37" fill="hold">
+                            <p:stCondLst>
+                              <p:cond delay="0"/>
+                            </p:stCondLst>
+                            <p:childTnLst>
+                              <p:par>
+                                <p:cTn id="38" presetID="10" presetClass="entr" presetSubtype="0" fill="hold" nodeType="clickEffect">
+                                  <p:stCondLst>
+                                    <p:cond delay="0"/>
+                                  </p:stCondLst>
+                                  <p:childTnLst>
+                                    <p:set>
+                                      <p:cBhvr>
+                                        <p:cTn id="39" dur="1" fill="hold">
+                                          <p:stCondLst>
+                                            <p:cond delay="0"/>
+                                          </p:stCondLst>
+                                        </p:cTn>
+                                        <p:tgtEl>
+                                          <p:spTgt spid="35"/>
+                                        </p:tgtEl>
+                                        <p:attrNameLst>
+                                          <p:attrName>style.visibility</p:attrName>
+                                        </p:attrNameLst>
+                                      </p:cBhvr>
+                                      <p:to>
+                                        <p:strVal val="visible"/>
+                                      </p:to>
+                                    </p:set>
+                                    <p:animEffect transition="in" filter="fade">
+                                      <p:cBhvr>
+                                        <p:cTn id="40" dur="500"/>
+                                        <p:tgtEl>
+                                          <p:spTgt spid="35"/>
+                                        </p:tgtEl>
+                                      </p:cBhvr>
+                                    </p:animEffect>
+                                  </p:childTnLst>
+                                </p:cTn>
+                              </p:par>
+                              <p:par>
+                                <p:cTn id="41" presetID="10" presetClass="entr" presetSubtype="0" fill="hold" nodeType="withEffect">
+                                  <p:stCondLst>
+                                    <p:cond delay="0"/>
+                                  </p:stCondLst>
+                                  <p:childTnLst>
+                                    <p:set>
+                                      <p:cBhvr>
+                                        <p:cTn id="42" dur="1" fill="hold">
+                                          <p:stCondLst>
+                                            <p:cond delay="0"/>
+                                          </p:stCondLst>
+                                        </p:cTn>
+                                        <p:tgtEl>
+                                          <p:spTgt spid="44"/>
+                                        </p:tgtEl>
+                                        <p:attrNameLst>
+                                          <p:attrName>style.visibility</p:attrName>
+                                        </p:attrNameLst>
+                                      </p:cBhvr>
+                                      <p:to>
+                                        <p:strVal val="visible"/>
+                                      </p:to>
+                                    </p:set>
+                                    <p:animEffect transition="in" filter="fade">
+                                      <p:cBhvr>
+                                        <p:cTn id="43" dur="500"/>
+                                        <p:tgtEl>
+                                          <p:spTgt spid="44"/>
+                                        </p:tgtEl>
+                                      </p:cBhvr>
+                                    </p:animEffect>
+                                  </p:childTnLst>
+                                </p:cTn>
+                              </p:par>
+                              <p:par>
+                                <p:cTn id="44" presetID="10" presetClass="entr" presetSubtype="0" fill="hold" grpId="0" nodeType="withEffect">
+                                  <p:stCondLst>
+                                    <p:cond delay="0"/>
+                                  </p:stCondLst>
+                                  <p:childTnLst>
+                                    <p:set>
+                                      <p:cBhvr>
+                                        <p:cTn id="45" dur="1" fill="hold">
+                                          <p:stCondLst>
+                                            <p:cond delay="0"/>
+                                          </p:stCondLst>
+                                        </p:cTn>
+                                        <p:tgtEl>
+                                          <p:spTgt spid="39"/>
+                                        </p:tgtEl>
+                                        <p:attrNameLst>
+                                          <p:attrName>style.visibility</p:attrName>
+                                        </p:attrNameLst>
+                                      </p:cBhvr>
+                                      <p:to>
+                                        <p:strVal val="visible"/>
+                                      </p:to>
+                                    </p:set>
+                                    <p:animEffect transition="in" filter="fade">
+                                      <p:cBhvr>
+                                        <p:cTn id="46" dur="500"/>
+                                        <p:tgtEl>
+                                          <p:spTgt spid="39"/>
+                                        </p:tgtEl>
+                                      </p:cBhvr>
+                                    </p:animEffect>
+                                  </p:childTnLst>
+                                </p:cTn>
+                              </p:par>
+                            </p:childTnLst>
+                          </p:cTn>
+                        </p:par>
+                      </p:childTnLst>
+                    </p:cTn>
+                  </p:par>
+                </p:childTnLst>
+              </p:cTn>
+              <p:prevCondLst>
+                <p:cond evt="onPrev" delay="0">
+                  <p:tgtEl>
+                    <p:sldTgt/>
+                  </p:tgtEl>
+                </p:cond>
+              </p:prevCondLst>
+              <p:nextCondLst>
+                <p:cond evt="onNext" delay="0">
+                  <p:tgtEl>
+                    <p:sldTgt/>
+                  </p:tgtEl>
+                </p:cond>
+              </p:nextCondLst>
+            </p:seq>
+          </p:childTnLst>
+        </p:cTn>
+      </p:par>
+    </p:tnLst>
+    <p:bldLst>
+      <p:bldP spid="27" grpId="0" animBg="1"/>
+      <p:bldP spid="28" grpId="0"/>
+      <p:bldP spid="30" grpId="0" animBg="1"/>
+      <p:bldP spid="31" grpId="0"/>
+      <p:bldP spid="33" grpId="0" animBg="1"/>
+      <p:bldP spid="34" grpId="0"/>
+      <p:bldP spid="39" grpId="0"/>
+    </p:bldLst>
+  </p:timing>
 </p:sld>
 </file>
 

--- a/Documentação/Apresentação - Sprint 1 - 4 sem.pptx
+++ b/Documentação/Apresentação - Sprint 1 - 4 sem.pptx
@@ -10,16 +10,16 @@
     <p:sldId id="297" r:id="rId4"/>
     <p:sldId id="298" r:id="rId5"/>
     <p:sldId id="405" r:id="rId6"/>
-    <p:sldId id="310" r:id="rId7"/>
-    <p:sldId id="403" r:id="rId8"/>
-    <p:sldId id="404" r:id="rId9"/>
-    <p:sldId id="408" r:id="rId10"/>
-    <p:sldId id="407" r:id="rId11"/>
-    <p:sldId id="409" r:id="rId12"/>
-    <p:sldId id="300" r:id="rId13"/>
-    <p:sldId id="294" r:id="rId14"/>
-    <p:sldId id="406" r:id="rId15"/>
-    <p:sldId id="287" r:id="rId16"/>
+    <p:sldId id="409" r:id="rId7"/>
+    <p:sldId id="310" r:id="rId8"/>
+    <p:sldId id="403" r:id="rId9"/>
+    <p:sldId id="404" r:id="rId10"/>
+    <p:sldId id="408" r:id="rId11"/>
+    <p:sldId id="407" r:id="rId12"/>
+    <p:sldId id="406" r:id="rId13"/>
+    <p:sldId id="287" r:id="rId14"/>
+    <p:sldId id="410" r:id="rId15"/>
+    <p:sldId id="411" r:id="rId16"/>
   </p:sldIdLst>
   <p:sldSz cx="12192000" cy="6858000"/>
   <p:notesSz cx="6858000" cy="9144000"/>
@@ -24849,7 +24849,445 @@
           <a:p>
             <a:r>
               <a:rPr lang="pt-BR" dirty="0"/>
-              <a:t>Jornada do Usuário 1.1</a:t>
+              <a:t>Jornada do Usuário</a:t>
+            </a:r>
+          </a:p>
+        </p:txBody>
+      </p:sp>
+      <p:grpSp>
+        <p:nvGrpSpPr>
+          <p:cNvPr id="12" name="Group 11"/>
+          <p:cNvGrpSpPr>
+            <a:grpSpLocks noGrp="1" noUngrp="1" noRot="1" noChangeAspect="1" noMove="1" noResize="1"/>
+          </p:cNvGrpSpPr>
+          <p:nvPr/>
+        </p:nvGrpSpPr>
+        <p:grpSpPr>
+          <a:xfrm>
+            <a:off x="444125" y="66801"/>
+            <a:ext cx="1128378" cy="847206"/>
+            <a:chOff x="8145259" y="221938"/>
+            <a:chExt cx="1562262" cy="1172973"/>
+          </a:xfrm>
+        </p:grpSpPr>
+        <p:sp>
+          <p:nvSpPr>
+            <p:cNvPr id="13" name="Freeform 5"/>
+            <p:cNvSpPr/>
+            <p:nvPr/>
+          </p:nvSpPr>
+          <p:spPr bwMode="auto">
+            <a:xfrm>
+              <a:off x="8145259" y="570596"/>
+              <a:ext cx="935036" cy="824315"/>
+            </a:xfrm>
+            <a:custGeom>
+              <a:avLst/>
+              <a:gdLst>
+                <a:gd name="T0" fmla="*/ 225 w 785"/>
+                <a:gd name="T1" fmla="*/ 692 h 692"/>
+                <a:gd name="T2" fmla="*/ 177 w 785"/>
+                <a:gd name="T3" fmla="*/ 665 h 692"/>
+                <a:gd name="T4" fmla="*/ 9 w 785"/>
+                <a:gd name="T5" fmla="*/ 374 h 692"/>
+                <a:gd name="T6" fmla="*/ 9 w 785"/>
+                <a:gd name="T7" fmla="*/ 318 h 692"/>
+                <a:gd name="T8" fmla="*/ 177 w 785"/>
+                <a:gd name="T9" fmla="*/ 27 h 692"/>
+                <a:gd name="T10" fmla="*/ 225 w 785"/>
+                <a:gd name="T11" fmla="*/ 0 h 692"/>
+                <a:gd name="T12" fmla="*/ 561 w 785"/>
+                <a:gd name="T13" fmla="*/ 0 h 692"/>
+                <a:gd name="T14" fmla="*/ 609 w 785"/>
+                <a:gd name="T15" fmla="*/ 27 h 692"/>
+                <a:gd name="T16" fmla="*/ 777 w 785"/>
+                <a:gd name="T17" fmla="*/ 318 h 692"/>
+                <a:gd name="T18" fmla="*/ 777 w 785"/>
+                <a:gd name="T19" fmla="*/ 374 h 692"/>
+                <a:gd name="T20" fmla="*/ 609 w 785"/>
+                <a:gd name="T21" fmla="*/ 665 h 692"/>
+                <a:gd name="T22" fmla="*/ 561 w 785"/>
+                <a:gd name="T23" fmla="*/ 692 h 692"/>
+                <a:gd name="T24" fmla="*/ 225 w 785"/>
+                <a:gd name="T25" fmla="*/ 692 h 692"/>
+              </a:gdLst>
+              <a:ahLst/>
+              <a:cxnLst>
+                <a:cxn ang="0">
+                  <a:pos x="T0" y="T1"/>
+                </a:cxn>
+                <a:cxn ang="0">
+                  <a:pos x="T2" y="T3"/>
+                </a:cxn>
+                <a:cxn ang="0">
+                  <a:pos x="T4" y="T5"/>
+                </a:cxn>
+                <a:cxn ang="0">
+                  <a:pos x="T6" y="T7"/>
+                </a:cxn>
+                <a:cxn ang="0">
+                  <a:pos x="T8" y="T9"/>
+                </a:cxn>
+                <a:cxn ang="0">
+                  <a:pos x="T10" y="T11"/>
+                </a:cxn>
+                <a:cxn ang="0">
+                  <a:pos x="T12" y="T13"/>
+                </a:cxn>
+                <a:cxn ang="0">
+                  <a:pos x="T14" y="T15"/>
+                </a:cxn>
+                <a:cxn ang="0">
+                  <a:pos x="T16" y="T17"/>
+                </a:cxn>
+                <a:cxn ang="0">
+                  <a:pos x="T18" y="T19"/>
+                </a:cxn>
+                <a:cxn ang="0">
+                  <a:pos x="T20" y="T21"/>
+                </a:cxn>
+                <a:cxn ang="0">
+                  <a:pos x="T22" y="T23"/>
+                </a:cxn>
+                <a:cxn ang="0">
+                  <a:pos x="T24" y="T25"/>
+                </a:cxn>
+              </a:cxnLst>
+              <a:rect l="0" t="0" r="r" b="b"/>
+              <a:pathLst>
+                <a:path w="785" h="692">
+                  <a:moveTo>
+                    <a:pt x="225" y="692"/>
+                  </a:moveTo>
+                  <a:cubicBezTo>
+                    <a:pt x="207" y="692"/>
+                    <a:pt x="185" y="680"/>
+                    <a:pt x="177" y="665"/>
+                  </a:cubicBezTo>
+                  <a:cubicBezTo>
+                    <a:pt x="9" y="374"/>
+                    <a:pt x="9" y="374"/>
+                    <a:pt x="9" y="374"/>
+                  </a:cubicBezTo>
+                  <a:cubicBezTo>
+                    <a:pt x="0" y="358"/>
+                    <a:pt x="0" y="334"/>
+                    <a:pt x="9" y="318"/>
+                  </a:cubicBezTo>
+                  <a:cubicBezTo>
+                    <a:pt x="177" y="27"/>
+                    <a:pt x="177" y="27"/>
+                    <a:pt x="177" y="27"/>
+                  </a:cubicBezTo>
+                  <a:cubicBezTo>
+                    <a:pt x="185" y="12"/>
+                    <a:pt x="207" y="0"/>
+                    <a:pt x="225" y="0"/>
+                  </a:cubicBezTo>
+                  <a:cubicBezTo>
+                    <a:pt x="561" y="0"/>
+                    <a:pt x="561" y="0"/>
+                    <a:pt x="561" y="0"/>
+                  </a:cubicBezTo>
+                  <a:cubicBezTo>
+                    <a:pt x="578" y="0"/>
+                    <a:pt x="600" y="12"/>
+                    <a:pt x="609" y="27"/>
+                  </a:cubicBezTo>
+                  <a:cubicBezTo>
+                    <a:pt x="777" y="318"/>
+                    <a:pt x="777" y="318"/>
+                    <a:pt x="777" y="318"/>
+                  </a:cubicBezTo>
+                  <a:cubicBezTo>
+                    <a:pt x="785" y="334"/>
+                    <a:pt x="785" y="358"/>
+                    <a:pt x="777" y="374"/>
+                  </a:cubicBezTo>
+                  <a:cubicBezTo>
+                    <a:pt x="609" y="665"/>
+                    <a:pt x="609" y="665"/>
+                    <a:pt x="609" y="665"/>
+                  </a:cubicBezTo>
+                  <a:cubicBezTo>
+                    <a:pt x="600" y="680"/>
+                    <a:pt x="578" y="692"/>
+                    <a:pt x="561" y="692"/>
+                  </a:cubicBezTo>
+                  <a:lnTo>
+                    <a:pt x="225" y="692"/>
+                  </a:lnTo>
+                  <a:close/>
+                </a:path>
+              </a:pathLst>
+            </a:custGeom>
+            <a:noFill/>
+            <a:ln w="28575" cmpd="sng">
+              <a:solidFill>
+                <a:schemeClr val="tx1"/>
+              </a:solidFill>
+            </a:ln>
+          </p:spPr>
+          <p:txBody>
+            <a:bodyPr vert="horz" wrap="square" lIns="91440" tIns="45720" rIns="91440" bIns="45720" numCol="1" anchor="t" anchorCtr="0" compatLnSpc="1"/>
+            <a:lstStyle/>
+            <a:p>
+              <a:endParaRPr lang="en-US"/>
+            </a:p>
+          </p:txBody>
+        </p:sp>
+        <p:sp>
+          <p:nvSpPr>
+            <p:cNvPr id="14" name="Freeform 5"/>
+            <p:cNvSpPr/>
+            <p:nvPr/>
+          </p:nvSpPr>
+          <p:spPr bwMode="auto">
+            <a:xfrm>
+              <a:off x="8945354" y="221938"/>
+              <a:ext cx="762167" cy="671915"/>
+            </a:xfrm>
+            <a:custGeom>
+              <a:avLst/>
+              <a:gdLst>
+                <a:gd name="T0" fmla="*/ 225 w 785"/>
+                <a:gd name="T1" fmla="*/ 692 h 692"/>
+                <a:gd name="T2" fmla="*/ 177 w 785"/>
+                <a:gd name="T3" fmla="*/ 665 h 692"/>
+                <a:gd name="T4" fmla="*/ 9 w 785"/>
+                <a:gd name="T5" fmla="*/ 374 h 692"/>
+                <a:gd name="T6" fmla="*/ 9 w 785"/>
+                <a:gd name="T7" fmla="*/ 318 h 692"/>
+                <a:gd name="T8" fmla="*/ 177 w 785"/>
+                <a:gd name="T9" fmla="*/ 27 h 692"/>
+                <a:gd name="T10" fmla="*/ 225 w 785"/>
+                <a:gd name="T11" fmla="*/ 0 h 692"/>
+                <a:gd name="T12" fmla="*/ 561 w 785"/>
+                <a:gd name="T13" fmla="*/ 0 h 692"/>
+                <a:gd name="T14" fmla="*/ 609 w 785"/>
+                <a:gd name="T15" fmla="*/ 27 h 692"/>
+                <a:gd name="T16" fmla="*/ 777 w 785"/>
+                <a:gd name="T17" fmla="*/ 318 h 692"/>
+                <a:gd name="T18" fmla="*/ 777 w 785"/>
+                <a:gd name="T19" fmla="*/ 374 h 692"/>
+                <a:gd name="T20" fmla="*/ 609 w 785"/>
+                <a:gd name="T21" fmla="*/ 665 h 692"/>
+                <a:gd name="T22" fmla="*/ 561 w 785"/>
+                <a:gd name="T23" fmla="*/ 692 h 692"/>
+                <a:gd name="T24" fmla="*/ 225 w 785"/>
+                <a:gd name="T25" fmla="*/ 692 h 692"/>
+              </a:gdLst>
+              <a:ahLst/>
+              <a:cxnLst>
+                <a:cxn ang="0">
+                  <a:pos x="T0" y="T1"/>
+                </a:cxn>
+                <a:cxn ang="0">
+                  <a:pos x="T2" y="T3"/>
+                </a:cxn>
+                <a:cxn ang="0">
+                  <a:pos x="T4" y="T5"/>
+                </a:cxn>
+                <a:cxn ang="0">
+                  <a:pos x="T6" y="T7"/>
+                </a:cxn>
+                <a:cxn ang="0">
+                  <a:pos x="T8" y="T9"/>
+                </a:cxn>
+                <a:cxn ang="0">
+                  <a:pos x="T10" y="T11"/>
+                </a:cxn>
+                <a:cxn ang="0">
+                  <a:pos x="T12" y="T13"/>
+                </a:cxn>
+                <a:cxn ang="0">
+                  <a:pos x="T14" y="T15"/>
+                </a:cxn>
+                <a:cxn ang="0">
+                  <a:pos x="T16" y="T17"/>
+                </a:cxn>
+                <a:cxn ang="0">
+                  <a:pos x="T18" y="T19"/>
+                </a:cxn>
+                <a:cxn ang="0">
+                  <a:pos x="T20" y="T21"/>
+                </a:cxn>
+                <a:cxn ang="0">
+                  <a:pos x="T22" y="T23"/>
+                </a:cxn>
+                <a:cxn ang="0">
+                  <a:pos x="T24" y="T25"/>
+                </a:cxn>
+              </a:cxnLst>
+              <a:rect l="0" t="0" r="r" b="b"/>
+              <a:pathLst>
+                <a:path w="785" h="692">
+                  <a:moveTo>
+                    <a:pt x="225" y="692"/>
+                  </a:moveTo>
+                  <a:cubicBezTo>
+                    <a:pt x="207" y="692"/>
+                    <a:pt x="185" y="680"/>
+                    <a:pt x="177" y="665"/>
+                  </a:cubicBezTo>
+                  <a:cubicBezTo>
+                    <a:pt x="9" y="374"/>
+                    <a:pt x="9" y="374"/>
+                    <a:pt x="9" y="374"/>
+                  </a:cubicBezTo>
+                  <a:cubicBezTo>
+                    <a:pt x="0" y="358"/>
+                    <a:pt x="0" y="334"/>
+                    <a:pt x="9" y="318"/>
+                  </a:cubicBezTo>
+                  <a:cubicBezTo>
+                    <a:pt x="177" y="27"/>
+                    <a:pt x="177" y="27"/>
+                    <a:pt x="177" y="27"/>
+                  </a:cubicBezTo>
+                  <a:cubicBezTo>
+                    <a:pt x="185" y="12"/>
+                    <a:pt x="207" y="0"/>
+                    <a:pt x="225" y="0"/>
+                  </a:cubicBezTo>
+                  <a:cubicBezTo>
+                    <a:pt x="561" y="0"/>
+                    <a:pt x="561" y="0"/>
+                    <a:pt x="561" y="0"/>
+                  </a:cubicBezTo>
+                  <a:cubicBezTo>
+                    <a:pt x="578" y="0"/>
+                    <a:pt x="600" y="12"/>
+                    <a:pt x="609" y="27"/>
+                  </a:cubicBezTo>
+                  <a:cubicBezTo>
+                    <a:pt x="777" y="318"/>
+                    <a:pt x="777" y="318"/>
+                    <a:pt x="777" y="318"/>
+                  </a:cubicBezTo>
+                  <a:cubicBezTo>
+                    <a:pt x="785" y="334"/>
+                    <a:pt x="785" y="358"/>
+                    <a:pt x="777" y="374"/>
+                  </a:cubicBezTo>
+                  <a:cubicBezTo>
+                    <a:pt x="609" y="665"/>
+                    <a:pt x="609" y="665"/>
+                    <a:pt x="609" y="665"/>
+                  </a:cubicBezTo>
+                  <a:cubicBezTo>
+                    <a:pt x="600" y="680"/>
+                    <a:pt x="578" y="692"/>
+                    <a:pt x="561" y="692"/>
+                  </a:cubicBezTo>
+                  <a:lnTo>
+                    <a:pt x="225" y="692"/>
+                  </a:lnTo>
+                  <a:close/>
+                </a:path>
+              </a:pathLst>
+            </a:custGeom>
+            <a:noFill/>
+            <a:ln w="28575" cmpd="sng">
+              <a:solidFill>
+                <a:schemeClr val="tx1"/>
+              </a:solidFill>
+            </a:ln>
+          </p:spPr>
+          <p:txBody>
+            <a:bodyPr vert="horz" wrap="square" lIns="91440" tIns="45720" rIns="91440" bIns="45720" numCol="1" anchor="t" anchorCtr="0" compatLnSpc="1"/>
+            <a:lstStyle/>
+            <a:p>
+              <a:endParaRPr lang="en-US"/>
+            </a:p>
+          </p:txBody>
+        </p:sp>
+      </p:grpSp>
+      <p:pic>
+        <p:nvPicPr>
+          <p:cNvPr id="5" name="Imagem 4">
+            <a:extLst>
+              <a:ext uri="{FF2B5EF4-FFF2-40B4-BE49-F238E27FC236}">
+                <a16:creationId xmlns:a16="http://schemas.microsoft.com/office/drawing/2014/main" id="{92DD0149-042A-4554-8F26-D86334EB7D54}"/>
+              </a:ext>
+            </a:extLst>
+          </p:cNvPr>
+          <p:cNvPicPr>
+            <a:picLocks noChangeAspect="1"/>
+          </p:cNvPicPr>
+          <p:nvPr/>
+        </p:nvPicPr>
+        <p:blipFill>
+          <a:blip r:embed="rId2"/>
+          <a:stretch>
+            <a:fillRect/>
+          </a:stretch>
+        </p:blipFill>
+        <p:spPr>
+          <a:xfrm>
+            <a:off x="889190" y="2007266"/>
+            <a:ext cx="10413620" cy="3201403"/>
+          </a:xfrm>
+          <a:prstGeom prst="rect">
+            <a:avLst/>
+          </a:prstGeom>
+        </p:spPr>
+      </p:pic>
+    </p:spTree>
+    <p:extLst>
+      <p:ext uri="{BB962C8B-B14F-4D97-AF65-F5344CB8AC3E}">
+        <p14:creationId xmlns:p14="http://schemas.microsoft.com/office/powerpoint/2010/main" val="3766808452"/>
+      </p:ext>
+    </p:extLst>
+  </p:cSld>
+  <p:clrMapOvr>
+    <a:masterClrMapping/>
+  </p:clrMapOvr>
+</p:sld>
+</file>
+
+<file path=ppt/slides/slide11.xml><?xml version="1.0" encoding="utf-8"?>
+<p:sld xmlns:a="http://schemas.openxmlformats.org/drawingml/2006/main" xmlns:r="http://schemas.openxmlformats.org/officeDocument/2006/relationships" xmlns:p="http://schemas.openxmlformats.org/presentationml/2006/main">
+  <p:cSld>
+    <p:spTree>
+      <p:nvGrpSpPr>
+        <p:cNvPr id="1" name=""/>
+        <p:cNvGrpSpPr/>
+        <p:nvPr/>
+      </p:nvGrpSpPr>
+      <p:grpSpPr>
+        <a:xfrm>
+          <a:off x="0" y="0"/>
+          <a:ext cx="0" cy="0"/>
+          <a:chOff x="0" y="0"/>
+          <a:chExt cx="0" cy="0"/>
+        </a:xfrm>
+      </p:grpSpPr>
+      <p:sp>
+        <p:nvSpPr>
+          <p:cNvPr id="2" name="Título 1"/>
+          <p:cNvSpPr>
+            <a:spLocks noGrp="1"/>
+          </p:cNvSpPr>
+          <p:nvPr>
+            <p:ph type="title"/>
+          </p:nvPr>
+        </p:nvSpPr>
+        <p:spPr>
+          <a:xfrm>
+            <a:off x="1876329" y="7247"/>
+            <a:ext cx="9882278" cy="1067634"/>
+          </a:xfrm>
+        </p:spPr>
+        <p:txBody>
+          <a:bodyPr anchor="ctr">
+            <a:normAutofit/>
+          </a:bodyPr>
+          <a:lstStyle/>
+          <a:p>
+            <a:r>
+              <a:rPr lang="pt-BR" dirty="0"/>
+              <a:t>Jornada do Usuário</a:t>
             </a:r>
           </a:p>
         </p:txBody>
@@ -25218,9 +25656,9 @@
         <p:grpSpPr>
           <a:xfrm>
             <a:off x="540673" y="1326707"/>
-            <a:ext cx="11054382" cy="3405376"/>
+            <a:ext cx="11054382" cy="3590042"/>
             <a:chOff x="314177" y="1153991"/>
-            <a:chExt cx="11054382" cy="3405376"/>
+            <a:chExt cx="11054382" cy="3590042"/>
           </a:xfrm>
         </p:grpSpPr>
         <p:sp>
@@ -25779,7 +26217,7 @@
           <p:spPr>
             <a:xfrm>
               <a:off x="4256819" y="3913036"/>
-              <a:ext cx="1477831" cy="646331"/>
+              <a:ext cx="1477831" cy="830997"/>
             </a:xfrm>
             <a:prstGeom prst="rect">
               <a:avLst/>
@@ -25801,7 +26239,7 @@
             <a:p>
               <a:r>
                 <a:rPr lang="pt-BR" dirty="0"/>
-                <a:t>Primeira utilização inserido em uma equipe</a:t>
+                <a:t>Primeira utilização (entrando em equipes, agendando partidas)</a:t>
               </a:r>
             </a:p>
           </p:txBody>
@@ -26829,1973 +27267,7 @@
 </p:sld>
 </file>
 
-<file path=ppt/slides/slide11.xml><?xml version="1.0" encoding="utf-8"?>
-<p:sld xmlns:a="http://schemas.openxmlformats.org/drawingml/2006/main" xmlns:r="http://schemas.openxmlformats.org/officeDocument/2006/relationships" xmlns:p="http://schemas.openxmlformats.org/presentationml/2006/main">
-  <p:cSld>
-    <p:spTree>
-      <p:nvGrpSpPr>
-        <p:cNvPr id="1" name=""/>
-        <p:cNvGrpSpPr/>
-        <p:nvPr/>
-      </p:nvGrpSpPr>
-      <p:grpSpPr>
-        <a:xfrm>
-          <a:off x="0" y="0"/>
-          <a:ext cx="0" cy="0"/>
-          <a:chOff x="0" y="0"/>
-          <a:chExt cx="0" cy="0"/>
-        </a:xfrm>
-      </p:grpSpPr>
-      <p:sp>
-        <p:nvSpPr>
-          <p:cNvPr id="2" name="Título 1"/>
-          <p:cNvSpPr>
-            <a:spLocks noGrp="1"/>
-          </p:cNvSpPr>
-          <p:nvPr>
-            <p:ph type="title"/>
-          </p:nvPr>
-        </p:nvSpPr>
-        <p:spPr>
-          <a:xfrm>
-            <a:off x="1876329" y="7247"/>
-            <a:ext cx="9882278" cy="1067634"/>
-          </a:xfrm>
-        </p:spPr>
-        <p:txBody>
-          <a:bodyPr anchor="ctr">
-            <a:normAutofit/>
-          </a:bodyPr>
-          <a:lstStyle/>
-          <a:p>
-            <a:r>
-              <a:rPr lang="pt-BR" dirty="0"/>
-              <a:t>Matriz de Concorrência</a:t>
-            </a:r>
-          </a:p>
-        </p:txBody>
-      </p:sp>
-      <p:grpSp>
-        <p:nvGrpSpPr>
-          <p:cNvPr id="12" name="Group 11"/>
-          <p:cNvGrpSpPr>
-            <a:grpSpLocks noGrp="1" noUngrp="1" noRot="1" noChangeAspect="1" noMove="1" noResize="1"/>
-          </p:cNvGrpSpPr>
-          <p:nvPr/>
-        </p:nvGrpSpPr>
-        <p:grpSpPr>
-          <a:xfrm>
-            <a:off x="444125" y="66801"/>
-            <a:ext cx="1128378" cy="847206"/>
-            <a:chOff x="8145259" y="221938"/>
-            <a:chExt cx="1562262" cy="1172973"/>
-          </a:xfrm>
-        </p:grpSpPr>
-        <p:sp>
-          <p:nvSpPr>
-            <p:cNvPr id="13" name="Freeform 5"/>
-            <p:cNvSpPr/>
-            <p:nvPr/>
-          </p:nvSpPr>
-          <p:spPr bwMode="auto">
-            <a:xfrm>
-              <a:off x="8145259" y="570596"/>
-              <a:ext cx="935036" cy="824315"/>
-            </a:xfrm>
-            <a:custGeom>
-              <a:avLst/>
-              <a:gdLst>
-                <a:gd name="T0" fmla="*/ 225 w 785"/>
-                <a:gd name="T1" fmla="*/ 692 h 692"/>
-                <a:gd name="T2" fmla="*/ 177 w 785"/>
-                <a:gd name="T3" fmla="*/ 665 h 692"/>
-                <a:gd name="T4" fmla="*/ 9 w 785"/>
-                <a:gd name="T5" fmla="*/ 374 h 692"/>
-                <a:gd name="T6" fmla="*/ 9 w 785"/>
-                <a:gd name="T7" fmla="*/ 318 h 692"/>
-                <a:gd name="T8" fmla="*/ 177 w 785"/>
-                <a:gd name="T9" fmla="*/ 27 h 692"/>
-                <a:gd name="T10" fmla="*/ 225 w 785"/>
-                <a:gd name="T11" fmla="*/ 0 h 692"/>
-                <a:gd name="T12" fmla="*/ 561 w 785"/>
-                <a:gd name="T13" fmla="*/ 0 h 692"/>
-                <a:gd name="T14" fmla="*/ 609 w 785"/>
-                <a:gd name="T15" fmla="*/ 27 h 692"/>
-                <a:gd name="T16" fmla="*/ 777 w 785"/>
-                <a:gd name="T17" fmla="*/ 318 h 692"/>
-                <a:gd name="T18" fmla="*/ 777 w 785"/>
-                <a:gd name="T19" fmla="*/ 374 h 692"/>
-                <a:gd name="T20" fmla="*/ 609 w 785"/>
-                <a:gd name="T21" fmla="*/ 665 h 692"/>
-                <a:gd name="T22" fmla="*/ 561 w 785"/>
-                <a:gd name="T23" fmla="*/ 692 h 692"/>
-                <a:gd name="T24" fmla="*/ 225 w 785"/>
-                <a:gd name="T25" fmla="*/ 692 h 692"/>
-              </a:gdLst>
-              <a:ahLst/>
-              <a:cxnLst>
-                <a:cxn ang="0">
-                  <a:pos x="T0" y="T1"/>
-                </a:cxn>
-                <a:cxn ang="0">
-                  <a:pos x="T2" y="T3"/>
-                </a:cxn>
-                <a:cxn ang="0">
-                  <a:pos x="T4" y="T5"/>
-                </a:cxn>
-                <a:cxn ang="0">
-                  <a:pos x="T6" y="T7"/>
-                </a:cxn>
-                <a:cxn ang="0">
-                  <a:pos x="T8" y="T9"/>
-                </a:cxn>
-                <a:cxn ang="0">
-                  <a:pos x="T10" y="T11"/>
-                </a:cxn>
-                <a:cxn ang="0">
-                  <a:pos x="T12" y="T13"/>
-                </a:cxn>
-                <a:cxn ang="0">
-                  <a:pos x="T14" y="T15"/>
-                </a:cxn>
-                <a:cxn ang="0">
-                  <a:pos x="T16" y="T17"/>
-                </a:cxn>
-                <a:cxn ang="0">
-                  <a:pos x="T18" y="T19"/>
-                </a:cxn>
-                <a:cxn ang="0">
-                  <a:pos x="T20" y="T21"/>
-                </a:cxn>
-                <a:cxn ang="0">
-                  <a:pos x="T22" y="T23"/>
-                </a:cxn>
-                <a:cxn ang="0">
-                  <a:pos x="T24" y="T25"/>
-                </a:cxn>
-              </a:cxnLst>
-              <a:rect l="0" t="0" r="r" b="b"/>
-              <a:pathLst>
-                <a:path w="785" h="692">
-                  <a:moveTo>
-                    <a:pt x="225" y="692"/>
-                  </a:moveTo>
-                  <a:cubicBezTo>
-                    <a:pt x="207" y="692"/>
-                    <a:pt x="185" y="680"/>
-                    <a:pt x="177" y="665"/>
-                  </a:cubicBezTo>
-                  <a:cubicBezTo>
-                    <a:pt x="9" y="374"/>
-                    <a:pt x="9" y="374"/>
-                    <a:pt x="9" y="374"/>
-                  </a:cubicBezTo>
-                  <a:cubicBezTo>
-                    <a:pt x="0" y="358"/>
-                    <a:pt x="0" y="334"/>
-                    <a:pt x="9" y="318"/>
-                  </a:cubicBezTo>
-                  <a:cubicBezTo>
-                    <a:pt x="177" y="27"/>
-                    <a:pt x="177" y="27"/>
-                    <a:pt x="177" y="27"/>
-                  </a:cubicBezTo>
-                  <a:cubicBezTo>
-                    <a:pt x="185" y="12"/>
-                    <a:pt x="207" y="0"/>
-                    <a:pt x="225" y="0"/>
-                  </a:cubicBezTo>
-                  <a:cubicBezTo>
-                    <a:pt x="561" y="0"/>
-                    <a:pt x="561" y="0"/>
-                    <a:pt x="561" y="0"/>
-                  </a:cubicBezTo>
-                  <a:cubicBezTo>
-                    <a:pt x="578" y="0"/>
-                    <a:pt x="600" y="12"/>
-                    <a:pt x="609" y="27"/>
-                  </a:cubicBezTo>
-                  <a:cubicBezTo>
-                    <a:pt x="777" y="318"/>
-                    <a:pt x="777" y="318"/>
-                    <a:pt x="777" y="318"/>
-                  </a:cubicBezTo>
-                  <a:cubicBezTo>
-                    <a:pt x="785" y="334"/>
-                    <a:pt x="785" y="358"/>
-                    <a:pt x="777" y="374"/>
-                  </a:cubicBezTo>
-                  <a:cubicBezTo>
-                    <a:pt x="609" y="665"/>
-                    <a:pt x="609" y="665"/>
-                    <a:pt x="609" y="665"/>
-                  </a:cubicBezTo>
-                  <a:cubicBezTo>
-                    <a:pt x="600" y="680"/>
-                    <a:pt x="578" y="692"/>
-                    <a:pt x="561" y="692"/>
-                  </a:cubicBezTo>
-                  <a:lnTo>
-                    <a:pt x="225" y="692"/>
-                  </a:lnTo>
-                  <a:close/>
-                </a:path>
-              </a:pathLst>
-            </a:custGeom>
-            <a:noFill/>
-            <a:ln w="28575" cmpd="sng">
-              <a:solidFill>
-                <a:schemeClr val="tx1"/>
-              </a:solidFill>
-            </a:ln>
-          </p:spPr>
-          <p:txBody>
-            <a:bodyPr vert="horz" wrap="square" lIns="91440" tIns="45720" rIns="91440" bIns="45720" numCol="1" anchor="t" anchorCtr="0" compatLnSpc="1"/>
-            <a:lstStyle/>
-            <a:p>
-              <a:endParaRPr lang="en-US"/>
-            </a:p>
-          </p:txBody>
-        </p:sp>
-        <p:sp>
-          <p:nvSpPr>
-            <p:cNvPr id="14" name="Freeform 5"/>
-            <p:cNvSpPr/>
-            <p:nvPr/>
-          </p:nvSpPr>
-          <p:spPr bwMode="auto">
-            <a:xfrm>
-              <a:off x="8945354" y="221938"/>
-              <a:ext cx="762167" cy="671915"/>
-            </a:xfrm>
-            <a:custGeom>
-              <a:avLst/>
-              <a:gdLst>
-                <a:gd name="T0" fmla="*/ 225 w 785"/>
-                <a:gd name="T1" fmla="*/ 692 h 692"/>
-                <a:gd name="T2" fmla="*/ 177 w 785"/>
-                <a:gd name="T3" fmla="*/ 665 h 692"/>
-                <a:gd name="T4" fmla="*/ 9 w 785"/>
-                <a:gd name="T5" fmla="*/ 374 h 692"/>
-                <a:gd name="T6" fmla="*/ 9 w 785"/>
-                <a:gd name="T7" fmla="*/ 318 h 692"/>
-                <a:gd name="T8" fmla="*/ 177 w 785"/>
-                <a:gd name="T9" fmla="*/ 27 h 692"/>
-                <a:gd name="T10" fmla="*/ 225 w 785"/>
-                <a:gd name="T11" fmla="*/ 0 h 692"/>
-                <a:gd name="T12" fmla="*/ 561 w 785"/>
-                <a:gd name="T13" fmla="*/ 0 h 692"/>
-                <a:gd name="T14" fmla="*/ 609 w 785"/>
-                <a:gd name="T15" fmla="*/ 27 h 692"/>
-                <a:gd name="T16" fmla="*/ 777 w 785"/>
-                <a:gd name="T17" fmla="*/ 318 h 692"/>
-                <a:gd name="T18" fmla="*/ 777 w 785"/>
-                <a:gd name="T19" fmla="*/ 374 h 692"/>
-                <a:gd name="T20" fmla="*/ 609 w 785"/>
-                <a:gd name="T21" fmla="*/ 665 h 692"/>
-                <a:gd name="T22" fmla="*/ 561 w 785"/>
-                <a:gd name="T23" fmla="*/ 692 h 692"/>
-                <a:gd name="T24" fmla="*/ 225 w 785"/>
-                <a:gd name="T25" fmla="*/ 692 h 692"/>
-              </a:gdLst>
-              <a:ahLst/>
-              <a:cxnLst>
-                <a:cxn ang="0">
-                  <a:pos x="T0" y="T1"/>
-                </a:cxn>
-                <a:cxn ang="0">
-                  <a:pos x="T2" y="T3"/>
-                </a:cxn>
-                <a:cxn ang="0">
-                  <a:pos x="T4" y="T5"/>
-                </a:cxn>
-                <a:cxn ang="0">
-                  <a:pos x="T6" y="T7"/>
-                </a:cxn>
-                <a:cxn ang="0">
-                  <a:pos x="T8" y="T9"/>
-                </a:cxn>
-                <a:cxn ang="0">
-                  <a:pos x="T10" y="T11"/>
-                </a:cxn>
-                <a:cxn ang="0">
-                  <a:pos x="T12" y="T13"/>
-                </a:cxn>
-                <a:cxn ang="0">
-                  <a:pos x="T14" y="T15"/>
-                </a:cxn>
-                <a:cxn ang="0">
-                  <a:pos x="T16" y="T17"/>
-                </a:cxn>
-                <a:cxn ang="0">
-                  <a:pos x="T18" y="T19"/>
-                </a:cxn>
-                <a:cxn ang="0">
-                  <a:pos x="T20" y="T21"/>
-                </a:cxn>
-                <a:cxn ang="0">
-                  <a:pos x="T22" y="T23"/>
-                </a:cxn>
-                <a:cxn ang="0">
-                  <a:pos x="T24" y="T25"/>
-                </a:cxn>
-              </a:cxnLst>
-              <a:rect l="0" t="0" r="r" b="b"/>
-              <a:pathLst>
-                <a:path w="785" h="692">
-                  <a:moveTo>
-                    <a:pt x="225" y="692"/>
-                  </a:moveTo>
-                  <a:cubicBezTo>
-                    <a:pt x="207" y="692"/>
-                    <a:pt x="185" y="680"/>
-                    <a:pt x="177" y="665"/>
-                  </a:cubicBezTo>
-                  <a:cubicBezTo>
-                    <a:pt x="9" y="374"/>
-                    <a:pt x="9" y="374"/>
-                    <a:pt x="9" y="374"/>
-                  </a:cubicBezTo>
-                  <a:cubicBezTo>
-                    <a:pt x="0" y="358"/>
-                    <a:pt x="0" y="334"/>
-                    <a:pt x="9" y="318"/>
-                  </a:cubicBezTo>
-                  <a:cubicBezTo>
-                    <a:pt x="177" y="27"/>
-                    <a:pt x="177" y="27"/>
-                    <a:pt x="177" y="27"/>
-                  </a:cubicBezTo>
-                  <a:cubicBezTo>
-                    <a:pt x="185" y="12"/>
-                    <a:pt x="207" y="0"/>
-                    <a:pt x="225" y="0"/>
-                  </a:cubicBezTo>
-                  <a:cubicBezTo>
-                    <a:pt x="561" y="0"/>
-                    <a:pt x="561" y="0"/>
-                    <a:pt x="561" y="0"/>
-                  </a:cubicBezTo>
-                  <a:cubicBezTo>
-                    <a:pt x="578" y="0"/>
-                    <a:pt x="600" y="12"/>
-                    <a:pt x="609" y="27"/>
-                  </a:cubicBezTo>
-                  <a:cubicBezTo>
-                    <a:pt x="777" y="318"/>
-                    <a:pt x="777" y="318"/>
-                    <a:pt x="777" y="318"/>
-                  </a:cubicBezTo>
-                  <a:cubicBezTo>
-                    <a:pt x="785" y="334"/>
-                    <a:pt x="785" y="358"/>
-                    <a:pt x="777" y="374"/>
-                  </a:cubicBezTo>
-                  <a:cubicBezTo>
-                    <a:pt x="609" y="665"/>
-                    <a:pt x="609" y="665"/>
-                    <a:pt x="609" y="665"/>
-                  </a:cubicBezTo>
-                  <a:cubicBezTo>
-                    <a:pt x="600" y="680"/>
-                    <a:pt x="578" y="692"/>
-                    <a:pt x="561" y="692"/>
-                  </a:cubicBezTo>
-                  <a:lnTo>
-                    <a:pt x="225" y="692"/>
-                  </a:lnTo>
-                  <a:close/>
-                </a:path>
-              </a:pathLst>
-            </a:custGeom>
-            <a:noFill/>
-            <a:ln w="28575" cmpd="sng">
-              <a:solidFill>
-                <a:schemeClr val="tx1"/>
-              </a:solidFill>
-            </a:ln>
-          </p:spPr>
-          <p:txBody>
-            <a:bodyPr vert="horz" wrap="square" lIns="91440" tIns="45720" rIns="91440" bIns="45720" numCol="1" anchor="t" anchorCtr="0" compatLnSpc="1"/>
-            <a:lstStyle/>
-            <a:p>
-              <a:endParaRPr lang="en-US"/>
-            </a:p>
-          </p:txBody>
-        </p:sp>
-      </p:grpSp>
-      <p:pic>
-        <p:nvPicPr>
-          <p:cNvPr id="16" name="Imagem 15">
-            <a:extLst>
-              <a:ext uri="{FF2B5EF4-FFF2-40B4-BE49-F238E27FC236}">
-                <a16:creationId xmlns:a16="http://schemas.microsoft.com/office/drawing/2014/main" id="{FFDEB8E4-D264-4E9D-9149-3647F1E7D722}"/>
-              </a:ext>
-            </a:extLst>
-          </p:cNvPr>
-          <p:cNvPicPr>
-            <a:picLocks noChangeAspect="1"/>
-          </p:cNvPicPr>
-          <p:nvPr/>
-        </p:nvPicPr>
-        <p:blipFill>
-          <a:blip r:embed="rId2"/>
-          <a:stretch>
-            <a:fillRect/>
-          </a:stretch>
-        </p:blipFill>
-        <p:spPr>
-          <a:xfrm>
-            <a:off x="2794985" y="1429974"/>
-            <a:ext cx="6602030" cy="4528159"/>
-          </a:xfrm>
-          <a:prstGeom prst="rect">
-            <a:avLst/>
-          </a:prstGeom>
-        </p:spPr>
-      </p:pic>
-    </p:spTree>
-    <p:extLst>
-      <p:ext uri="{BB962C8B-B14F-4D97-AF65-F5344CB8AC3E}">
-        <p14:creationId xmlns:p14="http://schemas.microsoft.com/office/powerpoint/2010/main" val="2259134408"/>
-      </p:ext>
-    </p:extLst>
-  </p:cSld>
-  <p:clrMapOvr>
-    <a:masterClrMapping/>
-  </p:clrMapOvr>
-</p:sld>
-</file>
-
 <file path=ppt/slides/slide12.xml><?xml version="1.0" encoding="utf-8"?>
-<p:sld xmlns:a="http://schemas.openxmlformats.org/drawingml/2006/main" xmlns:r="http://schemas.openxmlformats.org/officeDocument/2006/relationships" xmlns:p="http://schemas.openxmlformats.org/presentationml/2006/main">
-  <p:cSld>
-    <p:spTree>
-      <p:nvGrpSpPr>
-        <p:cNvPr id="1" name=""/>
-        <p:cNvGrpSpPr/>
-        <p:nvPr/>
-      </p:nvGrpSpPr>
-      <p:grpSpPr>
-        <a:xfrm>
-          <a:off x="0" y="0"/>
-          <a:ext cx="0" cy="0"/>
-          <a:chOff x="0" y="0"/>
-          <a:chExt cx="0" cy="0"/>
-        </a:xfrm>
-      </p:grpSpPr>
-      <p:sp>
-        <p:nvSpPr>
-          <p:cNvPr id="2" name="Título 1"/>
-          <p:cNvSpPr>
-            <a:spLocks noGrp="1"/>
-          </p:cNvSpPr>
-          <p:nvPr>
-            <p:ph type="title"/>
-          </p:nvPr>
-        </p:nvSpPr>
-        <p:spPr>
-          <a:xfrm>
-            <a:off x="1812897" y="518649"/>
-            <a:ext cx="9882278" cy="1067634"/>
-          </a:xfrm>
-        </p:spPr>
-        <p:txBody>
-          <a:bodyPr anchor="ctr">
-            <a:normAutofit/>
-          </a:bodyPr>
-          <a:lstStyle/>
-          <a:p>
-            <a:r>
-              <a:rPr lang="pt-BR" dirty="0"/>
-              <a:t>Planejamento</a:t>
-            </a:r>
-          </a:p>
-        </p:txBody>
-      </p:sp>
-      <p:grpSp>
-        <p:nvGrpSpPr>
-          <p:cNvPr id="12" name="Group 11"/>
-          <p:cNvGrpSpPr>
-            <a:grpSpLocks noGrp="1" noUngrp="1" noRot="1" noChangeAspect="1" noMove="1" noResize="1"/>
-          </p:cNvGrpSpPr>
-          <p:nvPr/>
-        </p:nvGrpSpPr>
-        <p:grpSpPr>
-          <a:xfrm>
-            <a:off x="472021" y="628863"/>
-            <a:ext cx="1128382" cy="847206"/>
-            <a:chOff x="8183879" y="1000124"/>
-            <a:chExt cx="1562267" cy="1172973"/>
-          </a:xfrm>
-        </p:grpSpPr>
-        <p:sp>
-          <p:nvSpPr>
-            <p:cNvPr id="13" name="Freeform 5"/>
-            <p:cNvSpPr/>
-            <p:nvPr/>
-          </p:nvSpPr>
-          <p:spPr bwMode="auto">
-            <a:xfrm>
-              <a:off x="8183879" y="1348782"/>
-              <a:ext cx="935037" cy="824315"/>
-            </a:xfrm>
-            <a:custGeom>
-              <a:avLst/>
-              <a:gdLst>
-                <a:gd name="T0" fmla="*/ 225 w 785"/>
-                <a:gd name="T1" fmla="*/ 692 h 692"/>
-                <a:gd name="T2" fmla="*/ 177 w 785"/>
-                <a:gd name="T3" fmla="*/ 665 h 692"/>
-                <a:gd name="T4" fmla="*/ 9 w 785"/>
-                <a:gd name="T5" fmla="*/ 374 h 692"/>
-                <a:gd name="T6" fmla="*/ 9 w 785"/>
-                <a:gd name="T7" fmla="*/ 318 h 692"/>
-                <a:gd name="T8" fmla="*/ 177 w 785"/>
-                <a:gd name="T9" fmla="*/ 27 h 692"/>
-                <a:gd name="T10" fmla="*/ 225 w 785"/>
-                <a:gd name="T11" fmla="*/ 0 h 692"/>
-                <a:gd name="T12" fmla="*/ 561 w 785"/>
-                <a:gd name="T13" fmla="*/ 0 h 692"/>
-                <a:gd name="T14" fmla="*/ 609 w 785"/>
-                <a:gd name="T15" fmla="*/ 27 h 692"/>
-                <a:gd name="T16" fmla="*/ 777 w 785"/>
-                <a:gd name="T17" fmla="*/ 318 h 692"/>
-                <a:gd name="T18" fmla="*/ 777 w 785"/>
-                <a:gd name="T19" fmla="*/ 374 h 692"/>
-                <a:gd name="T20" fmla="*/ 609 w 785"/>
-                <a:gd name="T21" fmla="*/ 665 h 692"/>
-                <a:gd name="T22" fmla="*/ 561 w 785"/>
-                <a:gd name="T23" fmla="*/ 692 h 692"/>
-                <a:gd name="T24" fmla="*/ 225 w 785"/>
-                <a:gd name="T25" fmla="*/ 692 h 692"/>
-              </a:gdLst>
-              <a:ahLst/>
-              <a:cxnLst>
-                <a:cxn ang="0">
-                  <a:pos x="T0" y="T1"/>
-                </a:cxn>
-                <a:cxn ang="0">
-                  <a:pos x="T2" y="T3"/>
-                </a:cxn>
-                <a:cxn ang="0">
-                  <a:pos x="T4" y="T5"/>
-                </a:cxn>
-                <a:cxn ang="0">
-                  <a:pos x="T6" y="T7"/>
-                </a:cxn>
-                <a:cxn ang="0">
-                  <a:pos x="T8" y="T9"/>
-                </a:cxn>
-                <a:cxn ang="0">
-                  <a:pos x="T10" y="T11"/>
-                </a:cxn>
-                <a:cxn ang="0">
-                  <a:pos x="T12" y="T13"/>
-                </a:cxn>
-                <a:cxn ang="0">
-                  <a:pos x="T14" y="T15"/>
-                </a:cxn>
-                <a:cxn ang="0">
-                  <a:pos x="T16" y="T17"/>
-                </a:cxn>
-                <a:cxn ang="0">
-                  <a:pos x="T18" y="T19"/>
-                </a:cxn>
-                <a:cxn ang="0">
-                  <a:pos x="T20" y="T21"/>
-                </a:cxn>
-                <a:cxn ang="0">
-                  <a:pos x="T22" y="T23"/>
-                </a:cxn>
-                <a:cxn ang="0">
-                  <a:pos x="T24" y="T25"/>
-                </a:cxn>
-              </a:cxnLst>
-              <a:rect l="0" t="0" r="r" b="b"/>
-              <a:pathLst>
-                <a:path w="785" h="692">
-                  <a:moveTo>
-                    <a:pt x="225" y="692"/>
-                  </a:moveTo>
-                  <a:cubicBezTo>
-                    <a:pt x="207" y="692"/>
-                    <a:pt x="185" y="680"/>
-                    <a:pt x="177" y="665"/>
-                  </a:cubicBezTo>
-                  <a:cubicBezTo>
-                    <a:pt x="9" y="374"/>
-                    <a:pt x="9" y="374"/>
-                    <a:pt x="9" y="374"/>
-                  </a:cubicBezTo>
-                  <a:cubicBezTo>
-                    <a:pt x="0" y="358"/>
-                    <a:pt x="0" y="334"/>
-                    <a:pt x="9" y="318"/>
-                  </a:cubicBezTo>
-                  <a:cubicBezTo>
-                    <a:pt x="177" y="27"/>
-                    <a:pt x="177" y="27"/>
-                    <a:pt x="177" y="27"/>
-                  </a:cubicBezTo>
-                  <a:cubicBezTo>
-                    <a:pt x="185" y="12"/>
-                    <a:pt x="207" y="0"/>
-                    <a:pt x="225" y="0"/>
-                  </a:cubicBezTo>
-                  <a:cubicBezTo>
-                    <a:pt x="561" y="0"/>
-                    <a:pt x="561" y="0"/>
-                    <a:pt x="561" y="0"/>
-                  </a:cubicBezTo>
-                  <a:cubicBezTo>
-                    <a:pt x="578" y="0"/>
-                    <a:pt x="600" y="12"/>
-                    <a:pt x="609" y="27"/>
-                  </a:cubicBezTo>
-                  <a:cubicBezTo>
-                    <a:pt x="777" y="318"/>
-                    <a:pt x="777" y="318"/>
-                    <a:pt x="777" y="318"/>
-                  </a:cubicBezTo>
-                  <a:cubicBezTo>
-                    <a:pt x="785" y="334"/>
-                    <a:pt x="785" y="358"/>
-                    <a:pt x="777" y="374"/>
-                  </a:cubicBezTo>
-                  <a:cubicBezTo>
-                    <a:pt x="609" y="665"/>
-                    <a:pt x="609" y="665"/>
-                    <a:pt x="609" y="665"/>
-                  </a:cubicBezTo>
-                  <a:cubicBezTo>
-                    <a:pt x="600" y="680"/>
-                    <a:pt x="578" y="692"/>
-                    <a:pt x="561" y="692"/>
-                  </a:cubicBezTo>
-                  <a:lnTo>
-                    <a:pt x="225" y="692"/>
-                  </a:lnTo>
-                  <a:close/>
-                </a:path>
-              </a:pathLst>
-            </a:custGeom>
-            <a:noFill/>
-            <a:ln w="28575" cmpd="sng">
-              <a:solidFill>
-                <a:schemeClr val="tx1"/>
-              </a:solidFill>
-            </a:ln>
-          </p:spPr>
-          <p:txBody>
-            <a:bodyPr vert="horz" wrap="square" lIns="91440" tIns="45720" rIns="91440" bIns="45720" numCol="1" anchor="t" anchorCtr="0" compatLnSpc="1"/>
-            <a:lstStyle/>
-            <a:p>
-              <a:endParaRPr lang="en-US"/>
-            </a:p>
-          </p:txBody>
-        </p:sp>
-        <p:sp>
-          <p:nvSpPr>
-            <p:cNvPr id="14" name="Freeform 5"/>
-            <p:cNvSpPr/>
-            <p:nvPr/>
-          </p:nvSpPr>
-          <p:spPr bwMode="auto">
-            <a:xfrm>
-              <a:off x="8983979" y="1000124"/>
-              <a:ext cx="762167" cy="671915"/>
-            </a:xfrm>
-            <a:custGeom>
-              <a:avLst/>
-              <a:gdLst>
-                <a:gd name="T0" fmla="*/ 225 w 785"/>
-                <a:gd name="T1" fmla="*/ 692 h 692"/>
-                <a:gd name="T2" fmla="*/ 177 w 785"/>
-                <a:gd name="T3" fmla="*/ 665 h 692"/>
-                <a:gd name="T4" fmla="*/ 9 w 785"/>
-                <a:gd name="T5" fmla="*/ 374 h 692"/>
-                <a:gd name="T6" fmla="*/ 9 w 785"/>
-                <a:gd name="T7" fmla="*/ 318 h 692"/>
-                <a:gd name="T8" fmla="*/ 177 w 785"/>
-                <a:gd name="T9" fmla="*/ 27 h 692"/>
-                <a:gd name="T10" fmla="*/ 225 w 785"/>
-                <a:gd name="T11" fmla="*/ 0 h 692"/>
-                <a:gd name="T12" fmla="*/ 561 w 785"/>
-                <a:gd name="T13" fmla="*/ 0 h 692"/>
-                <a:gd name="T14" fmla="*/ 609 w 785"/>
-                <a:gd name="T15" fmla="*/ 27 h 692"/>
-                <a:gd name="T16" fmla="*/ 777 w 785"/>
-                <a:gd name="T17" fmla="*/ 318 h 692"/>
-                <a:gd name="T18" fmla="*/ 777 w 785"/>
-                <a:gd name="T19" fmla="*/ 374 h 692"/>
-                <a:gd name="T20" fmla="*/ 609 w 785"/>
-                <a:gd name="T21" fmla="*/ 665 h 692"/>
-                <a:gd name="T22" fmla="*/ 561 w 785"/>
-                <a:gd name="T23" fmla="*/ 692 h 692"/>
-                <a:gd name="T24" fmla="*/ 225 w 785"/>
-                <a:gd name="T25" fmla="*/ 692 h 692"/>
-              </a:gdLst>
-              <a:ahLst/>
-              <a:cxnLst>
-                <a:cxn ang="0">
-                  <a:pos x="T0" y="T1"/>
-                </a:cxn>
-                <a:cxn ang="0">
-                  <a:pos x="T2" y="T3"/>
-                </a:cxn>
-                <a:cxn ang="0">
-                  <a:pos x="T4" y="T5"/>
-                </a:cxn>
-                <a:cxn ang="0">
-                  <a:pos x="T6" y="T7"/>
-                </a:cxn>
-                <a:cxn ang="0">
-                  <a:pos x="T8" y="T9"/>
-                </a:cxn>
-                <a:cxn ang="0">
-                  <a:pos x="T10" y="T11"/>
-                </a:cxn>
-                <a:cxn ang="0">
-                  <a:pos x="T12" y="T13"/>
-                </a:cxn>
-                <a:cxn ang="0">
-                  <a:pos x="T14" y="T15"/>
-                </a:cxn>
-                <a:cxn ang="0">
-                  <a:pos x="T16" y="T17"/>
-                </a:cxn>
-                <a:cxn ang="0">
-                  <a:pos x="T18" y="T19"/>
-                </a:cxn>
-                <a:cxn ang="0">
-                  <a:pos x="T20" y="T21"/>
-                </a:cxn>
-                <a:cxn ang="0">
-                  <a:pos x="T22" y="T23"/>
-                </a:cxn>
-                <a:cxn ang="0">
-                  <a:pos x="T24" y="T25"/>
-                </a:cxn>
-              </a:cxnLst>
-              <a:rect l="0" t="0" r="r" b="b"/>
-              <a:pathLst>
-                <a:path w="785" h="692">
-                  <a:moveTo>
-                    <a:pt x="225" y="692"/>
-                  </a:moveTo>
-                  <a:cubicBezTo>
-                    <a:pt x="207" y="692"/>
-                    <a:pt x="185" y="680"/>
-                    <a:pt x="177" y="665"/>
-                  </a:cubicBezTo>
-                  <a:cubicBezTo>
-                    <a:pt x="9" y="374"/>
-                    <a:pt x="9" y="374"/>
-                    <a:pt x="9" y="374"/>
-                  </a:cubicBezTo>
-                  <a:cubicBezTo>
-                    <a:pt x="0" y="358"/>
-                    <a:pt x="0" y="334"/>
-                    <a:pt x="9" y="318"/>
-                  </a:cubicBezTo>
-                  <a:cubicBezTo>
-                    <a:pt x="177" y="27"/>
-                    <a:pt x="177" y="27"/>
-                    <a:pt x="177" y="27"/>
-                  </a:cubicBezTo>
-                  <a:cubicBezTo>
-                    <a:pt x="185" y="12"/>
-                    <a:pt x="207" y="0"/>
-                    <a:pt x="225" y="0"/>
-                  </a:cubicBezTo>
-                  <a:cubicBezTo>
-                    <a:pt x="561" y="0"/>
-                    <a:pt x="561" y="0"/>
-                    <a:pt x="561" y="0"/>
-                  </a:cubicBezTo>
-                  <a:cubicBezTo>
-                    <a:pt x="578" y="0"/>
-                    <a:pt x="600" y="12"/>
-                    <a:pt x="609" y="27"/>
-                  </a:cubicBezTo>
-                  <a:cubicBezTo>
-                    <a:pt x="777" y="318"/>
-                    <a:pt x="777" y="318"/>
-                    <a:pt x="777" y="318"/>
-                  </a:cubicBezTo>
-                  <a:cubicBezTo>
-                    <a:pt x="785" y="334"/>
-                    <a:pt x="785" y="358"/>
-                    <a:pt x="777" y="374"/>
-                  </a:cubicBezTo>
-                  <a:cubicBezTo>
-                    <a:pt x="609" y="665"/>
-                    <a:pt x="609" y="665"/>
-                    <a:pt x="609" y="665"/>
-                  </a:cubicBezTo>
-                  <a:cubicBezTo>
-                    <a:pt x="600" y="680"/>
-                    <a:pt x="578" y="692"/>
-                    <a:pt x="561" y="692"/>
-                  </a:cubicBezTo>
-                  <a:lnTo>
-                    <a:pt x="225" y="692"/>
-                  </a:lnTo>
-                  <a:close/>
-                </a:path>
-              </a:pathLst>
-            </a:custGeom>
-            <a:noFill/>
-            <a:ln w="28575" cmpd="sng">
-              <a:solidFill>
-                <a:schemeClr val="tx1"/>
-              </a:solidFill>
-            </a:ln>
-          </p:spPr>
-          <p:txBody>
-            <a:bodyPr vert="horz" wrap="square" lIns="91440" tIns="45720" rIns="91440" bIns="45720" numCol="1" anchor="t" anchorCtr="0" compatLnSpc="1"/>
-            <a:lstStyle/>
-            <a:p>
-              <a:endParaRPr lang="en-US"/>
-            </a:p>
-          </p:txBody>
-        </p:sp>
-      </p:grpSp>
-      <p:sp>
-        <p:nvSpPr>
-          <p:cNvPr id="3" name="CaixaDeTexto 2">
-            <a:extLst>
-              <a:ext uri="{FF2B5EF4-FFF2-40B4-BE49-F238E27FC236}">
-                <a16:creationId xmlns:a16="http://schemas.microsoft.com/office/drawing/2014/main" id="{0A469168-9659-4B5B-9B7B-D50FEC1E813C}"/>
-              </a:ext>
-            </a:extLst>
-          </p:cNvPr>
-          <p:cNvSpPr txBox="1"/>
-          <p:nvPr/>
-        </p:nvSpPr>
-        <p:spPr>
-          <a:xfrm>
-            <a:off x="3653792" y="2224760"/>
-            <a:ext cx="5273548" cy="2308324"/>
-          </a:xfrm>
-          <a:prstGeom prst="rect">
-            <a:avLst/>
-          </a:prstGeom>
-          <a:noFill/>
-        </p:spPr>
-        <p:txBody>
-          <a:bodyPr wrap="square" rtlCol="0">
-            <a:spAutoFit/>
-          </a:bodyPr>
-          <a:lstStyle/>
-          <a:p>
-            <a:r>
-              <a:rPr lang="pt-BR" dirty="0"/>
-              <a:t>PLANNER</a:t>
-            </a:r>
-          </a:p>
-          <a:p>
-            <a:pPr marL="285750" indent="-285750">
-              <a:buFontTx/>
-              <a:buChar char="-"/>
-            </a:pPr>
-            <a:endParaRPr lang="pt-BR" dirty="0"/>
-          </a:p>
-          <a:p>
-            <a:pPr marL="285750" indent="-285750">
-              <a:buFontTx/>
-              <a:buChar char="-"/>
-            </a:pPr>
-            <a:r>
-              <a:rPr lang="pt-BR" dirty="0"/>
-              <a:t>Gestão de tempo</a:t>
-            </a:r>
-          </a:p>
-          <a:p>
-            <a:pPr marL="285750" indent="-285750">
-              <a:buFontTx/>
-              <a:buChar char="-"/>
-            </a:pPr>
-            <a:r>
-              <a:rPr lang="pt-BR" dirty="0"/>
-              <a:t>Análise de entregas</a:t>
-            </a:r>
-          </a:p>
-          <a:p>
-            <a:pPr marL="285750" indent="-285750">
-              <a:buFontTx/>
-              <a:buChar char="-"/>
-            </a:pPr>
-            <a:r>
-              <a:rPr lang="pt-BR" dirty="0"/>
-              <a:t>Acompanhamento de entregas</a:t>
-            </a:r>
-          </a:p>
-          <a:p>
-            <a:pPr marL="285750" indent="-285750">
-              <a:buFontTx/>
-              <a:buChar char="-"/>
-            </a:pPr>
-            <a:r>
-              <a:rPr lang="pt-BR" dirty="0"/>
-              <a:t>Diversas funcionalidades</a:t>
-            </a:r>
-          </a:p>
-          <a:p>
-            <a:pPr marL="285750" indent="-285750">
-              <a:buFontTx/>
-              <a:buChar char="-"/>
-            </a:pPr>
-            <a:endParaRPr lang="pt-BR" dirty="0"/>
-          </a:p>
-          <a:p>
-            <a:pPr marL="285750" indent="-285750">
-              <a:buFontTx/>
-              <a:buChar char="-"/>
-            </a:pPr>
-            <a:endParaRPr lang="pt-BR" dirty="0"/>
-          </a:p>
-        </p:txBody>
-      </p:sp>
-      <p:sp>
-        <p:nvSpPr>
-          <p:cNvPr id="11" name="CaixaDeTexto 10">
-            <a:extLst>
-              <a:ext uri="{FF2B5EF4-FFF2-40B4-BE49-F238E27FC236}">
-                <a16:creationId xmlns:a16="http://schemas.microsoft.com/office/drawing/2014/main" id="{FB2E8868-434F-4638-9E06-D8C315433624}"/>
-              </a:ext>
-            </a:extLst>
-          </p:cNvPr>
-          <p:cNvSpPr txBox="1"/>
-          <p:nvPr/>
-        </p:nvSpPr>
-        <p:spPr>
-          <a:xfrm>
-            <a:off x="3653792" y="4256085"/>
-            <a:ext cx="5273548" cy="1477328"/>
-          </a:xfrm>
-          <a:prstGeom prst="rect">
-            <a:avLst/>
-          </a:prstGeom>
-          <a:noFill/>
-        </p:spPr>
-        <p:txBody>
-          <a:bodyPr wrap="square" rtlCol="0">
-            <a:spAutoFit/>
-          </a:bodyPr>
-          <a:lstStyle/>
-          <a:p>
-            <a:r>
-              <a:rPr lang="pt-BR" dirty="0"/>
-              <a:t>DISCORD</a:t>
-            </a:r>
-          </a:p>
-          <a:p>
-            <a:pPr marL="285750" indent="-285750">
-              <a:buFontTx/>
-              <a:buChar char="-"/>
-            </a:pPr>
-            <a:endParaRPr lang="pt-BR" dirty="0"/>
-          </a:p>
-          <a:p>
-            <a:pPr marL="285750" indent="-285750">
-              <a:buFontTx/>
-              <a:buChar char="-"/>
-            </a:pPr>
-            <a:r>
-              <a:rPr lang="pt-BR" dirty="0"/>
-              <a:t>Comunicação a distância</a:t>
-            </a:r>
-          </a:p>
-          <a:p>
-            <a:pPr marL="285750" indent="-285750">
-              <a:buFontTx/>
-              <a:buChar char="-"/>
-            </a:pPr>
-            <a:r>
-              <a:rPr lang="pt-BR" dirty="0"/>
-              <a:t>Trabalho simultâneo</a:t>
-            </a:r>
-          </a:p>
-          <a:p>
-            <a:pPr marL="285750" indent="-285750">
-              <a:buFontTx/>
-              <a:buChar char="-"/>
-            </a:pPr>
-            <a:r>
-              <a:rPr lang="pt-BR" dirty="0"/>
-              <a:t>Compartilhamento de arquivos</a:t>
-            </a:r>
-          </a:p>
-        </p:txBody>
-      </p:sp>
-      <p:pic>
-        <p:nvPicPr>
-          <p:cNvPr id="4" name="Picture 4" descr="Discord Free Icon of Social Media Set - Flat Design">
-            <a:extLst>
-              <a:ext uri="{FF2B5EF4-FFF2-40B4-BE49-F238E27FC236}">
-                <a16:creationId xmlns:a16="http://schemas.microsoft.com/office/drawing/2014/main" id="{DC48B066-7753-45E3-BCE0-FF0376C71B93}"/>
-              </a:ext>
-            </a:extLst>
-          </p:cNvPr>
-          <p:cNvPicPr>
-            <a:picLocks noChangeAspect="1" noChangeArrowheads="1"/>
-          </p:cNvPicPr>
-          <p:nvPr/>
-        </p:nvPicPr>
-        <p:blipFill>
-          <a:blip r:embed="rId2">
-            <a:extLst>
-              <a:ext uri="{28A0092B-C50C-407E-A947-70E740481C1C}">
-                <a14:useLocalDpi xmlns:a14="http://schemas.microsoft.com/office/drawing/2010/main" val="0"/>
-              </a:ext>
-            </a:extLst>
-          </a:blip>
-          <a:srcRect/>
-          <a:stretch>
-            <a:fillRect/>
-          </a:stretch>
-        </p:blipFill>
-        <p:spPr bwMode="auto">
-          <a:xfrm>
-            <a:off x="1548440" y="4249706"/>
-            <a:ext cx="1477329" cy="1477329"/>
-          </a:xfrm>
-          <a:prstGeom prst="rect">
-            <a:avLst/>
-          </a:prstGeom>
-          <a:noFill/>
-          <a:extLst>
-            <a:ext uri="{909E8E84-426E-40DD-AFC4-6F175D3DCCD1}">
-              <a14:hiddenFill xmlns:a14="http://schemas.microsoft.com/office/drawing/2010/main">
-                <a:solidFill>
-                  <a:srgbClr val="FFFFFF"/>
-                </a:solidFill>
-              </a14:hiddenFill>
-            </a:ext>
-          </a:extLst>
-        </p:spPr>
-      </p:pic>
-      <p:pic>
-        <p:nvPicPr>
-          <p:cNvPr id="1030" name="Picture 6" descr="Planner - Free logo icons">
-            <a:extLst>
-              <a:ext uri="{FF2B5EF4-FFF2-40B4-BE49-F238E27FC236}">
-                <a16:creationId xmlns:a16="http://schemas.microsoft.com/office/drawing/2014/main" id="{5FA43E33-8005-4382-9B8C-63CBEE494F0D}"/>
-              </a:ext>
-            </a:extLst>
-          </p:cNvPr>
-          <p:cNvPicPr>
-            <a:picLocks noChangeAspect="1" noChangeArrowheads="1"/>
-          </p:cNvPicPr>
-          <p:nvPr/>
-        </p:nvPicPr>
-        <p:blipFill>
-          <a:blip r:embed="rId3">
-            <a:extLst>
-              <a:ext uri="{28A0092B-C50C-407E-A947-70E740481C1C}">
-                <a14:useLocalDpi xmlns:a14="http://schemas.microsoft.com/office/drawing/2010/main" val="0"/>
-              </a:ext>
-            </a:extLst>
-          </a:blip>
-          <a:srcRect/>
-          <a:stretch>
-            <a:fillRect/>
-          </a:stretch>
-        </p:blipFill>
-        <p:spPr bwMode="auto">
-          <a:xfrm>
-            <a:off x="1600403" y="2224760"/>
-            <a:ext cx="1373404" cy="1373404"/>
-          </a:xfrm>
-          <a:prstGeom prst="rect">
-            <a:avLst/>
-          </a:prstGeom>
-          <a:noFill/>
-          <a:extLst>
-            <a:ext uri="{909E8E84-426E-40DD-AFC4-6F175D3DCCD1}">
-              <a14:hiddenFill xmlns:a14="http://schemas.microsoft.com/office/drawing/2010/main">
-                <a:solidFill>
-                  <a:srgbClr val="FFFFFF"/>
-                </a:solidFill>
-              </a14:hiddenFill>
-            </a:ext>
-          </a:extLst>
-        </p:spPr>
-      </p:pic>
-    </p:spTree>
-    <p:extLst>
-      <p:ext uri="{BB962C8B-B14F-4D97-AF65-F5344CB8AC3E}">
-        <p14:creationId xmlns:p14="http://schemas.microsoft.com/office/powerpoint/2010/main" val="2462845540"/>
-      </p:ext>
-    </p:extLst>
-  </p:cSld>
-  <p:clrMapOvr>
-    <a:masterClrMapping/>
-  </p:clrMapOvr>
-  <p:timing>
-    <p:tnLst>
-      <p:par>
-        <p:cTn id="1" dur="indefinite" restart="never" nodeType="tmRoot">
-          <p:childTnLst>
-            <p:seq concurrent="1" nextAc="seek">
-              <p:cTn id="2" dur="indefinite" nodeType="mainSeq">
-                <p:childTnLst>
-                  <p:par>
-                    <p:cTn id="3" fill="hold">
-                      <p:stCondLst>
-                        <p:cond delay="indefinite"/>
-                      </p:stCondLst>
-                      <p:childTnLst>
-                        <p:par>
-                          <p:cTn id="4" fill="hold">
-                            <p:stCondLst>
-                              <p:cond delay="0"/>
-                            </p:stCondLst>
-                            <p:childTnLst>
-                              <p:par>
-                                <p:cTn id="5" presetID="1" presetClass="entr" presetSubtype="0" fill="hold" nodeType="clickEffect">
-                                  <p:stCondLst>
-                                    <p:cond delay="0"/>
-                                  </p:stCondLst>
-                                  <p:childTnLst>
-                                    <p:set>
-                                      <p:cBhvr>
-                                        <p:cTn id="6" dur="1" fill="hold">
-                                          <p:stCondLst>
-                                            <p:cond delay="0"/>
-                                          </p:stCondLst>
-                                        </p:cTn>
-                                        <p:tgtEl>
-                                          <p:spTgt spid="4"/>
-                                        </p:tgtEl>
-                                        <p:attrNameLst>
-                                          <p:attrName>style.visibility</p:attrName>
-                                        </p:attrNameLst>
-                                      </p:cBhvr>
-                                      <p:to>
-                                        <p:strVal val="visible"/>
-                                      </p:to>
-                                    </p:set>
-                                  </p:childTnLst>
-                                </p:cTn>
-                              </p:par>
-                              <p:par>
-                                <p:cTn id="7" presetID="1" presetClass="entr" presetSubtype="0" fill="hold" grpId="0" nodeType="withEffect">
-                                  <p:stCondLst>
-                                    <p:cond delay="0"/>
-                                  </p:stCondLst>
-                                  <p:childTnLst>
-                                    <p:set>
-                                      <p:cBhvr>
-                                        <p:cTn id="8" dur="1" fill="hold">
-                                          <p:stCondLst>
-                                            <p:cond delay="0"/>
-                                          </p:stCondLst>
-                                        </p:cTn>
-                                        <p:tgtEl>
-                                          <p:spTgt spid="11"/>
-                                        </p:tgtEl>
-                                        <p:attrNameLst>
-                                          <p:attrName>style.visibility</p:attrName>
-                                        </p:attrNameLst>
-                                      </p:cBhvr>
-                                      <p:to>
-                                        <p:strVal val="visible"/>
-                                      </p:to>
-                                    </p:set>
-                                  </p:childTnLst>
-                                </p:cTn>
-                              </p:par>
-                            </p:childTnLst>
-                          </p:cTn>
-                        </p:par>
-                      </p:childTnLst>
-                    </p:cTn>
-                  </p:par>
-                </p:childTnLst>
-              </p:cTn>
-              <p:prevCondLst>
-                <p:cond evt="onPrev" delay="0">
-                  <p:tgtEl>
-                    <p:sldTgt/>
-                  </p:tgtEl>
-                </p:cond>
-              </p:prevCondLst>
-              <p:nextCondLst>
-                <p:cond evt="onNext" delay="0">
-                  <p:tgtEl>
-                    <p:sldTgt/>
-                  </p:tgtEl>
-                </p:cond>
-              </p:nextCondLst>
-            </p:seq>
-          </p:childTnLst>
-        </p:cTn>
-      </p:par>
-    </p:tnLst>
-    <p:bldLst>
-      <p:bldP spid="11" grpId="0"/>
-    </p:bldLst>
-  </p:timing>
-</p:sld>
-</file>
-
-<file path=ppt/slides/slide13.xml><?xml version="1.0" encoding="utf-8"?>
-<p:sld xmlns:a="http://schemas.openxmlformats.org/drawingml/2006/main" xmlns:r="http://schemas.openxmlformats.org/officeDocument/2006/relationships" xmlns:p="http://schemas.openxmlformats.org/presentationml/2006/main">
-  <p:cSld>
-    <p:spTree>
-      <p:nvGrpSpPr>
-        <p:cNvPr id="1" name=""/>
-        <p:cNvGrpSpPr/>
-        <p:nvPr/>
-      </p:nvGrpSpPr>
-      <p:grpSpPr>
-        <a:xfrm>
-          <a:off x="0" y="0"/>
-          <a:ext cx="0" cy="0"/>
-          <a:chOff x="0" y="0"/>
-          <a:chExt cx="0" cy="0"/>
-        </a:xfrm>
-      </p:grpSpPr>
-      <p:sp useBgFill="1">
-        <p:nvSpPr>
-          <p:cNvPr id="10" name="Rectangle 9"/>
-          <p:cNvSpPr>
-            <a:spLocks noGrp="1" noRot="1" noChangeAspect="1" noMove="1" noResize="1" noEditPoints="1" noAdjustHandles="1" noChangeArrowheads="1" noChangeShapeType="1" noTextEdit="1"/>
-          </p:cNvSpPr>
-          <p:nvPr/>
-        </p:nvSpPr>
-        <p:spPr>
-          <a:xfrm>
-            <a:off x="0" y="0"/>
-            <a:ext cx="12192000" cy="6858000"/>
-          </a:xfrm>
-          <a:prstGeom prst="rect">
-            <a:avLst/>
-          </a:prstGeom>
-          <a:ln>
-            <a:noFill/>
-          </a:ln>
-        </p:spPr>
-        <p:style>
-          <a:lnRef idx="2">
-            <a:schemeClr val="accent1">
-              <a:shade val="50000"/>
-            </a:schemeClr>
-          </a:lnRef>
-          <a:fillRef idx="1">
-            <a:schemeClr val="accent1"/>
-          </a:fillRef>
-          <a:effectRef idx="0">
-            <a:schemeClr val="accent1"/>
-          </a:effectRef>
-          <a:fontRef idx="minor">
-            <a:schemeClr val="lt1"/>
-          </a:fontRef>
-        </p:style>
-        <p:txBody>
-          <a:bodyPr rtlCol="0" anchor="ctr"/>
-          <a:lstStyle/>
-          <a:p>
-            <a:pPr algn="ctr"/>
-            <a:endParaRPr lang="en-US" dirty="0"/>
-          </a:p>
-        </p:txBody>
-      </p:sp>
-      <p:sp>
-        <p:nvSpPr>
-          <p:cNvPr id="20" name="CaixaDeTexto 19">
-            <a:extLst>
-              <a:ext uri="{FF2B5EF4-FFF2-40B4-BE49-F238E27FC236}">
-                <a16:creationId xmlns:a16="http://schemas.microsoft.com/office/drawing/2014/main" id="{5B526848-867A-48AA-8A3A-D54E0A419896}"/>
-              </a:ext>
-            </a:extLst>
-          </p:cNvPr>
-          <p:cNvSpPr txBox="1"/>
-          <p:nvPr/>
-        </p:nvSpPr>
-        <p:spPr>
-          <a:xfrm>
-            <a:off x="7709972" y="1320341"/>
-            <a:ext cx="2070837" cy="338554"/>
-          </a:xfrm>
-          <a:prstGeom prst="rect">
-            <a:avLst/>
-          </a:prstGeom>
-          <a:noFill/>
-        </p:spPr>
-        <p:txBody>
-          <a:bodyPr wrap="square" rtlCol="0">
-            <a:spAutoFit/>
-          </a:bodyPr>
-          <a:lstStyle/>
-          <a:p>
-            <a:r>
-              <a:rPr lang="pt-BR" sz="1600" dirty="0">
-                <a:solidFill>
-                  <a:schemeClr val="bg1"/>
-                </a:solidFill>
-              </a:rPr>
-              <a:t>Planilha de Software</a:t>
-            </a:r>
-          </a:p>
-        </p:txBody>
-      </p:sp>
-      <p:sp>
-        <p:nvSpPr>
-          <p:cNvPr id="21" name="CaixaDeTexto 20">
-            <a:extLst>
-              <a:ext uri="{FF2B5EF4-FFF2-40B4-BE49-F238E27FC236}">
-                <a16:creationId xmlns:a16="http://schemas.microsoft.com/office/drawing/2014/main" id="{66EB59FA-89AE-4F0D-A3A6-FCAD79115ED1}"/>
-              </a:ext>
-            </a:extLst>
-          </p:cNvPr>
-          <p:cNvSpPr txBox="1"/>
-          <p:nvPr/>
-        </p:nvSpPr>
-        <p:spPr>
-          <a:xfrm>
-            <a:off x="9820309" y="1301938"/>
-            <a:ext cx="2277975" cy="369332"/>
-          </a:xfrm>
-          <a:prstGeom prst="rect">
-            <a:avLst/>
-          </a:prstGeom>
-          <a:noFill/>
-          <a:effectLst/>
-        </p:spPr>
-        <p:txBody>
-          <a:bodyPr wrap="square" rtlCol="0">
-            <a:spAutoFit/>
-          </a:bodyPr>
-          <a:lstStyle/>
-          <a:p>
-            <a:r>
-              <a:rPr lang="pt-BR" dirty="0">
-                <a:ln>
-                  <a:solidFill>
-                    <a:schemeClr val="bg1"/>
-                  </a:solidFill>
-                </a:ln>
-                <a:solidFill>
-                  <a:schemeClr val="bg1"/>
-                </a:solidFill>
-                <a:effectLst/>
-              </a:rPr>
-              <a:t>Desenho de Solução</a:t>
-            </a:r>
-          </a:p>
-        </p:txBody>
-      </p:sp>
-      <p:sp>
-        <p:nvSpPr>
-          <p:cNvPr id="2" name="Título 1"/>
-          <p:cNvSpPr>
-            <a:spLocks noGrp="1"/>
-          </p:cNvSpPr>
-          <p:nvPr>
-            <p:ph type="title"/>
-          </p:nvPr>
-        </p:nvSpPr>
-        <p:spPr>
-          <a:xfrm>
-            <a:off x="1812897" y="518649"/>
-            <a:ext cx="9882278" cy="1067634"/>
-          </a:xfrm>
-        </p:spPr>
-        <p:txBody>
-          <a:bodyPr anchor="ctr">
-            <a:normAutofit/>
-          </a:bodyPr>
-          <a:lstStyle/>
-          <a:p>
-            <a:r>
-              <a:rPr lang="pt-BR" dirty="0"/>
-              <a:t>Desenho de Solução</a:t>
-            </a:r>
-          </a:p>
-        </p:txBody>
-      </p:sp>
-      <p:grpSp>
-        <p:nvGrpSpPr>
-          <p:cNvPr id="12" name="Group 11"/>
-          <p:cNvGrpSpPr>
-            <a:grpSpLocks noGrp="1" noUngrp="1" noRot="1" noChangeAspect="1" noMove="1" noResize="1"/>
-          </p:cNvGrpSpPr>
-          <p:nvPr/>
-        </p:nvGrpSpPr>
-        <p:grpSpPr>
-          <a:xfrm>
-            <a:off x="472021" y="628863"/>
-            <a:ext cx="1128382" cy="847206"/>
-            <a:chOff x="8183879" y="1000124"/>
-            <a:chExt cx="1562267" cy="1172973"/>
-          </a:xfrm>
-        </p:grpSpPr>
-        <p:sp>
-          <p:nvSpPr>
-            <p:cNvPr id="13" name="Freeform 5"/>
-            <p:cNvSpPr/>
-            <p:nvPr/>
-          </p:nvSpPr>
-          <p:spPr bwMode="auto">
-            <a:xfrm>
-              <a:off x="8183879" y="1348782"/>
-              <a:ext cx="935037" cy="824315"/>
-            </a:xfrm>
-            <a:custGeom>
-              <a:avLst/>
-              <a:gdLst>
-                <a:gd name="T0" fmla="*/ 225 w 785"/>
-                <a:gd name="T1" fmla="*/ 692 h 692"/>
-                <a:gd name="T2" fmla="*/ 177 w 785"/>
-                <a:gd name="T3" fmla="*/ 665 h 692"/>
-                <a:gd name="T4" fmla="*/ 9 w 785"/>
-                <a:gd name="T5" fmla="*/ 374 h 692"/>
-                <a:gd name="T6" fmla="*/ 9 w 785"/>
-                <a:gd name="T7" fmla="*/ 318 h 692"/>
-                <a:gd name="T8" fmla="*/ 177 w 785"/>
-                <a:gd name="T9" fmla="*/ 27 h 692"/>
-                <a:gd name="T10" fmla="*/ 225 w 785"/>
-                <a:gd name="T11" fmla="*/ 0 h 692"/>
-                <a:gd name="T12" fmla="*/ 561 w 785"/>
-                <a:gd name="T13" fmla="*/ 0 h 692"/>
-                <a:gd name="T14" fmla="*/ 609 w 785"/>
-                <a:gd name="T15" fmla="*/ 27 h 692"/>
-                <a:gd name="T16" fmla="*/ 777 w 785"/>
-                <a:gd name="T17" fmla="*/ 318 h 692"/>
-                <a:gd name="T18" fmla="*/ 777 w 785"/>
-                <a:gd name="T19" fmla="*/ 374 h 692"/>
-                <a:gd name="T20" fmla="*/ 609 w 785"/>
-                <a:gd name="T21" fmla="*/ 665 h 692"/>
-                <a:gd name="T22" fmla="*/ 561 w 785"/>
-                <a:gd name="T23" fmla="*/ 692 h 692"/>
-                <a:gd name="T24" fmla="*/ 225 w 785"/>
-                <a:gd name="T25" fmla="*/ 692 h 692"/>
-              </a:gdLst>
-              <a:ahLst/>
-              <a:cxnLst>
-                <a:cxn ang="0">
-                  <a:pos x="T0" y="T1"/>
-                </a:cxn>
-                <a:cxn ang="0">
-                  <a:pos x="T2" y="T3"/>
-                </a:cxn>
-                <a:cxn ang="0">
-                  <a:pos x="T4" y="T5"/>
-                </a:cxn>
-                <a:cxn ang="0">
-                  <a:pos x="T6" y="T7"/>
-                </a:cxn>
-                <a:cxn ang="0">
-                  <a:pos x="T8" y="T9"/>
-                </a:cxn>
-                <a:cxn ang="0">
-                  <a:pos x="T10" y="T11"/>
-                </a:cxn>
-                <a:cxn ang="0">
-                  <a:pos x="T12" y="T13"/>
-                </a:cxn>
-                <a:cxn ang="0">
-                  <a:pos x="T14" y="T15"/>
-                </a:cxn>
-                <a:cxn ang="0">
-                  <a:pos x="T16" y="T17"/>
-                </a:cxn>
-                <a:cxn ang="0">
-                  <a:pos x="T18" y="T19"/>
-                </a:cxn>
-                <a:cxn ang="0">
-                  <a:pos x="T20" y="T21"/>
-                </a:cxn>
-                <a:cxn ang="0">
-                  <a:pos x="T22" y="T23"/>
-                </a:cxn>
-                <a:cxn ang="0">
-                  <a:pos x="T24" y="T25"/>
-                </a:cxn>
-              </a:cxnLst>
-              <a:rect l="0" t="0" r="r" b="b"/>
-              <a:pathLst>
-                <a:path w="785" h="692">
-                  <a:moveTo>
-                    <a:pt x="225" y="692"/>
-                  </a:moveTo>
-                  <a:cubicBezTo>
-                    <a:pt x="207" y="692"/>
-                    <a:pt x="185" y="680"/>
-                    <a:pt x="177" y="665"/>
-                  </a:cubicBezTo>
-                  <a:cubicBezTo>
-                    <a:pt x="9" y="374"/>
-                    <a:pt x="9" y="374"/>
-                    <a:pt x="9" y="374"/>
-                  </a:cubicBezTo>
-                  <a:cubicBezTo>
-                    <a:pt x="0" y="358"/>
-                    <a:pt x="0" y="334"/>
-                    <a:pt x="9" y="318"/>
-                  </a:cubicBezTo>
-                  <a:cubicBezTo>
-                    <a:pt x="177" y="27"/>
-                    <a:pt x="177" y="27"/>
-                    <a:pt x="177" y="27"/>
-                  </a:cubicBezTo>
-                  <a:cubicBezTo>
-                    <a:pt x="185" y="12"/>
-                    <a:pt x="207" y="0"/>
-                    <a:pt x="225" y="0"/>
-                  </a:cubicBezTo>
-                  <a:cubicBezTo>
-                    <a:pt x="561" y="0"/>
-                    <a:pt x="561" y="0"/>
-                    <a:pt x="561" y="0"/>
-                  </a:cubicBezTo>
-                  <a:cubicBezTo>
-                    <a:pt x="578" y="0"/>
-                    <a:pt x="600" y="12"/>
-                    <a:pt x="609" y="27"/>
-                  </a:cubicBezTo>
-                  <a:cubicBezTo>
-                    <a:pt x="777" y="318"/>
-                    <a:pt x="777" y="318"/>
-                    <a:pt x="777" y="318"/>
-                  </a:cubicBezTo>
-                  <a:cubicBezTo>
-                    <a:pt x="785" y="334"/>
-                    <a:pt x="785" y="358"/>
-                    <a:pt x="777" y="374"/>
-                  </a:cubicBezTo>
-                  <a:cubicBezTo>
-                    <a:pt x="609" y="665"/>
-                    <a:pt x="609" y="665"/>
-                    <a:pt x="609" y="665"/>
-                  </a:cubicBezTo>
-                  <a:cubicBezTo>
-                    <a:pt x="600" y="680"/>
-                    <a:pt x="578" y="692"/>
-                    <a:pt x="561" y="692"/>
-                  </a:cubicBezTo>
-                  <a:lnTo>
-                    <a:pt x="225" y="692"/>
-                  </a:lnTo>
-                  <a:close/>
-                </a:path>
-              </a:pathLst>
-            </a:custGeom>
-            <a:noFill/>
-            <a:ln w="28575" cmpd="sng">
-              <a:solidFill>
-                <a:schemeClr val="tx1"/>
-              </a:solidFill>
-            </a:ln>
-          </p:spPr>
-          <p:txBody>
-            <a:bodyPr vert="horz" wrap="square" lIns="91440" tIns="45720" rIns="91440" bIns="45720" numCol="1" anchor="t" anchorCtr="0" compatLnSpc="1"/>
-            <a:lstStyle/>
-            <a:p>
-              <a:endParaRPr lang="en-US"/>
-            </a:p>
-          </p:txBody>
-        </p:sp>
-        <p:sp>
-          <p:nvSpPr>
-            <p:cNvPr id="14" name="Freeform 5"/>
-            <p:cNvSpPr/>
-            <p:nvPr/>
-          </p:nvSpPr>
-          <p:spPr bwMode="auto">
-            <a:xfrm>
-              <a:off x="8983979" y="1000124"/>
-              <a:ext cx="762167" cy="671915"/>
-            </a:xfrm>
-            <a:custGeom>
-              <a:avLst/>
-              <a:gdLst>
-                <a:gd name="T0" fmla="*/ 225 w 785"/>
-                <a:gd name="T1" fmla="*/ 692 h 692"/>
-                <a:gd name="T2" fmla="*/ 177 w 785"/>
-                <a:gd name="T3" fmla="*/ 665 h 692"/>
-                <a:gd name="T4" fmla="*/ 9 w 785"/>
-                <a:gd name="T5" fmla="*/ 374 h 692"/>
-                <a:gd name="T6" fmla="*/ 9 w 785"/>
-                <a:gd name="T7" fmla="*/ 318 h 692"/>
-                <a:gd name="T8" fmla="*/ 177 w 785"/>
-                <a:gd name="T9" fmla="*/ 27 h 692"/>
-                <a:gd name="T10" fmla="*/ 225 w 785"/>
-                <a:gd name="T11" fmla="*/ 0 h 692"/>
-                <a:gd name="T12" fmla="*/ 561 w 785"/>
-                <a:gd name="T13" fmla="*/ 0 h 692"/>
-                <a:gd name="T14" fmla="*/ 609 w 785"/>
-                <a:gd name="T15" fmla="*/ 27 h 692"/>
-                <a:gd name="T16" fmla="*/ 777 w 785"/>
-                <a:gd name="T17" fmla="*/ 318 h 692"/>
-                <a:gd name="T18" fmla="*/ 777 w 785"/>
-                <a:gd name="T19" fmla="*/ 374 h 692"/>
-                <a:gd name="T20" fmla="*/ 609 w 785"/>
-                <a:gd name="T21" fmla="*/ 665 h 692"/>
-                <a:gd name="T22" fmla="*/ 561 w 785"/>
-                <a:gd name="T23" fmla="*/ 692 h 692"/>
-                <a:gd name="T24" fmla="*/ 225 w 785"/>
-                <a:gd name="T25" fmla="*/ 692 h 692"/>
-              </a:gdLst>
-              <a:ahLst/>
-              <a:cxnLst>
-                <a:cxn ang="0">
-                  <a:pos x="T0" y="T1"/>
-                </a:cxn>
-                <a:cxn ang="0">
-                  <a:pos x="T2" y="T3"/>
-                </a:cxn>
-                <a:cxn ang="0">
-                  <a:pos x="T4" y="T5"/>
-                </a:cxn>
-                <a:cxn ang="0">
-                  <a:pos x="T6" y="T7"/>
-                </a:cxn>
-                <a:cxn ang="0">
-                  <a:pos x="T8" y="T9"/>
-                </a:cxn>
-                <a:cxn ang="0">
-                  <a:pos x="T10" y="T11"/>
-                </a:cxn>
-                <a:cxn ang="0">
-                  <a:pos x="T12" y="T13"/>
-                </a:cxn>
-                <a:cxn ang="0">
-                  <a:pos x="T14" y="T15"/>
-                </a:cxn>
-                <a:cxn ang="0">
-                  <a:pos x="T16" y="T17"/>
-                </a:cxn>
-                <a:cxn ang="0">
-                  <a:pos x="T18" y="T19"/>
-                </a:cxn>
-                <a:cxn ang="0">
-                  <a:pos x="T20" y="T21"/>
-                </a:cxn>
-                <a:cxn ang="0">
-                  <a:pos x="T22" y="T23"/>
-                </a:cxn>
-                <a:cxn ang="0">
-                  <a:pos x="T24" y="T25"/>
-                </a:cxn>
-              </a:cxnLst>
-              <a:rect l="0" t="0" r="r" b="b"/>
-              <a:pathLst>
-                <a:path w="785" h="692">
-                  <a:moveTo>
-                    <a:pt x="225" y="692"/>
-                  </a:moveTo>
-                  <a:cubicBezTo>
-                    <a:pt x="207" y="692"/>
-                    <a:pt x="185" y="680"/>
-                    <a:pt x="177" y="665"/>
-                  </a:cubicBezTo>
-                  <a:cubicBezTo>
-                    <a:pt x="9" y="374"/>
-                    <a:pt x="9" y="374"/>
-                    <a:pt x="9" y="374"/>
-                  </a:cubicBezTo>
-                  <a:cubicBezTo>
-                    <a:pt x="0" y="358"/>
-                    <a:pt x="0" y="334"/>
-                    <a:pt x="9" y="318"/>
-                  </a:cubicBezTo>
-                  <a:cubicBezTo>
-                    <a:pt x="177" y="27"/>
-                    <a:pt x="177" y="27"/>
-                    <a:pt x="177" y="27"/>
-                  </a:cubicBezTo>
-                  <a:cubicBezTo>
-                    <a:pt x="185" y="12"/>
-                    <a:pt x="207" y="0"/>
-                    <a:pt x="225" y="0"/>
-                  </a:cubicBezTo>
-                  <a:cubicBezTo>
-                    <a:pt x="561" y="0"/>
-                    <a:pt x="561" y="0"/>
-                    <a:pt x="561" y="0"/>
-                  </a:cubicBezTo>
-                  <a:cubicBezTo>
-                    <a:pt x="578" y="0"/>
-                    <a:pt x="600" y="12"/>
-                    <a:pt x="609" y="27"/>
-                  </a:cubicBezTo>
-                  <a:cubicBezTo>
-                    <a:pt x="777" y="318"/>
-                    <a:pt x="777" y="318"/>
-                    <a:pt x="777" y="318"/>
-                  </a:cubicBezTo>
-                  <a:cubicBezTo>
-                    <a:pt x="785" y="334"/>
-                    <a:pt x="785" y="358"/>
-                    <a:pt x="777" y="374"/>
-                  </a:cubicBezTo>
-                  <a:cubicBezTo>
-                    <a:pt x="609" y="665"/>
-                    <a:pt x="609" y="665"/>
-                    <a:pt x="609" y="665"/>
-                  </a:cubicBezTo>
-                  <a:cubicBezTo>
-                    <a:pt x="600" y="680"/>
-                    <a:pt x="578" y="692"/>
-                    <a:pt x="561" y="692"/>
-                  </a:cubicBezTo>
-                  <a:lnTo>
-                    <a:pt x="225" y="692"/>
-                  </a:lnTo>
-                  <a:close/>
-                </a:path>
-              </a:pathLst>
-            </a:custGeom>
-            <a:noFill/>
-            <a:ln w="28575" cmpd="sng">
-              <a:solidFill>
-                <a:schemeClr val="tx1"/>
-              </a:solidFill>
-            </a:ln>
-          </p:spPr>
-          <p:txBody>
-            <a:bodyPr vert="horz" wrap="square" lIns="91440" tIns="45720" rIns="91440" bIns="45720" numCol="1" anchor="t" anchorCtr="0" compatLnSpc="1"/>
-            <a:lstStyle/>
-            <a:p>
-              <a:endParaRPr lang="en-US"/>
-            </a:p>
-          </p:txBody>
-        </p:sp>
-      </p:grpSp>
-      <p:sp>
-        <p:nvSpPr>
-          <p:cNvPr id="11" name="CaixaDeTexto 10">
-            <a:extLst>
-              <a:ext uri="{FF2B5EF4-FFF2-40B4-BE49-F238E27FC236}">
-                <a16:creationId xmlns:a16="http://schemas.microsoft.com/office/drawing/2014/main" id="{8EDF2009-2F02-48C7-BDA7-12762DFBACAD}"/>
-              </a:ext>
-            </a:extLst>
-          </p:cNvPr>
-          <p:cNvSpPr txBox="1"/>
-          <p:nvPr/>
-        </p:nvSpPr>
-        <p:spPr>
-          <a:xfrm>
-            <a:off x="2244588" y="1320341"/>
-            <a:ext cx="1597469" cy="338554"/>
-          </a:xfrm>
-          <a:prstGeom prst="rect">
-            <a:avLst/>
-          </a:prstGeom>
-          <a:noFill/>
-          <a:effectLst/>
-        </p:spPr>
-        <p:txBody>
-          <a:bodyPr wrap="square" rtlCol="0">
-            <a:spAutoFit/>
-          </a:bodyPr>
-          <a:lstStyle/>
-          <a:p>
-            <a:r>
-              <a:rPr lang="pt-BR" sz="1600" dirty="0">
-                <a:solidFill>
-                  <a:schemeClr val="bg1"/>
-                </a:solidFill>
-              </a:rPr>
-              <a:t>Proto-persona</a:t>
-            </a:r>
-            <a:endParaRPr lang="pt-BR" dirty="0">
-              <a:solidFill>
-                <a:schemeClr val="bg1"/>
-              </a:solidFill>
-            </a:endParaRPr>
-          </a:p>
-        </p:txBody>
-      </p:sp>
-      <p:sp>
-        <p:nvSpPr>
-          <p:cNvPr id="15" name="CaixaDeTexto 14">
-            <a:extLst>
-              <a:ext uri="{FF2B5EF4-FFF2-40B4-BE49-F238E27FC236}">
-                <a16:creationId xmlns:a16="http://schemas.microsoft.com/office/drawing/2014/main" id="{09C80A9F-46E9-4D57-BC1B-12B5ACE33AC8}"/>
-              </a:ext>
-            </a:extLst>
-          </p:cNvPr>
-          <p:cNvSpPr txBox="1"/>
-          <p:nvPr/>
-        </p:nvSpPr>
-        <p:spPr>
-          <a:xfrm>
-            <a:off x="3847413" y="1310816"/>
-            <a:ext cx="1321542" cy="338554"/>
-          </a:xfrm>
-          <a:prstGeom prst="rect">
-            <a:avLst/>
-          </a:prstGeom>
-          <a:noFill/>
-          <a:effectLst/>
-        </p:spPr>
-        <p:txBody>
-          <a:bodyPr wrap="square" rtlCol="0">
-            <a:spAutoFit/>
-          </a:bodyPr>
-          <a:lstStyle/>
-          <a:p>
-            <a:r>
-              <a:rPr lang="pt-BR" sz="1600" dirty="0">
-                <a:solidFill>
-                  <a:schemeClr val="bg1"/>
-                </a:solidFill>
-              </a:rPr>
-              <a:t>StoryBoard</a:t>
-            </a:r>
-            <a:endParaRPr lang="pt-BR" dirty="0">
-              <a:solidFill>
-                <a:schemeClr val="bg1"/>
-              </a:solidFill>
-            </a:endParaRPr>
-          </a:p>
-        </p:txBody>
-      </p:sp>
-      <p:sp>
-        <p:nvSpPr>
-          <p:cNvPr id="16" name="CaixaDeTexto 15">
-            <a:extLst>
-              <a:ext uri="{FF2B5EF4-FFF2-40B4-BE49-F238E27FC236}">
-                <a16:creationId xmlns:a16="http://schemas.microsoft.com/office/drawing/2014/main" id="{5A45E2C7-6875-4531-89AC-DFCCC35DF660}"/>
-              </a:ext>
-            </a:extLst>
-          </p:cNvPr>
-          <p:cNvSpPr txBox="1"/>
-          <p:nvPr/>
-        </p:nvSpPr>
-        <p:spPr>
-          <a:xfrm>
-            <a:off x="5285150" y="1320341"/>
-            <a:ext cx="1199701" cy="338554"/>
-          </a:xfrm>
-          <a:prstGeom prst="rect">
-            <a:avLst/>
-          </a:prstGeom>
-          <a:noFill/>
-          <a:effectLst/>
-        </p:spPr>
-        <p:txBody>
-          <a:bodyPr wrap="square" rtlCol="0">
-            <a:spAutoFit/>
-          </a:bodyPr>
-          <a:lstStyle/>
-          <a:p>
-            <a:r>
-              <a:rPr lang="pt-BR" sz="1600" dirty="0">
-                <a:solidFill>
-                  <a:schemeClr val="bg1"/>
-                </a:solidFill>
-              </a:rPr>
-              <a:t>Requisitos</a:t>
-            </a:r>
-            <a:endParaRPr lang="pt-BR" dirty="0">
-              <a:solidFill>
-                <a:schemeClr val="bg1"/>
-              </a:solidFill>
-            </a:endParaRPr>
-          </a:p>
-        </p:txBody>
-      </p:sp>
-      <p:sp>
-        <p:nvSpPr>
-          <p:cNvPr id="17" name="CaixaDeTexto 16">
-            <a:extLst>
-              <a:ext uri="{FF2B5EF4-FFF2-40B4-BE49-F238E27FC236}">
-                <a16:creationId xmlns:a16="http://schemas.microsoft.com/office/drawing/2014/main" id="{901B5BC6-D638-4BE0-B37B-1A203C864D2E}"/>
-              </a:ext>
-            </a:extLst>
-          </p:cNvPr>
-          <p:cNvSpPr txBox="1"/>
-          <p:nvPr/>
-        </p:nvSpPr>
-        <p:spPr>
-          <a:xfrm>
-            <a:off x="6661200" y="1320341"/>
-            <a:ext cx="898530" cy="338554"/>
-          </a:xfrm>
-          <a:prstGeom prst="rect">
-            <a:avLst/>
-          </a:prstGeom>
-          <a:noFill/>
-        </p:spPr>
-        <p:txBody>
-          <a:bodyPr wrap="square" rtlCol="0">
-            <a:spAutoFit/>
-          </a:bodyPr>
-          <a:lstStyle/>
-          <a:p>
-            <a:r>
-              <a:rPr lang="pt-BR" sz="1600" dirty="0">
-                <a:solidFill>
-                  <a:schemeClr val="bg1"/>
-                </a:solidFill>
-              </a:rPr>
-              <a:t>BPMN</a:t>
-            </a:r>
-            <a:endParaRPr lang="pt-BR" dirty="0">
-              <a:solidFill>
-                <a:schemeClr val="bg1"/>
-              </a:solidFill>
-            </a:endParaRPr>
-          </a:p>
-        </p:txBody>
-      </p:sp>
-      <p:pic>
-        <p:nvPicPr>
-          <p:cNvPr id="5" name="Imagem 4" descr="Uma imagem contendo televisão, monitor, tela, computador&#10;&#10;Descrição gerada automaticamente">
-            <a:extLst>
-              <a:ext uri="{FF2B5EF4-FFF2-40B4-BE49-F238E27FC236}">
-                <a16:creationId xmlns:a16="http://schemas.microsoft.com/office/drawing/2014/main" id="{34B96A82-580F-4576-99BE-C73825A17464}"/>
-              </a:ext>
-            </a:extLst>
-          </p:cNvPr>
-          <p:cNvPicPr>
-            <a:picLocks noChangeAspect="1"/>
-          </p:cNvPicPr>
-          <p:nvPr/>
-        </p:nvPicPr>
-        <p:blipFill>
-          <a:blip r:embed="rId2">
-            <a:extLst>
-              <a:ext uri="{28A0092B-C50C-407E-A947-70E740481C1C}">
-                <a14:useLocalDpi xmlns:a14="http://schemas.microsoft.com/office/drawing/2010/main" val="0"/>
-              </a:ext>
-            </a:extLst>
-          </a:blip>
-          <a:stretch>
-            <a:fillRect/>
-          </a:stretch>
-        </p:blipFill>
-        <p:spPr>
-          <a:xfrm>
-            <a:off x="1535185" y="2325945"/>
-            <a:ext cx="9121629" cy="3865005"/>
-          </a:xfrm>
-          <a:prstGeom prst="rect">
-            <a:avLst/>
-          </a:prstGeom>
-        </p:spPr>
-      </p:pic>
-    </p:spTree>
-    <p:extLst>
-      <p:ext uri="{BB962C8B-B14F-4D97-AF65-F5344CB8AC3E}">
-        <p14:creationId xmlns:p14="http://schemas.microsoft.com/office/powerpoint/2010/main" val="3697814180"/>
-      </p:ext>
-    </p:extLst>
-  </p:cSld>
-  <p:clrMapOvr>
-    <a:masterClrMapping/>
-  </p:clrMapOvr>
-</p:sld>
-</file>
-
-<file path=ppt/slides/slide14.xml><?xml version="1.0" encoding="utf-8"?>
 <p:sld xmlns:a="http://schemas.openxmlformats.org/drawingml/2006/main" xmlns:r="http://schemas.openxmlformats.org/officeDocument/2006/relationships" xmlns:p="http://schemas.openxmlformats.org/presentationml/2006/main">
   <p:cSld>
     <p:spTree>
@@ -29548,7 +28020,7 @@
 </p:sld>
 </file>
 
-<file path=ppt/slides/slide15.xml><?xml version="1.0" encoding="utf-8"?>
+<file path=ppt/slides/slide13.xml><?xml version="1.0" encoding="utf-8"?>
 <p:sld xmlns:a="http://schemas.openxmlformats.org/drawingml/2006/main" xmlns:r="http://schemas.openxmlformats.org/officeDocument/2006/relationships" xmlns:p="http://schemas.openxmlformats.org/presentationml/2006/main">
   <p:cSld>
     <p:spTree>
@@ -30166,6 +28638,1521 @@
       </p:par>
     </p:tnLst>
   </p:timing>
+</p:sld>
+</file>
+
+<file path=ppt/slides/slide14.xml><?xml version="1.0" encoding="utf-8"?>
+<p:sld xmlns:a="http://schemas.openxmlformats.org/drawingml/2006/main" xmlns:r="http://schemas.openxmlformats.org/officeDocument/2006/relationships" xmlns:p="http://schemas.openxmlformats.org/presentationml/2006/main">
+  <p:cSld>
+    <p:spTree>
+      <p:nvGrpSpPr>
+        <p:cNvPr id="1" name=""/>
+        <p:cNvGrpSpPr/>
+        <p:nvPr/>
+      </p:nvGrpSpPr>
+      <p:grpSpPr>
+        <a:xfrm>
+          <a:off x="0" y="0"/>
+          <a:ext cx="0" cy="0"/>
+          <a:chOff x="0" y="0"/>
+          <a:chExt cx="0" cy="0"/>
+        </a:xfrm>
+      </p:grpSpPr>
+      <p:sp>
+        <p:nvSpPr>
+          <p:cNvPr id="2" name="Título 1"/>
+          <p:cNvSpPr>
+            <a:spLocks noGrp="1"/>
+          </p:cNvSpPr>
+          <p:nvPr>
+            <p:ph type="title"/>
+          </p:nvPr>
+        </p:nvSpPr>
+        <p:spPr>
+          <a:xfrm>
+            <a:off x="1876329" y="7247"/>
+            <a:ext cx="9882278" cy="1067634"/>
+          </a:xfrm>
+        </p:spPr>
+        <p:txBody>
+          <a:bodyPr anchor="ctr">
+            <a:normAutofit/>
+          </a:bodyPr>
+          <a:lstStyle/>
+          <a:p>
+            <a:r>
+              <a:rPr lang="pt-BR" dirty="0" err="1"/>
+              <a:t>Load</a:t>
+            </a:r>
+            <a:r>
+              <a:rPr lang="pt-BR" dirty="0"/>
+              <a:t> Balance</a:t>
+            </a:r>
+          </a:p>
+        </p:txBody>
+      </p:sp>
+      <p:grpSp>
+        <p:nvGrpSpPr>
+          <p:cNvPr id="12" name="Group 11"/>
+          <p:cNvGrpSpPr>
+            <a:grpSpLocks noGrp="1" noUngrp="1" noRot="1" noChangeAspect="1" noMove="1" noResize="1"/>
+          </p:cNvGrpSpPr>
+          <p:nvPr/>
+        </p:nvGrpSpPr>
+        <p:grpSpPr>
+          <a:xfrm>
+            <a:off x="444125" y="66801"/>
+            <a:ext cx="1128378" cy="847206"/>
+            <a:chOff x="8145259" y="221938"/>
+            <a:chExt cx="1562262" cy="1172973"/>
+          </a:xfrm>
+        </p:grpSpPr>
+        <p:sp>
+          <p:nvSpPr>
+            <p:cNvPr id="13" name="Freeform 5"/>
+            <p:cNvSpPr/>
+            <p:nvPr/>
+          </p:nvSpPr>
+          <p:spPr bwMode="auto">
+            <a:xfrm>
+              <a:off x="8145259" y="570596"/>
+              <a:ext cx="935036" cy="824315"/>
+            </a:xfrm>
+            <a:custGeom>
+              <a:avLst/>
+              <a:gdLst>
+                <a:gd name="T0" fmla="*/ 225 w 785"/>
+                <a:gd name="T1" fmla="*/ 692 h 692"/>
+                <a:gd name="T2" fmla="*/ 177 w 785"/>
+                <a:gd name="T3" fmla="*/ 665 h 692"/>
+                <a:gd name="T4" fmla="*/ 9 w 785"/>
+                <a:gd name="T5" fmla="*/ 374 h 692"/>
+                <a:gd name="T6" fmla="*/ 9 w 785"/>
+                <a:gd name="T7" fmla="*/ 318 h 692"/>
+                <a:gd name="T8" fmla="*/ 177 w 785"/>
+                <a:gd name="T9" fmla="*/ 27 h 692"/>
+                <a:gd name="T10" fmla="*/ 225 w 785"/>
+                <a:gd name="T11" fmla="*/ 0 h 692"/>
+                <a:gd name="T12" fmla="*/ 561 w 785"/>
+                <a:gd name="T13" fmla="*/ 0 h 692"/>
+                <a:gd name="T14" fmla="*/ 609 w 785"/>
+                <a:gd name="T15" fmla="*/ 27 h 692"/>
+                <a:gd name="T16" fmla="*/ 777 w 785"/>
+                <a:gd name="T17" fmla="*/ 318 h 692"/>
+                <a:gd name="T18" fmla="*/ 777 w 785"/>
+                <a:gd name="T19" fmla="*/ 374 h 692"/>
+                <a:gd name="T20" fmla="*/ 609 w 785"/>
+                <a:gd name="T21" fmla="*/ 665 h 692"/>
+                <a:gd name="T22" fmla="*/ 561 w 785"/>
+                <a:gd name="T23" fmla="*/ 692 h 692"/>
+                <a:gd name="T24" fmla="*/ 225 w 785"/>
+                <a:gd name="T25" fmla="*/ 692 h 692"/>
+              </a:gdLst>
+              <a:ahLst/>
+              <a:cxnLst>
+                <a:cxn ang="0">
+                  <a:pos x="T0" y="T1"/>
+                </a:cxn>
+                <a:cxn ang="0">
+                  <a:pos x="T2" y="T3"/>
+                </a:cxn>
+                <a:cxn ang="0">
+                  <a:pos x="T4" y="T5"/>
+                </a:cxn>
+                <a:cxn ang="0">
+                  <a:pos x="T6" y="T7"/>
+                </a:cxn>
+                <a:cxn ang="0">
+                  <a:pos x="T8" y="T9"/>
+                </a:cxn>
+                <a:cxn ang="0">
+                  <a:pos x="T10" y="T11"/>
+                </a:cxn>
+                <a:cxn ang="0">
+                  <a:pos x="T12" y="T13"/>
+                </a:cxn>
+                <a:cxn ang="0">
+                  <a:pos x="T14" y="T15"/>
+                </a:cxn>
+                <a:cxn ang="0">
+                  <a:pos x="T16" y="T17"/>
+                </a:cxn>
+                <a:cxn ang="0">
+                  <a:pos x="T18" y="T19"/>
+                </a:cxn>
+                <a:cxn ang="0">
+                  <a:pos x="T20" y="T21"/>
+                </a:cxn>
+                <a:cxn ang="0">
+                  <a:pos x="T22" y="T23"/>
+                </a:cxn>
+                <a:cxn ang="0">
+                  <a:pos x="T24" y="T25"/>
+                </a:cxn>
+              </a:cxnLst>
+              <a:rect l="0" t="0" r="r" b="b"/>
+              <a:pathLst>
+                <a:path w="785" h="692">
+                  <a:moveTo>
+                    <a:pt x="225" y="692"/>
+                  </a:moveTo>
+                  <a:cubicBezTo>
+                    <a:pt x="207" y="692"/>
+                    <a:pt x="185" y="680"/>
+                    <a:pt x="177" y="665"/>
+                  </a:cubicBezTo>
+                  <a:cubicBezTo>
+                    <a:pt x="9" y="374"/>
+                    <a:pt x="9" y="374"/>
+                    <a:pt x="9" y="374"/>
+                  </a:cubicBezTo>
+                  <a:cubicBezTo>
+                    <a:pt x="0" y="358"/>
+                    <a:pt x="0" y="334"/>
+                    <a:pt x="9" y="318"/>
+                  </a:cubicBezTo>
+                  <a:cubicBezTo>
+                    <a:pt x="177" y="27"/>
+                    <a:pt x="177" y="27"/>
+                    <a:pt x="177" y="27"/>
+                  </a:cubicBezTo>
+                  <a:cubicBezTo>
+                    <a:pt x="185" y="12"/>
+                    <a:pt x="207" y="0"/>
+                    <a:pt x="225" y="0"/>
+                  </a:cubicBezTo>
+                  <a:cubicBezTo>
+                    <a:pt x="561" y="0"/>
+                    <a:pt x="561" y="0"/>
+                    <a:pt x="561" y="0"/>
+                  </a:cubicBezTo>
+                  <a:cubicBezTo>
+                    <a:pt x="578" y="0"/>
+                    <a:pt x="600" y="12"/>
+                    <a:pt x="609" y="27"/>
+                  </a:cubicBezTo>
+                  <a:cubicBezTo>
+                    <a:pt x="777" y="318"/>
+                    <a:pt x="777" y="318"/>
+                    <a:pt x="777" y="318"/>
+                  </a:cubicBezTo>
+                  <a:cubicBezTo>
+                    <a:pt x="785" y="334"/>
+                    <a:pt x="785" y="358"/>
+                    <a:pt x="777" y="374"/>
+                  </a:cubicBezTo>
+                  <a:cubicBezTo>
+                    <a:pt x="609" y="665"/>
+                    <a:pt x="609" y="665"/>
+                    <a:pt x="609" y="665"/>
+                  </a:cubicBezTo>
+                  <a:cubicBezTo>
+                    <a:pt x="600" y="680"/>
+                    <a:pt x="578" y="692"/>
+                    <a:pt x="561" y="692"/>
+                  </a:cubicBezTo>
+                  <a:lnTo>
+                    <a:pt x="225" y="692"/>
+                  </a:lnTo>
+                  <a:close/>
+                </a:path>
+              </a:pathLst>
+            </a:custGeom>
+            <a:noFill/>
+            <a:ln w="28575" cmpd="sng">
+              <a:solidFill>
+                <a:schemeClr val="tx1"/>
+              </a:solidFill>
+            </a:ln>
+          </p:spPr>
+          <p:txBody>
+            <a:bodyPr vert="horz" wrap="square" lIns="91440" tIns="45720" rIns="91440" bIns="45720" numCol="1" anchor="t" anchorCtr="0" compatLnSpc="1"/>
+            <a:lstStyle/>
+            <a:p>
+              <a:endParaRPr lang="en-US"/>
+            </a:p>
+          </p:txBody>
+        </p:sp>
+        <p:sp>
+          <p:nvSpPr>
+            <p:cNvPr id="14" name="Freeform 5"/>
+            <p:cNvSpPr/>
+            <p:nvPr/>
+          </p:nvSpPr>
+          <p:spPr bwMode="auto">
+            <a:xfrm>
+              <a:off x="8945354" y="221938"/>
+              <a:ext cx="762167" cy="671915"/>
+            </a:xfrm>
+            <a:custGeom>
+              <a:avLst/>
+              <a:gdLst>
+                <a:gd name="T0" fmla="*/ 225 w 785"/>
+                <a:gd name="T1" fmla="*/ 692 h 692"/>
+                <a:gd name="T2" fmla="*/ 177 w 785"/>
+                <a:gd name="T3" fmla="*/ 665 h 692"/>
+                <a:gd name="T4" fmla="*/ 9 w 785"/>
+                <a:gd name="T5" fmla="*/ 374 h 692"/>
+                <a:gd name="T6" fmla="*/ 9 w 785"/>
+                <a:gd name="T7" fmla="*/ 318 h 692"/>
+                <a:gd name="T8" fmla="*/ 177 w 785"/>
+                <a:gd name="T9" fmla="*/ 27 h 692"/>
+                <a:gd name="T10" fmla="*/ 225 w 785"/>
+                <a:gd name="T11" fmla="*/ 0 h 692"/>
+                <a:gd name="T12" fmla="*/ 561 w 785"/>
+                <a:gd name="T13" fmla="*/ 0 h 692"/>
+                <a:gd name="T14" fmla="*/ 609 w 785"/>
+                <a:gd name="T15" fmla="*/ 27 h 692"/>
+                <a:gd name="T16" fmla="*/ 777 w 785"/>
+                <a:gd name="T17" fmla="*/ 318 h 692"/>
+                <a:gd name="T18" fmla="*/ 777 w 785"/>
+                <a:gd name="T19" fmla="*/ 374 h 692"/>
+                <a:gd name="T20" fmla="*/ 609 w 785"/>
+                <a:gd name="T21" fmla="*/ 665 h 692"/>
+                <a:gd name="T22" fmla="*/ 561 w 785"/>
+                <a:gd name="T23" fmla="*/ 692 h 692"/>
+                <a:gd name="T24" fmla="*/ 225 w 785"/>
+                <a:gd name="T25" fmla="*/ 692 h 692"/>
+              </a:gdLst>
+              <a:ahLst/>
+              <a:cxnLst>
+                <a:cxn ang="0">
+                  <a:pos x="T0" y="T1"/>
+                </a:cxn>
+                <a:cxn ang="0">
+                  <a:pos x="T2" y="T3"/>
+                </a:cxn>
+                <a:cxn ang="0">
+                  <a:pos x="T4" y="T5"/>
+                </a:cxn>
+                <a:cxn ang="0">
+                  <a:pos x="T6" y="T7"/>
+                </a:cxn>
+                <a:cxn ang="0">
+                  <a:pos x="T8" y="T9"/>
+                </a:cxn>
+                <a:cxn ang="0">
+                  <a:pos x="T10" y="T11"/>
+                </a:cxn>
+                <a:cxn ang="0">
+                  <a:pos x="T12" y="T13"/>
+                </a:cxn>
+                <a:cxn ang="0">
+                  <a:pos x="T14" y="T15"/>
+                </a:cxn>
+                <a:cxn ang="0">
+                  <a:pos x="T16" y="T17"/>
+                </a:cxn>
+                <a:cxn ang="0">
+                  <a:pos x="T18" y="T19"/>
+                </a:cxn>
+                <a:cxn ang="0">
+                  <a:pos x="T20" y="T21"/>
+                </a:cxn>
+                <a:cxn ang="0">
+                  <a:pos x="T22" y="T23"/>
+                </a:cxn>
+                <a:cxn ang="0">
+                  <a:pos x="T24" y="T25"/>
+                </a:cxn>
+              </a:cxnLst>
+              <a:rect l="0" t="0" r="r" b="b"/>
+              <a:pathLst>
+                <a:path w="785" h="692">
+                  <a:moveTo>
+                    <a:pt x="225" y="692"/>
+                  </a:moveTo>
+                  <a:cubicBezTo>
+                    <a:pt x="207" y="692"/>
+                    <a:pt x="185" y="680"/>
+                    <a:pt x="177" y="665"/>
+                  </a:cubicBezTo>
+                  <a:cubicBezTo>
+                    <a:pt x="9" y="374"/>
+                    <a:pt x="9" y="374"/>
+                    <a:pt x="9" y="374"/>
+                  </a:cubicBezTo>
+                  <a:cubicBezTo>
+                    <a:pt x="0" y="358"/>
+                    <a:pt x="0" y="334"/>
+                    <a:pt x="9" y="318"/>
+                  </a:cubicBezTo>
+                  <a:cubicBezTo>
+                    <a:pt x="177" y="27"/>
+                    <a:pt x="177" y="27"/>
+                    <a:pt x="177" y="27"/>
+                  </a:cubicBezTo>
+                  <a:cubicBezTo>
+                    <a:pt x="185" y="12"/>
+                    <a:pt x="207" y="0"/>
+                    <a:pt x="225" y="0"/>
+                  </a:cubicBezTo>
+                  <a:cubicBezTo>
+                    <a:pt x="561" y="0"/>
+                    <a:pt x="561" y="0"/>
+                    <a:pt x="561" y="0"/>
+                  </a:cubicBezTo>
+                  <a:cubicBezTo>
+                    <a:pt x="578" y="0"/>
+                    <a:pt x="600" y="12"/>
+                    <a:pt x="609" y="27"/>
+                  </a:cubicBezTo>
+                  <a:cubicBezTo>
+                    <a:pt x="777" y="318"/>
+                    <a:pt x="777" y="318"/>
+                    <a:pt x="777" y="318"/>
+                  </a:cubicBezTo>
+                  <a:cubicBezTo>
+                    <a:pt x="785" y="334"/>
+                    <a:pt x="785" y="358"/>
+                    <a:pt x="777" y="374"/>
+                  </a:cubicBezTo>
+                  <a:cubicBezTo>
+                    <a:pt x="609" y="665"/>
+                    <a:pt x="609" y="665"/>
+                    <a:pt x="609" y="665"/>
+                  </a:cubicBezTo>
+                  <a:cubicBezTo>
+                    <a:pt x="600" y="680"/>
+                    <a:pt x="578" y="692"/>
+                    <a:pt x="561" y="692"/>
+                  </a:cubicBezTo>
+                  <a:lnTo>
+                    <a:pt x="225" y="692"/>
+                  </a:lnTo>
+                  <a:close/>
+                </a:path>
+              </a:pathLst>
+            </a:custGeom>
+            <a:noFill/>
+            <a:ln w="28575" cmpd="sng">
+              <a:solidFill>
+                <a:schemeClr val="tx1"/>
+              </a:solidFill>
+            </a:ln>
+          </p:spPr>
+          <p:txBody>
+            <a:bodyPr vert="horz" wrap="square" lIns="91440" tIns="45720" rIns="91440" bIns="45720" numCol="1" anchor="t" anchorCtr="0" compatLnSpc="1"/>
+            <a:lstStyle/>
+            <a:p>
+              <a:endParaRPr lang="en-US"/>
+            </a:p>
+          </p:txBody>
+        </p:sp>
+      </p:grpSp>
+      <p:sp>
+        <p:nvSpPr>
+          <p:cNvPr id="17" name="CaixaDeTexto 16">
+            <a:extLst>
+              <a:ext uri="{FF2B5EF4-FFF2-40B4-BE49-F238E27FC236}">
+                <a16:creationId xmlns:a16="http://schemas.microsoft.com/office/drawing/2014/main" id="{F7374B40-D7D8-4146-9028-B7AE3FA19233}"/>
+              </a:ext>
+            </a:extLst>
+          </p:cNvPr>
+          <p:cNvSpPr txBox="1"/>
+          <p:nvPr/>
+        </p:nvSpPr>
+        <p:spPr>
+          <a:xfrm>
+            <a:off x="3847413" y="1320341"/>
+            <a:ext cx="1321542" cy="338554"/>
+          </a:xfrm>
+          <a:prstGeom prst="rect">
+            <a:avLst/>
+          </a:prstGeom>
+          <a:noFill/>
+        </p:spPr>
+        <p:txBody>
+          <a:bodyPr wrap="square" rtlCol="0">
+            <a:spAutoFit/>
+          </a:bodyPr>
+          <a:lstStyle/>
+          <a:p>
+            <a:r>
+              <a:rPr lang="pt-BR" sz="1600" dirty="0">
+                <a:solidFill>
+                  <a:schemeClr val="bg1"/>
+                </a:solidFill>
+              </a:rPr>
+              <a:t>StoryBoard</a:t>
+            </a:r>
+            <a:endParaRPr lang="pt-BR" dirty="0">
+              <a:solidFill>
+                <a:schemeClr val="bg1"/>
+              </a:solidFill>
+            </a:endParaRPr>
+          </a:p>
+        </p:txBody>
+      </p:sp>
+      <p:sp>
+        <p:nvSpPr>
+          <p:cNvPr id="18" name="CaixaDeTexto 17">
+            <a:extLst>
+              <a:ext uri="{FF2B5EF4-FFF2-40B4-BE49-F238E27FC236}">
+                <a16:creationId xmlns:a16="http://schemas.microsoft.com/office/drawing/2014/main" id="{0579A070-173E-4D8B-98FC-347B77DB9ADE}"/>
+              </a:ext>
+            </a:extLst>
+          </p:cNvPr>
+          <p:cNvSpPr txBox="1"/>
+          <p:nvPr/>
+        </p:nvSpPr>
+        <p:spPr>
+          <a:xfrm>
+            <a:off x="5285150" y="1320341"/>
+            <a:ext cx="1199701" cy="338554"/>
+          </a:xfrm>
+          <a:prstGeom prst="rect">
+            <a:avLst/>
+          </a:prstGeom>
+          <a:noFill/>
+          <a:effectLst/>
+        </p:spPr>
+        <p:txBody>
+          <a:bodyPr wrap="square" rtlCol="0">
+            <a:spAutoFit/>
+          </a:bodyPr>
+          <a:lstStyle/>
+          <a:p>
+            <a:r>
+              <a:rPr lang="pt-BR" sz="1600" dirty="0">
+                <a:solidFill>
+                  <a:schemeClr val="bg1"/>
+                </a:solidFill>
+              </a:rPr>
+              <a:t>Requisitos</a:t>
+            </a:r>
+            <a:endParaRPr lang="pt-BR" dirty="0">
+              <a:solidFill>
+                <a:schemeClr val="bg1"/>
+              </a:solidFill>
+            </a:endParaRPr>
+          </a:p>
+        </p:txBody>
+      </p:sp>
+      <p:sp>
+        <p:nvSpPr>
+          <p:cNvPr id="19" name="CaixaDeTexto 18">
+            <a:extLst>
+              <a:ext uri="{FF2B5EF4-FFF2-40B4-BE49-F238E27FC236}">
+                <a16:creationId xmlns:a16="http://schemas.microsoft.com/office/drawing/2014/main" id="{D02F0A36-42C0-442F-B708-AE0077EDEF45}"/>
+              </a:ext>
+            </a:extLst>
+          </p:cNvPr>
+          <p:cNvSpPr txBox="1"/>
+          <p:nvPr/>
+        </p:nvSpPr>
+        <p:spPr>
+          <a:xfrm>
+            <a:off x="6661200" y="1320341"/>
+            <a:ext cx="898530" cy="338554"/>
+          </a:xfrm>
+          <a:prstGeom prst="rect">
+            <a:avLst/>
+          </a:prstGeom>
+          <a:noFill/>
+        </p:spPr>
+        <p:txBody>
+          <a:bodyPr wrap="square" rtlCol="0">
+            <a:spAutoFit/>
+          </a:bodyPr>
+          <a:lstStyle/>
+          <a:p>
+            <a:r>
+              <a:rPr lang="pt-BR" sz="1600" dirty="0">
+                <a:solidFill>
+                  <a:schemeClr val="bg1"/>
+                </a:solidFill>
+              </a:rPr>
+              <a:t>BPMN</a:t>
+            </a:r>
+            <a:endParaRPr lang="pt-BR" dirty="0">
+              <a:solidFill>
+                <a:schemeClr val="bg1"/>
+              </a:solidFill>
+            </a:endParaRPr>
+          </a:p>
+        </p:txBody>
+      </p:sp>
+      <p:sp>
+        <p:nvSpPr>
+          <p:cNvPr id="33" name="CaixaDeTexto 32">
+            <a:extLst>
+              <a:ext uri="{FF2B5EF4-FFF2-40B4-BE49-F238E27FC236}">
+                <a16:creationId xmlns:a16="http://schemas.microsoft.com/office/drawing/2014/main" id="{4EC138E7-6E1A-465A-ABCA-96536386FA2F}"/>
+              </a:ext>
+            </a:extLst>
+          </p:cNvPr>
+          <p:cNvSpPr txBox="1"/>
+          <p:nvPr/>
+        </p:nvSpPr>
+        <p:spPr>
+          <a:xfrm>
+            <a:off x="2244588" y="1320341"/>
+            <a:ext cx="1597469" cy="338554"/>
+          </a:xfrm>
+          <a:prstGeom prst="rect">
+            <a:avLst/>
+          </a:prstGeom>
+          <a:noFill/>
+          <a:effectLst/>
+        </p:spPr>
+        <p:txBody>
+          <a:bodyPr wrap="square" rtlCol="0">
+            <a:spAutoFit/>
+          </a:bodyPr>
+          <a:lstStyle/>
+          <a:p>
+            <a:r>
+              <a:rPr lang="pt-BR" sz="1600" dirty="0">
+                <a:solidFill>
+                  <a:schemeClr val="bg1"/>
+                </a:solidFill>
+              </a:rPr>
+              <a:t>Proto-persona</a:t>
+            </a:r>
+            <a:endParaRPr lang="pt-BR" dirty="0">
+              <a:solidFill>
+                <a:schemeClr val="bg1"/>
+              </a:solidFill>
+            </a:endParaRPr>
+          </a:p>
+        </p:txBody>
+      </p:sp>
+      <p:sp>
+        <p:nvSpPr>
+          <p:cNvPr id="20" name="CaixaDeTexto 19">
+            <a:extLst>
+              <a:ext uri="{FF2B5EF4-FFF2-40B4-BE49-F238E27FC236}">
+                <a16:creationId xmlns:a16="http://schemas.microsoft.com/office/drawing/2014/main" id="{07717C2D-62F1-4801-AE25-294BC12C2A83}"/>
+              </a:ext>
+            </a:extLst>
+          </p:cNvPr>
+          <p:cNvSpPr txBox="1"/>
+          <p:nvPr/>
+        </p:nvSpPr>
+        <p:spPr>
+          <a:xfrm>
+            <a:off x="9989146" y="1332716"/>
+            <a:ext cx="2277975" cy="338554"/>
+          </a:xfrm>
+          <a:prstGeom prst="rect">
+            <a:avLst/>
+          </a:prstGeom>
+          <a:noFill/>
+        </p:spPr>
+        <p:txBody>
+          <a:bodyPr wrap="square" rtlCol="0">
+            <a:spAutoFit/>
+          </a:bodyPr>
+          <a:lstStyle/>
+          <a:p>
+            <a:r>
+              <a:rPr lang="pt-BR" sz="1600" dirty="0">
+                <a:solidFill>
+                  <a:schemeClr val="bg1"/>
+                </a:solidFill>
+              </a:rPr>
+              <a:t>Desenho</a:t>
+            </a:r>
+            <a:r>
+              <a:rPr lang="pt-BR" sz="1600" dirty="0"/>
+              <a:t> </a:t>
+            </a:r>
+            <a:r>
+              <a:rPr lang="pt-BR" sz="1600" dirty="0">
+                <a:solidFill>
+                  <a:schemeClr val="bg1"/>
+                </a:solidFill>
+              </a:rPr>
+              <a:t>de</a:t>
+            </a:r>
+            <a:r>
+              <a:rPr lang="pt-BR" sz="1600" dirty="0"/>
+              <a:t> </a:t>
+            </a:r>
+            <a:r>
+              <a:rPr lang="pt-BR" sz="1600" dirty="0">
+                <a:solidFill>
+                  <a:schemeClr val="bg1"/>
+                </a:solidFill>
+              </a:rPr>
+              <a:t>Solução</a:t>
+            </a:r>
+          </a:p>
+        </p:txBody>
+      </p:sp>
+      <p:sp>
+        <p:nvSpPr>
+          <p:cNvPr id="21" name="CaixaDeTexto 20">
+            <a:extLst>
+              <a:ext uri="{FF2B5EF4-FFF2-40B4-BE49-F238E27FC236}">
+                <a16:creationId xmlns:a16="http://schemas.microsoft.com/office/drawing/2014/main" id="{2DA06C6D-E898-4F47-B613-A112E66E5818}"/>
+              </a:ext>
+            </a:extLst>
+          </p:cNvPr>
+          <p:cNvSpPr txBox="1"/>
+          <p:nvPr/>
+        </p:nvSpPr>
+        <p:spPr>
+          <a:xfrm>
+            <a:off x="7709972" y="1320341"/>
+            <a:ext cx="2070837" cy="338554"/>
+          </a:xfrm>
+          <a:prstGeom prst="rect">
+            <a:avLst/>
+          </a:prstGeom>
+          <a:noFill/>
+        </p:spPr>
+        <p:txBody>
+          <a:bodyPr wrap="square" rtlCol="0">
+            <a:spAutoFit/>
+          </a:bodyPr>
+          <a:lstStyle/>
+          <a:p>
+            <a:r>
+              <a:rPr lang="pt-BR" sz="1600" dirty="0">
+                <a:solidFill>
+                  <a:schemeClr val="bg1"/>
+                </a:solidFill>
+              </a:rPr>
+              <a:t>Planilha</a:t>
+            </a:r>
+            <a:r>
+              <a:rPr lang="pt-BR" sz="1600" dirty="0"/>
+              <a:t> </a:t>
+            </a:r>
+            <a:r>
+              <a:rPr lang="pt-BR" sz="1600" dirty="0">
+                <a:solidFill>
+                  <a:schemeClr val="bg1"/>
+                </a:solidFill>
+              </a:rPr>
+              <a:t>de</a:t>
+            </a:r>
+            <a:r>
+              <a:rPr lang="pt-BR" sz="1600" dirty="0"/>
+              <a:t> </a:t>
+            </a:r>
+            <a:r>
+              <a:rPr lang="pt-BR" sz="1600" dirty="0">
+                <a:solidFill>
+                  <a:schemeClr val="bg1"/>
+                </a:solidFill>
+              </a:rPr>
+              <a:t>Software</a:t>
+            </a:r>
+          </a:p>
+        </p:txBody>
+      </p:sp>
+      <p:pic>
+        <p:nvPicPr>
+          <p:cNvPr id="4" name="Imagem 3" descr="Tela de jogo de vídeo game&#10;&#10;Descrição gerada automaticamente">
+            <a:extLst>
+              <a:ext uri="{FF2B5EF4-FFF2-40B4-BE49-F238E27FC236}">
+                <a16:creationId xmlns:a16="http://schemas.microsoft.com/office/drawing/2014/main" id="{A2D21B58-FDE5-4CC1-ACBF-C43EA1509F98}"/>
+              </a:ext>
+            </a:extLst>
+          </p:cNvPr>
+          <p:cNvPicPr>
+            <a:picLocks noChangeAspect="1"/>
+          </p:cNvPicPr>
+          <p:nvPr/>
+        </p:nvPicPr>
+        <p:blipFill>
+          <a:blip r:embed="rId2">
+            <a:extLst>
+              <a:ext uri="{28A0092B-C50C-407E-A947-70E740481C1C}">
+                <a14:useLocalDpi xmlns:a14="http://schemas.microsoft.com/office/drawing/2010/main" val="0"/>
+              </a:ext>
+            </a:extLst>
+          </a:blip>
+          <a:stretch>
+            <a:fillRect/>
+          </a:stretch>
+        </p:blipFill>
+        <p:spPr>
+          <a:xfrm>
+            <a:off x="3107438" y="1489618"/>
+            <a:ext cx="5977124" cy="4828774"/>
+          </a:xfrm>
+          <a:prstGeom prst="rect">
+            <a:avLst/>
+          </a:prstGeom>
+        </p:spPr>
+      </p:pic>
+    </p:spTree>
+    <p:extLst>
+      <p:ext uri="{BB962C8B-B14F-4D97-AF65-F5344CB8AC3E}">
+        <p14:creationId xmlns:p14="http://schemas.microsoft.com/office/powerpoint/2010/main" val="1919775398"/>
+      </p:ext>
+    </p:extLst>
+  </p:cSld>
+  <p:clrMapOvr>
+    <a:masterClrMapping/>
+  </p:clrMapOvr>
+</p:sld>
+</file>
+
+<file path=ppt/slides/slide15.xml><?xml version="1.0" encoding="utf-8"?>
+<p:sld xmlns:a="http://schemas.openxmlformats.org/drawingml/2006/main" xmlns:r="http://schemas.openxmlformats.org/officeDocument/2006/relationships" xmlns:p="http://schemas.openxmlformats.org/presentationml/2006/main">
+  <p:cSld>
+    <p:spTree>
+      <p:nvGrpSpPr>
+        <p:cNvPr id="1" name=""/>
+        <p:cNvGrpSpPr/>
+        <p:nvPr/>
+      </p:nvGrpSpPr>
+      <p:grpSpPr>
+        <a:xfrm>
+          <a:off x="0" y="0"/>
+          <a:ext cx="0" cy="0"/>
+          <a:chOff x="0" y="0"/>
+          <a:chExt cx="0" cy="0"/>
+        </a:xfrm>
+      </p:grpSpPr>
+      <p:sp>
+        <p:nvSpPr>
+          <p:cNvPr id="2" name="Título 1"/>
+          <p:cNvSpPr>
+            <a:spLocks noGrp="1"/>
+          </p:cNvSpPr>
+          <p:nvPr>
+            <p:ph type="title"/>
+          </p:nvPr>
+        </p:nvSpPr>
+        <p:spPr>
+          <a:xfrm>
+            <a:off x="1876329" y="7247"/>
+            <a:ext cx="9882278" cy="1067634"/>
+          </a:xfrm>
+        </p:spPr>
+        <p:txBody>
+          <a:bodyPr anchor="ctr">
+            <a:normAutofit/>
+          </a:bodyPr>
+          <a:lstStyle/>
+          <a:p>
+            <a:r>
+              <a:rPr lang="pt-BR" dirty="0" err="1"/>
+              <a:t>Load</a:t>
+            </a:r>
+            <a:r>
+              <a:rPr lang="pt-BR" dirty="0"/>
+              <a:t> Balance</a:t>
+            </a:r>
+          </a:p>
+        </p:txBody>
+      </p:sp>
+      <p:grpSp>
+        <p:nvGrpSpPr>
+          <p:cNvPr id="12" name="Group 11"/>
+          <p:cNvGrpSpPr>
+            <a:grpSpLocks noGrp="1" noUngrp="1" noRot="1" noChangeAspect="1" noMove="1" noResize="1"/>
+          </p:cNvGrpSpPr>
+          <p:nvPr/>
+        </p:nvGrpSpPr>
+        <p:grpSpPr>
+          <a:xfrm>
+            <a:off x="444125" y="66801"/>
+            <a:ext cx="1128378" cy="847206"/>
+            <a:chOff x="8145259" y="221938"/>
+            <a:chExt cx="1562262" cy="1172973"/>
+          </a:xfrm>
+        </p:grpSpPr>
+        <p:sp>
+          <p:nvSpPr>
+            <p:cNvPr id="13" name="Freeform 5"/>
+            <p:cNvSpPr/>
+            <p:nvPr/>
+          </p:nvSpPr>
+          <p:spPr bwMode="auto">
+            <a:xfrm>
+              <a:off x="8145259" y="570596"/>
+              <a:ext cx="935036" cy="824315"/>
+            </a:xfrm>
+            <a:custGeom>
+              <a:avLst/>
+              <a:gdLst>
+                <a:gd name="T0" fmla="*/ 225 w 785"/>
+                <a:gd name="T1" fmla="*/ 692 h 692"/>
+                <a:gd name="T2" fmla="*/ 177 w 785"/>
+                <a:gd name="T3" fmla="*/ 665 h 692"/>
+                <a:gd name="T4" fmla="*/ 9 w 785"/>
+                <a:gd name="T5" fmla="*/ 374 h 692"/>
+                <a:gd name="T6" fmla="*/ 9 w 785"/>
+                <a:gd name="T7" fmla="*/ 318 h 692"/>
+                <a:gd name="T8" fmla="*/ 177 w 785"/>
+                <a:gd name="T9" fmla="*/ 27 h 692"/>
+                <a:gd name="T10" fmla="*/ 225 w 785"/>
+                <a:gd name="T11" fmla="*/ 0 h 692"/>
+                <a:gd name="T12" fmla="*/ 561 w 785"/>
+                <a:gd name="T13" fmla="*/ 0 h 692"/>
+                <a:gd name="T14" fmla="*/ 609 w 785"/>
+                <a:gd name="T15" fmla="*/ 27 h 692"/>
+                <a:gd name="T16" fmla="*/ 777 w 785"/>
+                <a:gd name="T17" fmla="*/ 318 h 692"/>
+                <a:gd name="T18" fmla="*/ 777 w 785"/>
+                <a:gd name="T19" fmla="*/ 374 h 692"/>
+                <a:gd name="T20" fmla="*/ 609 w 785"/>
+                <a:gd name="T21" fmla="*/ 665 h 692"/>
+                <a:gd name="T22" fmla="*/ 561 w 785"/>
+                <a:gd name="T23" fmla="*/ 692 h 692"/>
+                <a:gd name="T24" fmla="*/ 225 w 785"/>
+                <a:gd name="T25" fmla="*/ 692 h 692"/>
+              </a:gdLst>
+              <a:ahLst/>
+              <a:cxnLst>
+                <a:cxn ang="0">
+                  <a:pos x="T0" y="T1"/>
+                </a:cxn>
+                <a:cxn ang="0">
+                  <a:pos x="T2" y="T3"/>
+                </a:cxn>
+                <a:cxn ang="0">
+                  <a:pos x="T4" y="T5"/>
+                </a:cxn>
+                <a:cxn ang="0">
+                  <a:pos x="T6" y="T7"/>
+                </a:cxn>
+                <a:cxn ang="0">
+                  <a:pos x="T8" y="T9"/>
+                </a:cxn>
+                <a:cxn ang="0">
+                  <a:pos x="T10" y="T11"/>
+                </a:cxn>
+                <a:cxn ang="0">
+                  <a:pos x="T12" y="T13"/>
+                </a:cxn>
+                <a:cxn ang="0">
+                  <a:pos x="T14" y="T15"/>
+                </a:cxn>
+                <a:cxn ang="0">
+                  <a:pos x="T16" y="T17"/>
+                </a:cxn>
+                <a:cxn ang="0">
+                  <a:pos x="T18" y="T19"/>
+                </a:cxn>
+                <a:cxn ang="0">
+                  <a:pos x="T20" y="T21"/>
+                </a:cxn>
+                <a:cxn ang="0">
+                  <a:pos x="T22" y="T23"/>
+                </a:cxn>
+                <a:cxn ang="0">
+                  <a:pos x="T24" y="T25"/>
+                </a:cxn>
+              </a:cxnLst>
+              <a:rect l="0" t="0" r="r" b="b"/>
+              <a:pathLst>
+                <a:path w="785" h="692">
+                  <a:moveTo>
+                    <a:pt x="225" y="692"/>
+                  </a:moveTo>
+                  <a:cubicBezTo>
+                    <a:pt x="207" y="692"/>
+                    <a:pt x="185" y="680"/>
+                    <a:pt x="177" y="665"/>
+                  </a:cubicBezTo>
+                  <a:cubicBezTo>
+                    <a:pt x="9" y="374"/>
+                    <a:pt x="9" y="374"/>
+                    <a:pt x="9" y="374"/>
+                  </a:cubicBezTo>
+                  <a:cubicBezTo>
+                    <a:pt x="0" y="358"/>
+                    <a:pt x="0" y="334"/>
+                    <a:pt x="9" y="318"/>
+                  </a:cubicBezTo>
+                  <a:cubicBezTo>
+                    <a:pt x="177" y="27"/>
+                    <a:pt x="177" y="27"/>
+                    <a:pt x="177" y="27"/>
+                  </a:cubicBezTo>
+                  <a:cubicBezTo>
+                    <a:pt x="185" y="12"/>
+                    <a:pt x="207" y="0"/>
+                    <a:pt x="225" y="0"/>
+                  </a:cubicBezTo>
+                  <a:cubicBezTo>
+                    <a:pt x="561" y="0"/>
+                    <a:pt x="561" y="0"/>
+                    <a:pt x="561" y="0"/>
+                  </a:cubicBezTo>
+                  <a:cubicBezTo>
+                    <a:pt x="578" y="0"/>
+                    <a:pt x="600" y="12"/>
+                    <a:pt x="609" y="27"/>
+                  </a:cubicBezTo>
+                  <a:cubicBezTo>
+                    <a:pt x="777" y="318"/>
+                    <a:pt x="777" y="318"/>
+                    <a:pt x="777" y="318"/>
+                  </a:cubicBezTo>
+                  <a:cubicBezTo>
+                    <a:pt x="785" y="334"/>
+                    <a:pt x="785" y="358"/>
+                    <a:pt x="777" y="374"/>
+                  </a:cubicBezTo>
+                  <a:cubicBezTo>
+                    <a:pt x="609" y="665"/>
+                    <a:pt x="609" y="665"/>
+                    <a:pt x="609" y="665"/>
+                  </a:cubicBezTo>
+                  <a:cubicBezTo>
+                    <a:pt x="600" y="680"/>
+                    <a:pt x="578" y="692"/>
+                    <a:pt x="561" y="692"/>
+                  </a:cubicBezTo>
+                  <a:lnTo>
+                    <a:pt x="225" y="692"/>
+                  </a:lnTo>
+                  <a:close/>
+                </a:path>
+              </a:pathLst>
+            </a:custGeom>
+            <a:noFill/>
+            <a:ln w="28575" cmpd="sng">
+              <a:solidFill>
+                <a:schemeClr val="tx1"/>
+              </a:solidFill>
+            </a:ln>
+          </p:spPr>
+          <p:txBody>
+            <a:bodyPr vert="horz" wrap="square" lIns="91440" tIns="45720" rIns="91440" bIns="45720" numCol="1" anchor="t" anchorCtr="0" compatLnSpc="1"/>
+            <a:lstStyle/>
+            <a:p>
+              <a:endParaRPr lang="en-US"/>
+            </a:p>
+          </p:txBody>
+        </p:sp>
+        <p:sp>
+          <p:nvSpPr>
+            <p:cNvPr id="14" name="Freeform 5"/>
+            <p:cNvSpPr/>
+            <p:nvPr/>
+          </p:nvSpPr>
+          <p:spPr bwMode="auto">
+            <a:xfrm>
+              <a:off x="8945354" y="221938"/>
+              <a:ext cx="762167" cy="671915"/>
+            </a:xfrm>
+            <a:custGeom>
+              <a:avLst/>
+              <a:gdLst>
+                <a:gd name="T0" fmla="*/ 225 w 785"/>
+                <a:gd name="T1" fmla="*/ 692 h 692"/>
+                <a:gd name="T2" fmla="*/ 177 w 785"/>
+                <a:gd name="T3" fmla="*/ 665 h 692"/>
+                <a:gd name="T4" fmla="*/ 9 w 785"/>
+                <a:gd name="T5" fmla="*/ 374 h 692"/>
+                <a:gd name="T6" fmla="*/ 9 w 785"/>
+                <a:gd name="T7" fmla="*/ 318 h 692"/>
+                <a:gd name="T8" fmla="*/ 177 w 785"/>
+                <a:gd name="T9" fmla="*/ 27 h 692"/>
+                <a:gd name="T10" fmla="*/ 225 w 785"/>
+                <a:gd name="T11" fmla="*/ 0 h 692"/>
+                <a:gd name="T12" fmla="*/ 561 w 785"/>
+                <a:gd name="T13" fmla="*/ 0 h 692"/>
+                <a:gd name="T14" fmla="*/ 609 w 785"/>
+                <a:gd name="T15" fmla="*/ 27 h 692"/>
+                <a:gd name="T16" fmla="*/ 777 w 785"/>
+                <a:gd name="T17" fmla="*/ 318 h 692"/>
+                <a:gd name="T18" fmla="*/ 777 w 785"/>
+                <a:gd name="T19" fmla="*/ 374 h 692"/>
+                <a:gd name="T20" fmla="*/ 609 w 785"/>
+                <a:gd name="T21" fmla="*/ 665 h 692"/>
+                <a:gd name="T22" fmla="*/ 561 w 785"/>
+                <a:gd name="T23" fmla="*/ 692 h 692"/>
+                <a:gd name="T24" fmla="*/ 225 w 785"/>
+                <a:gd name="T25" fmla="*/ 692 h 692"/>
+              </a:gdLst>
+              <a:ahLst/>
+              <a:cxnLst>
+                <a:cxn ang="0">
+                  <a:pos x="T0" y="T1"/>
+                </a:cxn>
+                <a:cxn ang="0">
+                  <a:pos x="T2" y="T3"/>
+                </a:cxn>
+                <a:cxn ang="0">
+                  <a:pos x="T4" y="T5"/>
+                </a:cxn>
+                <a:cxn ang="0">
+                  <a:pos x="T6" y="T7"/>
+                </a:cxn>
+                <a:cxn ang="0">
+                  <a:pos x="T8" y="T9"/>
+                </a:cxn>
+                <a:cxn ang="0">
+                  <a:pos x="T10" y="T11"/>
+                </a:cxn>
+                <a:cxn ang="0">
+                  <a:pos x="T12" y="T13"/>
+                </a:cxn>
+                <a:cxn ang="0">
+                  <a:pos x="T14" y="T15"/>
+                </a:cxn>
+                <a:cxn ang="0">
+                  <a:pos x="T16" y="T17"/>
+                </a:cxn>
+                <a:cxn ang="0">
+                  <a:pos x="T18" y="T19"/>
+                </a:cxn>
+                <a:cxn ang="0">
+                  <a:pos x="T20" y="T21"/>
+                </a:cxn>
+                <a:cxn ang="0">
+                  <a:pos x="T22" y="T23"/>
+                </a:cxn>
+                <a:cxn ang="0">
+                  <a:pos x="T24" y="T25"/>
+                </a:cxn>
+              </a:cxnLst>
+              <a:rect l="0" t="0" r="r" b="b"/>
+              <a:pathLst>
+                <a:path w="785" h="692">
+                  <a:moveTo>
+                    <a:pt x="225" y="692"/>
+                  </a:moveTo>
+                  <a:cubicBezTo>
+                    <a:pt x="207" y="692"/>
+                    <a:pt x="185" y="680"/>
+                    <a:pt x="177" y="665"/>
+                  </a:cubicBezTo>
+                  <a:cubicBezTo>
+                    <a:pt x="9" y="374"/>
+                    <a:pt x="9" y="374"/>
+                    <a:pt x="9" y="374"/>
+                  </a:cubicBezTo>
+                  <a:cubicBezTo>
+                    <a:pt x="0" y="358"/>
+                    <a:pt x="0" y="334"/>
+                    <a:pt x="9" y="318"/>
+                  </a:cubicBezTo>
+                  <a:cubicBezTo>
+                    <a:pt x="177" y="27"/>
+                    <a:pt x="177" y="27"/>
+                    <a:pt x="177" y="27"/>
+                  </a:cubicBezTo>
+                  <a:cubicBezTo>
+                    <a:pt x="185" y="12"/>
+                    <a:pt x="207" y="0"/>
+                    <a:pt x="225" y="0"/>
+                  </a:cubicBezTo>
+                  <a:cubicBezTo>
+                    <a:pt x="561" y="0"/>
+                    <a:pt x="561" y="0"/>
+                    <a:pt x="561" y="0"/>
+                  </a:cubicBezTo>
+                  <a:cubicBezTo>
+                    <a:pt x="578" y="0"/>
+                    <a:pt x="600" y="12"/>
+                    <a:pt x="609" y="27"/>
+                  </a:cubicBezTo>
+                  <a:cubicBezTo>
+                    <a:pt x="777" y="318"/>
+                    <a:pt x="777" y="318"/>
+                    <a:pt x="777" y="318"/>
+                  </a:cubicBezTo>
+                  <a:cubicBezTo>
+                    <a:pt x="785" y="334"/>
+                    <a:pt x="785" y="358"/>
+                    <a:pt x="777" y="374"/>
+                  </a:cubicBezTo>
+                  <a:cubicBezTo>
+                    <a:pt x="609" y="665"/>
+                    <a:pt x="609" y="665"/>
+                    <a:pt x="609" y="665"/>
+                  </a:cubicBezTo>
+                  <a:cubicBezTo>
+                    <a:pt x="600" y="680"/>
+                    <a:pt x="578" y="692"/>
+                    <a:pt x="561" y="692"/>
+                  </a:cubicBezTo>
+                  <a:lnTo>
+                    <a:pt x="225" y="692"/>
+                  </a:lnTo>
+                  <a:close/>
+                </a:path>
+              </a:pathLst>
+            </a:custGeom>
+            <a:noFill/>
+            <a:ln w="28575" cmpd="sng">
+              <a:solidFill>
+                <a:schemeClr val="tx1"/>
+              </a:solidFill>
+            </a:ln>
+          </p:spPr>
+          <p:txBody>
+            <a:bodyPr vert="horz" wrap="square" lIns="91440" tIns="45720" rIns="91440" bIns="45720" numCol="1" anchor="t" anchorCtr="0" compatLnSpc="1"/>
+            <a:lstStyle/>
+            <a:p>
+              <a:endParaRPr lang="en-US"/>
+            </a:p>
+          </p:txBody>
+        </p:sp>
+      </p:grpSp>
+      <p:sp>
+        <p:nvSpPr>
+          <p:cNvPr id="17" name="CaixaDeTexto 16">
+            <a:extLst>
+              <a:ext uri="{FF2B5EF4-FFF2-40B4-BE49-F238E27FC236}">
+                <a16:creationId xmlns:a16="http://schemas.microsoft.com/office/drawing/2014/main" id="{F7374B40-D7D8-4146-9028-B7AE3FA19233}"/>
+              </a:ext>
+            </a:extLst>
+          </p:cNvPr>
+          <p:cNvSpPr txBox="1"/>
+          <p:nvPr/>
+        </p:nvSpPr>
+        <p:spPr>
+          <a:xfrm>
+            <a:off x="3847413" y="1320341"/>
+            <a:ext cx="1321542" cy="338554"/>
+          </a:xfrm>
+          <a:prstGeom prst="rect">
+            <a:avLst/>
+          </a:prstGeom>
+          <a:noFill/>
+        </p:spPr>
+        <p:txBody>
+          <a:bodyPr wrap="square" rtlCol="0">
+            <a:spAutoFit/>
+          </a:bodyPr>
+          <a:lstStyle/>
+          <a:p>
+            <a:r>
+              <a:rPr lang="pt-BR" sz="1600" dirty="0">
+                <a:solidFill>
+                  <a:schemeClr val="bg1"/>
+                </a:solidFill>
+              </a:rPr>
+              <a:t>StoryBoard</a:t>
+            </a:r>
+            <a:endParaRPr lang="pt-BR" dirty="0">
+              <a:solidFill>
+                <a:schemeClr val="bg1"/>
+              </a:solidFill>
+            </a:endParaRPr>
+          </a:p>
+        </p:txBody>
+      </p:sp>
+      <p:sp>
+        <p:nvSpPr>
+          <p:cNvPr id="18" name="CaixaDeTexto 17">
+            <a:extLst>
+              <a:ext uri="{FF2B5EF4-FFF2-40B4-BE49-F238E27FC236}">
+                <a16:creationId xmlns:a16="http://schemas.microsoft.com/office/drawing/2014/main" id="{0579A070-173E-4D8B-98FC-347B77DB9ADE}"/>
+              </a:ext>
+            </a:extLst>
+          </p:cNvPr>
+          <p:cNvSpPr txBox="1"/>
+          <p:nvPr/>
+        </p:nvSpPr>
+        <p:spPr>
+          <a:xfrm>
+            <a:off x="5285150" y="1320341"/>
+            <a:ext cx="1199701" cy="338554"/>
+          </a:xfrm>
+          <a:prstGeom prst="rect">
+            <a:avLst/>
+          </a:prstGeom>
+          <a:noFill/>
+          <a:effectLst/>
+        </p:spPr>
+        <p:txBody>
+          <a:bodyPr wrap="square" rtlCol="0">
+            <a:spAutoFit/>
+          </a:bodyPr>
+          <a:lstStyle/>
+          <a:p>
+            <a:r>
+              <a:rPr lang="pt-BR" sz="1600" dirty="0">
+                <a:solidFill>
+                  <a:schemeClr val="bg1"/>
+                </a:solidFill>
+              </a:rPr>
+              <a:t>Requisitos</a:t>
+            </a:r>
+            <a:endParaRPr lang="pt-BR" dirty="0">
+              <a:solidFill>
+                <a:schemeClr val="bg1"/>
+              </a:solidFill>
+            </a:endParaRPr>
+          </a:p>
+        </p:txBody>
+      </p:sp>
+      <p:sp>
+        <p:nvSpPr>
+          <p:cNvPr id="19" name="CaixaDeTexto 18">
+            <a:extLst>
+              <a:ext uri="{FF2B5EF4-FFF2-40B4-BE49-F238E27FC236}">
+                <a16:creationId xmlns:a16="http://schemas.microsoft.com/office/drawing/2014/main" id="{D02F0A36-42C0-442F-B708-AE0077EDEF45}"/>
+              </a:ext>
+            </a:extLst>
+          </p:cNvPr>
+          <p:cNvSpPr txBox="1"/>
+          <p:nvPr/>
+        </p:nvSpPr>
+        <p:spPr>
+          <a:xfrm>
+            <a:off x="6661200" y="1320341"/>
+            <a:ext cx="898530" cy="338554"/>
+          </a:xfrm>
+          <a:prstGeom prst="rect">
+            <a:avLst/>
+          </a:prstGeom>
+          <a:noFill/>
+        </p:spPr>
+        <p:txBody>
+          <a:bodyPr wrap="square" rtlCol="0">
+            <a:spAutoFit/>
+          </a:bodyPr>
+          <a:lstStyle/>
+          <a:p>
+            <a:r>
+              <a:rPr lang="pt-BR" sz="1600" dirty="0">
+                <a:solidFill>
+                  <a:schemeClr val="bg1"/>
+                </a:solidFill>
+              </a:rPr>
+              <a:t>BPMN</a:t>
+            </a:r>
+            <a:endParaRPr lang="pt-BR" dirty="0">
+              <a:solidFill>
+                <a:schemeClr val="bg1"/>
+              </a:solidFill>
+            </a:endParaRPr>
+          </a:p>
+        </p:txBody>
+      </p:sp>
+      <p:sp>
+        <p:nvSpPr>
+          <p:cNvPr id="33" name="CaixaDeTexto 32">
+            <a:extLst>
+              <a:ext uri="{FF2B5EF4-FFF2-40B4-BE49-F238E27FC236}">
+                <a16:creationId xmlns:a16="http://schemas.microsoft.com/office/drawing/2014/main" id="{4EC138E7-6E1A-465A-ABCA-96536386FA2F}"/>
+              </a:ext>
+            </a:extLst>
+          </p:cNvPr>
+          <p:cNvSpPr txBox="1"/>
+          <p:nvPr/>
+        </p:nvSpPr>
+        <p:spPr>
+          <a:xfrm>
+            <a:off x="2244588" y="1320341"/>
+            <a:ext cx="1597469" cy="338554"/>
+          </a:xfrm>
+          <a:prstGeom prst="rect">
+            <a:avLst/>
+          </a:prstGeom>
+          <a:noFill/>
+          <a:effectLst/>
+        </p:spPr>
+        <p:txBody>
+          <a:bodyPr wrap="square" rtlCol="0">
+            <a:spAutoFit/>
+          </a:bodyPr>
+          <a:lstStyle/>
+          <a:p>
+            <a:r>
+              <a:rPr lang="pt-BR" sz="1600" dirty="0">
+                <a:solidFill>
+                  <a:schemeClr val="bg1"/>
+                </a:solidFill>
+              </a:rPr>
+              <a:t>Proto-persona</a:t>
+            </a:r>
+            <a:endParaRPr lang="pt-BR" dirty="0">
+              <a:solidFill>
+                <a:schemeClr val="bg1"/>
+              </a:solidFill>
+            </a:endParaRPr>
+          </a:p>
+        </p:txBody>
+      </p:sp>
+      <p:sp>
+        <p:nvSpPr>
+          <p:cNvPr id="20" name="CaixaDeTexto 19">
+            <a:extLst>
+              <a:ext uri="{FF2B5EF4-FFF2-40B4-BE49-F238E27FC236}">
+                <a16:creationId xmlns:a16="http://schemas.microsoft.com/office/drawing/2014/main" id="{07717C2D-62F1-4801-AE25-294BC12C2A83}"/>
+              </a:ext>
+            </a:extLst>
+          </p:cNvPr>
+          <p:cNvSpPr txBox="1"/>
+          <p:nvPr/>
+        </p:nvSpPr>
+        <p:spPr>
+          <a:xfrm>
+            <a:off x="9989146" y="1332716"/>
+            <a:ext cx="2277975" cy="338554"/>
+          </a:xfrm>
+          <a:prstGeom prst="rect">
+            <a:avLst/>
+          </a:prstGeom>
+          <a:noFill/>
+        </p:spPr>
+        <p:txBody>
+          <a:bodyPr wrap="square" rtlCol="0">
+            <a:spAutoFit/>
+          </a:bodyPr>
+          <a:lstStyle/>
+          <a:p>
+            <a:r>
+              <a:rPr lang="pt-BR" sz="1600" dirty="0">
+                <a:solidFill>
+                  <a:schemeClr val="bg1"/>
+                </a:solidFill>
+              </a:rPr>
+              <a:t>Desenho</a:t>
+            </a:r>
+            <a:r>
+              <a:rPr lang="pt-BR" sz="1600" dirty="0"/>
+              <a:t> </a:t>
+            </a:r>
+            <a:r>
+              <a:rPr lang="pt-BR" sz="1600" dirty="0">
+                <a:solidFill>
+                  <a:schemeClr val="bg1"/>
+                </a:solidFill>
+              </a:rPr>
+              <a:t>de</a:t>
+            </a:r>
+            <a:r>
+              <a:rPr lang="pt-BR" sz="1600" dirty="0"/>
+              <a:t> </a:t>
+            </a:r>
+            <a:r>
+              <a:rPr lang="pt-BR" sz="1600" dirty="0">
+                <a:solidFill>
+                  <a:schemeClr val="bg1"/>
+                </a:solidFill>
+              </a:rPr>
+              <a:t>Solução</a:t>
+            </a:r>
+          </a:p>
+        </p:txBody>
+      </p:sp>
+      <p:sp>
+        <p:nvSpPr>
+          <p:cNvPr id="21" name="CaixaDeTexto 20">
+            <a:extLst>
+              <a:ext uri="{FF2B5EF4-FFF2-40B4-BE49-F238E27FC236}">
+                <a16:creationId xmlns:a16="http://schemas.microsoft.com/office/drawing/2014/main" id="{2DA06C6D-E898-4F47-B613-A112E66E5818}"/>
+              </a:ext>
+            </a:extLst>
+          </p:cNvPr>
+          <p:cNvSpPr txBox="1"/>
+          <p:nvPr/>
+        </p:nvSpPr>
+        <p:spPr>
+          <a:xfrm>
+            <a:off x="7709972" y="1320341"/>
+            <a:ext cx="2070837" cy="338554"/>
+          </a:xfrm>
+          <a:prstGeom prst="rect">
+            <a:avLst/>
+          </a:prstGeom>
+          <a:noFill/>
+        </p:spPr>
+        <p:txBody>
+          <a:bodyPr wrap="square" rtlCol="0">
+            <a:spAutoFit/>
+          </a:bodyPr>
+          <a:lstStyle/>
+          <a:p>
+            <a:r>
+              <a:rPr lang="pt-BR" sz="1600" dirty="0">
+                <a:solidFill>
+                  <a:schemeClr val="bg1"/>
+                </a:solidFill>
+              </a:rPr>
+              <a:t>Planilha</a:t>
+            </a:r>
+            <a:r>
+              <a:rPr lang="pt-BR" sz="1600" dirty="0"/>
+              <a:t> </a:t>
+            </a:r>
+            <a:r>
+              <a:rPr lang="pt-BR" sz="1600" dirty="0">
+                <a:solidFill>
+                  <a:schemeClr val="bg1"/>
+                </a:solidFill>
+              </a:rPr>
+              <a:t>de</a:t>
+            </a:r>
+            <a:r>
+              <a:rPr lang="pt-BR" sz="1600" dirty="0"/>
+              <a:t> </a:t>
+            </a:r>
+            <a:r>
+              <a:rPr lang="pt-BR" sz="1600" dirty="0">
+                <a:solidFill>
+                  <a:schemeClr val="bg1"/>
+                </a:solidFill>
+              </a:rPr>
+              <a:t>Software</a:t>
+            </a:r>
+          </a:p>
+        </p:txBody>
+      </p:sp>
+      <p:pic>
+        <p:nvPicPr>
+          <p:cNvPr id="1026" name="Picture 2">
+            <a:extLst>
+              <a:ext uri="{FF2B5EF4-FFF2-40B4-BE49-F238E27FC236}">
+                <a16:creationId xmlns:a16="http://schemas.microsoft.com/office/drawing/2014/main" id="{A927DE05-34E3-4E0E-B516-9AC57FE0E87C}"/>
+              </a:ext>
+            </a:extLst>
+          </p:cNvPr>
+          <p:cNvPicPr>
+            <a:picLocks noChangeAspect="1" noChangeArrowheads="1"/>
+          </p:cNvPicPr>
+          <p:nvPr/>
+        </p:nvPicPr>
+        <p:blipFill>
+          <a:blip r:embed="rId2">
+            <a:extLst>
+              <a:ext uri="{28A0092B-C50C-407E-A947-70E740481C1C}">
+                <a14:useLocalDpi xmlns:a14="http://schemas.microsoft.com/office/drawing/2010/main" val="0"/>
+              </a:ext>
+            </a:extLst>
+          </a:blip>
+          <a:srcRect/>
+          <a:stretch>
+            <a:fillRect/>
+          </a:stretch>
+        </p:blipFill>
+        <p:spPr bwMode="auto">
+          <a:xfrm>
+            <a:off x="2979371" y="2895183"/>
+            <a:ext cx="6233257" cy="1067634"/>
+          </a:xfrm>
+          <a:prstGeom prst="rect">
+            <a:avLst/>
+          </a:prstGeom>
+          <a:noFill/>
+          <a:extLst>
+            <a:ext uri="{909E8E84-426E-40DD-AFC4-6F175D3DCCD1}">
+              <a14:hiddenFill xmlns:a14="http://schemas.microsoft.com/office/drawing/2010/main">
+                <a:solidFill>
+                  <a:srgbClr val="FFFFFF"/>
+                </a:solidFill>
+              </a14:hiddenFill>
+            </a:ext>
+          </a:extLst>
+        </p:spPr>
+      </p:pic>
+    </p:spTree>
+    <p:extLst>
+      <p:ext uri="{BB962C8B-B14F-4D97-AF65-F5344CB8AC3E}">
+        <p14:creationId xmlns:p14="http://schemas.microsoft.com/office/powerpoint/2010/main" val="2720377278"/>
+      </p:ext>
+    </p:extLst>
+  </p:cSld>
+  <p:clrMapOvr>
+    <a:masterClrMapping/>
+  </p:clrMapOvr>
 </p:sld>
 </file>
 
@@ -36307,6 +36294,444 @@
         </p:nvSpPr>
         <p:spPr>
           <a:xfrm>
+            <a:off x="1876329" y="7247"/>
+            <a:ext cx="9882278" cy="1067634"/>
+          </a:xfrm>
+        </p:spPr>
+        <p:txBody>
+          <a:bodyPr anchor="ctr">
+            <a:normAutofit/>
+          </a:bodyPr>
+          <a:lstStyle/>
+          <a:p>
+            <a:r>
+              <a:rPr lang="pt-BR" dirty="0"/>
+              <a:t>Matriz de Concorrência</a:t>
+            </a:r>
+          </a:p>
+        </p:txBody>
+      </p:sp>
+      <p:grpSp>
+        <p:nvGrpSpPr>
+          <p:cNvPr id="12" name="Group 11"/>
+          <p:cNvGrpSpPr>
+            <a:grpSpLocks noGrp="1" noUngrp="1" noRot="1" noChangeAspect="1" noMove="1" noResize="1"/>
+          </p:cNvGrpSpPr>
+          <p:nvPr/>
+        </p:nvGrpSpPr>
+        <p:grpSpPr>
+          <a:xfrm>
+            <a:off x="444125" y="66801"/>
+            <a:ext cx="1128378" cy="847206"/>
+            <a:chOff x="8145259" y="221938"/>
+            <a:chExt cx="1562262" cy="1172973"/>
+          </a:xfrm>
+        </p:grpSpPr>
+        <p:sp>
+          <p:nvSpPr>
+            <p:cNvPr id="13" name="Freeform 5"/>
+            <p:cNvSpPr/>
+            <p:nvPr/>
+          </p:nvSpPr>
+          <p:spPr bwMode="auto">
+            <a:xfrm>
+              <a:off x="8145259" y="570596"/>
+              <a:ext cx="935036" cy="824315"/>
+            </a:xfrm>
+            <a:custGeom>
+              <a:avLst/>
+              <a:gdLst>
+                <a:gd name="T0" fmla="*/ 225 w 785"/>
+                <a:gd name="T1" fmla="*/ 692 h 692"/>
+                <a:gd name="T2" fmla="*/ 177 w 785"/>
+                <a:gd name="T3" fmla="*/ 665 h 692"/>
+                <a:gd name="T4" fmla="*/ 9 w 785"/>
+                <a:gd name="T5" fmla="*/ 374 h 692"/>
+                <a:gd name="T6" fmla="*/ 9 w 785"/>
+                <a:gd name="T7" fmla="*/ 318 h 692"/>
+                <a:gd name="T8" fmla="*/ 177 w 785"/>
+                <a:gd name="T9" fmla="*/ 27 h 692"/>
+                <a:gd name="T10" fmla="*/ 225 w 785"/>
+                <a:gd name="T11" fmla="*/ 0 h 692"/>
+                <a:gd name="T12" fmla="*/ 561 w 785"/>
+                <a:gd name="T13" fmla="*/ 0 h 692"/>
+                <a:gd name="T14" fmla="*/ 609 w 785"/>
+                <a:gd name="T15" fmla="*/ 27 h 692"/>
+                <a:gd name="T16" fmla="*/ 777 w 785"/>
+                <a:gd name="T17" fmla="*/ 318 h 692"/>
+                <a:gd name="T18" fmla="*/ 777 w 785"/>
+                <a:gd name="T19" fmla="*/ 374 h 692"/>
+                <a:gd name="T20" fmla="*/ 609 w 785"/>
+                <a:gd name="T21" fmla="*/ 665 h 692"/>
+                <a:gd name="T22" fmla="*/ 561 w 785"/>
+                <a:gd name="T23" fmla="*/ 692 h 692"/>
+                <a:gd name="T24" fmla="*/ 225 w 785"/>
+                <a:gd name="T25" fmla="*/ 692 h 692"/>
+              </a:gdLst>
+              <a:ahLst/>
+              <a:cxnLst>
+                <a:cxn ang="0">
+                  <a:pos x="T0" y="T1"/>
+                </a:cxn>
+                <a:cxn ang="0">
+                  <a:pos x="T2" y="T3"/>
+                </a:cxn>
+                <a:cxn ang="0">
+                  <a:pos x="T4" y="T5"/>
+                </a:cxn>
+                <a:cxn ang="0">
+                  <a:pos x="T6" y="T7"/>
+                </a:cxn>
+                <a:cxn ang="0">
+                  <a:pos x="T8" y="T9"/>
+                </a:cxn>
+                <a:cxn ang="0">
+                  <a:pos x="T10" y="T11"/>
+                </a:cxn>
+                <a:cxn ang="0">
+                  <a:pos x="T12" y="T13"/>
+                </a:cxn>
+                <a:cxn ang="0">
+                  <a:pos x="T14" y="T15"/>
+                </a:cxn>
+                <a:cxn ang="0">
+                  <a:pos x="T16" y="T17"/>
+                </a:cxn>
+                <a:cxn ang="0">
+                  <a:pos x="T18" y="T19"/>
+                </a:cxn>
+                <a:cxn ang="0">
+                  <a:pos x="T20" y="T21"/>
+                </a:cxn>
+                <a:cxn ang="0">
+                  <a:pos x="T22" y="T23"/>
+                </a:cxn>
+                <a:cxn ang="0">
+                  <a:pos x="T24" y="T25"/>
+                </a:cxn>
+              </a:cxnLst>
+              <a:rect l="0" t="0" r="r" b="b"/>
+              <a:pathLst>
+                <a:path w="785" h="692">
+                  <a:moveTo>
+                    <a:pt x="225" y="692"/>
+                  </a:moveTo>
+                  <a:cubicBezTo>
+                    <a:pt x="207" y="692"/>
+                    <a:pt x="185" y="680"/>
+                    <a:pt x="177" y="665"/>
+                  </a:cubicBezTo>
+                  <a:cubicBezTo>
+                    <a:pt x="9" y="374"/>
+                    <a:pt x="9" y="374"/>
+                    <a:pt x="9" y="374"/>
+                  </a:cubicBezTo>
+                  <a:cubicBezTo>
+                    <a:pt x="0" y="358"/>
+                    <a:pt x="0" y="334"/>
+                    <a:pt x="9" y="318"/>
+                  </a:cubicBezTo>
+                  <a:cubicBezTo>
+                    <a:pt x="177" y="27"/>
+                    <a:pt x="177" y="27"/>
+                    <a:pt x="177" y="27"/>
+                  </a:cubicBezTo>
+                  <a:cubicBezTo>
+                    <a:pt x="185" y="12"/>
+                    <a:pt x="207" y="0"/>
+                    <a:pt x="225" y="0"/>
+                  </a:cubicBezTo>
+                  <a:cubicBezTo>
+                    <a:pt x="561" y="0"/>
+                    <a:pt x="561" y="0"/>
+                    <a:pt x="561" y="0"/>
+                  </a:cubicBezTo>
+                  <a:cubicBezTo>
+                    <a:pt x="578" y="0"/>
+                    <a:pt x="600" y="12"/>
+                    <a:pt x="609" y="27"/>
+                  </a:cubicBezTo>
+                  <a:cubicBezTo>
+                    <a:pt x="777" y="318"/>
+                    <a:pt x="777" y="318"/>
+                    <a:pt x="777" y="318"/>
+                  </a:cubicBezTo>
+                  <a:cubicBezTo>
+                    <a:pt x="785" y="334"/>
+                    <a:pt x="785" y="358"/>
+                    <a:pt x="777" y="374"/>
+                  </a:cubicBezTo>
+                  <a:cubicBezTo>
+                    <a:pt x="609" y="665"/>
+                    <a:pt x="609" y="665"/>
+                    <a:pt x="609" y="665"/>
+                  </a:cubicBezTo>
+                  <a:cubicBezTo>
+                    <a:pt x="600" y="680"/>
+                    <a:pt x="578" y="692"/>
+                    <a:pt x="561" y="692"/>
+                  </a:cubicBezTo>
+                  <a:lnTo>
+                    <a:pt x="225" y="692"/>
+                  </a:lnTo>
+                  <a:close/>
+                </a:path>
+              </a:pathLst>
+            </a:custGeom>
+            <a:noFill/>
+            <a:ln w="28575" cmpd="sng">
+              <a:solidFill>
+                <a:schemeClr val="tx1"/>
+              </a:solidFill>
+            </a:ln>
+          </p:spPr>
+          <p:txBody>
+            <a:bodyPr vert="horz" wrap="square" lIns="91440" tIns="45720" rIns="91440" bIns="45720" numCol="1" anchor="t" anchorCtr="0" compatLnSpc="1"/>
+            <a:lstStyle/>
+            <a:p>
+              <a:endParaRPr lang="en-US"/>
+            </a:p>
+          </p:txBody>
+        </p:sp>
+        <p:sp>
+          <p:nvSpPr>
+            <p:cNvPr id="14" name="Freeform 5"/>
+            <p:cNvSpPr/>
+            <p:nvPr/>
+          </p:nvSpPr>
+          <p:spPr bwMode="auto">
+            <a:xfrm>
+              <a:off x="8945354" y="221938"/>
+              <a:ext cx="762167" cy="671915"/>
+            </a:xfrm>
+            <a:custGeom>
+              <a:avLst/>
+              <a:gdLst>
+                <a:gd name="T0" fmla="*/ 225 w 785"/>
+                <a:gd name="T1" fmla="*/ 692 h 692"/>
+                <a:gd name="T2" fmla="*/ 177 w 785"/>
+                <a:gd name="T3" fmla="*/ 665 h 692"/>
+                <a:gd name="T4" fmla="*/ 9 w 785"/>
+                <a:gd name="T5" fmla="*/ 374 h 692"/>
+                <a:gd name="T6" fmla="*/ 9 w 785"/>
+                <a:gd name="T7" fmla="*/ 318 h 692"/>
+                <a:gd name="T8" fmla="*/ 177 w 785"/>
+                <a:gd name="T9" fmla="*/ 27 h 692"/>
+                <a:gd name="T10" fmla="*/ 225 w 785"/>
+                <a:gd name="T11" fmla="*/ 0 h 692"/>
+                <a:gd name="T12" fmla="*/ 561 w 785"/>
+                <a:gd name="T13" fmla="*/ 0 h 692"/>
+                <a:gd name="T14" fmla="*/ 609 w 785"/>
+                <a:gd name="T15" fmla="*/ 27 h 692"/>
+                <a:gd name="T16" fmla="*/ 777 w 785"/>
+                <a:gd name="T17" fmla="*/ 318 h 692"/>
+                <a:gd name="T18" fmla="*/ 777 w 785"/>
+                <a:gd name="T19" fmla="*/ 374 h 692"/>
+                <a:gd name="T20" fmla="*/ 609 w 785"/>
+                <a:gd name="T21" fmla="*/ 665 h 692"/>
+                <a:gd name="T22" fmla="*/ 561 w 785"/>
+                <a:gd name="T23" fmla="*/ 692 h 692"/>
+                <a:gd name="T24" fmla="*/ 225 w 785"/>
+                <a:gd name="T25" fmla="*/ 692 h 692"/>
+              </a:gdLst>
+              <a:ahLst/>
+              <a:cxnLst>
+                <a:cxn ang="0">
+                  <a:pos x="T0" y="T1"/>
+                </a:cxn>
+                <a:cxn ang="0">
+                  <a:pos x="T2" y="T3"/>
+                </a:cxn>
+                <a:cxn ang="0">
+                  <a:pos x="T4" y="T5"/>
+                </a:cxn>
+                <a:cxn ang="0">
+                  <a:pos x="T6" y="T7"/>
+                </a:cxn>
+                <a:cxn ang="0">
+                  <a:pos x="T8" y="T9"/>
+                </a:cxn>
+                <a:cxn ang="0">
+                  <a:pos x="T10" y="T11"/>
+                </a:cxn>
+                <a:cxn ang="0">
+                  <a:pos x="T12" y="T13"/>
+                </a:cxn>
+                <a:cxn ang="0">
+                  <a:pos x="T14" y="T15"/>
+                </a:cxn>
+                <a:cxn ang="0">
+                  <a:pos x="T16" y="T17"/>
+                </a:cxn>
+                <a:cxn ang="0">
+                  <a:pos x="T18" y="T19"/>
+                </a:cxn>
+                <a:cxn ang="0">
+                  <a:pos x="T20" y="T21"/>
+                </a:cxn>
+                <a:cxn ang="0">
+                  <a:pos x="T22" y="T23"/>
+                </a:cxn>
+                <a:cxn ang="0">
+                  <a:pos x="T24" y="T25"/>
+                </a:cxn>
+              </a:cxnLst>
+              <a:rect l="0" t="0" r="r" b="b"/>
+              <a:pathLst>
+                <a:path w="785" h="692">
+                  <a:moveTo>
+                    <a:pt x="225" y="692"/>
+                  </a:moveTo>
+                  <a:cubicBezTo>
+                    <a:pt x="207" y="692"/>
+                    <a:pt x="185" y="680"/>
+                    <a:pt x="177" y="665"/>
+                  </a:cubicBezTo>
+                  <a:cubicBezTo>
+                    <a:pt x="9" y="374"/>
+                    <a:pt x="9" y="374"/>
+                    <a:pt x="9" y="374"/>
+                  </a:cubicBezTo>
+                  <a:cubicBezTo>
+                    <a:pt x="0" y="358"/>
+                    <a:pt x="0" y="334"/>
+                    <a:pt x="9" y="318"/>
+                  </a:cubicBezTo>
+                  <a:cubicBezTo>
+                    <a:pt x="177" y="27"/>
+                    <a:pt x="177" y="27"/>
+                    <a:pt x="177" y="27"/>
+                  </a:cubicBezTo>
+                  <a:cubicBezTo>
+                    <a:pt x="185" y="12"/>
+                    <a:pt x="207" y="0"/>
+                    <a:pt x="225" y="0"/>
+                  </a:cubicBezTo>
+                  <a:cubicBezTo>
+                    <a:pt x="561" y="0"/>
+                    <a:pt x="561" y="0"/>
+                    <a:pt x="561" y="0"/>
+                  </a:cubicBezTo>
+                  <a:cubicBezTo>
+                    <a:pt x="578" y="0"/>
+                    <a:pt x="600" y="12"/>
+                    <a:pt x="609" y="27"/>
+                  </a:cubicBezTo>
+                  <a:cubicBezTo>
+                    <a:pt x="777" y="318"/>
+                    <a:pt x="777" y="318"/>
+                    <a:pt x="777" y="318"/>
+                  </a:cubicBezTo>
+                  <a:cubicBezTo>
+                    <a:pt x="785" y="334"/>
+                    <a:pt x="785" y="358"/>
+                    <a:pt x="777" y="374"/>
+                  </a:cubicBezTo>
+                  <a:cubicBezTo>
+                    <a:pt x="609" y="665"/>
+                    <a:pt x="609" y="665"/>
+                    <a:pt x="609" y="665"/>
+                  </a:cubicBezTo>
+                  <a:cubicBezTo>
+                    <a:pt x="600" y="680"/>
+                    <a:pt x="578" y="692"/>
+                    <a:pt x="561" y="692"/>
+                  </a:cubicBezTo>
+                  <a:lnTo>
+                    <a:pt x="225" y="692"/>
+                  </a:lnTo>
+                  <a:close/>
+                </a:path>
+              </a:pathLst>
+            </a:custGeom>
+            <a:noFill/>
+            <a:ln w="28575" cmpd="sng">
+              <a:solidFill>
+                <a:schemeClr val="tx1"/>
+              </a:solidFill>
+            </a:ln>
+          </p:spPr>
+          <p:txBody>
+            <a:bodyPr vert="horz" wrap="square" lIns="91440" tIns="45720" rIns="91440" bIns="45720" numCol="1" anchor="t" anchorCtr="0" compatLnSpc="1"/>
+            <a:lstStyle/>
+            <a:p>
+              <a:endParaRPr lang="en-US"/>
+            </a:p>
+          </p:txBody>
+        </p:sp>
+      </p:grpSp>
+      <p:pic>
+        <p:nvPicPr>
+          <p:cNvPr id="16" name="Imagem 15">
+            <a:extLst>
+              <a:ext uri="{FF2B5EF4-FFF2-40B4-BE49-F238E27FC236}">
+                <a16:creationId xmlns:a16="http://schemas.microsoft.com/office/drawing/2014/main" id="{FFDEB8E4-D264-4E9D-9149-3647F1E7D722}"/>
+              </a:ext>
+            </a:extLst>
+          </p:cNvPr>
+          <p:cNvPicPr>
+            <a:picLocks noChangeAspect="1"/>
+          </p:cNvPicPr>
+          <p:nvPr/>
+        </p:nvPicPr>
+        <p:blipFill>
+          <a:blip r:embed="rId2"/>
+          <a:stretch>
+            <a:fillRect/>
+          </a:stretch>
+        </p:blipFill>
+        <p:spPr>
+          <a:xfrm>
+            <a:off x="2794985" y="1438363"/>
+            <a:ext cx="6602030" cy="4528159"/>
+          </a:xfrm>
+          <a:prstGeom prst="rect">
+            <a:avLst/>
+          </a:prstGeom>
+        </p:spPr>
+      </p:pic>
+    </p:spTree>
+    <p:extLst>
+      <p:ext uri="{BB962C8B-B14F-4D97-AF65-F5344CB8AC3E}">
+        <p14:creationId xmlns:p14="http://schemas.microsoft.com/office/powerpoint/2010/main" val="2259134408"/>
+      </p:ext>
+    </p:extLst>
+  </p:cSld>
+  <p:clrMapOvr>
+    <a:masterClrMapping/>
+  </p:clrMapOvr>
+</p:sld>
+</file>
+
+<file path=ppt/slides/slide7.xml><?xml version="1.0" encoding="utf-8"?>
+<p:sld xmlns:a="http://schemas.openxmlformats.org/drawingml/2006/main" xmlns:r="http://schemas.openxmlformats.org/officeDocument/2006/relationships" xmlns:p="http://schemas.openxmlformats.org/presentationml/2006/main">
+  <p:cSld>
+    <p:spTree>
+      <p:nvGrpSpPr>
+        <p:cNvPr id="1" name=""/>
+        <p:cNvGrpSpPr/>
+        <p:nvPr/>
+      </p:nvGrpSpPr>
+      <p:grpSpPr>
+        <a:xfrm>
+          <a:off x="0" y="0"/>
+          <a:ext cx="0" cy="0"/>
+          <a:chOff x="0" y="0"/>
+          <a:chExt cx="0" cy="0"/>
+        </a:xfrm>
+      </p:grpSpPr>
+      <p:sp>
+        <p:nvSpPr>
+          <p:cNvPr id="2" name="Título 1"/>
+          <p:cNvSpPr>
+            <a:spLocks noGrp="1"/>
+          </p:cNvSpPr>
+          <p:nvPr>
+            <p:ph type="title"/>
+          </p:nvPr>
+        </p:nvSpPr>
+        <p:spPr>
+          <a:xfrm>
             <a:off x="1812897" y="518649"/>
             <a:ext cx="9882278" cy="1067634"/>
           </a:xfrm>
@@ -37893,7 +38318,7 @@
 </p:sld>
 </file>
 
-<file path=ppt/slides/slide7.xml><?xml version="1.0" encoding="utf-8"?>
+<file path=ppt/slides/slide8.xml><?xml version="1.0" encoding="utf-8"?>
 <p:sld xmlns:a="http://schemas.openxmlformats.org/drawingml/2006/main" xmlns:r="http://schemas.openxmlformats.org/officeDocument/2006/relationships" xmlns:p="http://schemas.openxmlformats.org/presentationml/2006/main">
   <p:cSld>
     <p:spTree>
@@ -38682,7 +39107,7 @@
 </p:sld>
 </file>
 
-<file path=ppt/slides/slide8.xml><?xml version="1.0" encoding="utf-8"?>
+<file path=ppt/slides/slide9.xml><?xml version="1.0" encoding="utf-8"?>
 <p:sld xmlns:a="http://schemas.openxmlformats.org/drawingml/2006/main" xmlns:r="http://schemas.openxmlformats.org/officeDocument/2006/relationships" xmlns:p="http://schemas.openxmlformats.org/presentationml/2006/main">
   <p:cSld>
     <p:spTree>
@@ -41215,494 +41640,6 @@
 </p:sld>
 </file>
 
-<file path=ppt/slides/slide9.xml><?xml version="1.0" encoding="utf-8"?>
-<p:sld xmlns:a="http://schemas.openxmlformats.org/drawingml/2006/main" xmlns:r="http://schemas.openxmlformats.org/officeDocument/2006/relationships" xmlns:p="http://schemas.openxmlformats.org/presentationml/2006/main">
-  <p:cSld>
-    <p:spTree>
-      <p:nvGrpSpPr>
-        <p:cNvPr id="1" name=""/>
-        <p:cNvGrpSpPr/>
-        <p:nvPr/>
-      </p:nvGrpSpPr>
-      <p:grpSpPr>
-        <a:xfrm>
-          <a:off x="0" y="0"/>
-          <a:ext cx="0" cy="0"/>
-          <a:chOff x="0" y="0"/>
-          <a:chExt cx="0" cy="0"/>
-        </a:xfrm>
-      </p:grpSpPr>
-      <p:sp>
-        <p:nvSpPr>
-          <p:cNvPr id="2" name="Título 1"/>
-          <p:cNvSpPr>
-            <a:spLocks noGrp="1"/>
-          </p:cNvSpPr>
-          <p:nvPr>
-            <p:ph type="title"/>
-          </p:nvPr>
-        </p:nvSpPr>
-        <p:spPr>
-          <a:xfrm>
-            <a:off x="1876329" y="7247"/>
-            <a:ext cx="9882278" cy="1067634"/>
-          </a:xfrm>
-        </p:spPr>
-        <p:txBody>
-          <a:bodyPr anchor="ctr">
-            <a:normAutofit/>
-          </a:bodyPr>
-          <a:lstStyle/>
-          <a:p>
-            <a:r>
-              <a:rPr lang="pt-BR" dirty="0"/>
-              <a:t>Jornada do Usuário</a:t>
-            </a:r>
-          </a:p>
-        </p:txBody>
-      </p:sp>
-      <p:grpSp>
-        <p:nvGrpSpPr>
-          <p:cNvPr id="12" name="Group 11"/>
-          <p:cNvGrpSpPr>
-            <a:grpSpLocks noGrp="1" noUngrp="1" noRot="1" noChangeAspect="1" noMove="1" noResize="1"/>
-          </p:cNvGrpSpPr>
-          <p:nvPr/>
-        </p:nvGrpSpPr>
-        <p:grpSpPr>
-          <a:xfrm>
-            <a:off x="444125" y="66801"/>
-            <a:ext cx="1128378" cy="847206"/>
-            <a:chOff x="8145259" y="221938"/>
-            <a:chExt cx="1562262" cy="1172973"/>
-          </a:xfrm>
-        </p:grpSpPr>
-        <p:sp>
-          <p:nvSpPr>
-            <p:cNvPr id="13" name="Freeform 5"/>
-            <p:cNvSpPr/>
-            <p:nvPr/>
-          </p:nvSpPr>
-          <p:spPr bwMode="auto">
-            <a:xfrm>
-              <a:off x="8145259" y="570596"/>
-              <a:ext cx="935036" cy="824315"/>
-            </a:xfrm>
-            <a:custGeom>
-              <a:avLst/>
-              <a:gdLst>
-                <a:gd name="T0" fmla="*/ 225 w 785"/>
-                <a:gd name="T1" fmla="*/ 692 h 692"/>
-                <a:gd name="T2" fmla="*/ 177 w 785"/>
-                <a:gd name="T3" fmla="*/ 665 h 692"/>
-                <a:gd name="T4" fmla="*/ 9 w 785"/>
-                <a:gd name="T5" fmla="*/ 374 h 692"/>
-                <a:gd name="T6" fmla="*/ 9 w 785"/>
-                <a:gd name="T7" fmla="*/ 318 h 692"/>
-                <a:gd name="T8" fmla="*/ 177 w 785"/>
-                <a:gd name="T9" fmla="*/ 27 h 692"/>
-                <a:gd name="T10" fmla="*/ 225 w 785"/>
-                <a:gd name="T11" fmla="*/ 0 h 692"/>
-                <a:gd name="T12" fmla="*/ 561 w 785"/>
-                <a:gd name="T13" fmla="*/ 0 h 692"/>
-                <a:gd name="T14" fmla="*/ 609 w 785"/>
-                <a:gd name="T15" fmla="*/ 27 h 692"/>
-                <a:gd name="T16" fmla="*/ 777 w 785"/>
-                <a:gd name="T17" fmla="*/ 318 h 692"/>
-                <a:gd name="T18" fmla="*/ 777 w 785"/>
-                <a:gd name="T19" fmla="*/ 374 h 692"/>
-                <a:gd name="T20" fmla="*/ 609 w 785"/>
-                <a:gd name="T21" fmla="*/ 665 h 692"/>
-                <a:gd name="T22" fmla="*/ 561 w 785"/>
-                <a:gd name="T23" fmla="*/ 692 h 692"/>
-                <a:gd name="T24" fmla="*/ 225 w 785"/>
-                <a:gd name="T25" fmla="*/ 692 h 692"/>
-              </a:gdLst>
-              <a:ahLst/>
-              <a:cxnLst>
-                <a:cxn ang="0">
-                  <a:pos x="T0" y="T1"/>
-                </a:cxn>
-                <a:cxn ang="0">
-                  <a:pos x="T2" y="T3"/>
-                </a:cxn>
-                <a:cxn ang="0">
-                  <a:pos x="T4" y="T5"/>
-                </a:cxn>
-                <a:cxn ang="0">
-                  <a:pos x="T6" y="T7"/>
-                </a:cxn>
-                <a:cxn ang="0">
-                  <a:pos x="T8" y="T9"/>
-                </a:cxn>
-                <a:cxn ang="0">
-                  <a:pos x="T10" y="T11"/>
-                </a:cxn>
-                <a:cxn ang="0">
-                  <a:pos x="T12" y="T13"/>
-                </a:cxn>
-                <a:cxn ang="0">
-                  <a:pos x="T14" y="T15"/>
-                </a:cxn>
-                <a:cxn ang="0">
-                  <a:pos x="T16" y="T17"/>
-                </a:cxn>
-                <a:cxn ang="0">
-                  <a:pos x="T18" y="T19"/>
-                </a:cxn>
-                <a:cxn ang="0">
-                  <a:pos x="T20" y="T21"/>
-                </a:cxn>
-                <a:cxn ang="0">
-                  <a:pos x="T22" y="T23"/>
-                </a:cxn>
-                <a:cxn ang="0">
-                  <a:pos x="T24" y="T25"/>
-                </a:cxn>
-              </a:cxnLst>
-              <a:rect l="0" t="0" r="r" b="b"/>
-              <a:pathLst>
-                <a:path w="785" h="692">
-                  <a:moveTo>
-                    <a:pt x="225" y="692"/>
-                  </a:moveTo>
-                  <a:cubicBezTo>
-                    <a:pt x="207" y="692"/>
-                    <a:pt x="185" y="680"/>
-                    <a:pt x="177" y="665"/>
-                  </a:cubicBezTo>
-                  <a:cubicBezTo>
-                    <a:pt x="9" y="374"/>
-                    <a:pt x="9" y="374"/>
-                    <a:pt x="9" y="374"/>
-                  </a:cubicBezTo>
-                  <a:cubicBezTo>
-                    <a:pt x="0" y="358"/>
-                    <a:pt x="0" y="334"/>
-                    <a:pt x="9" y="318"/>
-                  </a:cubicBezTo>
-                  <a:cubicBezTo>
-                    <a:pt x="177" y="27"/>
-                    <a:pt x="177" y="27"/>
-                    <a:pt x="177" y="27"/>
-                  </a:cubicBezTo>
-                  <a:cubicBezTo>
-                    <a:pt x="185" y="12"/>
-                    <a:pt x="207" y="0"/>
-                    <a:pt x="225" y="0"/>
-                  </a:cubicBezTo>
-                  <a:cubicBezTo>
-                    <a:pt x="561" y="0"/>
-                    <a:pt x="561" y="0"/>
-                    <a:pt x="561" y="0"/>
-                  </a:cubicBezTo>
-                  <a:cubicBezTo>
-                    <a:pt x="578" y="0"/>
-                    <a:pt x="600" y="12"/>
-                    <a:pt x="609" y="27"/>
-                  </a:cubicBezTo>
-                  <a:cubicBezTo>
-                    <a:pt x="777" y="318"/>
-                    <a:pt x="777" y="318"/>
-                    <a:pt x="777" y="318"/>
-                  </a:cubicBezTo>
-                  <a:cubicBezTo>
-                    <a:pt x="785" y="334"/>
-                    <a:pt x="785" y="358"/>
-                    <a:pt x="777" y="374"/>
-                  </a:cubicBezTo>
-                  <a:cubicBezTo>
-                    <a:pt x="609" y="665"/>
-                    <a:pt x="609" y="665"/>
-                    <a:pt x="609" y="665"/>
-                  </a:cubicBezTo>
-                  <a:cubicBezTo>
-                    <a:pt x="600" y="680"/>
-                    <a:pt x="578" y="692"/>
-                    <a:pt x="561" y="692"/>
-                  </a:cubicBezTo>
-                  <a:lnTo>
-                    <a:pt x="225" y="692"/>
-                  </a:lnTo>
-                  <a:close/>
-                </a:path>
-              </a:pathLst>
-            </a:custGeom>
-            <a:noFill/>
-            <a:ln w="28575" cmpd="sng">
-              <a:solidFill>
-                <a:schemeClr val="tx1"/>
-              </a:solidFill>
-            </a:ln>
-          </p:spPr>
-          <p:txBody>
-            <a:bodyPr vert="horz" wrap="square" lIns="91440" tIns="45720" rIns="91440" bIns="45720" numCol="1" anchor="t" anchorCtr="0" compatLnSpc="1"/>
-            <a:lstStyle/>
-            <a:p>
-              <a:endParaRPr lang="en-US"/>
-            </a:p>
-          </p:txBody>
-        </p:sp>
-        <p:sp>
-          <p:nvSpPr>
-            <p:cNvPr id="14" name="Freeform 5"/>
-            <p:cNvSpPr/>
-            <p:nvPr/>
-          </p:nvSpPr>
-          <p:spPr bwMode="auto">
-            <a:xfrm>
-              <a:off x="8945354" y="221938"/>
-              <a:ext cx="762167" cy="671915"/>
-            </a:xfrm>
-            <a:custGeom>
-              <a:avLst/>
-              <a:gdLst>
-                <a:gd name="T0" fmla="*/ 225 w 785"/>
-                <a:gd name="T1" fmla="*/ 692 h 692"/>
-                <a:gd name="T2" fmla="*/ 177 w 785"/>
-                <a:gd name="T3" fmla="*/ 665 h 692"/>
-                <a:gd name="T4" fmla="*/ 9 w 785"/>
-                <a:gd name="T5" fmla="*/ 374 h 692"/>
-                <a:gd name="T6" fmla="*/ 9 w 785"/>
-                <a:gd name="T7" fmla="*/ 318 h 692"/>
-                <a:gd name="T8" fmla="*/ 177 w 785"/>
-                <a:gd name="T9" fmla="*/ 27 h 692"/>
-                <a:gd name="T10" fmla="*/ 225 w 785"/>
-                <a:gd name="T11" fmla="*/ 0 h 692"/>
-                <a:gd name="T12" fmla="*/ 561 w 785"/>
-                <a:gd name="T13" fmla="*/ 0 h 692"/>
-                <a:gd name="T14" fmla="*/ 609 w 785"/>
-                <a:gd name="T15" fmla="*/ 27 h 692"/>
-                <a:gd name="T16" fmla="*/ 777 w 785"/>
-                <a:gd name="T17" fmla="*/ 318 h 692"/>
-                <a:gd name="T18" fmla="*/ 777 w 785"/>
-                <a:gd name="T19" fmla="*/ 374 h 692"/>
-                <a:gd name="T20" fmla="*/ 609 w 785"/>
-                <a:gd name="T21" fmla="*/ 665 h 692"/>
-                <a:gd name="T22" fmla="*/ 561 w 785"/>
-                <a:gd name="T23" fmla="*/ 692 h 692"/>
-                <a:gd name="T24" fmla="*/ 225 w 785"/>
-                <a:gd name="T25" fmla="*/ 692 h 692"/>
-              </a:gdLst>
-              <a:ahLst/>
-              <a:cxnLst>
-                <a:cxn ang="0">
-                  <a:pos x="T0" y="T1"/>
-                </a:cxn>
-                <a:cxn ang="0">
-                  <a:pos x="T2" y="T3"/>
-                </a:cxn>
-                <a:cxn ang="0">
-                  <a:pos x="T4" y="T5"/>
-                </a:cxn>
-                <a:cxn ang="0">
-                  <a:pos x="T6" y="T7"/>
-                </a:cxn>
-                <a:cxn ang="0">
-                  <a:pos x="T8" y="T9"/>
-                </a:cxn>
-                <a:cxn ang="0">
-                  <a:pos x="T10" y="T11"/>
-                </a:cxn>
-                <a:cxn ang="0">
-                  <a:pos x="T12" y="T13"/>
-                </a:cxn>
-                <a:cxn ang="0">
-                  <a:pos x="T14" y="T15"/>
-                </a:cxn>
-                <a:cxn ang="0">
-                  <a:pos x="T16" y="T17"/>
-                </a:cxn>
-                <a:cxn ang="0">
-                  <a:pos x="T18" y="T19"/>
-                </a:cxn>
-                <a:cxn ang="0">
-                  <a:pos x="T20" y="T21"/>
-                </a:cxn>
-                <a:cxn ang="0">
-                  <a:pos x="T22" y="T23"/>
-                </a:cxn>
-                <a:cxn ang="0">
-                  <a:pos x="T24" y="T25"/>
-                </a:cxn>
-              </a:cxnLst>
-              <a:rect l="0" t="0" r="r" b="b"/>
-              <a:pathLst>
-                <a:path w="785" h="692">
-                  <a:moveTo>
-                    <a:pt x="225" y="692"/>
-                  </a:moveTo>
-                  <a:cubicBezTo>
-                    <a:pt x="207" y="692"/>
-                    <a:pt x="185" y="680"/>
-                    <a:pt x="177" y="665"/>
-                  </a:cubicBezTo>
-                  <a:cubicBezTo>
-                    <a:pt x="9" y="374"/>
-                    <a:pt x="9" y="374"/>
-                    <a:pt x="9" y="374"/>
-                  </a:cubicBezTo>
-                  <a:cubicBezTo>
-                    <a:pt x="0" y="358"/>
-                    <a:pt x="0" y="334"/>
-                    <a:pt x="9" y="318"/>
-                  </a:cubicBezTo>
-                  <a:cubicBezTo>
-                    <a:pt x="177" y="27"/>
-                    <a:pt x="177" y="27"/>
-                    <a:pt x="177" y="27"/>
-                  </a:cubicBezTo>
-                  <a:cubicBezTo>
-                    <a:pt x="185" y="12"/>
-                    <a:pt x="207" y="0"/>
-                    <a:pt x="225" y="0"/>
-                  </a:cubicBezTo>
-                  <a:cubicBezTo>
-                    <a:pt x="561" y="0"/>
-                    <a:pt x="561" y="0"/>
-                    <a:pt x="561" y="0"/>
-                  </a:cubicBezTo>
-                  <a:cubicBezTo>
-                    <a:pt x="578" y="0"/>
-                    <a:pt x="600" y="12"/>
-                    <a:pt x="609" y="27"/>
-                  </a:cubicBezTo>
-                  <a:cubicBezTo>
-                    <a:pt x="777" y="318"/>
-                    <a:pt x="777" y="318"/>
-                    <a:pt x="777" y="318"/>
-                  </a:cubicBezTo>
-                  <a:cubicBezTo>
-                    <a:pt x="785" y="334"/>
-                    <a:pt x="785" y="358"/>
-                    <a:pt x="777" y="374"/>
-                  </a:cubicBezTo>
-                  <a:cubicBezTo>
-                    <a:pt x="609" y="665"/>
-                    <a:pt x="609" y="665"/>
-                    <a:pt x="609" y="665"/>
-                  </a:cubicBezTo>
-                  <a:cubicBezTo>
-                    <a:pt x="600" y="680"/>
-                    <a:pt x="578" y="692"/>
-                    <a:pt x="561" y="692"/>
-                  </a:cubicBezTo>
-                  <a:lnTo>
-                    <a:pt x="225" y="692"/>
-                  </a:lnTo>
-                  <a:close/>
-                </a:path>
-              </a:pathLst>
-            </a:custGeom>
-            <a:noFill/>
-            <a:ln w="28575" cmpd="sng">
-              <a:solidFill>
-                <a:schemeClr val="tx1"/>
-              </a:solidFill>
-            </a:ln>
-          </p:spPr>
-          <p:txBody>
-            <a:bodyPr vert="horz" wrap="square" lIns="91440" tIns="45720" rIns="91440" bIns="45720" numCol="1" anchor="t" anchorCtr="0" compatLnSpc="1"/>
-            <a:lstStyle/>
-            <a:p>
-              <a:endParaRPr lang="en-US"/>
-            </a:p>
-          </p:txBody>
-        </p:sp>
-      </p:grpSp>
-      <p:sp>
-        <p:nvSpPr>
-          <p:cNvPr id="34" name="Retângulo 33">
-            <a:extLst>
-              <a:ext uri="{FF2B5EF4-FFF2-40B4-BE49-F238E27FC236}">
-                <a16:creationId xmlns:a16="http://schemas.microsoft.com/office/drawing/2014/main" id="{803C6A0D-ED56-4E0E-91E5-FDB66BE2ACFB}"/>
-              </a:ext>
-            </a:extLst>
-          </p:cNvPr>
-          <p:cNvSpPr/>
-          <p:nvPr/>
-        </p:nvSpPr>
-        <p:spPr>
-          <a:xfrm rot="16200000">
-            <a:off x="6001431" y="579932"/>
-            <a:ext cx="196053" cy="11318298"/>
-          </a:xfrm>
-          <a:prstGeom prst="rect">
-            <a:avLst/>
-          </a:prstGeom>
-          <a:solidFill>
-            <a:schemeClr val="bg1"/>
-          </a:solidFill>
-          <a:ln>
-            <a:noFill/>
-          </a:ln>
-        </p:spPr>
-        <p:style>
-          <a:lnRef idx="0">
-            <a:scrgbClr r="0" g="0" b="0"/>
-          </a:lnRef>
-          <a:fillRef idx="0">
-            <a:scrgbClr r="0" g="0" b="0"/>
-          </a:fillRef>
-          <a:effectRef idx="0">
-            <a:scrgbClr r="0" g="0" b="0"/>
-          </a:effectRef>
-          <a:fontRef idx="minor">
-            <a:schemeClr val="dk1"/>
-          </a:fontRef>
-        </p:style>
-        <p:txBody>
-          <a:bodyPr rtlCol="0" anchor="ctr"/>
-          <a:lstStyle/>
-          <a:p>
-            <a:pPr algn="ctr"/>
-            <a:endParaRPr lang="pt-BR"/>
-          </a:p>
-        </p:txBody>
-      </p:sp>
-      <p:pic>
-        <p:nvPicPr>
-          <p:cNvPr id="31" name="Imagem 30">
-            <a:extLst>
-              <a:ext uri="{FF2B5EF4-FFF2-40B4-BE49-F238E27FC236}">
-                <a16:creationId xmlns:a16="http://schemas.microsoft.com/office/drawing/2014/main" id="{F4C96F85-DA9C-4EC1-A6F8-550957588480}"/>
-              </a:ext>
-            </a:extLst>
-          </p:cNvPr>
-          <p:cNvPicPr>
-            <a:picLocks noChangeAspect="1"/>
-          </p:cNvPicPr>
-          <p:nvPr/>
-        </p:nvPicPr>
-        <p:blipFill>
-          <a:blip r:embed="rId2"/>
-          <a:stretch>
-            <a:fillRect/>
-          </a:stretch>
-        </p:blipFill>
-        <p:spPr>
-          <a:xfrm>
-            <a:off x="889190" y="1831128"/>
-            <a:ext cx="10413620" cy="3252015"/>
-          </a:xfrm>
-          <a:prstGeom prst="rect">
-            <a:avLst/>
-          </a:prstGeom>
-        </p:spPr>
-      </p:pic>
-    </p:spTree>
-    <p:extLst>
-      <p:ext uri="{BB962C8B-B14F-4D97-AF65-F5344CB8AC3E}">
-        <p14:creationId xmlns:p14="http://schemas.microsoft.com/office/powerpoint/2010/main" val="3766808452"/>
-      </p:ext>
-    </p:extLst>
-  </p:cSld>
-  <p:clrMapOvr>
-    <a:masterClrMapping/>
-  </p:clrMapOvr>
-</p:sld>
-</file>
-
 <file path=ppt/theme/theme1.xml><?xml version="1.0" encoding="utf-8"?>
 <a:theme xmlns:a="http://schemas.openxmlformats.org/drawingml/2006/main" name="Tema do Office">
   <a:themeElements>

--- a/Documentação/Apresentação - Sprint 1 - 4 sem.pptx
+++ b/Documentação/Apresentação - Sprint 1 - 4 sem.pptx
@@ -29380,6 +29380,150 @@
           </a:prstGeom>
         </p:spPr>
       </p:pic>
+      <p:sp>
+        <p:nvSpPr>
+          <p:cNvPr id="3" name="CaixaDeTexto 2">
+            <a:extLst>
+              <a:ext uri="{FF2B5EF4-FFF2-40B4-BE49-F238E27FC236}">
+                <a16:creationId xmlns:a16="http://schemas.microsoft.com/office/drawing/2014/main" id="{3AF4CF63-C664-4112-B2EC-9B7A3C7C5E20}"/>
+              </a:ext>
+            </a:extLst>
+          </p:cNvPr>
+          <p:cNvSpPr txBox="1"/>
+          <p:nvPr/>
+        </p:nvSpPr>
+        <p:spPr>
+          <a:xfrm>
+            <a:off x="5293613" y="3765505"/>
+            <a:ext cx="1702967" cy="276999"/>
+          </a:xfrm>
+          <a:prstGeom prst="rect">
+            <a:avLst/>
+          </a:prstGeom>
+          <a:noFill/>
+        </p:spPr>
+        <p:txBody>
+          <a:bodyPr wrap="square" rtlCol="0">
+            <a:spAutoFit/>
+          </a:bodyPr>
+          <a:lstStyle/>
+          <a:p>
+            <a:r>
+              <a:rPr lang="pt-BR" sz="1200" dirty="0"/>
+              <a:t>Web-server1</a:t>
+            </a:r>
+          </a:p>
+        </p:txBody>
+      </p:sp>
+      <p:sp>
+        <p:nvSpPr>
+          <p:cNvPr id="5" name="CaixaDeTexto 4">
+            <a:extLst>
+              <a:ext uri="{FF2B5EF4-FFF2-40B4-BE49-F238E27FC236}">
+                <a16:creationId xmlns:a16="http://schemas.microsoft.com/office/drawing/2014/main" id="{C9077748-D5D4-4C6C-BBD9-69BCDA45DF9B}"/>
+              </a:ext>
+            </a:extLst>
+          </p:cNvPr>
+          <p:cNvSpPr txBox="1"/>
+          <p:nvPr/>
+        </p:nvSpPr>
+        <p:spPr>
+          <a:xfrm>
+            <a:off x="7624437" y="3765505"/>
+            <a:ext cx="1024614" cy="276999"/>
+          </a:xfrm>
+          <a:prstGeom prst="rect">
+            <a:avLst/>
+          </a:prstGeom>
+          <a:noFill/>
+        </p:spPr>
+        <p:txBody>
+          <a:bodyPr wrap="square" rtlCol="0">
+            <a:spAutoFit/>
+          </a:bodyPr>
+          <a:lstStyle/>
+          <a:p>
+            <a:r>
+              <a:rPr lang="pt-BR" sz="1200" dirty="0"/>
+              <a:t>Web-server2</a:t>
+            </a:r>
+          </a:p>
+        </p:txBody>
+      </p:sp>
+      <p:sp>
+        <p:nvSpPr>
+          <p:cNvPr id="6" name="CaixaDeTexto 5">
+            <a:extLst>
+              <a:ext uri="{FF2B5EF4-FFF2-40B4-BE49-F238E27FC236}">
+                <a16:creationId xmlns:a16="http://schemas.microsoft.com/office/drawing/2014/main" id="{125273C2-3F96-49ED-B451-8289CFA63FC9}"/>
+              </a:ext>
+            </a:extLst>
+          </p:cNvPr>
+          <p:cNvSpPr txBox="1"/>
+          <p:nvPr/>
+        </p:nvSpPr>
+        <p:spPr>
+          <a:xfrm>
+            <a:off x="6547315" y="4962171"/>
+            <a:ext cx="898530" cy="276999"/>
+          </a:xfrm>
+          <a:prstGeom prst="rect">
+            <a:avLst/>
+          </a:prstGeom>
+          <a:noFill/>
+        </p:spPr>
+        <p:txBody>
+          <a:bodyPr wrap="square" rtlCol="0">
+            <a:spAutoFit/>
+          </a:bodyPr>
+          <a:lstStyle/>
+          <a:p>
+            <a:r>
+              <a:rPr lang="pt-BR" sz="1200" dirty="0"/>
+              <a:t>File-server</a:t>
+            </a:r>
+          </a:p>
+        </p:txBody>
+      </p:sp>
+      <p:sp>
+        <p:nvSpPr>
+          <p:cNvPr id="7" name="CaixaDeTexto 6">
+            <a:extLst>
+              <a:ext uri="{FF2B5EF4-FFF2-40B4-BE49-F238E27FC236}">
+                <a16:creationId xmlns:a16="http://schemas.microsoft.com/office/drawing/2014/main" id="{47F2AE7B-5DD6-4D15-AE01-7BF90A3AFFAE}"/>
+              </a:ext>
+            </a:extLst>
+          </p:cNvPr>
+          <p:cNvSpPr txBox="1"/>
+          <p:nvPr/>
+        </p:nvSpPr>
+        <p:spPr>
+          <a:xfrm>
+            <a:off x="6484851" y="3657783"/>
+            <a:ext cx="1077122" cy="276999"/>
+          </a:xfrm>
+          <a:prstGeom prst="rect">
+            <a:avLst/>
+          </a:prstGeom>
+          <a:noFill/>
+        </p:spPr>
+        <p:txBody>
+          <a:bodyPr wrap="square" rtlCol="0">
+            <a:spAutoFit/>
+          </a:bodyPr>
+          <a:lstStyle/>
+          <a:p>
+            <a:r>
+              <a:rPr lang="pt-BR" sz="1200" dirty="0" err="1"/>
+              <a:t>Load</a:t>
+            </a:r>
+            <a:r>
+              <a:rPr lang="pt-BR" sz="1200" dirty="0"/>
+              <a:t> balance</a:t>
+            </a:r>
+          </a:p>
+        </p:txBody>
+      </p:sp>
     </p:spTree>
     <p:extLst>
       <p:ext uri="{BB962C8B-B14F-4D97-AF65-F5344CB8AC3E}">
@@ -29433,12 +29577,8 @@
           <a:lstStyle/>
           <a:p>
             <a:r>
-              <a:rPr lang="pt-BR" dirty="0" err="1"/>
-              <a:t>Load</a:t>
-            </a:r>
-            <a:r>
               <a:rPr lang="pt-BR" dirty="0"/>
-              <a:t> Balance</a:t>
+              <a:t>Certificado SSL</a:t>
             </a:r>
           </a:p>
         </p:txBody>
@@ -30141,6 +30281,78 @@
               </a14:hiddenFill>
             </a:ext>
           </a:extLst>
+        </p:spPr>
+      </p:pic>
+      <p:pic>
+        <p:nvPicPr>
+          <p:cNvPr id="4" name="Imagem 3">
+            <a:extLst>
+              <a:ext uri="{FF2B5EF4-FFF2-40B4-BE49-F238E27FC236}">
+                <a16:creationId xmlns:a16="http://schemas.microsoft.com/office/drawing/2014/main" id="{AFF874F8-D635-48BB-9DD4-7135942A79B0}"/>
+              </a:ext>
+            </a:extLst>
+          </p:cNvPr>
+          <p:cNvPicPr>
+            <a:picLocks noChangeAspect="1"/>
+          </p:cNvPicPr>
+          <p:nvPr/>
+        </p:nvPicPr>
+        <p:blipFill>
+          <a:blip r:embed="rId3">
+            <a:extLst>
+              <a:ext uri="{28A0092B-C50C-407E-A947-70E740481C1C}">
+                <a14:useLocalDpi xmlns:a14="http://schemas.microsoft.com/office/drawing/2010/main" val="0"/>
+              </a:ext>
+            </a:extLst>
+          </a:blip>
+          <a:stretch>
+            <a:fillRect/>
+          </a:stretch>
+        </p:blipFill>
+        <p:spPr>
+          <a:xfrm>
+            <a:off x="5417495" y="77845"/>
+            <a:ext cx="2487409" cy="997036"/>
+          </a:xfrm>
+          <a:prstGeom prst="rect">
+            <a:avLst/>
+          </a:prstGeom>
+        </p:spPr>
+      </p:pic>
+      <p:pic>
+        <p:nvPicPr>
+          <p:cNvPr id="6" name="Imagem 5">
+            <a:extLst>
+              <a:ext uri="{FF2B5EF4-FFF2-40B4-BE49-F238E27FC236}">
+                <a16:creationId xmlns:a16="http://schemas.microsoft.com/office/drawing/2014/main" id="{85103222-2524-4E08-A59C-34E11D50B69F}"/>
+              </a:ext>
+            </a:extLst>
+          </p:cNvPr>
+          <p:cNvPicPr>
+            <a:picLocks noChangeAspect="1"/>
+          </p:cNvPicPr>
+          <p:nvPr/>
+        </p:nvPicPr>
+        <p:blipFill>
+          <a:blip r:embed="rId4">
+            <a:extLst>
+              <a:ext uri="{28A0092B-C50C-407E-A947-70E740481C1C}">
+                <a14:useLocalDpi xmlns:a14="http://schemas.microsoft.com/office/drawing/2010/main" val="0"/>
+              </a:ext>
+            </a:extLst>
+          </a:blip>
+          <a:stretch>
+            <a:fillRect/>
+          </a:stretch>
+        </p:blipFill>
+        <p:spPr>
+          <a:xfrm>
+            <a:off x="8139337" y="19393"/>
+            <a:ext cx="1069221" cy="1069221"/>
+          </a:xfrm>
+          <a:prstGeom prst="rect">
+            <a:avLst/>
+          </a:prstGeom>
         </p:spPr>
       </p:pic>
     </p:spTree>
